--- a/ppt.pptx
+++ b/ppt.pptx
@@ -5,7 +5,7 @@
     <p:sldMasterId id="2147483648" r:id="rId1"/>
   </p:sldMasterIdLst>
   <p:notesMasterIdLst>
-    <p:notesMasterId r:id="rId13"/>
+    <p:notesMasterId r:id="rId16"/>
   </p:notesMasterIdLst>
   <p:sldIdLst>
     <p:sldId id="323" r:id="rId3"/>
@@ -18,6 +18,9 @@
     <p:sldId id="413" r:id="rId10"/>
     <p:sldId id="431" r:id="rId11"/>
     <p:sldId id="432" r:id="rId12"/>
+    <p:sldId id="433" r:id="rId13"/>
+    <p:sldId id="434" r:id="rId14"/>
+    <p:sldId id="435" r:id="rId15"/>
   </p:sldIdLst>
   <p:sldSz cx="12192000" cy="6858000"/>
   <p:notesSz cx="6858000" cy="9144000"/>
@@ -5433,6 +5436,3051 @@
               <a:t> })</a:t>
             </a:r>
             <a:endParaRPr lang="zh-CN" altLang="en-US" sz="3200">
+              <a:solidFill>
+                <a:schemeClr val="bg1"/>
+              </a:solidFill>
+            </a:endParaRPr>
+          </a:p>
+        </p:txBody>
+      </p:sp>
+    </p:spTree>
+  </p:cSld>
+  <p:clrMapOvr>
+    <a:masterClrMapping/>
+  </p:clrMapOvr>
+</p:sld>
+</file>
+
+<file path=ppt/slides/slide11.xml><?xml version="1.0" encoding="utf-8"?>
+<p:sld xmlns:a="http://schemas.openxmlformats.org/drawingml/2006/main" xmlns:r="http://schemas.openxmlformats.org/officeDocument/2006/relationships" xmlns:p="http://schemas.openxmlformats.org/presentationml/2006/main">
+  <p:cSld>
+    <p:spTree>
+      <p:nvGrpSpPr>
+        <p:cNvPr id="1" name=""/>
+        <p:cNvGrpSpPr/>
+        <p:nvPr/>
+      </p:nvGrpSpPr>
+      <p:grpSpPr/>
+      <p:grpSp>
+        <p:nvGrpSpPr>
+          <p:cNvPr id="103" name="Group 4"/>
+          <p:cNvGrpSpPr>
+            <a:grpSpLocks noChangeAspect="1"/>
+          </p:cNvGrpSpPr>
+          <p:nvPr/>
+        </p:nvGrpSpPr>
+        <p:grpSpPr bwMode="auto">
+          <a:xfrm rot="891772">
+            <a:off x="521512" y="551543"/>
+            <a:ext cx="507974" cy="919389"/>
+            <a:chOff x="472" y="425"/>
+            <a:chExt cx="363" cy="657"/>
+          </a:xfrm>
+        </p:grpSpPr>
+        <p:sp>
+          <p:nvSpPr>
+            <p:cNvPr id="104" name="Freeform 5"/>
+            <p:cNvSpPr>
+              <a:spLocks noEditPoints="1"/>
+            </p:cNvSpPr>
+            <p:nvPr/>
+          </p:nvSpPr>
+          <p:spPr bwMode="auto">
+            <a:xfrm>
+              <a:off x="472" y="425"/>
+              <a:ext cx="335" cy="657"/>
+            </a:xfrm>
+            <a:custGeom>
+              <a:avLst/>
+              <a:gdLst>
+                <a:gd name="T0" fmla="*/ 81 w 154"/>
+                <a:gd name="T1" fmla="*/ 9 h 305"/>
+                <a:gd name="T2" fmla="*/ 48 w 154"/>
+                <a:gd name="T3" fmla="*/ 43 h 305"/>
+                <a:gd name="T4" fmla="*/ 49 w 154"/>
+                <a:gd name="T5" fmla="*/ 47 h 305"/>
+                <a:gd name="T6" fmla="*/ 30 w 154"/>
+                <a:gd name="T7" fmla="*/ 143 h 305"/>
+                <a:gd name="T8" fmla="*/ 21 w 154"/>
+                <a:gd name="T9" fmla="*/ 158 h 305"/>
+                <a:gd name="T10" fmla="*/ 88 w 154"/>
+                <a:gd name="T11" fmla="*/ 243 h 305"/>
+                <a:gd name="T12" fmla="*/ 101 w 154"/>
+                <a:gd name="T13" fmla="*/ 243 h 305"/>
+                <a:gd name="T14" fmla="*/ 91 w 154"/>
+                <a:gd name="T15" fmla="*/ 285 h 305"/>
+                <a:gd name="T16" fmla="*/ 85 w 154"/>
+                <a:gd name="T17" fmla="*/ 275 h 305"/>
+                <a:gd name="T18" fmla="*/ 81 w 154"/>
+                <a:gd name="T19" fmla="*/ 278 h 305"/>
+                <a:gd name="T20" fmla="*/ 85 w 154"/>
+                <a:gd name="T21" fmla="*/ 303 h 305"/>
+                <a:gd name="T22" fmla="*/ 110 w 154"/>
+                <a:gd name="T23" fmla="*/ 247 h 305"/>
+                <a:gd name="T24" fmla="*/ 107 w 154"/>
+                <a:gd name="T25" fmla="*/ 238 h 305"/>
+                <a:gd name="T26" fmla="*/ 85 w 154"/>
+                <a:gd name="T27" fmla="*/ 164 h 305"/>
+                <a:gd name="T28" fmla="*/ 81 w 154"/>
+                <a:gd name="T29" fmla="*/ 151 h 305"/>
+                <a:gd name="T30" fmla="*/ 80 w 154"/>
+                <a:gd name="T31" fmla="*/ 143 h 305"/>
+                <a:gd name="T32" fmla="*/ 67 w 154"/>
+                <a:gd name="T33" fmla="*/ 92 h 305"/>
+                <a:gd name="T34" fmla="*/ 85 w 154"/>
+                <a:gd name="T35" fmla="*/ 39 h 305"/>
+                <a:gd name="T36" fmla="*/ 81 w 154"/>
+                <a:gd name="T37" fmla="*/ 11 h 305"/>
+                <a:gd name="T38" fmla="*/ 103 w 154"/>
+                <a:gd name="T39" fmla="*/ 228 h 305"/>
+                <a:gd name="T40" fmla="*/ 85 w 154"/>
+                <a:gd name="T41" fmla="*/ 174 h 305"/>
+                <a:gd name="T42" fmla="*/ 76 w 154"/>
+                <a:gd name="T43" fmla="*/ 143 h 305"/>
+                <a:gd name="T44" fmla="*/ 78 w 154"/>
+                <a:gd name="T45" fmla="*/ 151 h 305"/>
+                <a:gd name="T46" fmla="*/ 45 w 154"/>
+                <a:gd name="T47" fmla="*/ 189 h 305"/>
+                <a:gd name="T48" fmla="*/ 81 w 154"/>
+                <a:gd name="T49" fmla="*/ 174 h 305"/>
+                <a:gd name="T50" fmla="*/ 85 w 154"/>
+                <a:gd name="T51" fmla="*/ 192 h 305"/>
+                <a:gd name="T52" fmla="*/ 96 w 154"/>
+                <a:gd name="T53" fmla="*/ 231 h 305"/>
+                <a:gd name="T54" fmla="*/ 81 w 154"/>
+                <a:gd name="T55" fmla="*/ 233 h 305"/>
+                <a:gd name="T56" fmla="*/ 36 w 154"/>
+                <a:gd name="T57" fmla="*/ 147 h 305"/>
+                <a:gd name="T58" fmla="*/ 38 w 154"/>
+                <a:gd name="T59" fmla="*/ 143 h 305"/>
+                <a:gd name="T60" fmla="*/ 76 w 154"/>
+                <a:gd name="T61" fmla="*/ 143 h 305"/>
+                <a:gd name="T62" fmla="*/ 75 w 154"/>
+                <a:gd name="T63" fmla="*/ 47 h 305"/>
+                <a:gd name="T64" fmla="*/ 68 w 154"/>
+                <a:gd name="T65" fmla="*/ 75 h 305"/>
+                <a:gd name="T66" fmla="*/ 57 w 154"/>
+                <a:gd name="T67" fmla="*/ 47 h 305"/>
+                <a:gd name="T68" fmla="*/ 57 w 154"/>
+                <a:gd name="T69" fmla="*/ 19 h 305"/>
+                <a:gd name="T70" fmla="*/ 76 w 154"/>
+                <a:gd name="T71" fmla="*/ 43 h 305"/>
+              </a:gdLst>
+              <a:ahLst/>
+              <a:cxnLst>
+                <a:cxn ang="0">
+                  <a:pos x="T0" y="T1"/>
+                </a:cxn>
+                <a:cxn ang="0">
+                  <a:pos x="T2" y="T3"/>
+                </a:cxn>
+                <a:cxn ang="0">
+                  <a:pos x="T4" y="T5"/>
+                </a:cxn>
+                <a:cxn ang="0">
+                  <a:pos x="T6" y="T7"/>
+                </a:cxn>
+                <a:cxn ang="0">
+                  <a:pos x="T8" y="T9"/>
+                </a:cxn>
+                <a:cxn ang="0">
+                  <a:pos x="T10" y="T11"/>
+                </a:cxn>
+                <a:cxn ang="0">
+                  <a:pos x="T12" y="T13"/>
+                </a:cxn>
+                <a:cxn ang="0">
+                  <a:pos x="T14" y="T15"/>
+                </a:cxn>
+                <a:cxn ang="0">
+                  <a:pos x="T16" y="T17"/>
+                </a:cxn>
+                <a:cxn ang="0">
+                  <a:pos x="T18" y="T19"/>
+                </a:cxn>
+                <a:cxn ang="0">
+                  <a:pos x="T20" y="T21"/>
+                </a:cxn>
+                <a:cxn ang="0">
+                  <a:pos x="T22" y="T23"/>
+                </a:cxn>
+                <a:cxn ang="0">
+                  <a:pos x="T24" y="T25"/>
+                </a:cxn>
+                <a:cxn ang="0">
+                  <a:pos x="T26" y="T27"/>
+                </a:cxn>
+                <a:cxn ang="0">
+                  <a:pos x="T28" y="T29"/>
+                </a:cxn>
+                <a:cxn ang="0">
+                  <a:pos x="T30" y="T31"/>
+                </a:cxn>
+                <a:cxn ang="0">
+                  <a:pos x="T32" y="T33"/>
+                </a:cxn>
+                <a:cxn ang="0">
+                  <a:pos x="T34" y="T35"/>
+                </a:cxn>
+                <a:cxn ang="0">
+                  <a:pos x="T36" y="T37"/>
+                </a:cxn>
+                <a:cxn ang="0">
+                  <a:pos x="T38" y="T39"/>
+                </a:cxn>
+                <a:cxn ang="0">
+                  <a:pos x="T40" y="T41"/>
+                </a:cxn>
+                <a:cxn ang="0">
+                  <a:pos x="T42" y="T43"/>
+                </a:cxn>
+                <a:cxn ang="0">
+                  <a:pos x="T44" y="T45"/>
+                </a:cxn>
+                <a:cxn ang="0">
+                  <a:pos x="T46" y="T47"/>
+                </a:cxn>
+                <a:cxn ang="0">
+                  <a:pos x="T48" y="T49"/>
+                </a:cxn>
+                <a:cxn ang="0">
+                  <a:pos x="T50" y="T51"/>
+                </a:cxn>
+                <a:cxn ang="0">
+                  <a:pos x="T52" y="T53"/>
+                </a:cxn>
+                <a:cxn ang="0">
+                  <a:pos x="T54" y="T55"/>
+                </a:cxn>
+                <a:cxn ang="0">
+                  <a:pos x="T56" y="T57"/>
+                </a:cxn>
+                <a:cxn ang="0">
+                  <a:pos x="T58" y="T59"/>
+                </a:cxn>
+                <a:cxn ang="0">
+                  <a:pos x="T60" y="T61"/>
+                </a:cxn>
+                <a:cxn ang="0">
+                  <a:pos x="T62" y="T63"/>
+                </a:cxn>
+                <a:cxn ang="0">
+                  <a:pos x="T64" y="T65"/>
+                </a:cxn>
+                <a:cxn ang="0">
+                  <a:pos x="T66" y="T67"/>
+                </a:cxn>
+                <a:cxn ang="0">
+                  <a:pos x="T68" y="T69"/>
+                </a:cxn>
+                <a:cxn ang="0">
+                  <a:pos x="T70" y="T71"/>
+                </a:cxn>
+              </a:cxnLst>
+              <a:rect l="0" t="0" r="r" b="b"/>
+              <a:pathLst>
+                <a:path w="154" h="305">
+                  <a:moveTo>
+                    <a:pt x="81" y="11"/>
+                  </a:moveTo>
+                  <a:cubicBezTo>
+                    <a:pt x="81" y="10"/>
+                    <a:pt x="81" y="10"/>
+                    <a:pt x="81" y="9"/>
+                  </a:cubicBezTo>
+                  <a:cubicBezTo>
+                    <a:pt x="78" y="2"/>
+                    <a:pt x="64" y="0"/>
+                    <a:pt x="58" y="4"/>
+                  </a:cubicBezTo>
+                  <a:cubicBezTo>
+                    <a:pt x="48" y="10"/>
+                    <a:pt x="47" y="33"/>
+                    <a:pt x="48" y="43"/>
+                  </a:cubicBezTo>
+                  <a:cubicBezTo>
+                    <a:pt x="48" y="43"/>
+                    <a:pt x="48" y="43"/>
+                    <a:pt x="48" y="43"/>
+                  </a:cubicBezTo>
+                  <a:cubicBezTo>
+                    <a:pt x="48" y="44"/>
+                    <a:pt x="48" y="46"/>
+                    <a:pt x="49" y="47"/>
+                  </a:cubicBezTo>
+                  <a:cubicBezTo>
+                    <a:pt x="51" y="63"/>
+                    <a:pt x="56" y="78"/>
+                    <a:pt x="61" y="93"/>
+                  </a:cubicBezTo>
+                  <a:cubicBezTo>
+                    <a:pt x="52" y="110"/>
+                    <a:pt x="39" y="126"/>
+                    <a:pt x="30" y="143"/>
+                  </a:cubicBezTo>
+                  <a:cubicBezTo>
+                    <a:pt x="29" y="144"/>
+                    <a:pt x="28" y="146"/>
+                    <a:pt x="27" y="147"/>
+                  </a:cubicBezTo>
+                  <a:cubicBezTo>
+                    <a:pt x="25" y="151"/>
+                    <a:pt x="23" y="154"/>
+                    <a:pt x="21" y="158"/>
+                  </a:cubicBezTo>
+                  <a:cubicBezTo>
+                    <a:pt x="0" y="205"/>
+                    <a:pt x="32" y="238"/>
+                    <a:pt x="69" y="243"/>
+                  </a:cubicBezTo>
+                  <a:cubicBezTo>
+                    <a:pt x="75" y="244"/>
+                    <a:pt x="82" y="244"/>
+                    <a:pt x="88" y="243"/>
+                  </a:cubicBezTo>
+                  <a:cubicBezTo>
+                    <a:pt x="92" y="242"/>
+                    <a:pt x="96" y="242"/>
+                    <a:pt x="100" y="240"/>
+                  </a:cubicBezTo>
+                  <a:cubicBezTo>
+                    <a:pt x="100" y="241"/>
+                    <a:pt x="100" y="242"/>
+                    <a:pt x="101" y="243"/>
+                  </a:cubicBezTo>
+                  <a:cubicBezTo>
+                    <a:pt x="101" y="244"/>
+                    <a:pt x="101" y="246"/>
+                    <a:pt x="102" y="247"/>
+                  </a:cubicBezTo>
+                  <a:cubicBezTo>
+                    <a:pt x="104" y="258"/>
+                    <a:pt x="103" y="270"/>
+                    <a:pt x="91" y="285"/>
+                  </a:cubicBezTo>
+                  <a:cubicBezTo>
+                    <a:pt x="91" y="284"/>
+                    <a:pt x="91" y="284"/>
+                    <a:pt x="91" y="284"/>
+                  </a:cubicBezTo>
+                  <a:cubicBezTo>
+                    <a:pt x="92" y="280"/>
+                    <a:pt x="89" y="276"/>
+                    <a:pt x="85" y="275"/>
+                  </a:cubicBezTo>
+                  <a:cubicBezTo>
+                    <a:pt x="84" y="275"/>
+                    <a:pt x="82" y="276"/>
+                    <a:pt x="81" y="277"/>
+                  </a:cubicBezTo>
+                  <a:cubicBezTo>
+                    <a:pt x="81" y="277"/>
+                    <a:pt x="81" y="277"/>
+                    <a:pt x="81" y="278"/>
+                  </a:cubicBezTo>
+                  <a:cubicBezTo>
+                    <a:pt x="74" y="285"/>
+                    <a:pt x="75" y="295"/>
+                    <a:pt x="81" y="300"/>
+                  </a:cubicBezTo>
+                  <a:cubicBezTo>
+                    <a:pt x="82" y="301"/>
+                    <a:pt x="84" y="302"/>
+                    <a:pt x="85" y="303"/>
+                  </a:cubicBezTo>
+                  <a:cubicBezTo>
+                    <a:pt x="88" y="304"/>
+                    <a:pt x="92" y="305"/>
+                    <a:pt x="97" y="304"/>
+                  </a:cubicBezTo>
+                  <a:cubicBezTo>
+                    <a:pt x="120" y="297"/>
+                    <a:pt x="117" y="271"/>
+                    <a:pt x="110" y="247"/>
+                  </a:cubicBezTo>
+                  <a:cubicBezTo>
+                    <a:pt x="109" y="246"/>
+                    <a:pt x="109" y="244"/>
+                    <a:pt x="109" y="243"/>
+                  </a:cubicBezTo>
+                  <a:cubicBezTo>
+                    <a:pt x="108" y="241"/>
+                    <a:pt x="107" y="239"/>
+                    <a:pt x="107" y="238"/>
+                  </a:cubicBezTo>
+                  <a:cubicBezTo>
+                    <a:pt x="117" y="233"/>
+                    <a:pt x="127" y="226"/>
+                    <a:pt x="134" y="215"/>
+                  </a:cubicBezTo>
+                  <a:cubicBezTo>
+                    <a:pt x="154" y="188"/>
+                    <a:pt x="117" y="163"/>
+                    <a:pt x="85" y="164"/>
+                  </a:cubicBezTo>
+                  <a:cubicBezTo>
+                    <a:pt x="84" y="164"/>
+                    <a:pt x="84" y="164"/>
+                    <a:pt x="83" y="164"/>
+                  </a:cubicBezTo>
+                  <a:cubicBezTo>
+                    <a:pt x="83" y="159"/>
+                    <a:pt x="82" y="155"/>
+                    <a:pt x="81" y="151"/>
+                  </a:cubicBezTo>
+                  <a:cubicBezTo>
+                    <a:pt x="81" y="149"/>
+                    <a:pt x="81" y="148"/>
+                    <a:pt x="80" y="147"/>
+                  </a:cubicBezTo>
+                  <a:cubicBezTo>
+                    <a:pt x="80" y="146"/>
+                    <a:pt x="80" y="144"/>
+                    <a:pt x="80" y="143"/>
+                  </a:cubicBezTo>
+                  <a:cubicBezTo>
+                    <a:pt x="77" y="131"/>
+                    <a:pt x="75" y="119"/>
+                    <a:pt x="72" y="108"/>
+                  </a:cubicBezTo>
+                  <a:cubicBezTo>
+                    <a:pt x="71" y="103"/>
+                    <a:pt x="69" y="97"/>
+                    <a:pt x="67" y="92"/>
+                  </a:cubicBezTo>
+                  <a:cubicBezTo>
+                    <a:pt x="73" y="81"/>
+                    <a:pt x="78" y="71"/>
+                    <a:pt x="81" y="60"/>
+                  </a:cubicBezTo>
+                  <a:cubicBezTo>
+                    <a:pt x="83" y="53"/>
+                    <a:pt x="85" y="46"/>
+                    <a:pt x="85" y="39"/>
+                  </a:cubicBezTo>
+                  <a:cubicBezTo>
+                    <a:pt x="85" y="35"/>
+                    <a:pt x="85" y="32"/>
+                    <a:pt x="85" y="29"/>
+                  </a:cubicBezTo>
+                  <a:cubicBezTo>
+                    <a:pt x="85" y="23"/>
+                    <a:pt x="83" y="17"/>
+                    <a:pt x="81" y="11"/>
+                  </a:cubicBezTo>
+                  <a:close/>
+                  <a:moveTo>
+                    <a:pt x="109" y="225"/>
+                  </a:moveTo>
+                  <a:cubicBezTo>
+                    <a:pt x="107" y="226"/>
+                    <a:pt x="105" y="228"/>
+                    <a:pt x="103" y="228"/>
+                  </a:cubicBezTo>
+                  <a:cubicBezTo>
+                    <a:pt x="101" y="222"/>
+                    <a:pt x="98" y="216"/>
+                    <a:pt x="97" y="213"/>
+                  </a:cubicBezTo>
+                  <a:cubicBezTo>
+                    <a:pt x="92" y="200"/>
+                    <a:pt x="88" y="187"/>
+                    <a:pt x="85" y="174"/>
+                  </a:cubicBezTo>
+                  <a:cubicBezTo>
+                    <a:pt x="115" y="174"/>
+                    <a:pt x="144" y="202"/>
+                    <a:pt x="109" y="225"/>
+                  </a:cubicBezTo>
+                  <a:close/>
+                  <a:moveTo>
+                    <a:pt x="76" y="143"/>
+                  </a:moveTo>
+                  <a:cubicBezTo>
+                    <a:pt x="76" y="144"/>
+                    <a:pt x="76" y="146"/>
+                    <a:pt x="77" y="147"/>
+                  </a:cubicBezTo>
+                  <a:cubicBezTo>
+                    <a:pt x="77" y="148"/>
+                    <a:pt x="77" y="150"/>
+                    <a:pt x="78" y="151"/>
+                  </a:cubicBezTo>
+                  <a:cubicBezTo>
+                    <a:pt x="78" y="155"/>
+                    <a:pt x="79" y="160"/>
+                    <a:pt x="80" y="164"/>
+                  </a:cubicBezTo>
+                  <a:cubicBezTo>
+                    <a:pt x="64" y="165"/>
+                    <a:pt x="50" y="173"/>
+                    <a:pt x="45" y="189"/>
+                  </a:cubicBezTo>
+                  <a:cubicBezTo>
+                    <a:pt x="44" y="192"/>
+                    <a:pt x="49" y="194"/>
+                    <a:pt x="51" y="191"/>
+                  </a:cubicBezTo>
+                  <a:cubicBezTo>
+                    <a:pt x="59" y="180"/>
+                    <a:pt x="70" y="175"/>
+                    <a:pt x="81" y="174"/>
+                  </a:cubicBezTo>
+                  <a:cubicBezTo>
+                    <a:pt x="81" y="174"/>
+                    <a:pt x="82" y="174"/>
+                    <a:pt x="82" y="174"/>
+                  </a:cubicBezTo>
+                  <a:cubicBezTo>
+                    <a:pt x="83" y="180"/>
+                    <a:pt x="84" y="186"/>
+                    <a:pt x="85" y="192"/>
+                  </a:cubicBezTo>
+                  <a:cubicBezTo>
+                    <a:pt x="87" y="199"/>
+                    <a:pt x="88" y="207"/>
+                    <a:pt x="91" y="214"/>
+                  </a:cubicBezTo>
+                  <a:cubicBezTo>
+                    <a:pt x="92" y="220"/>
+                    <a:pt x="94" y="226"/>
+                    <a:pt x="96" y="231"/>
+                  </a:cubicBezTo>
+                  <a:cubicBezTo>
+                    <a:pt x="93" y="232"/>
+                    <a:pt x="89" y="233"/>
+                    <a:pt x="85" y="233"/>
+                  </a:cubicBezTo>
+                  <a:cubicBezTo>
+                    <a:pt x="84" y="233"/>
+                    <a:pt x="82" y="233"/>
+                    <a:pt x="81" y="233"/>
+                  </a:cubicBezTo>
+                  <a:cubicBezTo>
+                    <a:pt x="67" y="233"/>
+                    <a:pt x="52" y="228"/>
+                    <a:pt x="41" y="223"/>
+                  </a:cubicBezTo>
+                  <a:cubicBezTo>
+                    <a:pt x="9" y="206"/>
+                    <a:pt x="24" y="170"/>
+                    <a:pt x="36" y="147"/>
+                  </a:cubicBezTo>
+                  <a:cubicBezTo>
+                    <a:pt x="36" y="146"/>
+                    <a:pt x="36" y="145"/>
+                    <a:pt x="37" y="144"/>
+                  </a:cubicBezTo>
+                  <a:cubicBezTo>
+                    <a:pt x="37" y="144"/>
+                    <a:pt x="37" y="143"/>
+                    <a:pt x="38" y="143"/>
+                  </a:cubicBezTo>
+                  <a:cubicBezTo>
+                    <a:pt x="45" y="130"/>
+                    <a:pt x="54" y="116"/>
+                    <a:pt x="63" y="100"/>
+                  </a:cubicBezTo>
+                  <a:cubicBezTo>
+                    <a:pt x="67" y="114"/>
+                    <a:pt x="72" y="129"/>
+                    <a:pt x="76" y="143"/>
+                  </a:cubicBezTo>
+                  <a:close/>
+                  <a:moveTo>
+                    <a:pt x="76" y="43"/>
+                  </a:moveTo>
+                  <a:cubicBezTo>
+                    <a:pt x="76" y="44"/>
+                    <a:pt x="75" y="46"/>
+                    <a:pt x="75" y="47"/>
+                  </a:cubicBezTo>
+                  <a:cubicBezTo>
+                    <a:pt x="75" y="47"/>
+                    <a:pt x="75" y="48"/>
+                    <a:pt x="75" y="48"/>
+                  </a:cubicBezTo>
+                  <a:cubicBezTo>
+                    <a:pt x="74" y="57"/>
+                    <a:pt x="71" y="66"/>
+                    <a:pt x="68" y="75"/>
+                  </a:cubicBezTo>
+                  <a:cubicBezTo>
+                    <a:pt x="67" y="78"/>
+                    <a:pt x="66" y="81"/>
+                    <a:pt x="65" y="83"/>
+                  </a:cubicBezTo>
+                  <a:cubicBezTo>
+                    <a:pt x="61" y="71"/>
+                    <a:pt x="58" y="59"/>
+                    <a:pt x="57" y="47"/>
+                  </a:cubicBezTo>
+                  <a:cubicBezTo>
+                    <a:pt x="57" y="46"/>
+                    <a:pt x="56" y="44"/>
+                    <a:pt x="56" y="43"/>
+                  </a:cubicBezTo>
+                  <a:cubicBezTo>
+                    <a:pt x="56" y="35"/>
+                    <a:pt x="56" y="27"/>
+                    <a:pt x="57" y="19"/>
+                  </a:cubicBezTo>
+                  <a:cubicBezTo>
+                    <a:pt x="58" y="12"/>
+                    <a:pt x="64" y="13"/>
+                    <a:pt x="77" y="23"/>
+                  </a:cubicBezTo>
+                  <a:cubicBezTo>
+                    <a:pt x="77" y="30"/>
+                    <a:pt x="77" y="36"/>
+                    <a:pt x="76" y="43"/>
+                  </a:cubicBezTo>
+                  <a:close/>
+                </a:path>
+              </a:pathLst>
+            </a:custGeom>
+            <a:solidFill>
+              <a:srgbClr val="F2F2F2"/>
+            </a:solidFill>
+            <a:ln>
+              <a:noFill/>
+            </a:ln>
+            <a:extLst>
+              <a:ext uri="{91240B29-F687-4F45-9708-019B960494DF}">
+                <a14:hiddenLine xmlns:a14="http://schemas.microsoft.com/office/drawing/2010/main" w="9525">
+                  <a:solidFill>
+                    <a:srgbClr val="000000"/>
+                  </a:solidFill>
+                  <a:round/>
+                </a14:hiddenLine>
+              </a:ext>
+            </a:extLst>
+          </p:spPr>
+          <p:txBody>
+            <a:bodyPr vert="horz" wrap="square" lIns="91440" tIns="45720" rIns="91440" bIns="45720" numCol="1" anchor="t" anchorCtr="0" compatLnSpc="1"/>
+            <a:p>
+              <a:endParaRPr lang="zh-CN" altLang="en-US"/>
+            </a:p>
+          </p:txBody>
+        </p:sp>
+        <p:sp>
+          <p:nvSpPr>
+            <p:cNvPr id="105" name="Freeform 6"/>
+            <p:cNvSpPr/>
+            <p:nvPr/>
+          </p:nvSpPr>
+          <p:spPr bwMode="auto">
+            <a:xfrm>
+              <a:off x="735" y="774"/>
+              <a:ext cx="61" cy="52"/>
+            </a:xfrm>
+            <a:custGeom>
+              <a:avLst/>
+              <a:gdLst>
+                <a:gd name="T0" fmla="*/ 25 w 28"/>
+                <a:gd name="T1" fmla="*/ 23 h 24"/>
+                <a:gd name="T2" fmla="*/ 27 w 28"/>
+                <a:gd name="T3" fmla="*/ 21 h 24"/>
+                <a:gd name="T4" fmla="*/ 3 w 28"/>
+                <a:gd name="T5" fmla="*/ 1 h 24"/>
+                <a:gd name="T6" fmla="*/ 2 w 28"/>
+                <a:gd name="T7" fmla="*/ 4 h 24"/>
+                <a:gd name="T8" fmla="*/ 25 w 28"/>
+                <a:gd name="T9" fmla="*/ 23 h 24"/>
+              </a:gdLst>
+              <a:ahLst/>
+              <a:cxnLst>
+                <a:cxn ang="0">
+                  <a:pos x="T0" y="T1"/>
+                </a:cxn>
+                <a:cxn ang="0">
+                  <a:pos x="T2" y="T3"/>
+                </a:cxn>
+                <a:cxn ang="0">
+                  <a:pos x="T4" y="T5"/>
+                </a:cxn>
+                <a:cxn ang="0">
+                  <a:pos x="T6" y="T7"/>
+                </a:cxn>
+                <a:cxn ang="0">
+                  <a:pos x="T8" y="T9"/>
+                </a:cxn>
+              </a:cxnLst>
+              <a:rect l="0" t="0" r="r" b="b"/>
+              <a:pathLst>
+                <a:path w="28" h="24">
+                  <a:moveTo>
+                    <a:pt x="25" y="23"/>
+                  </a:moveTo>
+                  <a:cubicBezTo>
+                    <a:pt x="26" y="24"/>
+                    <a:pt x="28" y="23"/>
+                    <a:pt x="27" y="21"/>
+                  </a:cubicBezTo>
+                  <a:cubicBezTo>
+                    <a:pt x="24" y="10"/>
+                    <a:pt x="13" y="4"/>
+                    <a:pt x="3" y="1"/>
+                  </a:cubicBezTo>
+                  <a:cubicBezTo>
+                    <a:pt x="1" y="0"/>
+                    <a:pt x="0" y="3"/>
+                    <a:pt x="2" y="4"/>
+                  </a:cubicBezTo>
+                  <a:cubicBezTo>
+                    <a:pt x="10" y="10"/>
+                    <a:pt x="17" y="17"/>
+                    <a:pt x="25" y="23"/>
+                  </a:cubicBezTo>
+                  <a:close/>
+                </a:path>
+              </a:pathLst>
+            </a:custGeom>
+            <a:solidFill>
+              <a:srgbClr val="F2F2F2"/>
+            </a:solidFill>
+            <a:ln>
+              <a:noFill/>
+            </a:ln>
+            <a:extLst>
+              <a:ext uri="{91240B29-F687-4F45-9708-019B960494DF}">
+                <a14:hiddenLine xmlns:a14="http://schemas.microsoft.com/office/drawing/2010/main" w="9525">
+                  <a:solidFill>
+                    <a:srgbClr val="000000"/>
+                  </a:solidFill>
+                  <a:round/>
+                </a14:hiddenLine>
+              </a:ext>
+            </a:extLst>
+          </p:spPr>
+          <p:txBody>
+            <a:bodyPr vert="horz" wrap="square" lIns="91440" tIns="45720" rIns="91440" bIns="45720" numCol="1" anchor="t" anchorCtr="0" compatLnSpc="1"/>
+            <a:p>
+              <a:endParaRPr lang="zh-CN" altLang="en-US"/>
+            </a:p>
+          </p:txBody>
+        </p:sp>
+        <p:sp>
+          <p:nvSpPr>
+            <p:cNvPr id="106" name="Freeform 7"/>
+            <p:cNvSpPr/>
+            <p:nvPr/>
+          </p:nvSpPr>
+          <p:spPr bwMode="auto">
+            <a:xfrm>
+              <a:off x="759" y="748"/>
+              <a:ext cx="76" cy="50"/>
+            </a:xfrm>
+            <a:custGeom>
+              <a:avLst/>
+              <a:gdLst>
+                <a:gd name="T0" fmla="*/ 3 w 35"/>
+                <a:gd name="T1" fmla="*/ 1 h 23"/>
+                <a:gd name="T2" fmla="*/ 3 w 35"/>
+                <a:gd name="T3" fmla="*/ 5 h 23"/>
+                <a:gd name="T4" fmla="*/ 17 w 35"/>
+                <a:gd name="T5" fmla="*/ 11 h 23"/>
+                <a:gd name="T6" fmla="*/ 31 w 35"/>
+                <a:gd name="T7" fmla="*/ 22 h 23"/>
+                <a:gd name="T8" fmla="*/ 34 w 35"/>
+                <a:gd name="T9" fmla="*/ 20 h 23"/>
+                <a:gd name="T10" fmla="*/ 3 w 35"/>
+                <a:gd name="T11" fmla="*/ 1 h 23"/>
+              </a:gdLst>
+              <a:ahLst/>
+              <a:cxnLst>
+                <a:cxn ang="0">
+                  <a:pos x="T0" y="T1"/>
+                </a:cxn>
+                <a:cxn ang="0">
+                  <a:pos x="T2" y="T3"/>
+                </a:cxn>
+                <a:cxn ang="0">
+                  <a:pos x="T4" y="T5"/>
+                </a:cxn>
+                <a:cxn ang="0">
+                  <a:pos x="T6" y="T7"/>
+                </a:cxn>
+                <a:cxn ang="0">
+                  <a:pos x="T8" y="T9"/>
+                </a:cxn>
+                <a:cxn ang="0">
+                  <a:pos x="T10" y="T11"/>
+                </a:cxn>
+              </a:cxnLst>
+              <a:rect l="0" t="0" r="r" b="b"/>
+              <a:pathLst>
+                <a:path w="35" h="23">
+                  <a:moveTo>
+                    <a:pt x="3" y="1"/>
+                  </a:moveTo>
+                  <a:cubicBezTo>
+                    <a:pt x="1" y="1"/>
+                    <a:pt x="0" y="4"/>
+                    <a:pt x="3" y="5"/>
+                  </a:cubicBezTo>
+                  <a:cubicBezTo>
+                    <a:pt x="8" y="6"/>
+                    <a:pt x="13" y="8"/>
+                    <a:pt x="17" y="11"/>
+                  </a:cubicBezTo>
+                  <a:cubicBezTo>
+                    <a:pt x="22" y="15"/>
+                    <a:pt x="26" y="19"/>
+                    <a:pt x="31" y="22"/>
+                  </a:cubicBezTo>
+                  <a:cubicBezTo>
+                    <a:pt x="33" y="23"/>
+                    <a:pt x="35" y="22"/>
+                    <a:pt x="34" y="20"/>
+                  </a:cubicBezTo>
+                  <a:cubicBezTo>
+                    <a:pt x="30" y="8"/>
+                    <a:pt x="16" y="0"/>
+                    <a:pt x="3" y="1"/>
+                  </a:cubicBezTo>
+                  <a:close/>
+                </a:path>
+              </a:pathLst>
+            </a:custGeom>
+            <a:solidFill>
+              <a:srgbClr val="F2F2F2"/>
+            </a:solidFill>
+            <a:ln>
+              <a:noFill/>
+            </a:ln>
+            <a:extLst>
+              <a:ext uri="{91240B29-F687-4F45-9708-019B960494DF}">
+                <a14:hiddenLine xmlns:a14="http://schemas.microsoft.com/office/drawing/2010/main" w="9525">
+                  <a:solidFill>
+                    <a:srgbClr val="000000"/>
+                  </a:solidFill>
+                  <a:round/>
+                </a14:hiddenLine>
+              </a:ext>
+            </a:extLst>
+          </p:spPr>
+          <p:txBody>
+            <a:bodyPr vert="horz" wrap="square" lIns="91440" tIns="45720" rIns="91440" bIns="45720" numCol="1" anchor="t" anchorCtr="0" compatLnSpc="1"/>
+            <a:p>
+              <a:endParaRPr lang="zh-CN" altLang="en-US"/>
+            </a:p>
+          </p:txBody>
+        </p:sp>
+      </p:grpSp>
+      <p:sp>
+        <p:nvSpPr>
+          <p:cNvPr id="4" name="Rectangle 47"/>
+          <p:cNvSpPr/>
+          <p:nvPr/>
+        </p:nvSpPr>
+        <p:spPr>
+          <a:xfrm>
+            <a:off x="1288212" y="759990"/>
+            <a:ext cx="4299585" cy="492125"/>
+          </a:xfrm>
+          <a:prstGeom prst="rect">
+            <a:avLst/>
+          </a:prstGeom>
+        </p:spPr>
+        <p:txBody>
+          <a:bodyPr wrap="none" lIns="0" tIns="0" rIns="0" bIns="0">
+            <a:spAutoFit/>
+          </a:bodyPr>
+          <a:p>
+            <a:pPr algn="l"/>
+            <a:r>
+              <a:rPr lang="en-US" altLang="zh-CN" sz="3200" b="1" dirty="0" smtClean="0">
+                <a:solidFill>
+                  <a:schemeClr val="bg1"/>
+                </a:solidFill>
+                <a:latin typeface="方正静蕾简体" pitchFamily="2" charset="-122"/>
+                <a:ea typeface="方正静蕾简体" pitchFamily="2" charset="-122"/>
+                <a:cs typeface="Arial" panose="020B0604020202020204" pitchFamily="34" charset="0"/>
+              </a:rPr>
+              <a:t>Background / 常驻后台</a:t>
+            </a:r>
+            <a:endParaRPr lang="en-US" altLang="zh-CN" sz="3200" b="1" dirty="0" smtClean="0">
+              <a:solidFill>
+                <a:schemeClr val="bg1"/>
+              </a:solidFill>
+              <a:latin typeface="方正静蕾简体" pitchFamily="2" charset="-122"/>
+              <a:ea typeface="方正静蕾简体" pitchFamily="2" charset="-122"/>
+              <a:cs typeface="Arial" panose="020B0604020202020204" pitchFamily="34" charset="0"/>
+            </a:endParaRPr>
+          </a:p>
+        </p:txBody>
+      </p:sp>
+      <p:sp>
+        <p:nvSpPr>
+          <p:cNvPr id="5" name="文本框 4"/>
+          <p:cNvSpPr txBox="1"/>
+          <p:nvPr/>
+        </p:nvSpPr>
+        <p:spPr>
+          <a:xfrm>
+            <a:off x="1288415" y="2274570"/>
+            <a:ext cx="9861550" cy="2584450"/>
+          </a:xfrm>
+          <a:prstGeom prst="rect">
+            <a:avLst/>
+          </a:prstGeom>
+          <a:noFill/>
+        </p:spPr>
+        <p:txBody>
+          <a:bodyPr wrap="square" rtlCol="0" anchor="t">
+            <a:spAutoFit/>
+          </a:bodyPr>
+          <a:p>
+            <a:r>
+              <a:rPr lang="zh-CN" altLang="en-US">
+                <a:solidFill>
+                  <a:schemeClr val="bg1"/>
+                </a:solidFill>
+              </a:rPr>
+              <a:t>{</a:t>
+            </a:r>
+            <a:endParaRPr lang="zh-CN" altLang="en-US">
+              <a:solidFill>
+                <a:schemeClr val="bg1"/>
+              </a:solidFill>
+            </a:endParaRPr>
+          </a:p>
+          <a:p>
+            <a:r>
+              <a:rPr lang="zh-CN" altLang="en-US">
+                <a:solidFill>
+                  <a:schemeClr val="bg1"/>
+                </a:solidFill>
+              </a:rPr>
+              <a:t>	// 会一直常驻的后台JS或后台页面</a:t>
+            </a:r>
+            <a:endParaRPr lang="zh-CN" altLang="en-US">
+              <a:solidFill>
+                <a:schemeClr val="bg1"/>
+              </a:solidFill>
+            </a:endParaRPr>
+          </a:p>
+          <a:p>
+            <a:r>
+              <a:rPr lang="zh-CN" altLang="en-US">
+                <a:solidFill>
+                  <a:schemeClr val="bg1"/>
+                </a:solidFill>
+              </a:rPr>
+              <a:t>	"background":</a:t>
+            </a:r>
+            <a:endParaRPr lang="zh-CN" altLang="en-US">
+              <a:solidFill>
+                <a:schemeClr val="bg1"/>
+              </a:solidFill>
+            </a:endParaRPr>
+          </a:p>
+          <a:p>
+            <a:r>
+              <a:rPr lang="zh-CN" altLang="en-US">
+                <a:solidFill>
+                  <a:schemeClr val="bg1"/>
+                </a:solidFill>
+              </a:rPr>
+              <a:t>	{</a:t>
+            </a:r>
+            <a:endParaRPr lang="zh-CN" altLang="en-US">
+              <a:solidFill>
+                <a:schemeClr val="bg1"/>
+              </a:solidFill>
+            </a:endParaRPr>
+          </a:p>
+          <a:p>
+            <a:r>
+              <a:rPr lang="zh-CN" altLang="en-US">
+                <a:solidFill>
+                  <a:schemeClr val="bg1"/>
+                </a:solidFill>
+              </a:rPr>
+              <a:t>		// 2种指定方式，如果指定JS，那么会自动生成一个背景页</a:t>
+            </a:r>
+            <a:endParaRPr lang="zh-CN" altLang="en-US">
+              <a:solidFill>
+                <a:schemeClr val="bg1"/>
+              </a:solidFill>
+            </a:endParaRPr>
+          </a:p>
+          <a:p>
+            <a:r>
+              <a:rPr lang="zh-CN" altLang="en-US">
+                <a:solidFill>
+                  <a:schemeClr val="bg1"/>
+                </a:solidFill>
+              </a:rPr>
+              <a:t>		"page": "background.html"</a:t>
+            </a:r>
+            <a:endParaRPr lang="zh-CN" altLang="en-US">
+              <a:solidFill>
+                <a:schemeClr val="bg1"/>
+              </a:solidFill>
+            </a:endParaRPr>
+          </a:p>
+          <a:p>
+            <a:r>
+              <a:rPr lang="zh-CN" altLang="en-US">
+                <a:solidFill>
+                  <a:schemeClr val="bg1"/>
+                </a:solidFill>
+              </a:rPr>
+              <a:t>		//"scripts": ["js/background.js"]</a:t>
+            </a:r>
+            <a:endParaRPr lang="zh-CN" altLang="en-US">
+              <a:solidFill>
+                <a:schemeClr val="bg1"/>
+              </a:solidFill>
+            </a:endParaRPr>
+          </a:p>
+          <a:p>
+            <a:r>
+              <a:rPr lang="zh-CN" altLang="en-US">
+                <a:solidFill>
+                  <a:schemeClr val="bg1"/>
+                </a:solidFill>
+              </a:rPr>
+              <a:t>	},</a:t>
+            </a:r>
+            <a:endParaRPr lang="zh-CN" altLang="en-US">
+              <a:solidFill>
+                <a:schemeClr val="bg1"/>
+              </a:solidFill>
+            </a:endParaRPr>
+          </a:p>
+          <a:p>
+            <a:r>
+              <a:rPr lang="zh-CN" altLang="en-US">
+                <a:solidFill>
+                  <a:schemeClr val="bg1"/>
+                </a:solidFill>
+              </a:rPr>
+              <a:t>}</a:t>
+            </a:r>
+            <a:endParaRPr lang="zh-CN" altLang="en-US">
+              <a:solidFill>
+                <a:schemeClr val="bg1"/>
+              </a:solidFill>
+            </a:endParaRPr>
+          </a:p>
+        </p:txBody>
+      </p:sp>
+    </p:spTree>
+  </p:cSld>
+  <p:clrMapOvr>
+    <a:masterClrMapping/>
+  </p:clrMapOvr>
+</p:sld>
+</file>
+
+<file path=ppt/slides/slide12.xml><?xml version="1.0" encoding="utf-8"?>
+<p:sld xmlns:a="http://schemas.openxmlformats.org/drawingml/2006/main" xmlns:r="http://schemas.openxmlformats.org/officeDocument/2006/relationships" xmlns:p="http://schemas.openxmlformats.org/presentationml/2006/main">
+  <p:cSld>
+    <p:spTree>
+      <p:nvGrpSpPr>
+        <p:cNvPr id="1" name=""/>
+        <p:cNvGrpSpPr/>
+        <p:nvPr/>
+      </p:nvGrpSpPr>
+      <p:grpSpPr/>
+      <p:grpSp>
+        <p:nvGrpSpPr>
+          <p:cNvPr id="103" name="Group 4"/>
+          <p:cNvGrpSpPr>
+            <a:grpSpLocks noChangeAspect="1"/>
+          </p:cNvGrpSpPr>
+          <p:nvPr/>
+        </p:nvGrpSpPr>
+        <p:grpSpPr bwMode="auto">
+          <a:xfrm rot="891772">
+            <a:off x="521512" y="551543"/>
+            <a:ext cx="507974" cy="919389"/>
+            <a:chOff x="472" y="425"/>
+            <a:chExt cx="363" cy="657"/>
+          </a:xfrm>
+        </p:grpSpPr>
+        <p:sp>
+          <p:nvSpPr>
+            <p:cNvPr id="104" name="Freeform 5"/>
+            <p:cNvSpPr>
+              <a:spLocks noEditPoints="1"/>
+            </p:cNvSpPr>
+            <p:nvPr/>
+          </p:nvSpPr>
+          <p:spPr bwMode="auto">
+            <a:xfrm>
+              <a:off x="472" y="425"/>
+              <a:ext cx="335" cy="657"/>
+            </a:xfrm>
+            <a:custGeom>
+              <a:avLst/>
+              <a:gdLst>
+                <a:gd name="T0" fmla="*/ 81 w 154"/>
+                <a:gd name="T1" fmla="*/ 9 h 305"/>
+                <a:gd name="T2" fmla="*/ 48 w 154"/>
+                <a:gd name="T3" fmla="*/ 43 h 305"/>
+                <a:gd name="T4" fmla="*/ 49 w 154"/>
+                <a:gd name="T5" fmla="*/ 47 h 305"/>
+                <a:gd name="T6" fmla="*/ 30 w 154"/>
+                <a:gd name="T7" fmla="*/ 143 h 305"/>
+                <a:gd name="T8" fmla="*/ 21 w 154"/>
+                <a:gd name="T9" fmla="*/ 158 h 305"/>
+                <a:gd name="T10" fmla="*/ 88 w 154"/>
+                <a:gd name="T11" fmla="*/ 243 h 305"/>
+                <a:gd name="T12" fmla="*/ 101 w 154"/>
+                <a:gd name="T13" fmla="*/ 243 h 305"/>
+                <a:gd name="T14" fmla="*/ 91 w 154"/>
+                <a:gd name="T15" fmla="*/ 285 h 305"/>
+                <a:gd name="T16" fmla="*/ 85 w 154"/>
+                <a:gd name="T17" fmla="*/ 275 h 305"/>
+                <a:gd name="T18" fmla="*/ 81 w 154"/>
+                <a:gd name="T19" fmla="*/ 278 h 305"/>
+                <a:gd name="T20" fmla="*/ 85 w 154"/>
+                <a:gd name="T21" fmla="*/ 303 h 305"/>
+                <a:gd name="T22" fmla="*/ 110 w 154"/>
+                <a:gd name="T23" fmla="*/ 247 h 305"/>
+                <a:gd name="T24" fmla="*/ 107 w 154"/>
+                <a:gd name="T25" fmla="*/ 238 h 305"/>
+                <a:gd name="T26" fmla="*/ 85 w 154"/>
+                <a:gd name="T27" fmla="*/ 164 h 305"/>
+                <a:gd name="T28" fmla="*/ 81 w 154"/>
+                <a:gd name="T29" fmla="*/ 151 h 305"/>
+                <a:gd name="T30" fmla="*/ 80 w 154"/>
+                <a:gd name="T31" fmla="*/ 143 h 305"/>
+                <a:gd name="T32" fmla="*/ 67 w 154"/>
+                <a:gd name="T33" fmla="*/ 92 h 305"/>
+                <a:gd name="T34" fmla="*/ 85 w 154"/>
+                <a:gd name="T35" fmla="*/ 39 h 305"/>
+                <a:gd name="T36" fmla="*/ 81 w 154"/>
+                <a:gd name="T37" fmla="*/ 11 h 305"/>
+                <a:gd name="T38" fmla="*/ 103 w 154"/>
+                <a:gd name="T39" fmla="*/ 228 h 305"/>
+                <a:gd name="T40" fmla="*/ 85 w 154"/>
+                <a:gd name="T41" fmla="*/ 174 h 305"/>
+                <a:gd name="T42" fmla="*/ 76 w 154"/>
+                <a:gd name="T43" fmla="*/ 143 h 305"/>
+                <a:gd name="T44" fmla="*/ 78 w 154"/>
+                <a:gd name="T45" fmla="*/ 151 h 305"/>
+                <a:gd name="T46" fmla="*/ 45 w 154"/>
+                <a:gd name="T47" fmla="*/ 189 h 305"/>
+                <a:gd name="T48" fmla="*/ 81 w 154"/>
+                <a:gd name="T49" fmla="*/ 174 h 305"/>
+                <a:gd name="T50" fmla="*/ 85 w 154"/>
+                <a:gd name="T51" fmla="*/ 192 h 305"/>
+                <a:gd name="T52" fmla="*/ 96 w 154"/>
+                <a:gd name="T53" fmla="*/ 231 h 305"/>
+                <a:gd name="T54" fmla="*/ 81 w 154"/>
+                <a:gd name="T55" fmla="*/ 233 h 305"/>
+                <a:gd name="T56" fmla="*/ 36 w 154"/>
+                <a:gd name="T57" fmla="*/ 147 h 305"/>
+                <a:gd name="T58" fmla="*/ 38 w 154"/>
+                <a:gd name="T59" fmla="*/ 143 h 305"/>
+                <a:gd name="T60" fmla="*/ 76 w 154"/>
+                <a:gd name="T61" fmla="*/ 143 h 305"/>
+                <a:gd name="T62" fmla="*/ 75 w 154"/>
+                <a:gd name="T63" fmla="*/ 47 h 305"/>
+                <a:gd name="T64" fmla="*/ 68 w 154"/>
+                <a:gd name="T65" fmla="*/ 75 h 305"/>
+                <a:gd name="T66" fmla="*/ 57 w 154"/>
+                <a:gd name="T67" fmla="*/ 47 h 305"/>
+                <a:gd name="T68" fmla="*/ 57 w 154"/>
+                <a:gd name="T69" fmla="*/ 19 h 305"/>
+                <a:gd name="T70" fmla="*/ 76 w 154"/>
+                <a:gd name="T71" fmla="*/ 43 h 305"/>
+              </a:gdLst>
+              <a:ahLst/>
+              <a:cxnLst>
+                <a:cxn ang="0">
+                  <a:pos x="T0" y="T1"/>
+                </a:cxn>
+                <a:cxn ang="0">
+                  <a:pos x="T2" y="T3"/>
+                </a:cxn>
+                <a:cxn ang="0">
+                  <a:pos x="T4" y="T5"/>
+                </a:cxn>
+                <a:cxn ang="0">
+                  <a:pos x="T6" y="T7"/>
+                </a:cxn>
+                <a:cxn ang="0">
+                  <a:pos x="T8" y="T9"/>
+                </a:cxn>
+                <a:cxn ang="0">
+                  <a:pos x="T10" y="T11"/>
+                </a:cxn>
+                <a:cxn ang="0">
+                  <a:pos x="T12" y="T13"/>
+                </a:cxn>
+                <a:cxn ang="0">
+                  <a:pos x="T14" y="T15"/>
+                </a:cxn>
+                <a:cxn ang="0">
+                  <a:pos x="T16" y="T17"/>
+                </a:cxn>
+                <a:cxn ang="0">
+                  <a:pos x="T18" y="T19"/>
+                </a:cxn>
+                <a:cxn ang="0">
+                  <a:pos x="T20" y="T21"/>
+                </a:cxn>
+                <a:cxn ang="0">
+                  <a:pos x="T22" y="T23"/>
+                </a:cxn>
+                <a:cxn ang="0">
+                  <a:pos x="T24" y="T25"/>
+                </a:cxn>
+                <a:cxn ang="0">
+                  <a:pos x="T26" y="T27"/>
+                </a:cxn>
+                <a:cxn ang="0">
+                  <a:pos x="T28" y="T29"/>
+                </a:cxn>
+                <a:cxn ang="0">
+                  <a:pos x="T30" y="T31"/>
+                </a:cxn>
+                <a:cxn ang="0">
+                  <a:pos x="T32" y="T33"/>
+                </a:cxn>
+                <a:cxn ang="0">
+                  <a:pos x="T34" y="T35"/>
+                </a:cxn>
+                <a:cxn ang="0">
+                  <a:pos x="T36" y="T37"/>
+                </a:cxn>
+                <a:cxn ang="0">
+                  <a:pos x="T38" y="T39"/>
+                </a:cxn>
+                <a:cxn ang="0">
+                  <a:pos x="T40" y="T41"/>
+                </a:cxn>
+                <a:cxn ang="0">
+                  <a:pos x="T42" y="T43"/>
+                </a:cxn>
+                <a:cxn ang="0">
+                  <a:pos x="T44" y="T45"/>
+                </a:cxn>
+                <a:cxn ang="0">
+                  <a:pos x="T46" y="T47"/>
+                </a:cxn>
+                <a:cxn ang="0">
+                  <a:pos x="T48" y="T49"/>
+                </a:cxn>
+                <a:cxn ang="0">
+                  <a:pos x="T50" y="T51"/>
+                </a:cxn>
+                <a:cxn ang="0">
+                  <a:pos x="T52" y="T53"/>
+                </a:cxn>
+                <a:cxn ang="0">
+                  <a:pos x="T54" y="T55"/>
+                </a:cxn>
+                <a:cxn ang="0">
+                  <a:pos x="T56" y="T57"/>
+                </a:cxn>
+                <a:cxn ang="0">
+                  <a:pos x="T58" y="T59"/>
+                </a:cxn>
+                <a:cxn ang="0">
+                  <a:pos x="T60" y="T61"/>
+                </a:cxn>
+                <a:cxn ang="0">
+                  <a:pos x="T62" y="T63"/>
+                </a:cxn>
+                <a:cxn ang="0">
+                  <a:pos x="T64" y="T65"/>
+                </a:cxn>
+                <a:cxn ang="0">
+                  <a:pos x="T66" y="T67"/>
+                </a:cxn>
+                <a:cxn ang="0">
+                  <a:pos x="T68" y="T69"/>
+                </a:cxn>
+                <a:cxn ang="0">
+                  <a:pos x="T70" y="T71"/>
+                </a:cxn>
+              </a:cxnLst>
+              <a:rect l="0" t="0" r="r" b="b"/>
+              <a:pathLst>
+                <a:path w="154" h="305">
+                  <a:moveTo>
+                    <a:pt x="81" y="11"/>
+                  </a:moveTo>
+                  <a:cubicBezTo>
+                    <a:pt x="81" y="10"/>
+                    <a:pt x="81" y="10"/>
+                    <a:pt x="81" y="9"/>
+                  </a:cubicBezTo>
+                  <a:cubicBezTo>
+                    <a:pt x="78" y="2"/>
+                    <a:pt x="64" y="0"/>
+                    <a:pt x="58" y="4"/>
+                  </a:cubicBezTo>
+                  <a:cubicBezTo>
+                    <a:pt x="48" y="10"/>
+                    <a:pt x="47" y="33"/>
+                    <a:pt x="48" y="43"/>
+                  </a:cubicBezTo>
+                  <a:cubicBezTo>
+                    <a:pt x="48" y="43"/>
+                    <a:pt x="48" y="43"/>
+                    <a:pt x="48" y="43"/>
+                  </a:cubicBezTo>
+                  <a:cubicBezTo>
+                    <a:pt x="48" y="44"/>
+                    <a:pt x="48" y="46"/>
+                    <a:pt x="49" y="47"/>
+                  </a:cubicBezTo>
+                  <a:cubicBezTo>
+                    <a:pt x="51" y="63"/>
+                    <a:pt x="56" y="78"/>
+                    <a:pt x="61" y="93"/>
+                  </a:cubicBezTo>
+                  <a:cubicBezTo>
+                    <a:pt x="52" y="110"/>
+                    <a:pt x="39" y="126"/>
+                    <a:pt x="30" y="143"/>
+                  </a:cubicBezTo>
+                  <a:cubicBezTo>
+                    <a:pt x="29" y="144"/>
+                    <a:pt x="28" y="146"/>
+                    <a:pt x="27" y="147"/>
+                  </a:cubicBezTo>
+                  <a:cubicBezTo>
+                    <a:pt x="25" y="151"/>
+                    <a:pt x="23" y="154"/>
+                    <a:pt x="21" y="158"/>
+                  </a:cubicBezTo>
+                  <a:cubicBezTo>
+                    <a:pt x="0" y="205"/>
+                    <a:pt x="32" y="238"/>
+                    <a:pt x="69" y="243"/>
+                  </a:cubicBezTo>
+                  <a:cubicBezTo>
+                    <a:pt x="75" y="244"/>
+                    <a:pt x="82" y="244"/>
+                    <a:pt x="88" y="243"/>
+                  </a:cubicBezTo>
+                  <a:cubicBezTo>
+                    <a:pt x="92" y="242"/>
+                    <a:pt x="96" y="242"/>
+                    <a:pt x="100" y="240"/>
+                  </a:cubicBezTo>
+                  <a:cubicBezTo>
+                    <a:pt x="100" y="241"/>
+                    <a:pt x="100" y="242"/>
+                    <a:pt x="101" y="243"/>
+                  </a:cubicBezTo>
+                  <a:cubicBezTo>
+                    <a:pt x="101" y="244"/>
+                    <a:pt x="101" y="246"/>
+                    <a:pt x="102" y="247"/>
+                  </a:cubicBezTo>
+                  <a:cubicBezTo>
+                    <a:pt x="104" y="258"/>
+                    <a:pt x="103" y="270"/>
+                    <a:pt x="91" y="285"/>
+                  </a:cubicBezTo>
+                  <a:cubicBezTo>
+                    <a:pt x="91" y="284"/>
+                    <a:pt x="91" y="284"/>
+                    <a:pt x="91" y="284"/>
+                  </a:cubicBezTo>
+                  <a:cubicBezTo>
+                    <a:pt x="92" y="280"/>
+                    <a:pt x="89" y="276"/>
+                    <a:pt x="85" y="275"/>
+                  </a:cubicBezTo>
+                  <a:cubicBezTo>
+                    <a:pt x="84" y="275"/>
+                    <a:pt x="82" y="276"/>
+                    <a:pt x="81" y="277"/>
+                  </a:cubicBezTo>
+                  <a:cubicBezTo>
+                    <a:pt x="81" y="277"/>
+                    <a:pt x="81" y="277"/>
+                    <a:pt x="81" y="278"/>
+                  </a:cubicBezTo>
+                  <a:cubicBezTo>
+                    <a:pt x="74" y="285"/>
+                    <a:pt x="75" y="295"/>
+                    <a:pt x="81" y="300"/>
+                  </a:cubicBezTo>
+                  <a:cubicBezTo>
+                    <a:pt x="82" y="301"/>
+                    <a:pt x="84" y="302"/>
+                    <a:pt x="85" y="303"/>
+                  </a:cubicBezTo>
+                  <a:cubicBezTo>
+                    <a:pt x="88" y="304"/>
+                    <a:pt x="92" y="305"/>
+                    <a:pt x="97" y="304"/>
+                  </a:cubicBezTo>
+                  <a:cubicBezTo>
+                    <a:pt x="120" y="297"/>
+                    <a:pt x="117" y="271"/>
+                    <a:pt x="110" y="247"/>
+                  </a:cubicBezTo>
+                  <a:cubicBezTo>
+                    <a:pt x="109" y="246"/>
+                    <a:pt x="109" y="244"/>
+                    <a:pt x="109" y="243"/>
+                  </a:cubicBezTo>
+                  <a:cubicBezTo>
+                    <a:pt x="108" y="241"/>
+                    <a:pt x="107" y="239"/>
+                    <a:pt x="107" y="238"/>
+                  </a:cubicBezTo>
+                  <a:cubicBezTo>
+                    <a:pt x="117" y="233"/>
+                    <a:pt x="127" y="226"/>
+                    <a:pt x="134" y="215"/>
+                  </a:cubicBezTo>
+                  <a:cubicBezTo>
+                    <a:pt x="154" y="188"/>
+                    <a:pt x="117" y="163"/>
+                    <a:pt x="85" y="164"/>
+                  </a:cubicBezTo>
+                  <a:cubicBezTo>
+                    <a:pt x="84" y="164"/>
+                    <a:pt x="84" y="164"/>
+                    <a:pt x="83" y="164"/>
+                  </a:cubicBezTo>
+                  <a:cubicBezTo>
+                    <a:pt x="83" y="159"/>
+                    <a:pt x="82" y="155"/>
+                    <a:pt x="81" y="151"/>
+                  </a:cubicBezTo>
+                  <a:cubicBezTo>
+                    <a:pt x="81" y="149"/>
+                    <a:pt x="81" y="148"/>
+                    <a:pt x="80" y="147"/>
+                  </a:cubicBezTo>
+                  <a:cubicBezTo>
+                    <a:pt x="80" y="146"/>
+                    <a:pt x="80" y="144"/>
+                    <a:pt x="80" y="143"/>
+                  </a:cubicBezTo>
+                  <a:cubicBezTo>
+                    <a:pt x="77" y="131"/>
+                    <a:pt x="75" y="119"/>
+                    <a:pt x="72" y="108"/>
+                  </a:cubicBezTo>
+                  <a:cubicBezTo>
+                    <a:pt x="71" y="103"/>
+                    <a:pt x="69" y="97"/>
+                    <a:pt x="67" y="92"/>
+                  </a:cubicBezTo>
+                  <a:cubicBezTo>
+                    <a:pt x="73" y="81"/>
+                    <a:pt x="78" y="71"/>
+                    <a:pt x="81" y="60"/>
+                  </a:cubicBezTo>
+                  <a:cubicBezTo>
+                    <a:pt x="83" y="53"/>
+                    <a:pt x="85" y="46"/>
+                    <a:pt x="85" y="39"/>
+                  </a:cubicBezTo>
+                  <a:cubicBezTo>
+                    <a:pt x="85" y="35"/>
+                    <a:pt x="85" y="32"/>
+                    <a:pt x="85" y="29"/>
+                  </a:cubicBezTo>
+                  <a:cubicBezTo>
+                    <a:pt x="85" y="23"/>
+                    <a:pt x="83" y="17"/>
+                    <a:pt x="81" y="11"/>
+                  </a:cubicBezTo>
+                  <a:close/>
+                  <a:moveTo>
+                    <a:pt x="109" y="225"/>
+                  </a:moveTo>
+                  <a:cubicBezTo>
+                    <a:pt x="107" y="226"/>
+                    <a:pt x="105" y="228"/>
+                    <a:pt x="103" y="228"/>
+                  </a:cubicBezTo>
+                  <a:cubicBezTo>
+                    <a:pt x="101" y="222"/>
+                    <a:pt x="98" y="216"/>
+                    <a:pt x="97" y="213"/>
+                  </a:cubicBezTo>
+                  <a:cubicBezTo>
+                    <a:pt x="92" y="200"/>
+                    <a:pt x="88" y="187"/>
+                    <a:pt x="85" y="174"/>
+                  </a:cubicBezTo>
+                  <a:cubicBezTo>
+                    <a:pt x="115" y="174"/>
+                    <a:pt x="144" y="202"/>
+                    <a:pt x="109" y="225"/>
+                  </a:cubicBezTo>
+                  <a:close/>
+                  <a:moveTo>
+                    <a:pt x="76" y="143"/>
+                  </a:moveTo>
+                  <a:cubicBezTo>
+                    <a:pt x="76" y="144"/>
+                    <a:pt x="76" y="146"/>
+                    <a:pt x="77" y="147"/>
+                  </a:cubicBezTo>
+                  <a:cubicBezTo>
+                    <a:pt x="77" y="148"/>
+                    <a:pt x="77" y="150"/>
+                    <a:pt x="78" y="151"/>
+                  </a:cubicBezTo>
+                  <a:cubicBezTo>
+                    <a:pt x="78" y="155"/>
+                    <a:pt x="79" y="160"/>
+                    <a:pt x="80" y="164"/>
+                  </a:cubicBezTo>
+                  <a:cubicBezTo>
+                    <a:pt x="64" y="165"/>
+                    <a:pt x="50" y="173"/>
+                    <a:pt x="45" y="189"/>
+                  </a:cubicBezTo>
+                  <a:cubicBezTo>
+                    <a:pt x="44" y="192"/>
+                    <a:pt x="49" y="194"/>
+                    <a:pt x="51" y="191"/>
+                  </a:cubicBezTo>
+                  <a:cubicBezTo>
+                    <a:pt x="59" y="180"/>
+                    <a:pt x="70" y="175"/>
+                    <a:pt x="81" y="174"/>
+                  </a:cubicBezTo>
+                  <a:cubicBezTo>
+                    <a:pt x="81" y="174"/>
+                    <a:pt x="82" y="174"/>
+                    <a:pt x="82" y="174"/>
+                  </a:cubicBezTo>
+                  <a:cubicBezTo>
+                    <a:pt x="83" y="180"/>
+                    <a:pt x="84" y="186"/>
+                    <a:pt x="85" y="192"/>
+                  </a:cubicBezTo>
+                  <a:cubicBezTo>
+                    <a:pt x="87" y="199"/>
+                    <a:pt x="88" y="207"/>
+                    <a:pt x="91" y="214"/>
+                  </a:cubicBezTo>
+                  <a:cubicBezTo>
+                    <a:pt x="92" y="220"/>
+                    <a:pt x="94" y="226"/>
+                    <a:pt x="96" y="231"/>
+                  </a:cubicBezTo>
+                  <a:cubicBezTo>
+                    <a:pt x="93" y="232"/>
+                    <a:pt x="89" y="233"/>
+                    <a:pt x="85" y="233"/>
+                  </a:cubicBezTo>
+                  <a:cubicBezTo>
+                    <a:pt x="84" y="233"/>
+                    <a:pt x="82" y="233"/>
+                    <a:pt x="81" y="233"/>
+                  </a:cubicBezTo>
+                  <a:cubicBezTo>
+                    <a:pt x="67" y="233"/>
+                    <a:pt x="52" y="228"/>
+                    <a:pt x="41" y="223"/>
+                  </a:cubicBezTo>
+                  <a:cubicBezTo>
+                    <a:pt x="9" y="206"/>
+                    <a:pt x="24" y="170"/>
+                    <a:pt x="36" y="147"/>
+                  </a:cubicBezTo>
+                  <a:cubicBezTo>
+                    <a:pt x="36" y="146"/>
+                    <a:pt x="36" y="145"/>
+                    <a:pt x="37" y="144"/>
+                  </a:cubicBezTo>
+                  <a:cubicBezTo>
+                    <a:pt x="37" y="144"/>
+                    <a:pt x="37" y="143"/>
+                    <a:pt x="38" y="143"/>
+                  </a:cubicBezTo>
+                  <a:cubicBezTo>
+                    <a:pt x="45" y="130"/>
+                    <a:pt x="54" y="116"/>
+                    <a:pt x="63" y="100"/>
+                  </a:cubicBezTo>
+                  <a:cubicBezTo>
+                    <a:pt x="67" y="114"/>
+                    <a:pt x="72" y="129"/>
+                    <a:pt x="76" y="143"/>
+                  </a:cubicBezTo>
+                  <a:close/>
+                  <a:moveTo>
+                    <a:pt x="76" y="43"/>
+                  </a:moveTo>
+                  <a:cubicBezTo>
+                    <a:pt x="76" y="44"/>
+                    <a:pt x="75" y="46"/>
+                    <a:pt x="75" y="47"/>
+                  </a:cubicBezTo>
+                  <a:cubicBezTo>
+                    <a:pt x="75" y="47"/>
+                    <a:pt x="75" y="48"/>
+                    <a:pt x="75" y="48"/>
+                  </a:cubicBezTo>
+                  <a:cubicBezTo>
+                    <a:pt x="74" y="57"/>
+                    <a:pt x="71" y="66"/>
+                    <a:pt x="68" y="75"/>
+                  </a:cubicBezTo>
+                  <a:cubicBezTo>
+                    <a:pt x="67" y="78"/>
+                    <a:pt x="66" y="81"/>
+                    <a:pt x="65" y="83"/>
+                  </a:cubicBezTo>
+                  <a:cubicBezTo>
+                    <a:pt x="61" y="71"/>
+                    <a:pt x="58" y="59"/>
+                    <a:pt x="57" y="47"/>
+                  </a:cubicBezTo>
+                  <a:cubicBezTo>
+                    <a:pt x="57" y="46"/>
+                    <a:pt x="56" y="44"/>
+                    <a:pt x="56" y="43"/>
+                  </a:cubicBezTo>
+                  <a:cubicBezTo>
+                    <a:pt x="56" y="35"/>
+                    <a:pt x="56" y="27"/>
+                    <a:pt x="57" y="19"/>
+                  </a:cubicBezTo>
+                  <a:cubicBezTo>
+                    <a:pt x="58" y="12"/>
+                    <a:pt x="64" y="13"/>
+                    <a:pt x="77" y="23"/>
+                  </a:cubicBezTo>
+                  <a:cubicBezTo>
+                    <a:pt x="77" y="30"/>
+                    <a:pt x="77" y="36"/>
+                    <a:pt x="76" y="43"/>
+                  </a:cubicBezTo>
+                  <a:close/>
+                </a:path>
+              </a:pathLst>
+            </a:custGeom>
+            <a:solidFill>
+              <a:srgbClr val="F2F2F2"/>
+            </a:solidFill>
+            <a:ln>
+              <a:noFill/>
+            </a:ln>
+            <a:extLst>
+              <a:ext uri="{91240B29-F687-4F45-9708-019B960494DF}">
+                <a14:hiddenLine xmlns:a14="http://schemas.microsoft.com/office/drawing/2010/main" w="9525">
+                  <a:solidFill>
+                    <a:srgbClr val="000000"/>
+                  </a:solidFill>
+                  <a:round/>
+                </a14:hiddenLine>
+              </a:ext>
+            </a:extLst>
+          </p:spPr>
+          <p:txBody>
+            <a:bodyPr vert="horz" wrap="square" lIns="91440" tIns="45720" rIns="91440" bIns="45720" numCol="1" anchor="t" anchorCtr="0" compatLnSpc="1"/>
+            <a:p>
+              <a:endParaRPr lang="zh-CN" altLang="en-US"/>
+            </a:p>
+          </p:txBody>
+        </p:sp>
+        <p:sp>
+          <p:nvSpPr>
+            <p:cNvPr id="105" name="Freeform 6"/>
+            <p:cNvSpPr/>
+            <p:nvPr/>
+          </p:nvSpPr>
+          <p:spPr bwMode="auto">
+            <a:xfrm>
+              <a:off x="735" y="774"/>
+              <a:ext cx="61" cy="52"/>
+            </a:xfrm>
+            <a:custGeom>
+              <a:avLst/>
+              <a:gdLst>
+                <a:gd name="T0" fmla="*/ 25 w 28"/>
+                <a:gd name="T1" fmla="*/ 23 h 24"/>
+                <a:gd name="T2" fmla="*/ 27 w 28"/>
+                <a:gd name="T3" fmla="*/ 21 h 24"/>
+                <a:gd name="T4" fmla="*/ 3 w 28"/>
+                <a:gd name="T5" fmla="*/ 1 h 24"/>
+                <a:gd name="T6" fmla="*/ 2 w 28"/>
+                <a:gd name="T7" fmla="*/ 4 h 24"/>
+                <a:gd name="T8" fmla="*/ 25 w 28"/>
+                <a:gd name="T9" fmla="*/ 23 h 24"/>
+              </a:gdLst>
+              <a:ahLst/>
+              <a:cxnLst>
+                <a:cxn ang="0">
+                  <a:pos x="T0" y="T1"/>
+                </a:cxn>
+                <a:cxn ang="0">
+                  <a:pos x="T2" y="T3"/>
+                </a:cxn>
+                <a:cxn ang="0">
+                  <a:pos x="T4" y="T5"/>
+                </a:cxn>
+                <a:cxn ang="0">
+                  <a:pos x="T6" y="T7"/>
+                </a:cxn>
+                <a:cxn ang="0">
+                  <a:pos x="T8" y="T9"/>
+                </a:cxn>
+              </a:cxnLst>
+              <a:rect l="0" t="0" r="r" b="b"/>
+              <a:pathLst>
+                <a:path w="28" h="24">
+                  <a:moveTo>
+                    <a:pt x="25" y="23"/>
+                  </a:moveTo>
+                  <a:cubicBezTo>
+                    <a:pt x="26" y="24"/>
+                    <a:pt x="28" y="23"/>
+                    <a:pt x="27" y="21"/>
+                  </a:cubicBezTo>
+                  <a:cubicBezTo>
+                    <a:pt x="24" y="10"/>
+                    <a:pt x="13" y="4"/>
+                    <a:pt x="3" y="1"/>
+                  </a:cubicBezTo>
+                  <a:cubicBezTo>
+                    <a:pt x="1" y="0"/>
+                    <a:pt x="0" y="3"/>
+                    <a:pt x="2" y="4"/>
+                  </a:cubicBezTo>
+                  <a:cubicBezTo>
+                    <a:pt x="10" y="10"/>
+                    <a:pt x="17" y="17"/>
+                    <a:pt x="25" y="23"/>
+                  </a:cubicBezTo>
+                  <a:close/>
+                </a:path>
+              </a:pathLst>
+            </a:custGeom>
+            <a:solidFill>
+              <a:srgbClr val="F2F2F2"/>
+            </a:solidFill>
+            <a:ln>
+              <a:noFill/>
+            </a:ln>
+            <a:extLst>
+              <a:ext uri="{91240B29-F687-4F45-9708-019B960494DF}">
+                <a14:hiddenLine xmlns:a14="http://schemas.microsoft.com/office/drawing/2010/main" w="9525">
+                  <a:solidFill>
+                    <a:srgbClr val="000000"/>
+                  </a:solidFill>
+                  <a:round/>
+                </a14:hiddenLine>
+              </a:ext>
+            </a:extLst>
+          </p:spPr>
+          <p:txBody>
+            <a:bodyPr vert="horz" wrap="square" lIns="91440" tIns="45720" rIns="91440" bIns="45720" numCol="1" anchor="t" anchorCtr="0" compatLnSpc="1"/>
+            <a:p>
+              <a:endParaRPr lang="zh-CN" altLang="en-US"/>
+            </a:p>
+          </p:txBody>
+        </p:sp>
+        <p:sp>
+          <p:nvSpPr>
+            <p:cNvPr id="106" name="Freeform 7"/>
+            <p:cNvSpPr/>
+            <p:nvPr/>
+          </p:nvSpPr>
+          <p:spPr bwMode="auto">
+            <a:xfrm>
+              <a:off x="759" y="748"/>
+              <a:ext cx="76" cy="50"/>
+            </a:xfrm>
+            <a:custGeom>
+              <a:avLst/>
+              <a:gdLst>
+                <a:gd name="T0" fmla="*/ 3 w 35"/>
+                <a:gd name="T1" fmla="*/ 1 h 23"/>
+                <a:gd name="T2" fmla="*/ 3 w 35"/>
+                <a:gd name="T3" fmla="*/ 5 h 23"/>
+                <a:gd name="T4" fmla="*/ 17 w 35"/>
+                <a:gd name="T5" fmla="*/ 11 h 23"/>
+                <a:gd name="T6" fmla="*/ 31 w 35"/>
+                <a:gd name="T7" fmla="*/ 22 h 23"/>
+                <a:gd name="T8" fmla="*/ 34 w 35"/>
+                <a:gd name="T9" fmla="*/ 20 h 23"/>
+                <a:gd name="T10" fmla="*/ 3 w 35"/>
+                <a:gd name="T11" fmla="*/ 1 h 23"/>
+              </a:gdLst>
+              <a:ahLst/>
+              <a:cxnLst>
+                <a:cxn ang="0">
+                  <a:pos x="T0" y="T1"/>
+                </a:cxn>
+                <a:cxn ang="0">
+                  <a:pos x="T2" y="T3"/>
+                </a:cxn>
+                <a:cxn ang="0">
+                  <a:pos x="T4" y="T5"/>
+                </a:cxn>
+                <a:cxn ang="0">
+                  <a:pos x="T6" y="T7"/>
+                </a:cxn>
+                <a:cxn ang="0">
+                  <a:pos x="T8" y="T9"/>
+                </a:cxn>
+                <a:cxn ang="0">
+                  <a:pos x="T10" y="T11"/>
+                </a:cxn>
+              </a:cxnLst>
+              <a:rect l="0" t="0" r="r" b="b"/>
+              <a:pathLst>
+                <a:path w="35" h="23">
+                  <a:moveTo>
+                    <a:pt x="3" y="1"/>
+                  </a:moveTo>
+                  <a:cubicBezTo>
+                    <a:pt x="1" y="1"/>
+                    <a:pt x="0" y="4"/>
+                    <a:pt x="3" y="5"/>
+                  </a:cubicBezTo>
+                  <a:cubicBezTo>
+                    <a:pt x="8" y="6"/>
+                    <a:pt x="13" y="8"/>
+                    <a:pt x="17" y="11"/>
+                  </a:cubicBezTo>
+                  <a:cubicBezTo>
+                    <a:pt x="22" y="15"/>
+                    <a:pt x="26" y="19"/>
+                    <a:pt x="31" y="22"/>
+                  </a:cubicBezTo>
+                  <a:cubicBezTo>
+                    <a:pt x="33" y="23"/>
+                    <a:pt x="35" y="22"/>
+                    <a:pt x="34" y="20"/>
+                  </a:cubicBezTo>
+                  <a:cubicBezTo>
+                    <a:pt x="30" y="8"/>
+                    <a:pt x="16" y="0"/>
+                    <a:pt x="3" y="1"/>
+                  </a:cubicBezTo>
+                  <a:close/>
+                </a:path>
+              </a:pathLst>
+            </a:custGeom>
+            <a:solidFill>
+              <a:srgbClr val="F2F2F2"/>
+            </a:solidFill>
+            <a:ln>
+              <a:noFill/>
+            </a:ln>
+            <a:extLst>
+              <a:ext uri="{91240B29-F687-4F45-9708-019B960494DF}">
+                <a14:hiddenLine xmlns:a14="http://schemas.microsoft.com/office/drawing/2010/main" w="9525">
+                  <a:solidFill>
+                    <a:srgbClr val="000000"/>
+                  </a:solidFill>
+                  <a:round/>
+                </a14:hiddenLine>
+              </a:ext>
+            </a:extLst>
+          </p:spPr>
+          <p:txBody>
+            <a:bodyPr vert="horz" wrap="square" lIns="91440" tIns="45720" rIns="91440" bIns="45720" numCol="1" anchor="t" anchorCtr="0" compatLnSpc="1"/>
+            <a:p>
+              <a:endParaRPr lang="zh-CN" altLang="en-US"/>
+            </a:p>
+          </p:txBody>
+        </p:sp>
+      </p:grpSp>
+      <p:sp>
+        <p:nvSpPr>
+          <p:cNvPr id="4" name="Rectangle 47"/>
+          <p:cNvSpPr/>
+          <p:nvPr/>
+        </p:nvSpPr>
+        <p:spPr>
+          <a:xfrm>
+            <a:off x="1288212" y="759990"/>
+            <a:ext cx="2461260" cy="492125"/>
+          </a:xfrm>
+          <a:prstGeom prst="rect">
+            <a:avLst/>
+          </a:prstGeom>
+        </p:spPr>
+        <p:txBody>
+          <a:bodyPr wrap="none" lIns="0" tIns="0" rIns="0" bIns="0">
+            <a:spAutoFit/>
+          </a:bodyPr>
+          <a:p>
+            <a:pPr algn="l"/>
+            <a:r>
+              <a:rPr lang="en-US" altLang="zh-CN" sz="3200" b="1" dirty="0" smtClean="0">
+                <a:solidFill>
+                  <a:schemeClr val="bg1"/>
+                </a:solidFill>
+                <a:latin typeface="方正静蕾简体" pitchFamily="2" charset="-122"/>
+                <a:ea typeface="方正静蕾简体" pitchFamily="2" charset="-122"/>
+                <a:cs typeface="Arial" panose="020B0604020202020204" pitchFamily="34" charset="0"/>
+              </a:rPr>
+              <a:t> event-pages</a:t>
+            </a:r>
+            <a:endParaRPr lang="en-US" altLang="zh-CN" sz="3200" b="1" dirty="0" smtClean="0">
+              <a:solidFill>
+                <a:schemeClr val="bg1"/>
+              </a:solidFill>
+              <a:latin typeface="方正静蕾简体" pitchFamily="2" charset="-122"/>
+              <a:ea typeface="方正静蕾简体" pitchFamily="2" charset="-122"/>
+              <a:cs typeface="Arial" panose="020B0604020202020204" pitchFamily="34" charset="0"/>
+            </a:endParaRPr>
+          </a:p>
+        </p:txBody>
+      </p:sp>
+      <p:sp>
+        <p:nvSpPr>
+          <p:cNvPr id="5" name="文本框 4"/>
+          <p:cNvSpPr txBox="1"/>
+          <p:nvPr/>
+        </p:nvSpPr>
+        <p:spPr>
+          <a:xfrm>
+            <a:off x="1395095" y="1994535"/>
+            <a:ext cx="6450330" cy="3538220"/>
+          </a:xfrm>
+          <a:prstGeom prst="rect">
+            <a:avLst/>
+          </a:prstGeom>
+          <a:noFill/>
+        </p:spPr>
+        <p:txBody>
+          <a:bodyPr wrap="square" rtlCol="0" anchor="t">
+            <a:spAutoFit/>
+          </a:bodyPr>
+          <a:p>
+            <a:r>
+              <a:rPr lang="zh-CN" altLang="en-US" sz="3200">
+                <a:solidFill>
+                  <a:schemeClr val="bg1"/>
+                </a:solidFill>
+              </a:rPr>
+              <a:t>{</a:t>
+            </a:r>
+            <a:endParaRPr lang="zh-CN" altLang="en-US" sz="3200">
+              <a:solidFill>
+                <a:schemeClr val="bg1"/>
+              </a:solidFill>
+            </a:endParaRPr>
+          </a:p>
+          <a:p>
+            <a:r>
+              <a:rPr lang="zh-CN" altLang="en-US" sz="3200">
+                <a:solidFill>
+                  <a:schemeClr val="bg1"/>
+                </a:solidFill>
+              </a:rPr>
+              <a:t>	"background":</a:t>
+            </a:r>
+            <a:endParaRPr lang="zh-CN" altLang="en-US" sz="3200">
+              <a:solidFill>
+                <a:schemeClr val="bg1"/>
+              </a:solidFill>
+            </a:endParaRPr>
+          </a:p>
+          <a:p>
+            <a:r>
+              <a:rPr lang="zh-CN" altLang="en-US" sz="3200">
+                <a:solidFill>
+                  <a:schemeClr val="bg1"/>
+                </a:solidFill>
+              </a:rPr>
+              <a:t>	{</a:t>
+            </a:r>
+            <a:endParaRPr lang="zh-CN" altLang="en-US" sz="3200">
+              <a:solidFill>
+                <a:schemeClr val="bg1"/>
+              </a:solidFill>
+            </a:endParaRPr>
+          </a:p>
+          <a:p>
+            <a:r>
+              <a:rPr lang="zh-CN" altLang="en-US" sz="3200">
+                <a:solidFill>
+                  <a:schemeClr val="bg1"/>
+                </a:solidFill>
+              </a:rPr>
+              <a:t>		"scripts": ["event-page.js"],</a:t>
+            </a:r>
+            <a:endParaRPr lang="zh-CN" altLang="en-US" sz="3200">
+              <a:solidFill>
+                <a:schemeClr val="bg1"/>
+              </a:solidFill>
+            </a:endParaRPr>
+          </a:p>
+          <a:p>
+            <a:r>
+              <a:rPr lang="zh-CN" altLang="en-US" sz="3200">
+                <a:solidFill>
+                  <a:schemeClr val="bg1"/>
+                </a:solidFill>
+              </a:rPr>
+              <a:t>		"persistent": false</a:t>
+            </a:r>
+            <a:endParaRPr lang="zh-CN" altLang="en-US" sz="3200">
+              <a:solidFill>
+                <a:schemeClr val="bg1"/>
+              </a:solidFill>
+            </a:endParaRPr>
+          </a:p>
+          <a:p>
+            <a:r>
+              <a:rPr lang="zh-CN" altLang="en-US" sz="3200">
+                <a:solidFill>
+                  <a:schemeClr val="bg1"/>
+                </a:solidFill>
+              </a:rPr>
+              <a:t>	},</a:t>
+            </a:r>
+            <a:endParaRPr lang="zh-CN" altLang="en-US" sz="3200">
+              <a:solidFill>
+                <a:schemeClr val="bg1"/>
+              </a:solidFill>
+            </a:endParaRPr>
+          </a:p>
+          <a:p>
+            <a:r>
+              <a:rPr lang="zh-CN" altLang="en-US" sz="3200">
+                <a:solidFill>
+                  <a:schemeClr val="bg1"/>
+                </a:solidFill>
+              </a:rPr>
+              <a:t>}</a:t>
+            </a:r>
+            <a:endParaRPr lang="zh-CN" altLang="en-US" sz="3200">
+              <a:solidFill>
+                <a:schemeClr val="bg1"/>
+              </a:solidFill>
+            </a:endParaRPr>
+          </a:p>
+        </p:txBody>
+      </p:sp>
+    </p:spTree>
+  </p:cSld>
+  <p:clrMapOvr>
+    <a:masterClrMapping/>
+  </p:clrMapOvr>
+</p:sld>
+</file>
+
+<file path=ppt/slides/slide13.xml><?xml version="1.0" encoding="utf-8"?>
+<p:sld xmlns:a="http://schemas.openxmlformats.org/drawingml/2006/main" xmlns:r="http://schemas.openxmlformats.org/officeDocument/2006/relationships" xmlns:p="http://schemas.openxmlformats.org/presentationml/2006/main">
+  <p:cSld>
+    <p:spTree>
+      <p:nvGrpSpPr>
+        <p:cNvPr id="1" name=""/>
+        <p:cNvGrpSpPr/>
+        <p:nvPr/>
+      </p:nvGrpSpPr>
+      <p:grpSpPr/>
+      <p:grpSp>
+        <p:nvGrpSpPr>
+          <p:cNvPr id="103" name="Group 4"/>
+          <p:cNvGrpSpPr>
+            <a:grpSpLocks noChangeAspect="1"/>
+          </p:cNvGrpSpPr>
+          <p:nvPr/>
+        </p:nvGrpSpPr>
+        <p:grpSpPr bwMode="auto">
+          <a:xfrm rot="891772">
+            <a:off x="521512" y="551543"/>
+            <a:ext cx="507974" cy="919389"/>
+            <a:chOff x="472" y="425"/>
+            <a:chExt cx="363" cy="657"/>
+          </a:xfrm>
+        </p:grpSpPr>
+        <p:sp>
+          <p:nvSpPr>
+            <p:cNvPr id="104" name="Freeform 5"/>
+            <p:cNvSpPr>
+              <a:spLocks noEditPoints="1"/>
+            </p:cNvSpPr>
+            <p:nvPr/>
+          </p:nvSpPr>
+          <p:spPr bwMode="auto">
+            <a:xfrm>
+              <a:off x="472" y="425"/>
+              <a:ext cx="335" cy="657"/>
+            </a:xfrm>
+            <a:custGeom>
+              <a:avLst/>
+              <a:gdLst>
+                <a:gd name="T0" fmla="*/ 81 w 154"/>
+                <a:gd name="T1" fmla="*/ 9 h 305"/>
+                <a:gd name="T2" fmla="*/ 48 w 154"/>
+                <a:gd name="T3" fmla="*/ 43 h 305"/>
+                <a:gd name="T4" fmla="*/ 49 w 154"/>
+                <a:gd name="T5" fmla="*/ 47 h 305"/>
+                <a:gd name="T6" fmla="*/ 30 w 154"/>
+                <a:gd name="T7" fmla="*/ 143 h 305"/>
+                <a:gd name="T8" fmla="*/ 21 w 154"/>
+                <a:gd name="T9" fmla="*/ 158 h 305"/>
+                <a:gd name="T10" fmla="*/ 88 w 154"/>
+                <a:gd name="T11" fmla="*/ 243 h 305"/>
+                <a:gd name="T12" fmla="*/ 101 w 154"/>
+                <a:gd name="T13" fmla="*/ 243 h 305"/>
+                <a:gd name="T14" fmla="*/ 91 w 154"/>
+                <a:gd name="T15" fmla="*/ 285 h 305"/>
+                <a:gd name="T16" fmla="*/ 85 w 154"/>
+                <a:gd name="T17" fmla="*/ 275 h 305"/>
+                <a:gd name="T18" fmla="*/ 81 w 154"/>
+                <a:gd name="T19" fmla="*/ 278 h 305"/>
+                <a:gd name="T20" fmla="*/ 85 w 154"/>
+                <a:gd name="T21" fmla="*/ 303 h 305"/>
+                <a:gd name="T22" fmla="*/ 110 w 154"/>
+                <a:gd name="T23" fmla="*/ 247 h 305"/>
+                <a:gd name="T24" fmla="*/ 107 w 154"/>
+                <a:gd name="T25" fmla="*/ 238 h 305"/>
+                <a:gd name="T26" fmla="*/ 85 w 154"/>
+                <a:gd name="T27" fmla="*/ 164 h 305"/>
+                <a:gd name="T28" fmla="*/ 81 w 154"/>
+                <a:gd name="T29" fmla="*/ 151 h 305"/>
+                <a:gd name="T30" fmla="*/ 80 w 154"/>
+                <a:gd name="T31" fmla="*/ 143 h 305"/>
+                <a:gd name="T32" fmla="*/ 67 w 154"/>
+                <a:gd name="T33" fmla="*/ 92 h 305"/>
+                <a:gd name="T34" fmla="*/ 85 w 154"/>
+                <a:gd name="T35" fmla="*/ 39 h 305"/>
+                <a:gd name="T36" fmla="*/ 81 w 154"/>
+                <a:gd name="T37" fmla="*/ 11 h 305"/>
+                <a:gd name="T38" fmla="*/ 103 w 154"/>
+                <a:gd name="T39" fmla="*/ 228 h 305"/>
+                <a:gd name="T40" fmla="*/ 85 w 154"/>
+                <a:gd name="T41" fmla="*/ 174 h 305"/>
+                <a:gd name="T42" fmla="*/ 76 w 154"/>
+                <a:gd name="T43" fmla="*/ 143 h 305"/>
+                <a:gd name="T44" fmla="*/ 78 w 154"/>
+                <a:gd name="T45" fmla="*/ 151 h 305"/>
+                <a:gd name="T46" fmla="*/ 45 w 154"/>
+                <a:gd name="T47" fmla="*/ 189 h 305"/>
+                <a:gd name="T48" fmla="*/ 81 w 154"/>
+                <a:gd name="T49" fmla="*/ 174 h 305"/>
+                <a:gd name="T50" fmla="*/ 85 w 154"/>
+                <a:gd name="T51" fmla="*/ 192 h 305"/>
+                <a:gd name="T52" fmla="*/ 96 w 154"/>
+                <a:gd name="T53" fmla="*/ 231 h 305"/>
+                <a:gd name="T54" fmla="*/ 81 w 154"/>
+                <a:gd name="T55" fmla="*/ 233 h 305"/>
+                <a:gd name="T56" fmla="*/ 36 w 154"/>
+                <a:gd name="T57" fmla="*/ 147 h 305"/>
+                <a:gd name="T58" fmla="*/ 38 w 154"/>
+                <a:gd name="T59" fmla="*/ 143 h 305"/>
+                <a:gd name="T60" fmla="*/ 76 w 154"/>
+                <a:gd name="T61" fmla="*/ 143 h 305"/>
+                <a:gd name="T62" fmla="*/ 75 w 154"/>
+                <a:gd name="T63" fmla="*/ 47 h 305"/>
+                <a:gd name="T64" fmla="*/ 68 w 154"/>
+                <a:gd name="T65" fmla="*/ 75 h 305"/>
+                <a:gd name="T66" fmla="*/ 57 w 154"/>
+                <a:gd name="T67" fmla="*/ 47 h 305"/>
+                <a:gd name="T68" fmla="*/ 57 w 154"/>
+                <a:gd name="T69" fmla="*/ 19 h 305"/>
+                <a:gd name="T70" fmla="*/ 76 w 154"/>
+                <a:gd name="T71" fmla="*/ 43 h 305"/>
+              </a:gdLst>
+              <a:ahLst/>
+              <a:cxnLst>
+                <a:cxn ang="0">
+                  <a:pos x="T0" y="T1"/>
+                </a:cxn>
+                <a:cxn ang="0">
+                  <a:pos x="T2" y="T3"/>
+                </a:cxn>
+                <a:cxn ang="0">
+                  <a:pos x="T4" y="T5"/>
+                </a:cxn>
+                <a:cxn ang="0">
+                  <a:pos x="T6" y="T7"/>
+                </a:cxn>
+                <a:cxn ang="0">
+                  <a:pos x="T8" y="T9"/>
+                </a:cxn>
+                <a:cxn ang="0">
+                  <a:pos x="T10" y="T11"/>
+                </a:cxn>
+                <a:cxn ang="0">
+                  <a:pos x="T12" y="T13"/>
+                </a:cxn>
+                <a:cxn ang="0">
+                  <a:pos x="T14" y="T15"/>
+                </a:cxn>
+                <a:cxn ang="0">
+                  <a:pos x="T16" y="T17"/>
+                </a:cxn>
+                <a:cxn ang="0">
+                  <a:pos x="T18" y="T19"/>
+                </a:cxn>
+                <a:cxn ang="0">
+                  <a:pos x="T20" y="T21"/>
+                </a:cxn>
+                <a:cxn ang="0">
+                  <a:pos x="T22" y="T23"/>
+                </a:cxn>
+                <a:cxn ang="0">
+                  <a:pos x="T24" y="T25"/>
+                </a:cxn>
+                <a:cxn ang="0">
+                  <a:pos x="T26" y="T27"/>
+                </a:cxn>
+                <a:cxn ang="0">
+                  <a:pos x="T28" y="T29"/>
+                </a:cxn>
+                <a:cxn ang="0">
+                  <a:pos x="T30" y="T31"/>
+                </a:cxn>
+                <a:cxn ang="0">
+                  <a:pos x="T32" y="T33"/>
+                </a:cxn>
+                <a:cxn ang="0">
+                  <a:pos x="T34" y="T35"/>
+                </a:cxn>
+                <a:cxn ang="0">
+                  <a:pos x="T36" y="T37"/>
+                </a:cxn>
+                <a:cxn ang="0">
+                  <a:pos x="T38" y="T39"/>
+                </a:cxn>
+                <a:cxn ang="0">
+                  <a:pos x="T40" y="T41"/>
+                </a:cxn>
+                <a:cxn ang="0">
+                  <a:pos x="T42" y="T43"/>
+                </a:cxn>
+                <a:cxn ang="0">
+                  <a:pos x="T44" y="T45"/>
+                </a:cxn>
+                <a:cxn ang="0">
+                  <a:pos x="T46" y="T47"/>
+                </a:cxn>
+                <a:cxn ang="0">
+                  <a:pos x="T48" y="T49"/>
+                </a:cxn>
+                <a:cxn ang="0">
+                  <a:pos x="T50" y="T51"/>
+                </a:cxn>
+                <a:cxn ang="0">
+                  <a:pos x="T52" y="T53"/>
+                </a:cxn>
+                <a:cxn ang="0">
+                  <a:pos x="T54" y="T55"/>
+                </a:cxn>
+                <a:cxn ang="0">
+                  <a:pos x="T56" y="T57"/>
+                </a:cxn>
+                <a:cxn ang="0">
+                  <a:pos x="T58" y="T59"/>
+                </a:cxn>
+                <a:cxn ang="0">
+                  <a:pos x="T60" y="T61"/>
+                </a:cxn>
+                <a:cxn ang="0">
+                  <a:pos x="T62" y="T63"/>
+                </a:cxn>
+                <a:cxn ang="0">
+                  <a:pos x="T64" y="T65"/>
+                </a:cxn>
+                <a:cxn ang="0">
+                  <a:pos x="T66" y="T67"/>
+                </a:cxn>
+                <a:cxn ang="0">
+                  <a:pos x="T68" y="T69"/>
+                </a:cxn>
+                <a:cxn ang="0">
+                  <a:pos x="T70" y="T71"/>
+                </a:cxn>
+              </a:cxnLst>
+              <a:rect l="0" t="0" r="r" b="b"/>
+              <a:pathLst>
+                <a:path w="154" h="305">
+                  <a:moveTo>
+                    <a:pt x="81" y="11"/>
+                  </a:moveTo>
+                  <a:cubicBezTo>
+                    <a:pt x="81" y="10"/>
+                    <a:pt x="81" y="10"/>
+                    <a:pt x="81" y="9"/>
+                  </a:cubicBezTo>
+                  <a:cubicBezTo>
+                    <a:pt x="78" y="2"/>
+                    <a:pt x="64" y="0"/>
+                    <a:pt x="58" y="4"/>
+                  </a:cubicBezTo>
+                  <a:cubicBezTo>
+                    <a:pt x="48" y="10"/>
+                    <a:pt x="47" y="33"/>
+                    <a:pt x="48" y="43"/>
+                  </a:cubicBezTo>
+                  <a:cubicBezTo>
+                    <a:pt x="48" y="43"/>
+                    <a:pt x="48" y="43"/>
+                    <a:pt x="48" y="43"/>
+                  </a:cubicBezTo>
+                  <a:cubicBezTo>
+                    <a:pt x="48" y="44"/>
+                    <a:pt x="48" y="46"/>
+                    <a:pt x="49" y="47"/>
+                  </a:cubicBezTo>
+                  <a:cubicBezTo>
+                    <a:pt x="51" y="63"/>
+                    <a:pt x="56" y="78"/>
+                    <a:pt x="61" y="93"/>
+                  </a:cubicBezTo>
+                  <a:cubicBezTo>
+                    <a:pt x="52" y="110"/>
+                    <a:pt x="39" y="126"/>
+                    <a:pt x="30" y="143"/>
+                  </a:cubicBezTo>
+                  <a:cubicBezTo>
+                    <a:pt x="29" y="144"/>
+                    <a:pt x="28" y="146"/>
+                    <a:pt x="27" y="147"/>
+                  </a:cubicBezTo>
+                  <a:cubicBezTo>
+                    <a:pt x="25" y="151"/>
+                    <a:pt x="23" y="154"/>
+                    <a:pt x="21" y="158"/>
+                  </a:cubicBezTo>
+                  <a:cubicBezTo>
+                    <a:pt x="0" y="205"/>
+                    <a:pt x="32" y="238"/>
+                    <a:pt x="69" y="243"/>
+                  </a:cubicBezTo>
+                  <a:cubicBezTo>
+                    <a:pt x="75" y="244"/>
+                    <a:pt x="82" y="244"/>
+                    <a:pt x="88" y="243"/>
+                  </a:cubicBezTo>
+                  <a:cubicBezTo>
+                    <a:pt x="92" y="242"/>
+                    <a:pt x="96" y="242"/>
+                    <a:pt x="100" y="240"/>
+                  </a:cubicBezTo>
+                  <a:cubicBezTo>
+                    <a:pt x="100" y="241"/>
+                    <a:pt x="100" y="242"/>
+                    <a:pt x="101" y="243"/>
+                  </a:cubicBezTo>
+                  <a:cubicBezTo>
+                    <a:pt x="101" y="244"/>
+                    <a:pt x="101" y="246"/>
+                    <a:pt x="102" y="247"/>
+                  </a:cubicBezTo>
+                  <a:cubicBezTo>
+                    <a:pt x="104" y="258"/>
+                    <a:pt x="103" y="270"/>
+                    <a:pt x="91" y="285"/>
+                  </a:cubicBezTo>
+                  <a:cubicBezTo>
+                    <a:pt x="91" y="284"/>
+                    <a:pt x="91" y="284"/>
+                    <a:pt x="91" y="284"/>
+                  </a:cubicBezTo>
+                  <a:cubicBezTo>
+                    <a:pt x="92" y="280"/>
+                    <a:pt x="89" y="276"/>
+                    <a:pt x="85" y="275"/>
+                  </a:cubicBezTo>
+                  <a:cubicBezTo>
+                    <a:pt x="84" y="275"/>
+                    <a:pt x="82" y="276"/>
+                    <a:pt x="81" y="277"/>
+                  </a:cubicBezTo>
+                  <a:cubicBezTo>
+                    <a:pt x="81" y="277"/>
+                    <a:pt x="81" y="277"/>
+                    <a:pt x="81" y="278"/>
+                  </a:cubicBezTo>
+                  <a:cubicBezTo>
+                    <a:pt x="74" y="285"/>
+                    <a:pt x="75" y="295"/>
+                    <a:pt x="81" y="300"/>
+                  </a:cubicBezTo>
+                  <a:cubicBezTo>
+                    <a:pt x="82" y="301"/>
+                    <a:pt x="84" y="302"/>
+                    <a:pt x="85" y="303"/>
+                  </a:cubicBezTo>
+                  <a:cubicBezTo>
+                    <a:pt x="88" y="304"/>
+                    <a:pt x="92" y="305"/>
+                    <a:pt x="97" y="304"/>
+                  </a:cubicBezTo>
+                  <a:cubicBezTo>
+                    <a:pt x="120" y="297"/>
+                    <a:pt x="117" y="271"/>
+                    <a:pt x="110" y="247"/>
+                  </a:cubicBezTo>
+                  <a:cubicBezTo>
+                    <a:pt x="109" y="246"/>
+                    <a:pt x="109" y="244"/>
+                    <a:pt x="109" y="243"/>
+                  </a:cubicBezTo>
+                  <a:cubicBezTo>
+                    <a:pt x="108" y="241"/>
+                    <a:pt x="107" y="239"/>
+                    <a:pt x="107" y="238"/>
+                  </a:cubicBezTo>
+                  <a:cubicBezTo>
+                    <a:pt x="117" y="233"/>
+                    <a:pt x="127" y="226"/>
+                    <a:pt x="134" y="215"/>
+                  </a:cubicBezTo>
+                  <a:cubicBezTo>
+                    <a:pt x="154" y="188"/>
+                    <a:pt x="117" y="163"/>
+                    <a:pt x="85" y="164"/>
+                  </a:cubicBezTo>
+                  <a:cubicBezTo>
+                    <a:pt x="84" y="164"/>
+                    <a:pt x="84" y="164"/>
+                    <a:pt x="83" y="164"/>
+                  </a:cubicBezTo>
+                  <a:cubicBezTo>
+                    <a:pt x="83" y="159"/>
+                    <a:pt x="82" y="155"/>
+                    <a:pt x="81" y="151"/>
+                  </a:cubicBezTo>
+                  <a:cubicBezTo>
+                    <a:pt x="81" y="149"/>
+                    <a:pt x="81" y="148"/>
+                    <a:pt x="80" y="147"/>
+                  </a:cubicBezTo>
+                  <a:cubicBezTo>
+                    <a:pt x="80" y="146"/>
+                    <a:pt x="80" y="144"/>
+                    <a:pt x="80" y="143"/>
+                  </a:cubicBezTo>
+                  <a:cubicBezTo>
+                    <a:pt x="77" y="131"/>
+                    <a:pt x="75" y="119"/>
+                    <a:pt x="72" y="108"/>
+                  </a:cubicBezTo>
+                  <a:cubicBezTo>
+                    <a:pt x="71" y="103"/>
+                    <a:pt x="69" y="97"/>
+                    <a:pt x="67" y="92"/>
+                  </a:cubicBezTo>
+                  <a:cubicBezTo>
+                    <a:pt x="73" y="81"/>
+                    <a:pt x="78" y="71"/>
+                    <a:pt x="81" y="60"/>
+                  </a:cubicBezTo>
+                  <a:cubicBezTo>
+                    <a:pt x="83" y="53"/>
+                    <a:pt x="85" y="46"/>
+                    <a:pt x="85" y="39"/>
+                  </a:cubicBezTo>
+                  <a:cubicBezTo>
+                    <a:pt x="85" y="35"/>
+                    <a:pt x="85" y="32"/>
+                    <a:pt x="85" y="29"/>
+                  </a:cubicBezTo>
+                  <a:cubicBezTo>
+                    <a:pt x="85" y="23"/>
+                    <a:pt x="83" y="17"/>
+                    <a:pt x="81" y="11"/>
+                  </a:cubicBezTo>
+                  <a:close/>
+                  <a:moveTo>
+                    <a:pt x="109" y="225"/>
+                  </a:moveTo>
+                  <a:cubicBezTo>
+                    <a:pt x="107" y="226"/>
+                    <a:pt x="105" y="228"/>
+                    <a:pt x="103" y="228"/>
+                  </a:cubicBezTo>
+                  <a:cubicBezTo>
+                    <a:pt x="101" y="222"/>
+                    <a:pt x="98" y="216"/>
+                    <a:pt x="97" y="213"/>
+                  </a:cubicBezTo>
+                  <a:cubicBezTo>
+                    <a:pt x="92" y="200"/>
+                    <a:pt x="88" y="187"/>
+                    <a:pt x="85" y="174"/>
+                  </a:cubicBezTo>
+                  <a:cubicBezTo>
+                    <a:pt x="115" y="174"/>
+                    <a:pt x="144" y="202"/>
+                    <a:pt x="109" y="225"/>
+                  </a:cubicBezTo>
+                  <a:close/>
+                  <a:moveTo>
+                    <a:pt x="76" y="143"/>
+                  </a:moveTo>
+                  <a:cubicBezTo>
+                    <a:pt x="76" y="144"/>
+                    <a:pt x="76" y="146"/>
+                    <a:pt x="77" y="147"/>
+                  </a:cubicBezTo>
+                  <a:cubicBezTo>
+                    <a:pt x="77" y="148"/>
+                    <a:pt x="77" y="150"/>
+                    <a:pt x="78" y="151"/>
+                  </a:cubicBezTo>
+                  <a:cubicBezTo>
+                    <a:pt x="78" y="155"/>
+                    <a:pt x="79" y="160"/>
+                    <a:pt x="80" y="164"/>
+                  </a:cubicBezTo>
+                  <a:cubicBezTo>
+                    <a:pt x="64" y="165"/>
+                    <a:pt x="50" y="173"/>
+                    <a:pt x="45" y="189"/>
+                  </a:cubicBezTo>
+                  <a:cubicBezTo>
+                    <a:pt x="44" y="192"/>
+                    <a:pt x="49" y="194"/>
+                    <a:pt x="51" y="191"/>
+                  </a:cubicBezTo>
+                  <a:cubicBezTo>
+                    <a:pt x="59" y="180"/>
+                    <a:pt x="70" y="175"/>
+                    <a:pt x="81" y="174"/>
+                  </a:cubicBezTo>
+                  <a:cubicBezTo>
+                    <a:pt x="81" y="174"/>
+                    <a:pt x="82" y="174"/>
+                    <a:pt x="82" y="174"/>
+                  </a:cubicBezTo>
+                  <a:cubicBezTo>
+                    <a:pt x="83" y="180"/>
+                    <a:pt x="84" y="186"/>
+                    <a:pt x="85" y="192"/>
+                  </a:cubicBezTo>
+                  <a:cubicBezTo>
+                    <a:pt x="87" y="199"/>
+                    <a:pt x="88" y="207"/>
+                    <a:pt x="91" y="214"/>
+                  </a:cubicBezTo>
+                  <a:cubicBezTo>
+                    <a:pt x="92" y="220"/>
+                    <a:pt x="94" y="226"/>
+                    <a:pt x="96" y="231"/>
+                  </a:cubicBezTo>
+                  <a:cubicBezTo>
+                    <a:pt x="93" y="232"/>
+                    <a:pt x="89" y="233"/>
+                    <a:pt x="85" y="233"/>
+                  </a:cubicBezTo>
+                  <a:cubicBezTo>
+                    <a:pt x="84" y="233"/>
+                    <a:pt x="82" y="233"/>
+                    <a:pt x="81" y="233"/>
+                  </a:cubicBezTo>
+                  <a:cubicBezTo>
+                    <a:pt x="67" y="233"/>
+                    <a:pt x="52" y="228"/>
+                    <a:pt x="41" y="223"/>
+                  </a:cubicBezTo>
+                  <a:cubicBezTo>
+                    <a:pt x="9" y="206"/>
+                    <a:pt x="24" y="170"/>
+                    <a:pt x="36" y="147"/>
+                  </a:cubicBezTo>
+                  <a:cubicBezTo>
+                    <a:pt x="36" y="146"/>
+                    <a:pt x="36" y="145"/>
+                    <a:pt x="37" y="144"/>
+                  </a:cubicBezTo>
+                  <a:cubicBezTo>
+                    <a:pt x="37" y="144"/>
+                    <a:pt x="37" y="143"/>
+                    <a:pt x="38" y="143"/>
+                  </a:cubicBezTo>
+                  <a:cubicBezTo>
+                    <a:pt x="45" y="130"/>
+                    <a:pt x="54" y="116"/>
+                    <a:pt x="63" y="100"/>
+                  </a:cubicBezTo>
+                  <a:cubicBezTo>
+                    <a:pt x="67" y="114"/>
+                    <a:pt x="72" y="129"/>
+                    <a:pt x="76" y="143"/>
+                  </a:cubicBezTo>
+                  <a:close/>
+                  <a:moveTo>
+                    <a:pt x="76" y="43"/>
+                  </a:moveTo>
+                  <a:cubicBezTo>
+                    <a:pt x="76" y="44"/>
+                    <a:pt x="75" y="46"/>
+                    <a:pt x="75" y="47"/>
+                  </a:cubicBezTo>
+                  <a:cubicBezTo>
+                    <a:pt x="75" y="47"/>
+                    <a:pt x="75" y="48"/>
+                    <a:pt x="75" y="48"/>
+                  </a:cubicBezTo>
+                  <a:cubicBezTo>
+                    <a:pt x="74" y="57"/>
+                    <a:pt x="71" y="66"/>
+                    <a:pt x="68" y="75"/>
+                  </a:cubicBezTo>
+                  <a:cubicBezTo>
+                    <a:pt x="67" y="78"/>
+                    <a:pt x="66" y="81"/>
+                    <a:pt x="65" y="83"/>
+                  </a:cubicBezTo>
+                  <a:cubicBezTo>
+                    <a:pt x="61" y="71"/>
+                    <a:pt x="58" y="59"/>
+                    <a:pt x="57" y="47"/>
+                  </a:cubicBezTo>
+                  <a:cubicBezTo>
+                    <a:pt x="57" y="46"/>
+                    <a:pt x="56" y="44"/>
+                    <a:pt x="56" y="43"/>
+                  </a:cubicBezTo>
+                  <a:cubicBezTo>
+                    <a:pt x="56" y="35"/>
+                    <a:pt x="56" y="27"/>
+                    <a:pt x="57" y="19"/>
+                  </a:cubicBezTo>
+                  <a:cubicBezTo>
+                    <a:pt x="58" y="12"/>
+                    <a:pt x="64" y="13"/>
+                    <a:pt x="77" y="23"/>
+                  </a:cubicBezTo>
+                  <a:cubicBezTo>
+                    <a:pt x="77" y="30"/>
+                    <a:pt x="77" y="36"/>
+                    <a:pt x="76" y="43"/>
+                  </a:cubicBezTo>
+                  <a:close/>
+                </a:path>
+              </a:pathLst>
+            </a:custGeom>
+            <a:solidFill>
+              <a:srgbClr val="F2F2F2"/>
+            </a:solidFill>
+            <a:ln>
+              <a:noFill/>
+            </a:ln>
+            <a:extLst>
+              <a:ext uri="{91240B29-F687-4F45-9708-019B960494DF}">
+                <a14:hiddenLine xmlns:a14="http://schemas.microsoft.com/office/drawing/2010/main" w="9525">
+                  <a:solidFill>
+                    <a:srgbClr val="000000"/>
+                  </a:solidFill>
+                  <a:round/>
+                </a14:hiddenLine>
+              </a:ext>
+            </a:extLst>
+          </p:spPr>
+          <p:txBody>
+            <a:bodyPr vert="horz" wrap="square" lIns="91440" tIns="45720" rIns="91440" bIns="45720" numCol="1" anchor="t" anchorCtr="0" compatLnSpc="1"/>
+            <a:p>
+              <a:endParaRPr lang="zh-CN" altLang="en-US"/>
+            </a:p>
+          </p:txBody>
+        </p:sp>
+        <p:sp>
+          <p:nvSpPr>
+            <p:cNvPr id="105" name="Freeform 6"/>
+            <p:cNvSpPr/>
+            <p:nvPr/>
+          </p:nvSpPr>
+          <p:spPr bwMode="auto">
+            <a:xfrm>
+              <a:off x="735" y="774"/>
+              <a:ext cx="61" cy="52"/>
+            </a:xfrm>
+            <a:custGeom>
+              <a:avLst/>
+              <a:gdLst>
+                <a:gd name="T0" fmla="*/ 25 w 28"/>
+                <a:gd name="T1" fmla="*/ 23 h 24"/>
+                <a:gd name="T2" fmla="*/ 27 w 28"/>
+                <a:gd name="T3" fmla="*/ 21 h 24"/>
+                <a:gd name="T4" fmla="*/ 3 w 28"/>
+                <a:gd name="T5" fmla="*/ 1 h 24"/>
+                <a:gd name="T6" fmla="*/ 2 w 28"/>
+                <a:gd name="T7" fmla="*/ 4 h 24"/>
+                <a:gd name="T8" fmla="*/ 25 w 28"/>
+                <a:gd name="T9" fmla="*/ 23 h 24"/>
+              </a:gdLst>
+              <a:ahLst/>
+              <a:cxnLst>
+                <a:cxn ang="0">
+                  <a:pos x="T0" y="T1"/>
+                </a:cxn>
+                <a:cxn ang="0">
+                  <a:pos x="T2" y="T3"/>
+                </a:cxn>
+                <a:cxn ang="0">
+                  <a:pos x="T4" y="T5"/>
+                </a:cxn>
+                <a:cxn ang="0">
+                  <a:pos x="T6" y="T7"/>
+                </a:cxn>
+                <a:cxn ang="0">
+                  <a:pos x="T8" y="T9"/>
+                </a:cxn>
+              </a:cxnLst>
+              <a:rect l="0" t="0" r="r" b="b"/>
+              <a:pathLst>
+                <a:path w="28" h="24">
+                  <a:moveTo>
+                    <a:pt x="25" y="23"/>
+                  </a:moveTo>
+                  <a:cubicBezTo>
+                    <a:pt x="26" y="24"/>
+                    <a:pt x="28" y="23"/>
+                    <a:pt x="27" y="21"/>
+                  </a:cubicBezTo>
+                  <a:cubicBezTo>
+                    <a:pt x="24" y="10"/>
+                    <a:pt x="13" y="4"/>
+                    <a:pt x="3" y="1"/>
+                  </a:cubicBezTo>
+                  <a:cubicBezTo>
+                    <a:pt x="1" y="0"/>
+                    <a:pt x="0" y="3"/>
+                    <a:pt x="2" y="4"/>
+                  </a:cubicBezTo>
+                  <a:cubicBezTo>
+                    <a:pt x="10" y="10"/>
+                    <a:pt x="17" y="17"/>
+                    <a:pt x="25" y="23"/>
+                  </a:cubicBezTo>
+                  <a:close/>
+                </a:path>
+              </a:pathLst>
+            </a:custGeom>
+            <a:solidFill>
+              <a:srgbClr val="F2F2F2"/>
+            </a:solidFill>
+            <a:ln>
+              <a:noFill/>
+            </a:ln>
+            <a:extLst>
+              <a:ext uri="{91240B29-F687-4F45-9708-019B960494DF}">
+                <a14:hiddenLine xmlns:a14="http://schemas.microsoft.com/office/drawing/2010/main" w="9525">
+                  <a:solidFill>
+                    <a:srgbClr val="000000"/>
+                  </a:solidFill>
+                  <a:round/>
+                </a14:hiddenLine>
+              </a:ext>
+            </a:extLst>
+          </p:spPr>
+          <p:txBody>
+            <a:bodyPr vert="horz" wrap="square" lIns="91440" tIns="45720" rIns="91440" bIns="45720" numCol="1" anchor="t" anchorCtr="0" compatLnSpc="1"/>
+            <a:p>
+              <a:endParaRPr lang="zh-CN" altLang="en-US"/>
+            </a:p>
+          </p:txBody>
+        </p:sp>
+        <p:sp>
+          <p:nvSpPr>
+            <p:cNvPr id="106" name="Freeform 7"/>
+            <p:cNvSpPr/>
+            <p:nvPr/>
+          </p:nvSpPr>
+          <p:spPr bwMode="auto">
+            <a:xfrm>
+              <a:off x="759" y="748"/>
+              <a:ext cx="76" cy="50"/>
+            </a:xfrm>
+            <a:custGeom>
+              <a:avLst/>
+              <a:gdLst>
+                <a:gd name="T0" fmla="*/ 3 w 35"/>
+                <a:gd name="T1" fmla="*/ 1 h 23"/>
+                <a:gd name="T2" fmla="*/ 3 w 35"/>
+                <a:gd name="T3" fmla="*/ 5 h 23"/>
+                <a:gd name="T4" fmla="*/ 17 w 35"/>
+                <a:gd name="T5" fmla="*/ 11 h 23"/>
+                <a:gd name="T6" fmla="*/ 31 w 35"/>
+                <a:gd name="T7" fmla="*/ 22 h 23"/>
+                <a:gd name="T8" fmla="*/ 34 w 35"/>
+                <a:gd name="T9" fmla="*/ 20 h 23"/>
+                <a:gd name="T10" fmla="*/ 3 w 35"/>
+                <a:gd name="T11" fmla="*/ 1 h 23"/>
+              </a:gdLst>
+              <a:ahLst/>
+              <a:cxnLst>
+                <a:cxn ang="0">
+                  <a:pos x="T0" y="T1"/>
+                </a:cxn>
+                <a:cxn ang="0">
+                  <a:pos x="T2" y="T3"/>
+                </a:cxn>
+                <a:cxn ang="0">
+                  <a:pos x="T4" y="T5"/>
+                </a:cxn>
+                <a:cxn ang="0">
+                  <a:pos x="T6" y="T7"/>
+                </a:cxn>
+                <a:cxn ang="0">
+                  <a:pos x="T8" y="T9"/>
+                </a:cxn>
+                <a:cxn ang="0">
+                  <a:pos x="T10" y="T11"/>
+                </a:cxn>
+              </a:cxnLst>
+              <a:rect l="0" t="0" r="r" b="b"/>
+              <a:pathLst>
+                <a:path w="35" h="23">
+                  <a:moveTo>
+                    <a:pt x="3" y="1"/>
+                  </a:moveTo>
+                  <a:cubicBezTo>
+                    <a:pt x="1" y="1"/>
+                    <a:pt x="0" y="4"/>
+                    <a:pt x="3" y="5"/>
+                  </a:cubicBezTo>
+                  <a:cubicBezTo>
+                    <a:pt x="8" y="6"/>
+                    <a:pt x="13" y="8"/>
+                    <a:pt x="17" y="11"/>
+                  </a:cubicBezTo>
+                  <a:cubicBezTo>
+                    <a:pt x="22" y="15"/>
+                    <a:pt x="26" y="19"/>
+                    <a:pt x="31" y="22"/>
+                  </a:cubicBezTo>
+                  <a:cubicBezTo>
+                    <a:pt x="33" y="23"/>
+                    <a:pt x="35" y="22"/>
+                    <a:pt x="34" y="20"/>
+                  </a:cubicBezTo>
+                  <a:cubicBezTo>
+                    <a:pt x="30" y="8"/>
+                    <a:pt x="16" y="0"/>
+                    <a:pt x="3" y="1"/>
+                  </a:cubicBezTo>
+                  <a:close/>
+                </a:path>
+              </a:pathLst>
+            </a:custGeom>
+            <a:solidFill>
+              <a:srgbClr val="F2F2F2"/>
+            </a:solidFill>
+            <a:ln>
+              <a:noFill/>
+            </a:ln>
+            <a:extLst>
+              <a:ext uri="{91240B29-F687-4F45-9708-019B960494DF}">
+                <a14:hiddenLine xmlns:a14="http://schemas.microsoft.com/office/drawing/2010/main" w="9525">
+                  <a:solidFill>
+                    <a:srgbClr val="000000"/>
+                  </a:solidFill>
+                  <a:round/>
+                </a14:hiddenLine>
+              </a:ext>
+            </a:extLst>
+          </p:spPr>
+          <p:txBody>
+            <a:bodyPr vert="horz" wrap="square" lIns="91440" tIns="45720" rIns="91440" bIns="45720" numCol="1" anchor="t" anchorCtr="0" compatLnSpc="1"/>
+            <a:p>
+              <a:endParaRPr lang="zh-CN" altLang="en-US"/>
+            </a:p>
+          </p:txBody>
+        </p:sp>
+      </p:grpSp>
+      <p:sp>
+        <p:nvSpPr>
+          <p:cNvPr id="4" name="Rectangle 47"/>
+          <p:cNvSpPr/>
+          <p:nvPr/>
+        </p:nvSpPr>
+        <p:spPr>
+          <a:xfrm>
+            <a:off x="1288212" y="759990"/>
+            <a:ext cx="5325110" cy="492125"/>
+          </a:xfrm>
+          <a:prstGeom prst="rect">
+            <a:avLst/>
+          </a:prstGeom>
+        </p:spPr>
+        <p:txBody>
+          <a:bodyPr wrap="none" lIns="0" tIns="0" rIns="0" bIns="0">
+            <a:spAutoFit/>
+          </a:bodyPr>
+          <a:p>
+            <a:pPr algn="l"/>
+            <a:r>
+              <a:rPr lang="en-US" altLang="zh-CN" sz="3200" b="1" dirty="0" smtClean="0">
+                <a:solidFill>
+                  <a:schemeClr val="bg1"/>
+                </a:solidFill>
+                <a:latin typeface="方正静蕾简体" pitchFamily="2" charset="-122"/>
+                <a:ea typeface="方正静蕾简体" pitchFamily="2" charset="-122"/>
+                <a:cs typeface="Arial" panose="020B0604020202020204" pitchFamily="34" charset="0"/>
+              </a:rPr>
+              <a:t> 右键菜单 --  contextMenus</a:t>
+            </a:r>
+            <a:endParaRPr lang="en-US" altLang="zh-CN" sz="3200" b="1" dirty="0" smtClean="0">
+              <a:solidFill>
+                <a:schemeClr val="bg1"/>
+              </a:solidFill>
+              <a:latin typeface="方正静蕾简体" pitchFamily="2" charset="-122"/>
+              <a:ea typeface="方正静蕾简体" pitchFamily="2" charset="-122"/>
+              <a:cs typeface="Arial" panose="020B0604020202020204" pitchFamily="34" charset="0"/>
+            </a:endParaRPr>
+          </a:p>
+        </p:txBody>
+      </p:sp>
+      <p:sp>
+        <p:nvSpPr>
+          <p:cNvPr id="5" name="文本框 4"/>
+          <p:cNvSpPr txBox="1"/>
+          <p:nvPr/>
+        </p:nvSpPr>
+        <p:spPr>
+          <a:xfrm>
+            <a:off x="1193800" y="1355090"/>
+            <a:ext cx="9961245" cy="4215765"/>
+          </a:xfrm>
+          <a:prstGeom prst="rect">
+            <a:avLst/>
+          </a:prstGeom>
+          <a:noFill/>
+        </p:spPr>
+        <p:txBody>
+          <a:bodyPr wrap="square" rtlCol="0" anchor="t">
+            <a:spAutoFit/>
+          </a:bodyPr>
+          <a:p>
+            <a:r>
+              <a:rPr lang="zh-CN" altLang="en-US" sz="2800">
+                <a:solidFill>
+                  <a:schemeClr val="bg1"/>
+                </a:solidFill>
+              </a:rPr>
+              <a:t>// manifest.json</a:t>
+            </a:r>
+            <a:endParaRPr lang="zh-CN" altLang="en-US" sz="2800">
+              <a:solidFill>
+                <a:schemeClr val="bg1"/>
+              </a:solidFill>
+            </a:endParaRPr>
+          </a:p>
+          <a:p>
+            <a:r>
+              <a:rPr lang="zh-CN" altLang="en-US" sz="2800">
+                <a:solidFill>
+                  <a:schemeClr val="bg1"/>
+                </a:solidFill>
+              </a:rPr>
+              <a:t>{"permissions": ["contextMenus"]}</a:t>
+            </a:r>
+            <a:endParaRPr lang="zh-CN" altLang="en-US" sz="2800">
+              <a:solidFill>
+                <a:schemeClr val="bg1"/>
+              </a:solidFill>
+            </a:endParaRPr>
+          </a:p>
+          <a:p>
+            <a:endParaRPr lang="zh-CN" altLang="en-US" sz="2800">
+              <a:solidFill>
+                <a:schemeClr val="bg1"/>
+              </a:solidFill>
+            </a:endParaRPr>
+          </a:p>
+          <a:p>
+            <a:r>
+              <a:rPr lang="zh-CN" altLang="en-US" sz="2800">
+                <a:solidFill>
+                  <a:schemeClr val="bg1"/>
+                </a:solidFill>
+              </a:rPr>
+              <a:t>// background.js</a:t>
+            </a:r>
+            <a:endParaRPr lang="zh-CN" altLang="en-US" sz="2800">
+              <a:solidFill>
+                <a:schemeClr val="bg1"/>
+              </a:solidFill>
+            </a:endParaRPr>
+          </a:p>
+          <a:p>
+            <a:r>
+              <a:rPr lang="zh-CN" altLang="en-US" sz="2800">
+                <a:solidFill>
+                  <a:schemeClr val="bg1"/>
+                </a:solidFill>
+              </a:rPr>
+              <a:t>chrome.contextMenus.create({</a:t>
+            </a:r>
+            <a:endParaRPr lang="zh-CN" altLang="en-US" sz="2800">
+              <a:solidFill>
+                <a:schemeClr val="bg1"/>
+              </a:solidFill>
+            </a:endParaRPr>
+          </a:p>
+          <a:p>
+            <a:r>
+              <a:rPr lang="zh-CN" altLang="en-US" sz="2800">
+                <a:solidFill>
+                  <a:schemeClr val="bg1"/>
+                </a:solidFill>
+              </a:rPr>
+              <a:t>    title: "自定义菜单",</a:t>
+            </a:r>
+            <a:endParaRPr lang="zh-CN" altLang="en-US" sz="2800">
+              <a:solidFill>
+                <a:schemeClr val="bg1"/>
+              </a:solidFill>
+            </a:endParaRPr>
+          </a:p>
+          <a:p>
+            <a:r>
+              <a:rPr lang="zh-CN" altLang="en-US" sz="2800">
+                <a:solidFill>
+                  <a:schemeClr val="bg1"/>
+                </a:solidFill>
+              </a:rPr>
+              <a:t>    contexts: ['page'], </a:t>
+            </a:r>
+            <a:r>
+              <a:rPr lang="zh-CN" altLang="en-US" sz="1600">
+                <a:solidFill>
+                  <a:srgbClr val="FFC000"/>
+                </a:solidFill>
+              </a:rPr>
+              <a:t>// 上下文环境，可选：["all", "page", "frame", "selection", "link", "editable", "image", "video", "audio"]，默认page  </a:t>
+            </a:r>
+            <a:endParaRPr lang="zh-CN" altLang="en-US" sz="1600">
+              <a:solidFill>
+                <a:srgbClr val="FF0000"/>
+              </a:solidFill>
+            </a:endParaRPr>
+          </a:p>
+          <a:p>
+            <a:r>
+              <a:rPr lang="zh-CN" altLang="en-US" sz="2800">
+                <a:solidFill>
+                  <a:schemeClr val="bg1"/>
+                </a:solidFill>
+              </a:rPr>
+              <a:t>    onclick: function(){alert('您点击了右键菜单！');}</a:t>
+            </a:r>
+            <a:endParaRPr lang="zh-CN" altLang="en-US" sz="2800">
+              <a:solidFill>
+                <a:schemeClr val="bg1"/>
+              </a:solidFill>
+            </a:endParaRPr>
+          </a:p>
+          <a:p>
+            <a:r>
+              <a:rPr lang="zh-CN" altLang="en-US" sz="2800">
+                <a:solidFill>
+                  <a:schemeClr val="bg1"/>
+                </a:solidFill>
+              </a:rPr>
+              <a:t>});</a:t>
+            </a:r>
+            <a:endParaRPr lang="zh-CN" altLang="en-US" sz="2800">
               <a:solidFill>
                 <a:schemeClr val="bg1"/>
               </a:solidFill>

--- a/ppt.pptx
+++ b/ppt.pptx
@@ -6276,7 +6276,7 @@
         </p:nvSpPr>
         <p:spPr>
           <a:xfrm>
-            <a:off x="1288212" y="759990"/>
+            <a:off x="1224077" y="759990"/>
             <a:ext cx="4299585" cy="492125"/>
           </a:xfrm>
           <a:prstGeom prst="rect">
@@ -6319,8 +6319,8 @@
         </p:nvSpPr>
         <p:spPr>
           <a:xfrm>
-            <a:off x="1288415" y="2274570"/>
-            <a:ext cx="9861550" cy="2584450"/>
+            <a:off x="1224280" y="1882775"/>
+            <a:ext cx="9861550" cy="3415030"/>
           </a:xfrm>
           <a:prstGeom prst="rect">
             <a:avLst/>
@@ -6333,14 +6333,14 @@
           </a:bodyPr>
           <a:p>
             <a:r>
-              <a:rPr lang="zh-CN" altLang="en-US">
+              <a:rPr lang="zh-CN" altLang="en-US" sz="2400">
                 <a:solidFill>
                   <a:schemeClr val="bg1"/>
                 </a:solidFill>
               </a:rPr>
               <a:t>{</a:t>
             </a:r>
-            <a:endParaRPr lang="zh-CN" altLang="en-US">
+            <a:endParaRPr lang="zh-CN" altLang="en-US" sz="2400">
               <a:solidFill>
                 <a:schemeClr val="bg1"/>
               </a:solidFill>
@@ -6348,14 +6348,14 @@
           </a:p>
           <a:p>
             <a:r>
-              <a:rPr lang="zh-CN" altLang="en-US">
+              <a:rPr lang="zh-CN" altLang="en-US" sz="2400">
                 <a:solidFill>
                   <a:schemeClr val="bg1"/>
                 </a:solidFill>
               </a:rPr>
               <a:t>	// 会一直常驻的后台JS或后台页面</a:t>
             </a:r>
-            <a:endParaRPr lang="zh-CN" altLang="en-US">
+            <a:endParaRPr lang="zh-CN" altLang="en-US" sz="2400">
               <a:solidFill>
                 <a:schemeClr val="bg1"/>
               </a:solidFill>
@@ -6363,14 +6363,14 @@
           </a:p>
           <a:p>
             <a:r>
-              <a:rPr lang="zh-CN" altLang="en-US">
+              <a:rPr lang="zh-CN" altLang="en-US" sz="2400">
                 <a:solidFill>
                   <a:schemeClr val="bg1"/>
                 </a:solidFill>
               </a:rPr>
               <a:t>	"background":</a:t>
             </a:r>
-            <a:endParaRPr lang="zh-CN" altLang="en-US">
+            <a:endParaRPr lang="zh-CN" altLang="en-US" sz="2400">
               <a:solidFill>
                 <a:schemeClr val="bg1"/>
               </a:solidFill>
@@ -6378,14 +6378,14 @@
           </a:p>
           <a:p>
             <a:r>
-              <a:rPr lang="zh-CN" altLang="en-US">
+              <a:rPr lang="zh-CN" altLang="en-US" sz="2400">
                 <a:solidFill>
                   <a:schemeClr val="bg1"/>
                 </a:solidFill>
               </a:rPr>
               <a:t>	{</a:t>
             </a:r>
-            <a:endParaRPr lang="zh-CN" altLang="en-US">
+            <a:endParaRPr lang="zh-CN" altLang="en-US" sz="2400">
               <a:solidFill>
                 <a:schemeClr val="bg1"/>
               </a:solidFill>
@@ -6393,14 +6393,14 @@
           </a:p>
           <a:p>
             <a:r>
-              <a:rPr lang="zh-CN" altLang="en-US">
+              <a:rPr lang="zh-CN" altLang="en-US" sz="2400">
                 <a:solidFill>
                   <a:schemeClr val="bg1"/>
                 </a:solidFill>
               </a:rPr>
               <a:t>		// 2种指定方式，如果指定JS，那么会自动生成一个背景页</a:t>
             </a:r>
-            <a:endParaRPr lang="zh-CN" altLang="en-US">
+            <a:endParaRPr lang="zh-CN" altLang="en-US" sz="2400">
               <a:solidFill>
                 <a:schemeClr val="bg1"/>
               </a:solidFill>
@@ -6408,14 +6408,14 @@
           </a:p>
           <a:p>
             <a:r>
-              <a:rPr lang="zh-CN" altLang="en-US">
+              <a:rPr lang="zh-CN" altLang="en-US" sz="2400">
                 <a:solidFill>
                   <a:schemeClr val="bg1"/>
                 </a:solidFill>
               </a:rPr>
               <a:t>		"page": "background.html"</a:t>
             </a:r>
-            <a:endParaRPr lang="zh-CN" altLang="en-US">
+            <a:endParaRPr lang="zh-CN" altLang="en-US" sz="2400">
               <a:solidFill>
                 <a:schemeClr val="bg1"/>
               </a:solidFill>
@@ -6423,14 +6423,14 @@
           </a:p>
           <a:p>
             <a:r>
-              <a:rPr lang="zh-CN" altLang="en-US">
+              <a:rPr lang="zh-CN" altLang="en-US" sz="2400">
                 <a:solidFill>
                   <a:schemeClr val="bg1"/>
                 </a:solidFill>
               </a:rPr>
               <a:t>		//"scripts": ["js/background.js"]</a:t>
             </a:r>
-            <a:endParaRPr lang="zh-CN" altLang="en-US">
+            <a:endParaRPr lang="zh-CN" altLang="en-US" sz="2400">
               <a:solidFill>
                 <a:schemeClr val="bg1"/>
               </a:solidFill>
@@ -6438,14 +6438,14 @@
           </a:p>
           <a:p>
             <a:r>
-              <a:rPr lang="zh-CN" altLang="en-US">
+              <a:rPr lang="zh-CN" altLang="en-US" sz="2400">
                 <a:solidFill>
                   <a:schemeClr val="bg1"/>
                 </a:solidFill>
               </a:rPr>
               <a:t>	},</a:t>
             </a:r>
-            <a:endParaRPr lang="zh-CN" altLang="en-US">
+            <a:endParaRPr lang="zh-CN" altLang="en-US" sz="2400">
               <a:solidFill>
                 <a:schemeClr val="bg1"/>
               </a:solidFill>
@@ -6453,14 +6453,14 @@
           </a:p>
           <a:p>
             <a:r>
-              <a:rPr lang="zh-CN" altLang="en-US">
+              <a:rPr lang="zh-CN" altLang="en-US" sz="2400">
                 <a:solidFill>
                   <a:schemeClr val="bg1"/>
                 </a:solidFill>
               </a:rPr>
               <a:t>}</a:t>
             </a:r>
-            <a:endParaRPr lang="zh-CN" altLang="en-US">
+            <a:endParaRPr lang="zh-CN" altLang="en-US" sz="2400">
               <a:solidFill>
                 <a:schemeClr val="bg1"/>
               </a:solidFill>
@@ -8339,7 +8339,7 @@
         </p:nvSpPr>
         <p:spPr>
           <a:xfrm>
-            <a:off x="1193800" y="1355090"/>
+            <a:off x="1202690" y="1321435"/>
             <a:ext cx="9961245" cy="4215765"/>
           </a:xfrm>
           <a:prstGeom prst="rect">

--- a/ppt.pptx
+++ b/ppt.pptx
@@ -5,7 +5,7 @@
     <p:sldMasterId id="2147483648" r:id="rId1"/>
   </p:sldMasterIdLst>
   <p:notesMasterIdLst>
-    <p:notesMasterId r:id="rId16"/>
+    <p:notesMasterId r:id="rId20"/>
   </p:notesMasterIdLst>
   <p:sldIdLst>
     <p:sldId id="323" r:id="rId3"/>
@@ -21,6 +21,10 @@
     <p:sldId id="433" r:id="rId13"/>
     <p:sldId id="434" r:id="rId14"/>
     <p:sldId id="435" r:id="rId15"/>
+    <p:sldId id="436" r:id="rId16"/>
+    <p:sldId id="437" r:id="rId17"/>
+    <p:sldId id="438" r:id="rId18"/>
+    <p:sldId id="439" r:id="rId19"/>
   </p:sldIdLst>
   <p:sldSz cx="12192000" cy="6858000"/>
   <p:notesSz cx="6858000" cy="9144000"/>
@@ -8479,6 +8483,4485 @@
                 </a:solidFill>
               </a:rPr>
               <a:t>});</a:t>
+            </a:r>
+            <a:endParaRPr lang="zh-CN" altLang="en-US" sz="2800">
+              <a:solidFill>
+                <a:schemeClr val="bg1"/>
+              </a:solidFill>
+            </a:endParaRPr>
+          </a:p>
+        </p:txBody>
+      </p:sp>
+    </p:spTree>
+  </p:cSld>
+  <p:clrMapOvr>
+    <a:masterClrMapping/>
+  </p:clrMapOvr>
+</p:sld>
+</file>
+
+<file path=ppt/slides/slide14.xml><?xml version="1.0" encoding="utf-8"?>
+<p:sld xmlns:a="http://schemas.openxmlformats.org/drawingml/2006/main" xmlns:r="http://schemas.openxmlformats.org/officeDocument/2006/relationships" xmlns:p="http://schemas.openxmlformats.org/presentationml/2006/main">
+  <p:cSld>
+    <p:spTree>
+      <p:nvGrpSpPr>
+        <p:cNvPr id="1" name=""/>
+        <p:cNvGrpSpPr/>
+        <p:nvPr/>
+      </p:nvGrpSpPr>
+      <p:grpSpPr/>
+      <p:grpSp>
+        <p:nvGrpSpPr>
+          <p:cNvPr id="103" name="Group 4"/>
+          <p:cNvGrpSpPr>
+            <a:grpSpLocks noChangeAspect="1"/>
+          </p:cNvGrpSpPr>
+          <p:nvPr/>
+        </p:nvGrpSpPr>
+        <p:grpSpPr bwMode="auto">
+          <a:xfrm rot="891772">
+            <a:off x="521512" y="551543"/>
+            <a:ext cx="507974" cy="919389"/>
+            <a:chOff x="472" y="425"/>
+            <a:chExt cx="363" cy="657"/>
+          </a:xfrm>
+        </p:grpSpPr>
+        <p:sp>
+          <p:nvSpPr>
+            <p:cNvPr id="104" name="Freeform 5"/>
+            <p:cNvSpPr>
+              <a:spLocks noEditPoints="1"/>
+            </p:cNvSpPr>
+            <p:nvPr/>
+          </p:nvSpPr>
+          <p:spPr bwMode="auto">
+            <a:xfrm>
+              <a:off x="472" y="425"/>
+              <a:ext cx="335" cy="657"/>
+            </a:xfrm>
+            <a:custGeom>
+              <a:avLst/>
+              <a:gdLst>
+                <a:gd name="T0" fmla="*/ 81 w 154"/>
+                <a:gd name="T1" fmla="*/ 9 h 305"/>
+                <a:gd name="T2" fmla="*/ 48 w 154"/>
+                <a:gd name="T3" fmla="*/ 43 h 305"/>
+                <a:gd name="T4" fmla="*/ 49 w 154"/>
+                <a:gd name="T5" fmla="*/ 47 h 305"/>
+                <a:gd name="T6" fmla="*/ 30 w 154"/>
+                <a:gd name="T7" fmla="*/ 143 h 305"/>
+                <a:gd name="T8" fmla="*/ 21 w 154"/>
+                <a:gd name="T9" fmla="*/ 158 h 305"/>
+                <a:gd name="T10" fmla="*/ 88 w 154"/>
+                <a:gd name="T11" fmla="*/ 243 h 305"/>
+                <a:gd name="T12" fmla="*/ 101 w 154"/>
+                <a:gd name="T13" fmla="*/ 243 h 305"/>
+                <a:gd name="T14" fmla="*/ 91 w 154"/>
+                <a:gd name="T15" fmla="*/ 285 h 305"/>
+                <a:gd name="T16" fmla="*/ 85 w 154"/>
+                <a:gd name="T17" fmla="*/ 275 h 305"/>
+                <a:gd name="T18" fmla="*/ 81 w 154"/>
+                <a:gd name="T19" fmla="*/ 278 h 305"/>
+                <a:gd name="T20" fmla="*/ 85 w 154"/>
+                <a:gd name="T21" fmla="*/ 303 h 305"/>
+                <a:gd name="T22" fmla="*/ 110 w 154"/>
+                <a:gd name="T23" fmla="*/ 247 h 305"/>
+                <a:gd name="T24" fmla="*/ 107 w 154"/>
+                <a:gd name="T25" fmla="*/ 238 h 305"/>
+                <a:gd name="T26" fmla="*/ 85 w 154"/>
+                <a:gd name="T27" fmla="*/ 164 h 305"/>
+                <a:gd name="T28" fmla="*/ 81 w 154"/>
+                <a:gd name="T29" fmla="*/ 151 h 305"/>
+                <a:gd name="T30" fmla="*/ 80 w 154"/>
+                <a:gd name="T31" fmla="*/ 143 h 305"/>
+                <a:gd name="T32" fmla="*/ 67 w 154"/>
+                <a:gd name="T33" fmla="*/ 92 h 305"/>
+                <a:gd name="T34" fmla="*/ 85 w 154"/>
+                <a:gd name="T35" fmla="*/ 39 h 305"/>
+                <a:gd name="T36" fmla="*/ 81 w 154"/>
+                <a:gd name="T37" fmla="*/ 11 h 305"/>
+                <a:gd name="T38" fmla="*/ 103 w 154"/>
+                <a:gd name="T39" fmla="*/ 228 h 305"/>
+                <a:gd name="T40" fmla="*/ 85 w 154"/>
+                <a:gd name="T41" fmla="*/ 174 h 305"/>
+                <a:gd name="T42" fmla="*/ 76 w 154"/>
+                <a:gd name="T43" fmla="*/ 143 h 305"/>
+                <a:gd name="T44" fmla="*/ 78 w 154"/>
+                <a:gd name="T45" fmla="*/ 151 h 305"/>
+                <a:gd name="T46" fmla="*/ 45 w 154"/>
+                <a:gd name="T47" fmla="*/ 189 h 305"/>
+                <a:gd name="T48" fmla="*/ 81 w 154"/>
+                <a:gd name="T49" fmla="*/ 174 h 305"/>
+                <a:gd name="T50" fmla="*/ 85 w 154"/>
+                <a:gd name="T51" fmla="*/ 192 h 305"/>
+                <a:gd name="T52" fmla="*/ 96 w 154"/>
+                <a:gd name="T53" fmla="*/ 231 h 305"/>
+                <a:gd name="T54" fmla="*/ 81 w 154"/>
+                <a:gd name="T55" fmla="*/ 233 h 305"/>
+                <a:gd name="T56" fmla="*/ 36 w 154"/>
+                <a:gd name="T57" fmla="*/ 147 h 305"/>
+                <a:gd name="T58" fmla="*/ 38 w 154"/>
+                <a:gd name="T59" fmla="*/ 143 h 305"/>
+                <a:gd name="T60" fmla="*/ 76 w 154"/>
+                <a:gd name="T61" fmla="*/ 143 h 305"/>
+                <a:gd name="T62" fmla="*/ 75 w 154"/>
+                <a:gd name="T63" fmla="*/ 47 h 305"/>
+                <a:gd name="T64" fmla="*/ 68 w 154"/>
+                <a:gd name="T65" fmla="*/ 75 h 305"/>
+                <a:gd name="T66" fmla="*/ 57 w 154"/>
+                <a:gd name="T67" fmla="*/ 47 h 305"/>
+                <a:gd name="T68" fmla="*/ 57 w 154"/>
+                <a:gd name="T69" fmla="*/ 19 h 305"/>
+                <a:gd name="T70" fmla="*/ 76 w 154"/>
+                <a:gd name="T71" fmla="*/ 43 h 305"/>
+              </a:gdLst>
+              <a:ahLst/>
+              <a:cxnLst>
+                <a:cxn ang="0">
+                  <a:pos x="T0" y="T1"/>
+                </a:cxn>
+                <a:cxn ang="0">
+                  <a:pos x="T2" y="T3"/>
+                </a:cxn>
+                <a:cxn ang="0">
+                  <a:pos x="T4" y="T5"/>
+                </a:cxn>
+                <a:cxn ang="0">
+                  <a:pos x="T6" y="T7"/>
+                </a:cxn>
+                <a:cxn ang="0">
+                  <a:pos x="T8" y="T9"/>
+                </a:cxn>
+                <a:cxn ang="0">
+                  <a:pos x="T10" y="T11"/>
+                </a:cxn>
+                <a:cxn ang="0">
+                  <a:pos x="T12" y="T13"/>
+                </a:cxn>
+                <a:cxn ang="0">
+                  <a:pos x="T14" y="T15"/>
+                </a:cxn>
+                <a:cxn ang="0">
+                  <a:pos x="T16" y="T17"/>
+                </a:cxn>
+                <a:cxn ang="0">
+                  <a:pos x="T18" y="T19"/>
+                </a:cxn>
+                <a:cxn ang="0">
+                  <a:pos x="T20" y="T21"/>
+                </a:cxn>
+                <a:cxn ang="0">
+                  <a:pos x="T22" y="T23"/>
+                </a:cxn>
+                <a:cxn ang="0">
+                  <a:pos x="T24" y="T25"/>
+                </a:cxn>
+                <a:cxn ang="0">
+                  <a:pos x="T26" y="T27"/>
+                </a:cxn>
+                <a:cxn ang="0">
+                  <a:pos x="T28" y="T29"/>
+                </a:cxn>
+                <a:cxn ang="0">
+                  <a:pos x="T30" y="T31"/>
+                </a:cxn>
+                <a:cxn ang="0">
+                  <a:pos x="T32" y="T33"/>
+                </a:cxn>
+                <a:cxn ang="0">
+                  <a:pos x="T34" y="T35"/>
+                </a:cxn>
+                <a:cxn ang="0">
+                  <a:pos x="T36" y="T37"/>
+                </a:cxn>
+                <a:cxn ang="0">
+                  <a:pos x="T38" y="T39"/>
+                </a:cxn>
+                <a:cxn ang="0">
+                  <a:pos x="T40" y="T41"/>
+                </a:cxn>
+                <a:cxn ang="0">
+                  <a:pos x="T42" y="T43"/>
+                </a:cxn>
+                <a:cxn ang="0">
+                  <a:pos x="T44" y="T45"/>
+                </a:cxn>
+                <a:cxn ang="0">
+                  <a:pos x="T46" y="T47"/>
+                </a:cxn>
+                <a:cxn ang="0">
+                  <a:pos x="T48" y="T49"/>
+                </a:cxn>
+                <a:cxn ang="0">
+                  <a:pos x="T50" y="T51"/>
+                </a:cxn>
+                <a:cxn ang="0">
+                  <a:pos x="T52" y="T53"/>
+                </a:cxn>
+                <a:cxn ang="0">
+                  <a:pos x="T54" y="T55"/>
+                </a:cxn>
+                <a:cxn ang="0">
+                  <a:pos x="T56" y="T57"/>
+                </a:cxn>
+                <a:cxn ang="0">
+                  <a:pos x="T58" y="T59"/>
+                </a:cxn>
+                <a:cxn ang="0">
+                  <a:pos x="T60" y="T61"/>
+                </a:cxn>
+                <a:cxn ang="0">
+                  <a:pos x="T62" y="T63"/>
+                </a:cxn>
+                <a:cxn ang="0">
+                  <a:pos x="T64" y="T65"/>
+                </a:cxn>
+                <a:cxn ang="0">
+                  <a:pos x="T66" y="T67"/>
+                </a:cxn>
+                <a:cxn ang="0">
+                  <a:pos x="T68" y="T69"/>
+                </a:cxn>
+                <a:cxn ang="0">
+                  <a:pos x="T70" y="T71"/>
+                </a:cxn>
+              </a:cxnLst>
+              <a:rect l="0" t="0" r="r" b="b"/>
+              <a:pathLst>
+                <a:path w="154" h="305">
+                  <a:moveTo>
+                    <a:pt x="81" y="11"/>
+                  </a:moveTo>
+                  <a:cubicBezTo>
+                    <a:pt x="81" y="10"/>
+                    <a:pt x="81" y="10"/>
+                    <a:pt x="81" y="9"/>
+                  </a:cubicBezTo>
+                  <a:cubicBezTo>
+                    <a:pt x="78" y="2"/>
+                    <a:pt x="64" y="0"/>
+                    <a:pt x="58" y="4"/>
+                  </a:cubicBezTo>
+                  <a:cubicBezTo>
+                    <a:pt x="48" y="10"/>
+                    <a:pt x="47" y="33"/>
+                    <a:pt x="48" y="43"/>
+                  </a:cubicBezTo>
+                  <a:cubicBezTo>
+                    <a:pt x="48" y="43"/>
+                    <a:pt x="48" y="43"/>
+                    <a:pt x="48" y="43"/>
+                  </a:cubicBezTo>
+                  <a:cubicBezTo>
+                    <a:pt x="48" y="44"/>
+                    <a:pt x="48" y="46"/>
+                    <a:pt x="49" y="47"/>
+                  </a:cubicBezTo>
+                  <a:cubicBezTo>
+                    <a:pt x="51" y="63"/>
+                    <a:pt x="56" y="78"/>
+                    <a:pt x="61" y="93"/>
+                  </a:cubicBezTo>
+                  <a:cubicBezTo>
+                    <a:pt x="52" y="110"/>
+                    <a:pt x="39" y="126"/>
+                    <a:pt x="30" y="143"/>
+                  </a:cubicBezTo>
+                  <a:cubicBezTo>
+                    <a:pt x="29" y="144"/>
+                    <a:pt x="28" y="146"/>
+                    <a:pt x="27" y="147"/>
+                  </a:cubicBezTo>
+                  <a:cubicBezTo>
+                    <a:pt x="25" y="151"/>
+                    <a:pt x="23" y="154"/>
+                    <a:pt x="21" y="158"/>
+                  </a:cubicBezTo>
+                  <a:cubicBezTo>
+                    <a:pt x="0" y="205"/>
+                    <a:pt x="32" y="238"/>
+                    <a:pt x="69" y="243"/>
+                  </a:cubicBezTo>
+                  <a:cubicBezTo>
+                    <a:pt x="75" y="244"/>
+                    <a:pt x="82" y="244"/>
+                    <a:pt x="88" y="243"/>
+                  </a:cubicBezTo>
+                  <a:cubicBezTo>
+                    <a:pt x="92" y="242"/>
+                    <a:pt x="96" y="242"/>
+                    <a:pt x="100" y="240"/>
+                  </a:cubicBezTo>
+                  <a:cubicBezTo>
+                    <a:pt x="100" y="241"/>
+                    <a:pt x="100" y="242"/>
+                    <a:pt x="101" y="243"/>
+                  </a:cubicBezTo>
+                  <a:cubicBezTo>
+                    <a:pt x="101" y="244"/>
+                    <a:pt x="101" y="246"/>
+                    <a:pt x="102" y="247"/>
+                  </a:cubicBezTo>
+                  <a:cubicBezTo>
+                    <a:pt x="104" y="258"/>
+                    <a:pt x="103" y="270"/>
+                    <a:pt x="91" y="285"/>
+                  </a:cubicBezTo>
+                  <a:cubicBezTo>
+                    <a:pt x="91" y="284"/>
+                    <a:pt x="91" y="284"/>
+                    <a:pt x="91" y="284"/>
+                  </a:cubicBezTo>
+                  <a:cubicBezTo>
+                    <a:pt x="92" y="280"/>
+                    <a:pt x="89" y="276"/>
+                    <a:pt x="85" y="275"/>
+                  </a:cubicBezTo>
+                  <a:cubicBezTo>
+                    <a:pt x="84" y="275"/>
+                    <a:pt x="82" y="276"/>
+                    <a:pt x="81" y="277"/>
+                  </a:cubicBezTo>
+                  <a:cubicBezTo>
+                    <a:pt x="81" y="277"/>
+                    <a:pt x="81" y="277"/>
+                    <a:pt x="81" y="278"/>
+                  </a:cubicBezTo>
+                  <a:cubicBezTo>
+                    <a:pt x="74" y="285"/>
+                    <a:pt x="75" y="295"/>
+                    <a:pt x="81" y="300"/>
+                  </a:cubicBezTo>
+                  <a:cubicBezTo>
+                    <a:pt x="82" y="301"/>
+                    <a:pt x="84" y="302"/>
+                    <a:pt x="85" y="303"/>
+                  </a:cubicBezTo>
+                  <a:cubicBezTo>
+                    <a:pt x="88" y="304"/>
+                    <a:pt x="92" y="305"/>
+                    <a:pt x="97" y="304"/>
+                  </a:cubicBezTo>
+                  <a:cubicBezTo>
+                    <a:pt x="120" y="297"/>
+                    <a:pt x="117" y="271"/>
+                    <a:pt x="110" y="247"/>
+                  </a:cubicBezTo>
+                  <a:cubicBezTo>
+                    <a:pt x="109" y="246"/>
+                    <a:pt x="109" y="244"/>
+                    <a:pt x="109" y="243"/>
+                  </a:cubicBezTo>
+                  <a:cubicBezTo>
+                    <a:pt x="108" y="241"/>
+                    <a:pt x="107" y="239"/>
+                    <a:pt x="107" y="238"/>
+                  </a:cubicBezTo>
+                  <a:cubicBezTo>
+                    <a:pt x="117" y="233"/>
+                    <a:pt x="127" y="226"/>
+                    <a:pt x="134" y="215"/>
+                  </a:cubicBezTo>
+                  <a:cubicBezTo>
+                    <a:pt x="154" y="188"/>
+                    <a:pt x="117" y="163"/>
+                    <a:pt x="85" y="164"/>
+                  </a:cubicBezTo>
+                  <a:cubicBezTo>
+                    <a:pt x="84" y="164"/>
+                    <a:pt x="84" y="164"/>
+                    <a:pt x="83" y="164"/>
+                  </a:cubicBezTo>
+                  <a:cubicBezTo>
+                    <a:pt x="83" y="159"/>
+                    <a:pt x="82" y="155"/>
+                    <a:pt x="81" y="151"/>
+                  </a:cubicBezTo>
+                  <a:cubicBezTo>
+                    <a:pt x="81" y="149"/>
+                    <a:pt x="81" y="148"/>
+                    <a:pt x="80" y="147"/>
+                  </a:cubicBezTo>
+                  <a:cubicBezTo>
+                    <a:pt x="80" y="146"/>
+                    <a:pt x="80" y="144"/>
+                    <a:pt x="80" y="143"/>
+                  </a:cubicBezTo>
+                  <a:cubicBezTo>
+                    <a:pt x="77" y="131"/>
+                    <a:pt x="75" y="119"/>
+                    <a:pt x="72" y="108"/>
+                  </a:cubicBezTo>
+                  <a:cubicBezTo>
+                    <a:pt x="71" y="103"/>
+                    <a:pt x="69" y="97"/>
+                    <a:pt x="67" y="92"/>
+                  </a:cubicBezTo>
+                  <a:cubicBezTo>
+                    <a:pt x="73" y="81"/>
+                    <a:pt x="78" y="71"/>
+                    <a:pt x="81" y="60"/>
+                  </a:cubicBezTo>
+                  <a:cubicBezTo>
+                    <a:pt x="83" y="53"/>
+                    <a:pt x="85" y="46"/>
+                    <a:pt x="85" y="39"/>
+                  </a:cubicBezTo>
+                  <a:cubicBezTo>
+                    <a:pt x="85" y="35"/>
+                    <a:pt x="85" y="32"/>
+                    <a:pt x="85" y="29"/>
+                  </a:cubicBezTo>
+                  <a:cubicBezTo>
+                    <a:pt x="85" y="23"/>
+                    <a:pt x="83" y="17"/>
+                    <a:pt x="81" y="11"/>
+                  </a:cubicBezTo>
+                  <a:close/>
+                  <a:moveTo>
+                    <a:pt x="109" y="225"/>
+                  </a:moveTo>
+                  <a:cubicBezTo>
+                    <a:pt x="107" y="226"/>
+                    <a:pt x="105" y="228"/>
+                    <a:pt x="103" y="228"/>
+                  </a:cubicBezTo>
+                  <a:cubicBezTo>
+                    <a:pt x="101" y="222"/>
+                    <a:pt x="98" y="216"/>
+                    <a:pt x="97" y="213"/>
+                  </a:cubicBezTo>
+                  <a:cubicBezTo>
+                    <a:pt x="92" y="200"/>
+                    <a:pt x="88" y="187"/>
+                    <a:pt x="85" y="174"/>
+                  </a:cubicBezTo>
+                  <a:cubicBezTo>
+                    <a:pt x="115" y="174"/>
+                    <a:pt x="144" y="202"/>
+                    <a:pt x="109" y="225"/>
+                  </a:cubicBezTo>
+                  <a:close/>
+                  <a:moveTo>
+                    <a:pt x="76" y="143"/>
+                  </a:moveTo>
+                  <a:cubicBezTo>
+                    <a:pt x="76" y="144"/>
+                    <a:pt x="76" y="146"/>
+                    <a:pt x="77" y="147"/>
+                  </a:cubicBezTo>
+                  <a:cubicBezTo>
+                    <a:pt x="77" y="148"/>
+                    <a:pt x="77" y="150"/>
+                    <a:pt x="78" y="151"/>
+                  </a:cubicBezTo>
+                  <a:cubicBezTo>
+                    <a:pt x="78" y="155"/>
+                    <a:pt x="79" y="160"/>
+                    <a:pt x="80" y="164"/>
+                  </a:cubicBezTo>
+                  <a:cubicBezTo>
+                    <a:pt x="64" y="165"/>
+                    <a:pt x="50" y="173"/>
+                    <a:pt x="45" y="189"/>
+                  </a:cubicBezTo>
+                  <a:cubicBezTo>
+                    <a:pt x="44" y="192"/>
+                    <a:pt x="49" y="194"/>
+                    <a:pt x="51" y="191"/>
+                  </a:cubicBezTo>
+                  <a:cubicBezTo>
+                    <a:pt x="59" y="180"/>
+                    <a:pt x="70" y="175"/>
+                    <a:pt x="81" y="174"/>
+                  </a:cubicBezTo>
+                  <a:cubicBezTo>
+                    <a:pt x="81" y="174"/>
+                    <a:pt x="82" y="174"/>
+                    <a:pt x="82" y="174"/>
+                  </a:cubicBezTo>
+                  <a:cubicBezTo>
+                    <a:pt x="83" y="180"/>
+                    <a:pt x="84" y="186"/>
+                    <a:pt x="85" y="192"/>
+                  </a:cubicBezTo>
+                  <a:cubicBezTo>
+                    <a:pt x="87" y="199"/>
+                    <a:pt x="88" y="207"/>
+                    <a:pt x="91" y="214"/>
+                  </a:cubicBezTo>
+                  <a:cubicBezTo>
+                    <a:pt x="92" y="220"/>
+                    <a:pt x="94" y="226"/>
+                    <a:pt x="96" y="231"/>
+                  </a:cubicBezTo>
+                  <a:cubicBezTo>
+                    <a:pt x="93" y="232"/>
+                    <a:pt x="89" y="233"/>
+                    <a:pt x="85" y="233"/>
+                  </a:cubicBezTo>
+                  <a:cubicBezTo>
+                    <a:pt x="84" y="233"/>
+                    <a:pt x="82" y="233"/>
+                    <a:pt x="81" y="233"/>
+                  </a:cubicBezTo>
+                  <a:cubicBezTo>
+                    <a:pt x="67" y="233"/>
+                    <a:pt x="52" y="228"/>
+                    <a:pt x="41" y="223"/>
+                  </a:cubicBezTo>
+                  <a:cubicBezTo>
+                    <a:pt x="9" y="206"/>
+                    <a:pt x="24" y="170"/>
+                    <a:pt x="36" y="147"/>
+                  </a:cubicBezTo>
+                  <a:cubicBezTo>
+                    <a:pt x="36" y="146"/>
+                    <a:pt x="36" y="145"/>
+                    <a:pt x="37" y="144"/>
+                  </a:cubicBezTo>
+                  <a:cubicBezTo>
+                    <a:pt x="37" y="144"/>
+                    <a:pt x="37" y="143"/>
+                    <a:pt x="38" y="143"/>
+                  </a:cubicBezTo>
+                  <a:cubicBezTo>
+                    <a:pt x="45" y="130"/>
+                    <a:pt x="54" y="116"/>
+                    <a:pt x="63" y="100"/>
+                  </a:cubicBezTo>
+                  <a:cubicBezTo>
+                    <a:pt x="67" y="114"/>
+                    <a:pt x="72" y="129"/>
+                    <a:pt x="76" y="143"/>
+                  </a:cubicBezTo>
+                  <a:close/>
+                  <a:moveTo>
+                    <a:pt x="76" y="43"/>
+                  </a:moveTo>
+                  <a:cubicBezTo>
+                    <a:pt x="76" y="44"/>
+                    <a:pt x="75" y="46"/>
+                    <a:pt x="75" y="47"/>
+                  </a:cubicBezTo>
+                  <a:cubicBezTo>
+                    <a:pt x="75" y="47"/>
+                    <a:pt x="75" y="48"/>
+                    <a:pt x="75" y="48"/>
+                  </a:cubicBezTo>
+                  <a:cubicBezTo>
+                    <a:pt x="74" y="57"/>
+                    <a:pt x="71" y="66"/>
+                    <a:pt x="68" y="75"/>
+                  </a:cubicBezTo>
+                  <a:cubicBezTo>
+                    <a:pt x="67" y="78"/>
+                    <a:pt x="66" y="81"/>
+                    <a:pt x="65" y="83"/>
+                  </a:cubicBezTo>
+                  <a:cubicBezTo>
+                    <a:pt x="61" y="71"/>
+                    <a:pt x="58" y="59"/>
+                    <a:pt x="57" y="47"/>
+                  </a:cubicBezTo>
+                  <a:cubicBezTo>
+                    <a:pt x="57" y="46"/>
+                    <a:pt x="56" y="44"/>
+                    <a:pt x="56" y="43"/>
+                  </a:cubicBezTo>
+                  <a:cubicBezTo>
+                    <a:pt x="56" y="35"/>
+                    <a:pt x="56" y="27"/>
+                    <a:pt x="57" y="19"/>
+                  </a:cubicBezTo>
+                  <a:cubicBezTo>
+                    <a:pt x="58" y="12"/>
+                    <a:pt x="64" y="13"/>
+                    <a:pt x="77" y="23"/>
+                  </a:cubicBezTo>
+                  <a:cubicBezTo>
+                    <a:pt x="77" y="30"/>
+                    <a:pt x="77" y="36"/>
+                    <a:pt x="76" y="43"/>
+                  </a:cubicBezTo>
+                  <a:close/>
+                </a:path>
+              </a:pathLst>
+            </a:custGeom>
+            <a:solidFill>
+              <a:srgbClr val="F2F2F2"/>
+            </a:solidFill>
+            <a:ln>
+              <a:noFill/>
+            </a:ln>
+            <a:extLst>
+              <a:ext uri="{91240B29-F687-4F45-9708-019B960494DF}">
+                <a14:hiddenLine xmlns:a14="http://schemas.microsoft.com/office/drawing/2010/main" w="9525">
+                  <a:solidFill>
+                    <a:srgbClr val="000000"/>
+                  </a:solidFill>
+                  <a:round/>
+                </a14:hiddenLine>
+              </a:ext>
+            </a:extLst>
+          </p:spPr>
+          <p:txBody>
+            <a:bodyPr vert="horz" wrap="square" lIns="91440" tIns="45720" rIns="91440" bIns="45720" numCol="1" anchor="t" anchorCtr="0" compatLnSpc="1"/>
+            <a:p>
+              <a:endParaRPr lang="zh-CN" altLang="en-US"/>
+            </a:p>
+          </p:txBody>
+        </p:sp>
+        <p:sp>
+          <p:nvSpPr>
+            <p:cNvPr id="105" name="Freeform 6"/>
+            <p:cNvSpPr/>
+            <p:nvPr/>
+          </p:nvSpPr>
+          <p:spPr bwMode="auto">
+            <a:xfrm>
+              <a:off x="735" y="774"/>
+              <a:ext cx="61" cy="52"/>
+            </a:xfrm>
+            <a:custGeom>
+              <a:avLst/>
+              <a:gdLst>
+                <a:gd name="T0" fmla="*/ 25 w 28"/>
+                <a:gd name="T1" fmla="*/ 23 h 24"/>
+                <a:gd name="T2" fmla="*/ 27 w 28"/>
+                <a:gd name="T3" fmla="*/ 21 h 24"/>
+                <a:gd name="T4" fmla="*/ 3 w 28"/>
+                <a:gd name="T5" fmla="*/ 1 h 24"/>
+                <a:gd name="T6" fmla="*/ 2 w 28"/>
+                <a:gd name="T7" fmla="*/ 4 h 24"/>
+                <a:gd name="T8" fmla="*/ 25 w 28"/>
+                <a:gd name="T9" fmla="*/ 23 h 24"/>
+              </a:gdLst>
+              <a:ahLst/>
+              <a:cxnLst>
+                <a:cxn ang="0">
+                  <a:pos x="T0" y="T1"/>
+                </a:cxn>
+                <a:cxn ang="0">
+                  <a:pos x="T2" y="T3"/>
+                </a:cxn>
+                <a:cxn ang="0">
+                  <a:pos x="T4" y="T5"/>
+                </a:cxn>
+                <a:cxn ang="0">
+                  <a:pos x="T6" y="T7"/>
+                </a:cxn>
+                <a:cxn ang="0">
+                  <a:pos x="T8" y="T9"/>
+                </a:cxn>
+              </a:cxnLst>
+              <a:rect l="0" t="0" r="r" b="b"/>
+              <a:pathLst>
+                <a:path w="28" h="24">
+                  <a:moveTo>
+                    <a:pt x="25" y="23"/>
+                  </a:moveTo>
+                  <a:cubicBezTo>
+                    <a:pt x="26" y="24"/>
+                    <a:pt x="28" y="23"/>
+                    <a:pt x="27" y="21"/>
+                  </a:cubicBezTo>
+                  <a:cubicBezTo>
+                    <a:pt x="24" y="10"/>
+                    <a:pt x="13" y="4"/>
+                    <a:pt x="3" y="1"/>
+                  </a:cubicBezTo>
+                  <a:cubicBezTo>
+                    <a:pt x="1" y="0"/>
+                    <a:pt x="0" y="3"/>
+                    <a:pt x="2" y="4"/>
+                  </a:cubicBezTo>
+                  <a:cubicBezTo>
+                    <a:pt x="10" y="10"/>
+                    <a:pt x="17" y="17"/>
+                    <a:pt x="25" y="23"/>
+                  </a:cubicBezTo>
+                  <a:close/>
+                </a:path>
+              </a:pathLst>
+            </a:custGeom>
+            <a:solidFill>
+              <a:srgbClr val="F2F2F2"/>
+            </a:solidFill>
+            <a:ln>
+              <a:noFill/>
+            </a:ln>
+            <a:extLst>
+              <a:ext uri="{91240B29-F687-4F45-9708-019B960494DF}">
+                <a14:hiddenLine xmlns:a14="http://schemas.microsoft.com/office/drawing/2010/main" w="9525">
+                  <a:solidFill>
+                    <a:srgbClr val="000000"/>
+                  </a:solidFill>
+                  <a:round/>
+                </a14:hiddenLine>
+              </a:ext>
+            </a:extLst>
+          </p:spPr>
+          <p:txBody>
+            <a:bodyPr vert="horz" wrap="square" lIns="91440" tIns="45720" rIns="91440" bIns="45720" numCol="1" anchor="t" anchorCtr="0" compatLnSpc="1"/>
+            <a:p>
+              <a:endParaRPr lang="zh-CN" altLang="en-US"/>
+            </a:p>
+          </p:txBody>
+        </p:sp>
+        <p:sp>
+          <p:nvSpPr>
+            <p:cNvPr id="106" name="Freeform 7"/>
+            <p:cNvSpPr/>
+            <p:nvPr/>
+          </p:nvSpPr>
+          <p:spPr bwMode="auto">
+            <a:xfrm>
+              <a:off x="759" y="748"/>
+              <a:ext cx="76" cy="50"/>
+            </a:xfrm>
+            <a:custGeom>
+              <a:avLst/>
+              <a:gdLst>
+                <a:gd name="T0" fmla="*/ 3 w 35"/>
+                <a:gd name="T1" fmla="*/ 1 h 23"/>
+                <a:gd name="T2" fmla="*/ 3 w 35"/>
+                <a:gd name="T3" fmla="*/ 5 h 23"/>
+                <a:gd name="T4" fmla="*/ 17 w 35"/>
+                <a:gd name="T5" fmla="*/ 11 h 23"/>
+                <a:gd name="T6" fmla="*/ 31 w 35"/>
+                <a:gd name="T7" fmla="*/ 22 h 23"/>
+                <a:gd name="T8" fmla="*/ 34 w 35"/>
+                <a:gd name="T9" fmla="*/ 20 h 23"/>
+                <a:gd name="T10" fmla="*/ 3 w 35"/>
+                <a:gd name="T11" fmla="*/ 1 h 23"/>
+              </a:gdLst>
+              <a:ahLst/>
+              <a:cxnLst>
+                <a:cxn ang="0">
+                  <a:pos x="T0" y="T1"/>
+                </a:cxn>
+                <a:cxn ang="0">
+                  <a:pos x="T2" y="T3"/>
+                </a:cxn>
+                <a:cxn ang="0">
+                  <a:pos x="T4" y="T5"/>
+                </a:cxn>
+                <a:cxn ang="0">
+                  <a:pos x="T6" y="T7"/>
+                </a:cxn>
+                <a:cxn ang="0">
+                  <a:pos x="T8" y="T9"/>
+                </a:cxn>
+                <a:cxn ang="0">
+                  <a:pos x="T10" y="T11"/>
+                </a:cxn>
+              </a:cxnLst>
+              <a:rect l="0" t="0" r="r" b="b"/>
+              <a:pathLst>
+                <a:path w="35" h="23">
+                  <a:moveTo>
+                    <a:pt x="3" y="1"/>
+                  </a:moveTo>
+                  <a:cubicBezTo>
+                    <a:pt x="1" y="1"/>
+                    <a:pt x="0" y="4"/>
+                    <a:pt x="3" y="5"/>
+                  </a:cubicBezTo>
+                  <a:cubicBezTo>
+                    <a:pt x="8" y="6"/>
+                    <a:pt x="13" y="8"/>
+                    <a:pt x="17" y="11"/>
+                  </a:cubicBezTo>
+                  <a:cubicBezTo>
+                    <a:pt x="22" y="15"/>
+                    <a:pt x="26" y="19"/>
+                    <a:pt x="31" y="22"/>
+                  </a:cubicBezTo>
+                  <a:cubicBezTo>
+                    <a:pt x="33" y="23"/>
+                    <a:pt x="35" y="22"/>
+                    <a:pt x="34" y="20"/>
+                  </a:cubicBezTo>
+                  <a:cubicBezTo>
+                    <a:pt x="30" y="8"/>
+                    <a:pt x="16" y="0"/>
+                    <a:pt x="3" y="1"/>
+                  </a:cubicBezTo>
+                  <a:close/>
+                </a:path>
+              </a:pathLst>
+            </a:custGeom>
+            <a:solidFill>
+              <a:srgbClr val="F2F2F2"/>
+            </a:solidFill>
+            <a:ln>
+              <a:noFill/>
+            </a:ln>
+            <a:extLst>
+              <a:ext uri="{91240B29-F687-4F45-9708-019B960494DF}">
+                <a14:hiddenLine xmlns:a14="http://schemas.microsoft.com/office/drawing/2010/main" w="9525">
+                  <a:solidFill>
+                    <a:srgbClr val="000000"/>
+                  </a:solidFill>
+                  <a:round/>
+                </a14:hiddenLine>
+              </a:ext>
+            </a:extLst>
+          </p:spPr>
+          <p:txBody>
+            <a:bodyPr vert="horz" wrap="square" lIns="91440" tIns="45720" rIns="91440" bIns="45720" numCol="1" anchor="t" anchorCtr="0" compatLnSpc="1"/>
+            <a:p>
+              <a:endParaRPr lang="zh-CN" altLang="en-US"/>
+            </a:p>
+          </p:txBody>
+        </p:sp>
+      </p:grpSp>
+      <p:sp>
+        <p:nvSpPr>
+          <p:cNvPr id="4" name="Rectangle 47"/>
+          <p:cNvSpPr/>
+          <p:nvPr/>
+        </p:nvSpPr>
+        <p:spPr>
+          <a:xfrm>
+            <a:off x="1288212" y="759990"/>
+            <a:ext cx="1230630" cy="492125"/>
+          </a:xfrm>
+          <a:prstGeom prst="rect">
+            <a:avLst/>
+          </a:prstGeom>
+        </p:spPr>
+        <p:txBody>
+          <a:bodyPr wrap="none" lIns="0" tIns="0" rIns="0" bIns="0">
+            <a:spAutoFit/>
+          </a:bodyPr>
+          <a:p>
+            <a:pPr algn="l"/>
+            <a:r>
+              <a:rPr lang="en-US" altLang="zh-CN" sz="3200" b="1" dirty="0" smtClean="0">
+                <a:solidFill>
+                  <a:schemeClr val="bg1"/>
+                </a:solidFill>
+                <a:latin typeface="方正静蕾简体" pitchFamily="2" charset="-122"/>
+                <a:ea typeface="方正静蕾简体" pitchFamily="2" charset="-122"/>
+                <a:cs typeface="Arial" panose="020B0604020202020204" pitchFamily="34" charset="0"/>
+              </a:rPr>
+              <a:t> Badge</a:t>
+            </a:r>
+            <a:endParaRPr lang="en-US" altLang="zh-CN" sz="3200" b="1" dirty="0" smtClean="0">
+              <a:solidFill>
+                <a:schemeClr val="bg1"/>
+              </a:solidFill>
+              <a:latin typeface="方正静蕾简体" pitchFamily="2" charset="-122"/>
+              <a:ea typeface="方正静蕾简体" pitchFamily="2" charset="-122"/>
+              <a:cs typeface="Arial" panose="020B0604020202020204" pitchFamily="34" charset="0"/>
+            </a:endParaRPr>
+          </a:p>
+        </p:txBody>
+      </p:sp>
+      <p:sp>
+        <p:nvSpPr>
+          <p:cNvPr id="5" name="文本框 4"/>
+          <p:cNvSpPr txBox="1"/>
+          <p:nvPr/>
+        </p:nvSpPr>
+        <p:spPr>
+          <a:xfrm>
+            <a:off x="1101090" y="1760220"/>
+            <a:ext cx="10476865" cy="3784600"/>
+          </a:xfrm>
+          <a:prstGeom prst="rect">
+            <a:avLst/>
+          </a:prstGeom>
+          <a:noFill/>
+        </p:spPr>
+        <p:txBody>
+          <a:bodyPr wrap="square" rtlCol="0" anchor="t">
+            <a:spAutoFit/>
+          </a:bodyPr>
+          <a:p>
+            <a:r>
+              <a:rPr lang="zh-CN" altLang="en-US" sz="2400">
+                <a:solidFill>
+                  <a:schemeClr val="bg1"/>
+                </a:solidFill>
+              </a:rPr>
+              <a:t>所谓badge就是在图标上显示一些文本，可以用来更新一些小的扩展状态提示信息。因为badge空间有限，所以只支持4个以下的字符（英文4个，中文2个）。badge无法通过配置文件来指定，必须通过代码实现，设置badge文字和颜色可以分别使用setBadgeText()和setBadgeBackgroundColor()。</a:t>
+            </a:r>
+            <a:endParaRPr lang="zh-CN" altLang="en-US" sz="2400">
+              <a:solidFill>
+                <a:schemeClr val="bg1"/>
+              </a:solidFill>
+            </a:endParaRPr>
+          </a:p>
+          <a:p>
+            <a:endParaRPr lang="zh-CN" altLang="en-US" sz="2400">
+              <a:solidFill>
+                <a:schemeClr val="bg1"/>
+              </a:solidFill>
+            </a:endParaRPr>
+          </a:p>
+          <a:p>
+            <a:endParaRPr lang="zh-CN" altLang="en-US" sz="2400">
+              <a:solidFill>
+                <a:schemeClr val="bg1"/>
+              </a:solidFill>
+            </a:endParaRPr>
+          </a:p>
+          <a:p>
+            <a:endParaRPr lang="zh-CN" altLang="en-US" sz="2400">
+              <a:solidFill>
+                <a:schemeClr val="bg1"/>
+              </a:solidFill>
+            </a:endParaRPr>
+          </a:p>
+          <a:p>
+            <a:r>
+              <a:rPr lang="zh-CN" altLang="en-US" sz="2400">
+                <a:solidFill>
+                  <a:schemeClr val="accent2"/>
+                </a:solidFill>
+              </a:rPr>
+              <a:t>chrome.browserAction.setBadgeText({text: 'new'});</a:t>
+            </a:r>
+            <a:endParaRPr lang="zh-CN" altLang="en-US" sz="2400">
+              <a:solidFill>
+                <a:schemeClr val="accent2"/>
+              </a:solidFill>
+            </a:endParaRPr>
+          </a:p>
+          <a:p>
+            <a:endParaRPr lang="zh-CN" altLang="en-US" sz="2400">
+              <a:solidFill>
+                <a:schemeClr val="accent2"/>
+              </a:solidFill>
+            </a:endParaRPr>
+          </a:p>
+          <a:p>
+            <a:r>
+              <a:rPr lang="zh-CN" altLang="en-US" sz="2400">
+                <a:solidFill>
+                  <a:schemeClr val="accent2"/>
+                </a:solidFill>
+              </a:rPr>
+              <a:t>chrome.browserAction.setBadgeBackgroundColor({color: [255, 0, 0, 255]});</a:t>
+            </a:r>
+            <a:endParaRPr lang="zh-CN" altLang="en-US" sz="2400">
+              <a:solidFill>
+                <a:schemeClr val="accent2"/>
+              </a:solidFill>
+            </a:endParaRPr>
+          </a:p>
+        </p:txBody>
+      </p:sp>
+    </p:spTree>
+  </p:cSld>
+  <p:clrMapOvr>
+    <a:masterClrMapping/>
+  </p:clrMapOvr>
+</p:sld>
+</file>
+
+<file path=ppt/slides/slide15.xml><?xml version="1.0" encoding="utf-8"?>
+<p:sld xmlns:a="http://schemas.openxmlformats.org/drawingml/2006/main" xmlns:r="http://schemas.openxmlformats.org/officeDocument/2006/relationships" xmlns:p="http://schemas.openxmlformats.org/presentationml/2006/main">
+  <p:cSld>
+    <p:spTree>
+      <p:nvGrpSpPr>
+        <p:cNvPr id="1" name=""/>
+        <p:cNvGrpSpPr/>
+        <p:nvPr/>
+      </p:nvGrpSpPr>
+      <p:grpSpPr/>
+      <p:grpSp>
+        <p:nvGrpSpPr>
+          <p:cNvPr id="103" name="Group 4"/>
+          <p:cNvGrpSpPr>
+            <a:grpSpLocks noChangeAspect="1"/>
+          </p:cNvGrpSpPr>
+          <p:nvPr/>
+        </p:nvGrpSpPr>
+        <p:grpSpPr bwMode="auto">
+          <a:xfrm rot="891772">
+            <a:off x="521512" y="551543"/>
+            <a:ext cx="507974" cy="919389"/>
+            <a:chOff x="472" y="425"/>
+            <a:chExt cx="363" cy="657"/>
+          </a:xfrm>
+        </p:grpSpPr>
+        <p:sp>
+          <p:nvSpPr>
+            <p:cNvPr id="104" name="Freeform 5"/>
+            <p:cNvSpPr>
+              <a:spLocks noEditPoints="1"/>
+            </p:cNvSpPr>
+            <p:nvPr/>
+          </p:nvSpPr>
+          <p:spPr bwMode="auto">
+            <a:xfrm>
+              <a:off x="472" y="425"/>
+              <a:ext cx="335" cy="657"/>
+            </a:xfrm>
+            <a:custGeom>
+              <a:avLst/>
+              <a:gdLst>
+                <a:gd name="T0" fmla="*/ 81 w 154"/>
+                <a:gd name="T1" fmla="*/ 9 h 305"/>
+                <a:gd name="T2" fmla="*/ 48 w 154"/>
+                <a:gd name="T3" fmla="*/ 43 h 305"/>
+                <a:gd name="T4" fmla="*/ 49 w 154"/>
+                <a:gd name="T5" fmla="*/ 47 h 305"/>
+                <a:gd name="T6" fmla="*/ 30 w 154"/>
+                <a:gd name="T7" fmla="*/ 143 h 305"/>
+                <a:gd name="T8" fmla="*/ 21 w 154"/>
+                <a:gd name="T9" fmla="*/ 158 h 305"/>
+                <a:gd name="T10" fmla="*/ 88 w 154"/>
+                <a:gd name="T11" fmla="*/ 243 h 305"/>
+                <a:gd name="T12" fmla="*/ 101 w 154"/>
+                <a:gd name="T13" fmla="*/ 243 h 305"/>
+                <a:gd name="T14" fmla="*/ 91 w 154"/>
+                <a:gd name="T15" fmla="*/ 285 h 305"/>
+                <a:gd name="T16" fmla="*/ 85 w 154"/>
+                <a:gd name="T17" fmla="*/ 275 h 305"/>
+                <a:gd name="T18" fmla="*/ 81 w 154"/>
+                <a:gd name="T19" fmla="*/ 278 h 305"/>
+                <a:gd name="T20" fmla="*/ 85 w 154"/>
+                <a:gd name="T21" fmla="*/ 303 h 305"/>
+                <a:gd name="T22" fmla="*/ 110 w 154"/>
+                <a:gd name="T23" fmla="*/ 247 h 305"/>
+                <a:gd name="T24" fmla="*/ 107 w 154"/>
+                <a:gd name="T25" fmla="*/ 238 h 305"/>
+                <a:gd name="T26" fmla="*/ 85 w 154"/>
+                <a:gd name="T27" fmla="*/ 164 h 305"/>
+                <a:gd name="T28" fmla="*/ 81 w 154"/>
+                <a:gd name="T29" fmla="*/ 151 h 305"/>
+                <a:gd name="T30" fmla="*/ 80 w 154"/>
+                <a:gd name="T31" fmla="*/ 143 h 305"/>
+                <a:gd name="T32" fmla="*/ 67 w 154"/>
+                <a:gd name="T33" fmla="*/ 92 h 305"/>
+                <a:gd name="T34" fmla="*/ 85 w 154"/>
+                <a:gd name="T35" fmla="*/ 39 h 305"/>
+                <a:gd name="T36" fmla="*/ 81 w 154"/>
+                <a:gd name="T37" fmla="*/ 11 h 305"/>
+                <a:gd name="T38" fmla="*/ 103 w 154"/>
+                <a:gd name="T39" fmla="*/ 228 h 305"/>
+                <a:gd name="T40" fmla="*/ 85 w 154"/>
+                <a:gd name="T41" fmla="*/ 174 h 305"/>
+                <a:gd name="T42" fmla="*/ 76 w 154"/>
+                <a:gd name="T43" fmla="*/ 143 h 305"/>
+                <a:gd name="T44" fmla="*/ 78 w 154"/>
+                <a:gd name="T45" fmla="*/ 151 h 305"/>
+                <a:gd name="T46" fmla="*/ 45 w 154"/>
+                <a:gd name="T47" fmla="*/ 189 h 305"/>
+                <a:gd name="T48" fmla="*/ 81 w 154"/>
+                <a:gd name="T49" fmla="*/ 174 h 305"/>
+                <a:gd name="T50" fmla="*/ 85 w 154"/>
+                <a:gd name="T51" fmla="*/ 192 h 305"/>
+                <a:gd name="T52" fmla="*/ 96 w 154"/>
+                <a:gd name="T53" fmla="*/ 231 h 305"/>
+                <a:gd name="T54" fmla="*/ 81 w 154"/>
+                <a:gd name="T55" fmla="*/ 233 h 305"/>
+                <a:gd name="T56" fmla="*/ 36 w 154"/>
+                <a:gd name="T57" fmla="*/ 147 h 305"/>
+                <a:gd name="T58" fmla="*/ 38 w 154"/>
+                <a:gd name="T59" fmla="*/ 143 h 305"/>
+                <a:gd name="T60" fmla="*/ 76 w 154"/>
+                <a:gd name="T61" fmla="*/ 143 h 305"/>
+                <a:gd name="T62" fmla="*/ 75 w 154"/>
+                <a:gd name="T63" fmla="*/ 47 h 305"/>
+                <a:gd name="T64" fmla="*/ 68 w 154"/>
+                <a:gd name="T65" fmla="*/ 75 h 305"/>
+                <a:gd name="T66" fmla="*/ 57 w 154"/>
+                <a:gd name="T67" fmla="*/ 47 h 305"/>
+                <a:gd name="T68" fmla="*/ 57 w 154"/>
+                <a:gd name="T69" fmla="*/ 19 h 305"/>
+                <a:gd name="T70" fmla="*/ 76 w 154"/>
+                <a:gd name="T71" fmla="*/ 43 h 305"/>
+              </a:gdLst>
+              <a:ahLst/>
+              <a:cxnLst>
+                <a:cxn ang="0">
+                  <a:pos x="T0" y="T1"/>
+                </a:cxn>
+                <a:cxn ang="0">
+                  <a:pos x="T2" y="T3"/>
+                </a:cxn>
+                <a:cxn ang="0">
+                  <a:pos x="T4" y="T5"/>
+                </a:cxn>
+                <a:cxn ang="0">
+                  <a:pos x="T6" y="T7"/>
+                </a:cxn>
+                <a:cxn ang="0">
+                  <a:pos x="T8" y="T9"/>
+                </a:cxn>
+                <a:cxn ang="0">
+                  <a:pos x="T10" y="T11"/>
+                </a:cxn>
+                <a:cxn ang="0">
+                  <a:pos x="T12" y="T13"/>
+                </a:cxn>
+                <a:cxn ang="0">
+                  <a:pos x="T14" y="T15"/>
+                </a:cxn>
+                <a:cxn ang="0">
+                  <a:pos x="T16" y="T17"/>
+                </a:cxn>
+                <a:cxn ang="0">
+                  <a:pos x="T18" y="T19"/>
+                </a:cxn>
+                <a:cxn ang="0">
+                  <a:pos x="T20" y="T21"/>
+                </a:cxn>
+                <a:cxn ang="0">
+                  <a:pos x="T22" y="T23"/>
+                </a:cxn>
+                <a:cxn ang="0">
+                  <a:pos x="T24" y="T25"/>
+                </a:cxn>
+                <a:cxn ang="0">
+                  <a:pos x="T26" y="T27"/>
+                </a:cxn>
+                <a:cxn ang="0">
+                  <a:pos x="T28" y="T29"/>
+                </a:cxn>
+                <a:cxn ang="0">
+                  <a:pos x="T30" y="T31"/>
+                </a:cxn>
+                <a:cxn ang="0">
+                  <a:pos x="T32" y="T33"/>
+                </a:cxn>
+                <a:cxn ang="0">
+                  <a:pos x="T34" y="T35"/>
+                </a:cxn>
+                <a:cxn ang="0">
+                  <a:pos x="T36" y="T37"/>
+                </a:cxn>
+                <a:cxn ang="0">
+                  <a:pos x="T38" y="T39"/>
+                </a:cxn>
+                <a:cxn ang="0">
+                  <a:pos x="T40" y="T41"/>
+                </a:cxn>
+                <a:cxn ang="0">
+                  <a:pos x="T42" y="T43"/>
+                </a:cxn>
+                <a:cxn ang="0">
+                  <a:pos x="T44" y="T45"/>
+                </a:cxn>
+                <a:cxn ang="0">
+                  <a:pos x="T46" y="T47"/>
+                </a:cxn>
+                <a:cxn ang="0">
+                  <a:pos x="T48" y="T49"/>
+                </a:cxn>
+                <a:cxn ang="0">
+                  <a:pos x="T50" y="T51"/>
+                </a:cxn>
+                <a:cxn ang="0">
+                  <a:pos x="T52" y="T53"/>
+                </a:cxn>
+                <a:cxn ang="0">
+                  <a:pos x="T54" y="T55"/>
+                </a:cxn>
+                <a:cxn ang="0">
+                  <a:pos x="T56" y="T57"/>
+                </a:cxn>
+                <a:cxn ang="0">
+                  <a:pos x="T58" y="T59"/>
+                </a:cxn>
+                <a:cxn ang="0">
+                  <a:pos x="T60" y="T61"/>
+                </a:cxn>
+                <a:cxn ang="0">
+                  <a:pos x="T62" y="T63"/>
+                </a:cxn>
+                <a:cxn ang="0">
+                  <a:pos x="T64" y="T65"/>
+                </a:cxn>
+                <a:cxn ang="0">
+                  <a:pos x="T66" y="T67"/>
+                </a:cxn>
+                <a:cxn ang="0">
+                  <a:pos x="T68" y="T69"/>
+                </a:cxn>
+                <a:cxn ang="0">
+                  <a:pos x="T70" y="T71"/>
+                </a:cxn>
+              </a:cxnLst>
+              <a:rect l="0" t="0" r="r" b="b"/>
+              <a:pathLst>
+                <a:path w="154" h="305">
+                  <a:moveTo>
+                    <a:pt x="81" y="11"/>
+                  </a:moveTo>
+                  <a:cubicBezTo>
+                    <a:pt x="81" y="10"/>
+                    <a:pt x="81" y="10"/>
+                    <a:pt x="81" y="9"/>
+                  </a:cubicBezTo>
+                  <a:cubicBezTo>
+                    <a:pt x="78" y="2"/>
+                    <a:pt x="64" y="0"/>
+                    <a:pt x="58" y="4"/>
+                  </a:cubicBezTo>
+                  <a:cubicBezTo>
+                    <a:pt x="48" y="10"/>
+                    <a:pt x="47" y="33"/>
+                    <a:pt x="48" y="43"/>
+                  </a:cubicBezTo>
+                  <a:cubicBezTo>
+                    <a:pt x="48" y="43"/>
+                    <a:pt x="48" y="43"/>
+                    <a:pt x="48" y="43"/>
+                  </a:cubicBezTo>
+                  <a:cubicBezTo>
+                    <a:pt x="48" y="44"/>
+                    <a:pt x="48" y="46"/>
+                    <a:pt x="49" y="47"/>
+                  </a:cubicBezTo>
+                  <a:cubicBezTo>
+                    <a:pt x="51" y="63"/>
+                    <a:pt x="56" y="78"/>
+                    <a:pt x="61" y="93"/>
+                  </a:cubicBezTo>
+                  <a:cubicBezTo>
+                    <a:pt x="52" y="110"/>
+                    <a:pt x="39" y="126"/>
+                    <a:pt x="30" y="143"/>
+                  </a:cubicBezTo>
+                  <a:cubicBezTo>
+                    <a:pt x="29" y="144"/>
+                    <a:pt x="28" y="146"/>
+                    <a:pt x="27" y="147"/>
+                  </a:cubicBezTo>
+                  <a:cubicBezTo>
+                    <a:pt x="25" y="151"/>
+                    <a:pt x="23" y="154"/>
+                    <a:pt x="21" y="158"/>
+                  </a:cubicBezTo>
+                  <a:cubicBezTo>
+                    <a:pt x="0" y="205"/>
+                    <a:pt x="32" y="238"/>
+                    <a:pt x="69" y="243"/>
+                  </a:cubicBezTo>
+                  <a:cubicBezTo>
+                    <a:pt x="75" y="244"/>
+                    <a:pt x="82" y="244"/>
+                    <a:pt x="88" y="243"/>
+                  </a:cubicBezTo>
+                  <a:cubicBezTo>
+                    <a:pt x="92" y="242"/>
+                    <a:pt x="96" y="242"/>
+                    <a:pt x="100" y="240"/>
+                  </a:cubicBezTo>
+                  <a:cubicBezTo>
+                    <a:pt x="100" y="241"/>
+                    <a:pt x="100" y="242"/>
+                    <a:pt x="101" y="243"/>
+                  </a:cubicBezTo>
+                  <a:cubicBezTo>
+                    <a:pt x="101" y="244"/>
+                    <a:pt x="101" y="246"/>
+                    <a:pt x="102" y="247"/>
+                  </a:cubicBezTo>
+                  <a:cubicBezTo>
+                    <a:pt x="104" y="258"/>
+                    <a:pt x="103" y="270"/>
+                    <a:pt x="91" y="285"/>
+                  </a:cubicBezTo>
+                  <a:cubicBezTo>
+                    <a:pt x="91" y="284"/>
+                    <a:pt x="91" y="284"/>
+                    <a:pt x="91" y="284"/>
+                  </a:cubicBezTo>
+                  <a:cubicBezTo>
+                    <a:pt x="92" y="280"/>
+                    <a:pt x="89" y="276"/>
+                    <a:pt x="85" y="275"/>
+                  </a:cubicBezTo>
+                  <a:cubicBezTo>
+                    <a:pt x="84" y="275"/>
+                    <a:pt x="82" y="276"/>
+                    <a:pt x="81" y="277"/>
+                  </a:cubicBezTo>
+                  <a:cubicBezTo>
+                    <a:pt x="81" y="277"/>
+                    <a:pt x="81" y="277"/>
+                    <a:pt x="81" y="278"/>
+                  </a:cubicBezTo>
+                  <a:cubicBezTo>
+                    <a:pt x="74" y="285"/>
+                    <a:pt x="75" y="295"/>
+                    <a:pt x="81" y="300"/>
+                  </a:cubicBezTo>
+                  <a:cubicBezTo>
+                    <a:pt x="82" y="301"/>
+                    <a:pt x="84" y="302"/>
+                    <a:pt x="85" y="303"/>
+                  </a:cubicBezTo>
+                  <a:cubicBezTo>
+                    <a:pt x="88" y="304"/>
+                    <a:pt x="92" y="305"/>
+                    <a:pt x="97" y="304"/>
+                  </a:cubicBezTo>
+                  <a:cubicBezTo>
+                    <a:pt x="120" y="297"/>
+                    <a:pt x="117" y="271"/>
+                    <a:pt x="110" y="247"/>
+                  </a:cubicBezTo>
+                  <a:cubicBezTo>
+                    <a:pt x="109" y="246"/>
+                    <a:pt x="109" y="244"/>
+                    <a:pt x="109" y="243"/>
+                  </a:cubicBezTo>
+                  <a:cubicBezTo>
+                    <a:pt x="108" y="241"/>
+                    <a:pt x="107" y="239"/>
+                    <a:pt x="107" y="238"/>
+                  </a:cubicBezTo>
+                  <a:cubicBezTo>
+                    <a:pt x="117" y="233"/>
+                    <a:pt x="127" y="226"/>
+                    <a:pt x="134" y="215"/>
+                  </a:cubicBezTo>
+                  <a:cubicBezTo>
+                    <a:pt x="154" y="188"/>
+                    <a:pt x="117" y="163"/>
+                    <a:pt x="85" y="164"/>
+                  </a:cubicBezTo>
+                  <a:cubicBezTo>
+                    <a:pt x="84" y="164"/>
+                    <a:pt x="84" y="164"/>
+                    <a:pt x="83" y="164"/>
+                  </a:cubicBezTo>
+                  <a:cubicBezTo>
+                    <a:pt x="83" y="159"/>
+                    <a:pt x="82" y="155"/>
+                    <a:pt x="81" y="151"/>
+                  </a:cubicBezTo>
+                  <a:cubicBezTo>
+                    <a:pt x="81" y="149"/>
+                    <a:pt x="81" y="148"/>
+                    <a:pt x="80" y="147"/>
+                  </a:cubicBezTo>
+                  <a:cubicBezTo>
+                    <a:pt x="80" y="146"/>
+                    <a:pt x="80" y="144"/>
+                    <a:pt x="80" y="143"/>
+                  </a:cubicBezTo>
+                  <a:cubicBezTo>
+                    <a:pt x="77" y="131"/>
+                    <a:pt x="75" y="119"/>
+                    <a:pt x="72" y="108"/>
+                  </a:cubicBezTo>
+                  <a:cubicBezTo>
+                    <a:pt x="71" y="103"/>
+                    <a:pt x="69" y="97"/>
+                    <a:pt x="67" y="92"/>
+                  </a:cubicBezTo>
+                  <a:cubicBezTo>
+                    <a:pt x="73" y="81"/>
+                    <a:pt x="78" y="71"/>
+                    <a:pt x="81" y="60"/>
+                  </a:cubicBezTo>
+                  <a:cubicBezTo>
+                    <a:pt x="83" y="53"/>
+                    <a:pt x="85" y="46"/>
+                    <a:pt x="85" y="39"/>
+                  </a:cubicBezTo>
+                  <a:cubicBezTo>
+                    <a:pt x="85" y="35"/>
+                    <a:pt x="85" y="32"/>
+                    <a:pt x="85" y="29"/>
+                  </a:cubicBezTo>
+                  <a:cubicBezTo>
+                    <a:pt x="85" y="23"/>
+                    <a:pt x="83" y="17"/>
+                    <a:pt x="81" y="11"/>
+                  </a:cubicBezTo>
+                  <a:close/>
+                  <a:moveTo>
+                    <a:pt x="109" y="225"/>
+                  </a:moveTo>
+                  <a:cubicBezTo>
+                    <a:pt x="107" y="226"/>
+                    <a:pt x="105" y="228"/>
+                    <a:pt x="103" y="228"/>
+                  </a:cubicBezTo>
+                  <a:cubicBezTo>
+                    <a:pt x="101" y="222"/>
+                    <a:pt x="98" y="216"/>
+                    <a:pt x="97" y="213"/>
+                  </a:cubicBezTo>
+                  <a:cubicBezTo>
+                    <a:pt x="92" y="200"/>
+                    <a:pt x="88" y="187"/>
+                    <a:pt x="85" y="174"/>
+                  </a:cubicBezTo>
+                  <a:cubicBezTo>
+                    <a:pt x="115" y="174"/>
+                    <a:pt x="144" y="202"/>
+                    <a:pt x="109" y="225"/>
+                  </a:cubicBezTo>
+                  <a:close/>
+                  <a:moveTo>
+                    <a:pt x="76" y="143"/>
+                  </a:moveTo>
+                  <a:cubicBezTo>
+                    <a:pt x="76" y="144"/>
+                    <a:pt x="76" y="146"/>
+                    <a:pt x="77" y="147"/>
+                  </a:cubicBezTo>
+                  <a:cubicBezTo>
+                    <a:pt x="77" y="148"/>
+                    <a:pt x="77" y="150"/>
+                    <a:pt x="78" y="151"/>
+                  </a:cubicBezTo>
+                  <a:cubicBezTo>
+                    <a:pt x="78" y="155"/>
+                    <a:pt x="79" y="160"/>
+                    <a:pt x="80" y="164"/>
+                  </a:cubicBezTo>
+                  <a:cubicBezTo>
+                    <a:pt x="64" y="165"/>
+                    <a:pt x="50" y="173"/>
+                    <a:pt x="45" y="189"/>
+                  </a:cubicBezTo>
+                  <a:cubicBezTo>
+                    <a:pt x="44" y="192"/>
+                    <a:pt x="49" y="194"/>
+                    <a:pt x="51" y="191"/>
+                  </a:cubicBezTo>
+                  <a:cubicBezTo>
+                    <a:pt x="59" y="180"/>
+                    <a:pt x="70" y="175"/>
+                    <a:pt x="81" y="174"/>
+                  </a:cubicBezTo>
+                  <a:cubicBezTo>
+                    <a:pt x="81" y="174"/>
+                    <a:pt x="82" y="174"/>
+                    <a:pt x="82" y="174"/>
+                  </a:cubicBezTo>
+                  <a:cubicBezTo>
+                    <a:pt x="83" y="180"/>
+                    <a:pt x="84" y="186"/>
+                    <a:pt x="85" y="192"/>
+                  </a:cubicBezTo>
+                  <a:cubicBezTo>
+                    <a:pt x="87" y="199"/>
+                    <a:pt x="88" y="207"/>
+                    <a:pt x="91" y="214"/>
+                  </a:cubicBezTo>
+                  <a:cubicBezTo>
+                    <a:pt x="92" y="220"/>
+                    <a:pt x="94" y="226"/>
+                    <a:pt x="96" y="231"/>
+                  </a:cubicBezTo>
+                  <a:cubicBezTo>
+                    <a:pt x="93" y="232"/>
+                    <a:pt x="89" y="233"/>
+                    <a:pt x="85" y="233"/>
+                  </a:cubicBezTo>
+                  <a:cubicBezTo>
+                    <a:pt x="84" y="233"/>
+                    <a:pt x="82" y="233"/>
+                    <a:pt x="81" y="233"/>
+                  </a:cubicBezTo>
+                  <a:cubicBezTo>
+                    <a:pt x="67" y="233"/>
+                    <a:pt x="52" y="228"/>
+                    <a:pt x="41" y="223"/>
+                  </a:cubicBezTo>
+                  <a:cubicBezTo>
+                    <a:pt x="9" y="206"/>
+                    <a:pt x="24" y="170"/>
+                    <a:pt x="36" y="147"/>
+                  </a:cubicBezTo>
+                  <a:cubicBezTo>
+                    <a:pt x="36" y="146"/>
+                    <a:pt x="36" y="145"/>
+                    <a:pt x="37" y="144"/>
+                  </a:cubicBezTo>
+                  <a:cubicBezTo>
+                    <a:pt x="37" y="144"/>
+                    <a:pt x="37" y="143"/>
+                    <a:pt x="38" y="143"/>
+                  </a:cubicBezTo>
+                  <a:cubicBezTo>
+                    <a:pt x="45" y="130"/>
+                    <a:pt x="54" y="116"/>
+                    <a:pt x="63" y="100"/>
+                  </a:cubicBezTo>
+                  <a:cubicBezTo>
+                    <a:pt x="67" y="114"/>
+                    <a:pt x="72" y="129"/>
+                    <a:pt x="76" y="143"/>
+                  </a:cubicBezTo>
+                  <a:close/>
+                  <a:moveTo>
+                    <a:pt x="76" y="43"/>
+                  </a:moveTo>
+                  <a:cubicBezTo>
+                    <a:pt x="76" y="44"/>
+                    <a:pt x="75" y="46"/>
+                    <a:pt x="75" y="47"/>
+                  </a:cubicBezTo>
+                  <a:cubicBezTo>
+                    <a:pt x="75" y="47"/>
+                    <a:pt x="75" y="48"/>
+                    <a:pt x="75" y="48"/>
+                  </a:cubicBezTo>
+                  <a:cubicBezTo>
+                    <a:pt x="74" y="57"/>
+                    <a:pt x="71" y="66"/>
+                    <a:pt x="68" y="75"/>
+                  </a:cubicBezTo>
+                  <a:cubicBezTo>
+                    <a:pt x="67" y="78"/>
+                    <a:pt x="66" y="81"/>
+                    <a:pt x="65" y="83"/>
+                  </a:cubicBezTo>
+                  <a:cubicBezTo>
+                    <a:pt x="61" y="71"/>
+                    <a:pt x="58" y="59"/>
+                    <a:pt x="57" y="47"/>
+                  </a:cubicBezTo>
+                  <a:cubicBezTo>
+                    <a:pt x="57" y="46"/>
+                    <a:pt x="56" y="44"/>
+                    <a:pt x="56" y="43"/>
+                  </a:cubicBezTo>
+                  <a:cubicBezTo>
+                    <a:pt x="56" y="35"/>
+                    <a:pt x="56" y="27"/>
+                    <a:pt x="57" y="19"/>
+                  </a:cubicBezTo>
+                  <a:cubicBezTo>
+                    <a:pt x="58" y="12"/>
+                    <a:pt x="64" y="13"/>
+                    <a:pt x="77" y="23"/>
+                  </a:cubicBezTo>
+                  <a:cubicBezTo>
+                    <a:pt x="77" y="30"/>
+                    <a:pt x="77" y="36"/>
+                    <a:pt x="76" y="43"/>
+                  </a:cubicBezTo>
+                  <a:close/>
+                </a:path>
+              </a:pathLst>
+            </a:custGeom>
+            <a:solidFill>
+              <a:srgbClr val="F2F2F2"/>
+            </a:solidFill>
+            <a:ln>
+              <a:noFill/>
+            </a:ln>
+            <a:extLst>
+              <a:ext uri="{91240B29-F687-4F45-9708-019B960494DF}">
+                <a14:hiddenLine xmlns:a14="http://schemas.microsoft.com/office/drawing/2010/main" w="9525">
+                  <a:solidFill>
+                    <a:srgbClr val="000000"/>
+                  </a:solidFill>
+                  <a:round/>
+                </a14:hiddenLine>
+              </a:ext>
+            </a:extLst>
+          </p:spPr>
+          <p:txBody>
+            <a:bodyPr vert="horz" wrap="square" lIns="91440" tIns="45720" rIns="91440" bIns="45720" numCol="1" anchor="t" anchorCtr="0" compatLnSpc="1"/>
+            <a:p>
+              <a:endParaRPr lang="zh-CN" altLang="en-US"/>
+            </a:p>
+          </p:txBody>
+        </p:sp>
+        <p:sp>
+          <p:nvSpPr>
+            <p:cNvPr id="105" name="Freeform 6"/>
+            <p:cNvSpPr/>
+            <p:nvPr/>
+          </p:nvSpPr>
+          <p:spPr bwMode="auto">
+            <a:xfrm>
+              <a:off x="735" y="774"/>
+              <a:ext cx="61" cy="52"/>
+            </a:xfrm>
+            <a:custGeom>
+              <a:avLst/>
+              <a:gdLst>
+                <a:gd name="T0" fmla="*/ 25 w 28"/>
+                <a:gd name="T1" fmla="*/ 23 h 24"/>
+                <a:gd name="T2" fmla="*/ 27 w 28"/>
+                <a:gd name="T3" fmla="*/ 21 h 24"/>
+                <a:gd name="T4" fmla="*/ 3 w 28"/>
+                <a:gd name="T5" fmla="*/ 1 h 24"/>
+                <a:gd name="T6" fmla="*/ 2 w 28"/>
+                <a:gd name="T7" fmla="*/ 4 h 24"/>
+                <a:gd name="T8" fmla="*/ 25 w 28"/>
+                <a:gd name="T9" fmla="*/ 23 h 24"/>
+              </a:gdLst>
+              <a:ahLst/>
+              <a:cxnLst>
+                <a:cxn ang="0">
+                  <a:pos x="T0" y="T1"/>
+                </a:cxn>
+                <a:cxn ang="0">
+                  <a:pos x="T2" y="T3"/>
+                </a:cxn>
+                <a:cxn ang="0">
+                  <a:pos x="T4" y="T5"/>
+                </a:cxn>
+                <a:cxn ang="0">
+                  <a:pos x="T6" y="T7"/>
+                </a:cxn>
+                <a:cxn ang="0">
+                  <a:pos x="T8" y="T9"/>
+                </a:cxn>
+              </a:cxnLst>
+              <a:rect l="0" t="0" r="r" b="b"/>
+              <a:pathLst>
+                <a:path w="28" h="24">
+                  <a:moveTo>
+                    <a:pt x="25" y="23"/>
+                  </a:moveTo>
+                  <a:cubicBezTo>
+                    <a:pt x="26" y="24"/>
+                    <a:pt x="28" y="23"/>
+                    <a:pt x="27" y="21"/>
+                  </a:cubicBezTo>
+                  <a:cubicBezTo>
+                    <a:pt x="24" y="10"/>
+                    <a:pt x="13" y="4"/>
+                    <a:pt x="3" y="1"/>
+                  </a:cubicBezTo>
+                  <a:cubicBezTo>
+                    <a:pt x="1" y="0"/>
+                    <a:pt x="0" y="3"/>
+                    <a:pt x="2" y="4"/>
+                  </a:cubicBezTo>
+                  <a:cubicBezTo>
+                    <a:pt x="10" y="10"/>
+                    <a:pt x="17" y="17"/>
+                    <a:pt x="25" y="23"/>
+                  </a:cubicBezTo>
+                  <a:close/>
+                </a:path>
+              </a:pathLst>
+            </a:custGeom>
+            <a:solidFill>
+              <a:srgbClr val="F2F2F2"/>
+            </a:solidFill>
+            <a:ln>
+              <a:noFill/>
+            </a:ln>
+            <a:extLst>
+              <a:ext uri="{91240B29-F687-4F45-9708-019B960494DF}">
+                <a14:hiddenLine xmlns:a14="http://schemas.microsoft.com/office/drawing/2010/main" w="9525">
+                  <a:solidFill>
+                    <a:srgbClr val="000000"/>
+                  </a:solidFill>
+                  <a:round/>
+                </a14:hiddenLine>
+              </a:ext>
+            </a:extLst>
+          </p:spPr>
+          <p:txBody>
+            <a:bodyPr vert="horz" wrap="square" lIns="91440" tIns="45720" rIns="91440" bIns="45720" numCol="1" anchor="t" anchorCtr="0" compatLnSpc="1"/>
+            <a:p>
+              <a:endParaRPr lang="zh-CN" altLang="en-US"/>
+            </a:p>
+          </p:txBody>
+        </p:sp>
+        <p:sp>
+          <p:nvSpPr>
+            <p:cNvPr id="106" name="Freeform 7"/>
+            <p:cNvSpPr/>
+            <p:nvPr/>
+          </p:nvSpPr>
+          <p:spPr bwMode="auto">
+            <a:xfrm>
+              <a:off x="759" y="748"/>
+              <a:ext cx="76" cy="50"/>
+            </a:xfrm>
+            <a:custGeom>
+              <a:avLst/>
+              <a:gdLst>
+                <a:gd name="T0" fmla="*/ 3 w 35"/>
+                <a:gd name="T1" fmla="*/ 1 h 23"/>
+                <a:gd name="T2" fmla="*/ 3 w 35"/>
+                <a:gd name="T3" fmla="*/ 5 h 23"/>
+                <a:gd name="T4" fmla="*/ 17 w 35"/>
+                <a:gd name="T5" fmla="*/ 11 h 23"/>
+                <a:gd name="T6" fmla="*/ 31 w 35"/>
+                <a:gd name="T7" fmla="*/ 22 h 23"/>
+                <a:gd name="T8" fmla="*/ 34 w 35"/>
+                <a:gd name="T9" fmla="*/ 20 h 23"/>
+                <a:gd name="T10" fmla="*/ 3 w 35"/>
+                <a:gd name="T11" fmla="*/ 1 h 23"/>
+              </a:gdLst>
+              <a:ahLst/>
+              <a:cxnLst>
+                <a:cxn ang="0">
+                  <a:pos x="T0" y="T1"/>
+                </a:cxn>
+                <a:cxn ang="0">
+                  <a:pos x="T2" y="T3"/>
+                </a:cxn>
+                <a:cxn ang="0">
+                  <a:pos x="T4" y="T5"/>
+                </a:cxn>
+                <a:cxn ang="0">
+                  <a:pos x="T6" y="T7"/>
+                </a:cxn>
+                <a:cxn ang="0">
+                  <a:pos x="T8" y="T9"/>
+                </a:cxn>
+                <a:cxn ang="0">
+                  <a:pos x="T10" y="T11"/>
+                </a:cxn>
+              </a:cxnLst>
+              <a:rect l="0" t="0" r="r" b="b"/>
+              <a:pathLst>
+                <a:path w="35" h="23">
+                  <a:moveTo>
+                    <a:pt x="3" y="1"/>
+                  </a:moveTo>
+                  <a:cubicBezTo>
+                    <a:pt x="1" y="1"/>
+                    <a:pt x="0" y="4"/>
+                    <a:pt x="3" y="5"/>
+                  </a:cubicBezTo>
+                  <a:cubicBezTo>
+                    <a:pt x="8" y="6"/>
+                    <a:pt x="13" y="8"/>
+                    <a:pt x="17" y="11"/>
+                  </a:cubicBezTo>
+                  <a:cubicBezTo>
+                    <a:pt x="22" y="15"/>
+                    <a:pt x="26" y="19"/>
+                    <a:pt x="31" y="22"/>
+                  </a:cubicBezTo>
+                  <a:cubicBezTo>
+                    <a:pt x="33" y="23"/>
+                    <a:pt x="35" y="22"/>
+                    <a:pt x="34" y="20"/>
+                  </a:cubicBezTo>
+                  <a:cubicBezTo>
+                    <a:pt x="30" y="8"/>
+                    <a:pt x="16" y="0"/>
+                    <a:pt x="3" y="1"/>
+                  </a:cubicBezTo>
+                  <a:close/>
+                </a:path>
+              </a:pathLst>
+            </a:custGeom>
+            <a:solidFill>
+              <a:srgbClr val="F2F2F2"/>
+            </a:solidFill>
+            <a:ln>
+              <a:noFill/>
+            </a:ln>
+            <a:extLst>
+              <a:ext uri="{91240B29-F687-4F45-9708-019B960494DF}">
+                <a14:hiddenLine xmlns:a14="http://schemas.microsoft.com/office/drawing/2010/main" w="9525">
+                  <a:solidFill>
+                    <a:srgbClr val="000000"/>
+                  </a:solidFill>
+                  <a:round/>
+                </a14:hiddenLine>
+              </a:ext>
+            </a:extLst>
+          </p:spPr>
+          <p:txBody>
+            <a:bodyPr vert="horz" wrap="square" lIns="91440" tIns="45720" rIns="91440" bIns="45720" numCol="1" anchor="t" anchorCtr="0" compatLnSpc="1"/>
+            <a:p>
+              <a:endParaRPr lang="zh-CN" altLang="en-US"/>
+            </a:p>
+          </p:txBody>
+        </p:sp>
+      </p:grpSp>
+      <p:sp>
+        <p:nvSpPr>
+          <p:cNvPr id="4" name="Rectangle 47"/>
+          <p:cNvSpPr/>
+          <p:nvPr/>
+        </p:nvSpPr>
+        <p:spPr>
+          <a:xfrm>
+            <a:off x="1288212" y="759990"/>
+            <a:ext cx="3266440" cy="492125"/>
+          </a:xfrm>
+          <a:prstGeom prst="rect">
+            <a:avLst/>
+          </a:prstGeom>
+        </p:spPr>
+        <p:txBody>
+          <a:bodyPr wrap="none" lIns="0" tIns="0" rIns="0" bIns="0">
+            <a:spAutoFit/>
+          </a:bodyPr>
+          <a:p>
+            <a:pPr algn="l"/>
+            <a:r>
+              <a:rPr lang="zh-CN" altLang="en-US" sz="3200" b="1" dirty="0" smtClean="0">
+                <a:solidFill>
+                  <a:schemeClr val="bg1"/>
+                </a:solidFill>
+                <a:latin typeface="方正静蕾简体" pitchFamily="2" charset="-122"/>
+                <a:ea typeface="方正静蕾简体" pitchFamily="2" charset="-122"/>
+                <a:cs typeface="Arial" panose="020B0604020202020204" pitchFamily="34" charset="0"/>
+              </a:rPr>
+              <a:t>预算管理插件总结</a:t>
+            </a:r>
+            <a:endParaRPr lang="zh-CN" altLang="en-US" sz="3200" b="1" dirty="0" smtClean="0">
+              <a:solidFill>
+                <a:schemeClr val="bg1"/>
+              </a:solidFill>
+              <a:latin typeface="方正静蕾简体" pitchFamily="2" charset="-122"/>
+              <a:ea typeface="方正静蕾简体" pitchFamily="2" charset="-122"/>
+              <a:cs typeface="Arial" panose="020B0604020202020204" pitchFamily="34" charset="0"/>
+            </a:endParaRPr>
+          </a:p>
+        </p:txBody>
+      </p:sp>
+      <p:sp>
+        <p:nvSpPr>
+          <p:cNvPr id="7" name="文本框 6"/>
+          <p:cNvSpPr txBox="1"/>
+          <p:nvPr/>
+        </p:nvSpPr>
+        <p:spPr>
+          <a:xfrm>
+            <a:off x="704215" y="1845945"/>
+            <a:ext cx="386715" cy="368300"/>
+          </a:xfrm>
+          <a:prstGeom prst="rect">
+            <a:avLst/>
+          </a:prstGeom>
+          <a:noFill/>
+        </p:spPr>
+        <p:txBody>
+          <a:bodyPr wrap="none" rtlCol="0" anchor="t">
+            <a:spAutoFit/>
+          </a:bodyPr>
+          <a:p>
+            <a:r>
+              <a:rPr lang="zh-CN" altLang="en-US">
+                <a:solidFill>
+                  <a:schemeClr val="bg1"/>
+                </a:solidFill>
+                <a:sym typeface="Wingdings" panose="05000000000000000000" charset="0"/>
+              </a:rPr>
+              <a:t></a:t>
+            </a:r>
+            <a:endParaRPr lang="zh-CN" altLang="en-US">
+              <a:solidFill>
+                <a:schemeClr val="bg1"/>
+              </a:solidFill>
+              <a:sym typeface="Wingdings" panose="05000000000000000000" charset="0"/>
+            </a:endParaRPr>
+          </a:p>
+        </p:txBody>
+      </p:sp>
+      <p:sp>
+        <p:nvSpPr>
+          <p:cNvPr id="8" name="文本框 7"/>
+          <p:cNvSpPr txBox="1"/>
+          <p:nvPr/>
+        </p:nvSpPr>
+        <p:spPr>
+          <a:xfrm>
+            <a:off x="1374140" y="1769110"/>
+            <a:ext cx="7973695" cy="521970"/>
+          </a:xfrm>
+          <a:prstGeom prst="rect">
+            <a:avLst/>
+          </a:prstGeom>
+          <a:noFill/>
+        </p:spPr>
+        <p:txBody>
+          <a:bodyPr wrap="square" rtlCol="0" anchor="t">
+            <a:spAutoFit/>
+          </a:bodyPr>
+          <a:p>
+            <a:r>
+              <a:rPr lang="zh-CN" sz="2800">
+                <a:solidFill>
+                  <a:schemeClr val="bg1"/>
+                </a:solidFill>
+              </a:rPr>
+              <a:t>选项页面</a:t>
+            </a:r>
+            <a:endParaRPr lang="zh-CN" sz="2800">
+              <a:solidFill>
+                <a:schemeClr val="bg1"/>
+              </a:solidFill>
+            </a:endParaRPr>
+          </a:p>
+        </p:txBody>
+      </p:sp>
+      <p:sp>
+        <p:nvSpPr>
+          <p:cNvPr id="11" name="文本框 10"/>
+          <p:cNvSpPr txBox="1"/>
+          <p:nvPr/>
+        </p:nvSpPr>
+        <p:spPr>
+          <a:xfrm>
+            <a:off x="704215" y="2595245"/>
+            <a:ext cx="386715" cy="368300"/>
+          </a:xfrm>
+          <a:prstGeom prst="rect">
+            <a:avLst/>
+          </a:prstGeom>
+          <a:noFill/>
+        </p:spPr>
+        <p:txBody>
+          <a:bodyPr wrap="none" rtlCol="0" anchor="t">
+            <a:spAutoFit/>
+          </a:bodyPr>
+          <a:p>
+            <a:r>
+              <a:rPr lang="zh-CN" altLang="en-US">
+                <a:solidFill>
+                  <a:schemeClr val="bg1"/>
+                </a:solidFill>
+                <a:sym typeface="Wingdings" panose="05000000000000000000" charset="0"/>
+              </a:rPr>
+              <a:t></a:t>
+            </a:r>
+            <a:endParaRPr lang="zh-CN" altLang="en-US">
+              <a:solidFill>
+                <a:schemeClr val="bg1"/>
+              </a:solidFill>
+              <a:sym typeface="Wingdings" panose="05000000000000000000" charset="0"/>
+            </a:endParaRPr>
+          </a:p>
+        </p:txBody>
+      </p:sp>
+      <p:sp>
+        <p:nvSpPr>
+          <p:cNvPr id="12" name="文本框 11"/>
+          <p:cNvSpPr txBox="1"/>
+          <p:nvPr/>
+        </p:nvSpPr>
+        <p:spPr>
+          <a:xfrm>
+            <a:off x="1374140" y="2518410"/>
+            <a:ext cx="7973695" cy="521970"/>
+          </a:xfrm>
+          <a:prstGeom prst="rect">
+            <a:avLst/>
+          </a:prstGeom>
+          <a:noFill/>
+        </p:spPr>
+        <p:txBody>
+          <a:bodyPr wrap="square" rtlCol="0" anchor="t">
+            <a:spAutoFit/>
+          </a:bodyPr>
+          <a:p>
+            <a:r>
+              <a:rPr lang="zh-CN" sz="2800">
+                <a:solidFill>
+                  <a:schemeClr val="bg1"/>
+                </a:solidFill>
+              </a:rPr>
+              <a:t>桌面通知</a:t>
+            </a:r>
+            <a:endParaRPr lang="zh-CN" sz="2800">
+              <a:solidFill>
+                <a:schemeClr val="bg1"/>
+              </a:solidFill>
+            </a:endParaRPr>
+          </a:p>
+        </p:txBody>
+      </p:sp>
+      <p:sp>
+        <p:nvSpPr>
+          <p:cNvPr id="13" name="文本框 12"/>
+          <p:cNvSpPr txBox="1"/>
+          <p:nvPr/>
+        </p:nvSpPr>
+        <p:spPr>
+          <a:xfrm>
+            <a:off x="704215" y="3343910"/>
+            <a:ext cx="386715" cy="368300"/>
+          </a:xfrm>
+          <a:prstGeom prst="rect">
+            <a:avLst/>
+          </a:prstGeom>
+          <a:noFill/>
+        </p:spPr>
+        <p:txBody>
+          <a:bodyPr wrap="none" rtlCol="0" anchor="t">
+            <a:spAutoFit/>
+          </a:bodyPr>
+          <a:p>
+            <a:r>
+              <a:rPr lang="zh-CN" altLang="en-US">
+                <a:solidFill>
+                  <a:schemeClr val="bg1"/>
+                </a:solidFill>
+                <a:sym typeface="Wingdings" panose="05000000000000000000" charset="0"/>
+              </a:rPr>
+              <a:t></a:t>
+            </a:r>
+            <a:endParaRPr lang="zh-CN" altLang="en-US">
+              <a:solidFill>
+                <a:schemeClr val="bg1"/>
+              </a:solidFill>
+              <a:sym typeface="Wingdings" panose="05000000000000000000" charset="0"/>
+            </a:endParaRPr>
+          </a:p>
+        </p:txBody>
+      </p:sp>
+      <p:sp>
+        <p:nvSpPr>
+          <p:cNvPr id="14" name="文本框 13"/>
+          <p:cNvSpPr txBox="1"/>
+          <p:nvPr/>
+        </p:nvSpPr>
+        <p:spPr>
+          <a:xfrm>
+            <a:off x="1374140" y="3267075"/>
+            <a:ext cx="7973695" cy="521970"/>
+          </a:xfrm>
+          <a:prstGeom prst="rect">
+            <a:avLst/>
+          </a:prstGeom>
+          <a:noFill/>
+        </p:spPr>
+        <p:txBody>
+          <a:bodyPr wrap="square" rtlCol="0" anchor="t">
+            <a:spAutoFit/>
+          </a:bodyPr>
+          <a:p>
+            <a:r>
+              <a:rPr lang="en-US" altLang="zh-CN" sz="2800">
+                <a:solidFill>
+                  <a:schemeClr val="bg1"/>
+                </a:solidFill>
+              </a:rPr>
+              <a:t>Background  vs Event Pages</a:t>
+            </a:r>
+            <a:endParaRPr lang="en-US" altLang="zh-CN" sz="2800">
+              <a:solidFill>
+                <a:schemeClr val="bg1"/>
+              </a:solidFill>
+            </a:endParaRPr>
+          </a:p>
+        </p:txBody>
+      </p:sp>
+      <p:sp>
+        <p:nvSpPr>
+          <p:cNvPr id="15" name="文本框 14"/>
+          <p:cNvSpPr txBox="1"/>
+          <p:nvPr/>
+        </p:nvSpPr>
+        <p:spPr>
+          <a:xfrm>
+            <a:off x="704215" y="4100830"/>
+            <a:ext cx="386715" cy="368300"/>
+          </a:xfrm>
+          <a:prstGeom prst="rect">
+            <a:avLst/>
+          </a:prstGeom>
+          <a:noFill/>
+        </p:spPr>
+        <p:txBody>
+          <a:bodyPr wrap="none" rtlCol="0" anchor="t">
+            <a:spAutoFit/>
+          </a:bodyPr>
+          <a:p>
+            <a:r>
+              <a:rPr lang="zh-CN" altLang="en-US">
+                <a:solidFill>
+                  <a:schemeClr val="bg1"/>
+                </a:solidFill>
+                <a:sym typeface="Wingdings" panose="05000000000000000000" charset="0"/>
+              </a:rPr>
+              <a:t></a:t>
+            </a:r>
+            <a:endParaRPr lang="zh-CN" altLang="en-US">
+              <a:solidFill>
+                <a:schemeClr val="bg1"/>
+              </a:solidFill>
+              <a:sym typeface="Wingdings" panose="05000000000000000000" charset="0"/>
+            </a:endParaRPr>
+          </a:p>
+        </p:txBody>
+      </p:sp>
+      <p:sp>
+        <p:nvSpPr>
+          <p:cNvPr id="16" name="文本框 15"/>
+          <p:cNvSpPr txBox="1"/>
+          <p:nvPr/>
+        </p:nvSpPr>
+        <p:spPr>
+          <a:xfrm>
+            <a:off x="1374140" y="4023995"/>
+            <a:ext cx="7973695" cy="521970"/>
+          </a:xfrm>
+          <a:prstGeom prst="rect">
+            <a:avLst/>
+          </a:prstGeom>
+          <a:noFill/>
+        </p:spPr>
+        <p:txBody>
+          <a:bodyPr wrap="square" rtlCol="0" anchor="t">
+            <a:spAutoFit/>
+          </a:bodyPr>
+          <a:p>
+            <a:r>
+              <a:rPr lang="zh-CN" sz="2800">
+                <a:solidFill>
+                  <a:schemeClr val="bg1"/>
+                </a:solidFill>
+              </a:rPr>
+              <a:t>右键菜单</a:t>
+            </a:r>
+            <a:endParaRPr lang="zh-CN" sz="2800">
+              <a:solidFill>
+                <a:schemeClr val="bg1"/>
+              </a:solidFill>
+            </a:endParaRPr>
+          </a:p>
+        </p:txBody>
+      </p:sp>
+      <p:sp>
+        <p:nvSpPr>
+          <p:cNvPr id="17" name="文本框 16"/>
+          <p:cNvSpPr txBox="1"/>
+          <p:nvPr/>
+        </p:nvSpPr>
+        <p:spPr>
+          <a:xfrm>
+            <a:off x="704215" y="4733290"/>
+            <a:ext cx="386715" cy="368300"/>
+          </a:xfrm>
+          <a:prstGeom prst="rect">
+            <a:avLst/>
+          </a:prstGeom>
+          <a:noFill/>
+        </p:spPr>
+        <p:txBody>
+          <a:bodyPr wrap="none" rtlCol="0" anchor="t">
+            <a:spAutoFit/>
+          </a:bodyPr>
+          <a:p>
+            <a:r>
+              <a:rPr lang="zh-CN" altLang="en-US">
+                <a:solidFill>
+                  <a:schemeClr val="bg1"/>
+                </a:solidFill>
+                <a:sym typeface="Wingdings" panose="05000000000000000000" charset="0"/>
+              </a:rPr>
+              <a:t></a:t>
+            </a:r>
+            <a:endParaRPr lang="zh-CN" altLang="en-US">
+              <a:solidFill>
+                <a:schemeClr val="bg1"/>
+              </a:solidFill>
+              <a:sym typeface="Wingdings" panose="05000000000000000000" charset="0"/>
+            </a:endParaRPr>
+          </a:p>
+        </p:txBody>
+      </p:sp>
+      <p:sp>
+        <p:nvSpPr>
+          <p:cNvPr id="18" name="文本框 17"/>
+          <p:cNvSpPr txBox="1"/>
+          <p:nvPr/>
+        </p:nvSpPr>
+        <p:spPr>
+          <a:xfrm>
+            <a:off x="1374140" y="4656455"/>
+            <a:ext cx="7973695" cy="521970"/>
+          </a:xfrm>
+          <a:prstGeom prst="rect">
+            <a:avLst/>
+          </a:prstGeom>
+          <a:noFill/>
+        </p:spPr>
+        <p:txBody>
+          <a:bodyPr wrap="square" rtlCol="0" anchor="t">
+            <a:spAutoFit/>
+          </a:bodyPr>
+          <a:p>
+            <a:r>
+              <a:rPr lang="en-US" sz="2800">
+                <a:solidFill>
+                  <a:schemeClr val="bg1"/>
+                </a:solidFill>
+              </a:rPr>
+              <a:t>Badges</a:t>
+            </a:r>
+            <a:endParaRPr lang="en-US" sz="2800">
+              <a:solidFill>
+                <a:schemeClr val="bg1"/>
+              </a:solidFill>
+            </a:endParaRPr>
+          </a:p>
+        </p:txBody>
+      </p:sp>
+    </p:spTree>
+  </p:cSld>
+  <p:clrMapOvr>
+    <a:masterClrMapping/>
+  </p:clrMapOvr>
+</p:sld>
+</file>
+
+<file path=ppt/slides/slide16.xml><?xml version="1.0" encoding="utf-8"?>
+<p:sld xmlns:a="http://schemas.openxmlformats.org/drawingml/2006/main" xmlns:r="http://schemas.openxmlformats.org/officeDocument/2006/relationships" xmlns:p="http://schemas.openxmlformats.org/presentationml/2006/main">
+  <p:cSld>
+    <p:spTree>
+      <p:nvGrpSpPr>
+        <p:cNvPr id="1" name=""/>
+        <p:cNvGrpSpPr/>
+        <p:nvPr/>
+      </p:nvGrpSpPr>
+      <p:grpSpPr/>
+      <p:grpSp>
+        <p:nvGrpSpPr>
+          <p:cNvPr id="103" name="Group 4"/>
+          <p:cNvGrpSpPr>
+            <a:grpSpLocks noChangeAspect="1"/>
+          </p:cNvGrpSpPr>
+          <p:nvPr/>
+        </p:nvGrpSpPr>
+        <p:grpSpPr bwMode="auto">
+          <a:xfrm rot="891772">
+            <a:off x="521512" y="551543"/>
+            <a:ext cx="507974" cy="919389"/>
+            <a:chOff x="472" y="425"/>
+            <a:chExt cx="363" cy="657"/>
+          </a:xfrm>
+        </p:grpSpPr>
+        <p:sp>
+          <p:nvSpPr>
+            <p:cNvPr id="104" name="Freeform 5"/>
+            <p:cNvSpPr>
+              <a:spLocks noEditPoints="1"/>
+            </p:cNvSpPr>
+            <p:nvPr/>
+          </p:nvSpPr>
+          <p:spPr bwMode="auto">
+            <a:xfrm>
+              <a:off x="472" y="425"/>
+              <a:ext cx="335" cy="657"/>
+            </a:xfrm>
+            <a:custGeom>
+              <a:avLst/>
+              <a:gdLst>
+                <a:gd name="T0" fmla="*/ 81 w 154"/>
+                <a:gd name="T1" fmla="*/ 9 h 305"/>
+                <a:gd name="T2" fmla="*/ 48 w 154"/>
+                <a:gd name="T3" fmla="*/ 43 h 305"/>
+                <a:gd name="T4" fmla="*/ 49 w 154"/>
+                <a:gd name="T5" fmla="*/ 47 h 305"/>
+                <a:gd name="T6" fmla="*/ 30 w 154"/>
+                <a:gd name="T7" fmla="*/ 143 h 305"/>
+                <a:gd name="T8" fmla="*/ 21 w 154"/>
+                <a:gd name="T9" fmla="*/ 158 h 305"/>
+                <a:gd name="T10" fmla="*/ 88 w 154"/>
+                <a:gd name="T11" fmla="*/ 243 h 305"/>
+                <a:gd name="T12" fmla="*/ 101 w 154"/>
+                <a:gd name="T13" fmla="*/ 243 h 305"/>
+                <a:gd name="T14" fmla="*/ 91 w 154"/>
+                <a:gd name="T15" fmla="*/ 285 h 305"/>
+                <a:gd name="T16" fmla="*/ 85 w 154"/>
+                <a:gd name="T17" fmla="*/ 275 h 305"/>
+                <a:gd name="T18" fmla="*/ 81 w 154"/>
+                <a:gd name="T19" fmla="*/ 278 h 305"/>
+                <a:gd name="T20" fmla="*/ 85 w 154"/>
+                <a:gd name="T21" fmla="*/ 303 h 305"/>
+                <a:gd name="T22" fmla="*/ 110 w 154"/>
+                <a:gd name="T23" fmla="*/ 247 h 305"/>
+                <a:gd name="T24" fmla="*/ 107 w 154"/>
+                <a:gd name="T25" fmla="*/ 238 h 305"/>
+                <a:gd name="T26" fmla="*/ 85 w 154"/>
+                <a:gd name="T27" fmla="*/ 164 h 305"/>
+                <a:gd name="T28" fmla="*/ 81 w 154"/>
+                <a:gd name="T29" fmla="*/ 151 h 305"/>
+                <a:gd name="T30" fmla="*/ 80 w 154"/>
+                <a:gd name="T31" fmla="*/ 143 h 305"/>
+                <a:gd name="T32" fmla="*/ 67 w 154"/>
+                <a:gd name="T33" fmla="*/ 92 h 305"/>
+                <a:gd name="T34" fmla="*/ 85 w 154"/>
+                <a:gd name="T35" fmla="*/ 39 h 305"/>
+                <a:gd name="T36" fmla="*/ 81 w 154"/>
+                <a:gd name="T37" fmla="*/ 11 h 305"/>
+                <a:gd name="T38" fmla="*/ 103 w 154"/>
+                <a:gd name="T39" fmla="*/ 228 h 305"/>
+                <a:gd name="T40" fmla="*/ 85 w 154"/>
+                <a:gd name="T41" fmla="*/ 174 h 305"/>
+                <a:gd name="T42" fmla="*/ 76 w 154"/>
+                <a:gd name="T43" fmla="*/ 143 h 305"/>
+                <a:gd name="T44" fmla="*/ 78 w 154"/>
+                <a:gd name="T45" fmla="*/ 151 h 305"/>
+                <a:gd name="T46" fmla="*/ 45 w 154"/>
+                <a:gd name="T47" fmla="*/ 189 h 305"/>
+                <a:gd name="T48" fmla="*/ 81 w 154"/>
+                <a:gd name="T49" fmla="*/ 174 h 305"/>
+                <a:gd name="T50" fmla="*/ 85 w 154"/>
+                <a:gd name="T51" fmla="*/ 192 h 305"/>
+                <a:gd name="T52" fmla="*/ 96 w 154"/>
+                <a:gd name="T53" fmla="*/ 231 h 305"/>
+                <a:gd name="T54" fmla="*/ 81 w 154"/>
+                <a:gd name="T55" fmla="*/ 233 h 305"/>
+                <a:gd name="T56" fmla="*/ 36 w 154"/>
+                <a:gd name="T57" fmla="*/ 147 h 305"/>
+                <a:gd name="T58" fmla="*/ 38 w 154"/>
+                <a:gd name="T59" fmla="*/ 143 h 305"/>
+                <a:gd name="T60" fmla="*/ 76 w 154"/>
+                <a:gd name="T61" fmla="*/ 143 h 305"/>
+                <a:gd name="T62" fmla="*/ 75 w 154"/>
+                <a:gd name="T63" fmla="*/ 47 h 305"/>
+                <a:gd name="T64" fmla="*/ 68 w 154"/>
+                <a:gd name="T65" fmla="*/ 75 h 305"/>
+                <a:gd name="T66" fmla="*/ 57 w 154"/>
+                <a:gd name="T67" fmla="*/ 47 h 305"/>
+                <a:gd name="T68" fmla="*/ 57 w 154"/>
+                <a:gd name="T69" fmla="*/ 19 h 305"/>
+                <a:gd name="T70" fmla="*/ 76 w 154"/>
+                <a:gd name="T71" fmla="*/ 43 h 305"/>
+              </a:gdLst>
+              <a:ahLst/>
+              <a:cxnLst>
+                <a:cxn ang="0">
+                  <a:pos x="T0" y="T1"/>
+                </a:cxn>
+                <a:cxn ang="0">
+                  <a:pos x="T2" y="T3"/>
+                </a:cxn>
+                <a:cxn ang="0">
+                  <a:pos x="T4" y="T5"/>
+                </a:cxn>
+                <a:cxn ang="0">
+                  <a:pos x="T6" y="T7"/>
+                </a:cxn>
+                <a:cxn ang="0">
+                  <a:pos x="T8" y="T9"/>
+                </a:cxn>
+                <a:cxn ang="0">
+                  <a:pos x="T10" y="T11"/>
+                </a:cxn>
+                <a:cxn ang="0">
+                  <a:pos x="T12" y="T13"/>
+                </a:cxn>
+                <a:cxn ang="0">
+                  <a:pos x="T14" y="T15"/>
+                </a:cxn>
+                <a:cxn ang="0">
+                  <a:pos x="T16" y="T17"/>
+                </a:cxn>
+                <a:cxn ang="0">
+                  <a:pos x="T18" y="T19"/>
+                </a:cxn>
+                <a:cxn ang="0">
+                  <a:pos x="T20" y="T21"/>
+                </a:cxn>
+                <a:cxn ang="0">
+                  <a:pos x="T22" y="T23"/>
+                </a:cxn>
+                <a:cxn ang="0">
+                  <a:pos x="T24" y="T25"/>
+                </a:cxn>
+                <a:cxn ang="0">
+                  <a:pos x="T26" y="T27"/>
+                </a:cxn>
+                <a:cxn ang="0">
+                  <a:pos x="T28" y="T29"/>
+                </a:cxn>
+                <a:cxn ang="0">
+                  <a:pos x="T30" y="T31"/>
+                </a:cxn>
+                <a:cxn ang="0">
+                  <a:pos x="T32" y="T33"/>
+                </a:cxn>
+                <a:cxn ang="0">
+                  <a:pos x="T34" y="T35"/>
+                </a:cxn>
+                <a:cxn ang="0">
+                  <a:pos x="T36" y="T37"/>
+                </a:cxn>
+                <a:cxn ang="0">
+                  <a:pos x="T38" y="T39"/>
+                </a:cxn>
+                <a:cxn ang="0">
+                  <a:pos x="T40" y="T41"/>
+                </a:cxn>
+                <a:cxn ang="0">
+                  <a:pos x="T42" y="T43"/>
+                </a:cxn>
+                <a:cxn ang="0">
+                  <a:pos x="T44" y="T45"/>
+                </a:cxn>
+                <a:cxn ang="0">
+                  <a:pos x="T46" y="T47"/>
+                </a:cxn>
+                <a:cxn ang="0">
+                  <a:pos x="T48" y="T49"/>
+                </a:cxn>
+                <a:cxn ang="0">
+                  <a:pos x="T50" y="T51"/>
+                </a:cxn>
+                <a:cxn ang="0">
+                  <a:pos x="T52" y="T53"/>
+                </a:cxn>
+                <a:cxn ang="0">
+                  <a:pos x="T54" y="T55"/>
+                </a:cxn>
+                <a:cxn ang="0">
+                  <a:pos x="T56" y="T57"/>
+                </a:cxn>
+                <a:cxn ang="0">
+                  <a:pos x="T58" y="T59"/>
+                </a:cxn>
+                <a:cxn ang="0">
+                  <a:pos x="T60" y="T61"/>
+                </a:cxn>
+                <a:cxn ang="0">
+                  <a:pos x="T62" y="T63"/>
+                </a:cxn>
+                <a:cxn ang="0">
+                  <a:pos x="T64" y="T65"/>
+                </a:cxn>
+                <a:cxn ang="0">
+                  <a:pos x="T66" y="T67"/>
+                </a:cxn>
+                <a:cxn ang="0">
+                  <a:pos x="T68" y="T69"/>
+                </a:cxn>
+                <a:cxn ang="0">
+                  <a:pos x="T70" y="T71"/>
+                </a:cxn>
+              </a:cxnLst>
+              <a:rect l="0" t="0" r="r" b="b"/>
+              <a:pathLst>
+                <a:path w="154" h="305">
+                  <a:moveTo>
+                    <a:pt x="81" y="11"/>
+                  </a:moveTo>
+                  <a:cubicBezTo>
+                    <a:pt x="81" y="10"/>
+                    <a:pt x="81" y="10"/>
+                    <a:pt x="81" y="9"/>
+                  </a:cubicBezTo>
+                  <a:cubicBezTo>
+                    <a:pt x="78" y="2"/>
+                    <a:pt x="64" y="0"/>
+                    <a:pt x="58" y="4"/>
+                  </a:cubicBezTo>
+                  <a:cubicBezTo>
+                    <a:pt x="48" y="10"/>
+                    <a:pt x="47" y="33"/>
+                    <a:pt x="48" y="43"/>
+                  </a:cubicBezTo>
+                  <a:cubicBezTo>
+                    <a:pt x="48" y="43"/>
+                    <a:pt x="48" y="43"/>
+                    <a:pt x="48" y="43"/>
+                  </a:cubicBezTo>
+                  <a:cubicBezTo>
+                    <a:pt x="48" y="44"/>
+                    <a:pt x="48" y="46"/>
+                    <a:pt x="49" y="47"/>
+                  </a:cubicBezTo>
+                  <a:cubicBezTo>
+                    <a:pt x="51" y="63"/>
+                    <a:pt x="56" y="78"/>
+                    <a:pt x="61" y="93"/>
+                  </a:cubicBezTo>
+                  <a:cubicBezTo>
+                    <a:pt x="52" y="110"/>
+                    <a:pt x="39" y="126"/>
+                    <a:pt x="30" y="143"/>
+                  </a:cubicBezTo>
+                  <a:cubicBezTo>
+                    <a:pt x="29" y="144"/>
+                    <a:pt x="28" y="146"/>
+                    <a:pt x="27" y="147"/>
+                  </a:cubicBezTo>
+                  <a:cubicBezTo>
+                    <a:pt x="25" y="151"/>
+                    <a:pt x="23" y="154"/>
+                    <a:pt x="21" y="158"/>
+                  </a:cubicBezTo>
+                  <a:cubicBezTo>
+                    <a:pt x="0" y="205"/>
+                    <a:pt x="32" y="238"/>
+                    <a:pt x="69" y="243"/>
+                  </a:cubicBezTo>
+                  <a:cubicBezTo>
+                    <a:pt x="75" y="244"/>
+                    <a:pt x="82" y="244"/>
+                    <a:pt x="88" y="243"/>
+                  </a:cubicBezTo>
+                  <a:cubicBezTo>
+                    <a:pt x="92" y="242"/>
+                    <a:pt x="96" y="242"/>
+                    <a:pt x="100" y="240"/>
+                  </a:cubicBezTo>
+                  <a:cubicBezTo>
+                    <a:pt x="100" y="241"/>
+                    <a:pt x="100" y="242"/>
+                    <a:pt x="101" y="243"/>
+                  </a:cubicBezTo>
+                  <a:cubicBezTo>
+                    <a:pt x="101" y="244"/>
+                    <a:pt x="101" y="246"/>
+                    <a:pt x="102" y="247"/>
+                  </a:cubicBezTo>
+                  <a:cubicBezTo>
+                    <a:pt x="104" y="258"/>
+                    <a:pt x="103" y="270"/>
+                    <a:pt x="91" y="285"/>
+                  </a:cubicBezTo>
+                  <a:cubicBezTo>
+                    <a:pt x="91" y="284"/>
+                    <a:pt x="91" y="284"/>
+                    <a:pt x="91" y="284"/>
+                  </a:cubicBezTo>
+                  <a:cubicBezTo>
+                    <a:pt x="92" y="280"/>
+                    <a:pt x="89" y="276"/>
+                    <a:pt x="85" y="275"/>
+                  </a:cubicBezTo>
+                  <a:cubicBezTo>
+                    <a:pt x="84" y="275"/>
+                    <a:pt x="82" y="276"/>
+                    <a:pt x="81" y="277"/>
+                  </a:cubicBezTo>
+                  <a:cubicBezTo>
+                    <a:pt x="81" y="277"/>
+                    <a:pt x="81" y="277"/>
+                    <a:pt x="81" y="278"/>
+                  </a:cubicBezTo>
+                  <a:cubicBezTo>
+                    <a:pt x="74" y="285"/>
+                    <a:pt x="75" y="295"/>
+                    <a:pt x="81" y="300"/>
+                  </a:cubicBezTo>
+                  <a:cubicBezTo>
+                    <a:pt x="82" y="301"/>
+                    <a:pt x="84" y="302"/>
+                    <a:pt x="85" y="303"/>
+                  </a:cubicBezTo>
+                  <a:cubicBezTo>
+                    <a:pt x="88" y="304"/>
+                    <a:pt x="92" y="305"/>
+                    <a:pt x="97" y="304"/>
+                  </a:cubicBezTo>
+                  <a:cubicBezTo>
+                    <a:pt x="120" y="297"/>
+                    <a:pt x="117" y="271"/>
+                    <a:pt x="110" y="247"/>
+                  </a:cubicBezTo>
+                  <a:cubicBezTo>
+                    <a:pt x="109" y="246"/>
+                    <a:pt x="109" y="244"/>
+                    <a:pt x="109" y="243"/>
+                  </a:cubicBezTo>
+                  <a:cubicBezTo>
+                    <a:pt x="108" y="241"/>
+                    <a:pt x="107" y="239"/>
+                    <a:pt x="107" y="238"/>
+                  </a:cubicBezTo>
+                  <a:cubicBezTo>
+                    <a:pt x="117" y="233"/>
+                    <a:pt x="127" y="226"/>
+                    <a:pt x="134" y="215"/>
+                  </a:cubicBezTo>
+                  <a:cubicBezTo>
+                    <a:pt x="154" y="188"/>
+                    <a:pt x="117" y="163"/>
+                    <a:pt x="85" y="164"/>
+                  </a:cubicBezTo>
+                  <a:cubicBezTo>
+                    <a:pt x="84" y="164"/>
+                    <a:pt x="84" y="164"/>
+                    <a:pt x="83" y="164"/>
+                  </a:cubicBezTo>
+                  <a:cubicBezTo>
+                    <a:pt x="83" y="159"/>
+                    <a:pt x="82" y="155"/>
+                    <a:pt x="81" y="151"/>
+                  </a:cubicBezTo>
+                  <a:cubicBezTo>
+                    <a:pt x="81" y="149"/>
+                    <a:pt x="81" y="148"/>
+                    <a:pt x="80" y="147"/>
+                  </a:cubicBezTo>
+                  <a:cubicBezTo>
+                    <a:pt x="80" y="146"/>
+                    <a:pt x="80" y="144"/>
+                    <a:pt x="80" y="143"/>
+                  </a:cubicBezTo>
+                  <a:cubicBezTo>
+                    <a:pt x="77" y="131"/>
+                    <a:pt x="75" y="119"/>
+                    <a:pt x="72" y="108"/>
+                  </a:cubicBezTo>
+                  <a:cubicBezTo>
+                    <a:pt x="71" y="103"/>
+                    <a:pt x="69" y="97"/>
+                    <a:pt x="67" y="92"/>
+                  </a:cubicBezTo>
+                  <a:cubicBezTo>
+                    <a:pt x="73" y="81"/>
+                    <a:pt x="78" y="71"/>
+                    <a:pt x="81" y="60"/>
+                  </a:cubicBezTo>
+                  <a:cubicBezTo>
+                    <a:pt x="83" y="53"/>
+                    <a:pt x="85" y="46"/>
+                    <a:pt x="85" y="39"/>
+                  </a:cubicBezTo>
+                  <a:cubicBezTo>
+                    <a:pt x="85" y="35"/>
+                    <a:pt x="85" y="32"/>
+                    <a:pt x="85" y="29"/>
+                  </a:cubicBezTo>
+                  <a:cubicBezTo>
+                    <a:pt x="85" y="23"/>
+                    <a:pt x="83" y="17"/>
+                    <a:pt x="81" y="11"/>
+                  </a:cubicBezTo>
+                  <a:close/>
+                  <a:moveTo>
+                    <a:pt x="109" y="225"/>
+                  </a:moveTo>
+                  <a:cubicBezTo>
+                    <a:pt x="107" y="226"/>
+                    <a:pt x="105" y="228"/>
+                    <a:pt x="103" y="228"/>
+                  </a:cubicBezTo>
+                  <a:cubicBezTo>
+                    <a:pt x="101" y="222"/>
+                    <a:pt x="98" y="216"/>
+                    <a:pt x="97" y="213"/>
+                  </a:cubicBezTo>
+                  <a:cubicBezTo>
+                    <a:pt x="92" y="200"/>
+                    <a:pt x="88" y="187"/>
+                    <a:pt x="85" y="174"/>
+                  </a:cubicBezTo>
+                  <a:cubicBezTo>
+                    <a:pt x="115" y="174"/>
+                    <a:pt x="144" y="202"/>
+                    <a:pt x="109" y="225"/>
+                  </a:cubicBezTo>
+                  <a:close/>
+                  <a:moveTo>
+                    <a:pt x="76" y="143"/>
+                  </a:moveTo>
+                  <a:cubicBezTo>
+                    <a:pt x="76" y="144"/>
+                    <a:pt x="76" y="146"/>
+                    <a:pt x="77" y="147"/>
+                  </a:cubicBezTo>
+                  <a:cubicBezTo>
+                    <a:pt x="77" y="148"/>
+                    <a:pt x="77" y="150"/>
+                    <a:pt x="78" y="151"/>
+                  </a:cubicBezTo>
+                  <a:cubicBezTo>
+                    <a:pt x="78" y="155"/>
+                    <a:pt x="79" y="160"/>
+                    <a:pt x="80" y="164"/>
+                  </a:cubicBezTo>
+                  <a:cubicBezTo>
+                    <a:pt x="64" y="165"/>
+                    <a:pt x="50" y="173"/>
+                    <a:pt x="45" y="189"/>
+                  </a:cubicBezTo>
+                  <a:cubicBezTo>
+                    <a:pt x="44" y="192"/>
+                    <a:pt x="49" y="194"/>
+                    <a:pt x="51" y="191"/>
+                  </a:cubicBezTo>
+                  <a:cubicBezTo>
+                    <a:pt x="59" y="180"/>
+                    <a:pt x="70" y="175"/>
+                    <a:pt x="81" y="174"/>
+                  </a:cubicBezTo>
+                  <a:cubicBezTo>
+                    <a:pt x="81" y="174"/>
+                    <a:pt x="82" y="174"/>
+                    <a:pt x="82" y="174"/>
+                  </a:cubicBezTo>
+                  <a:cubicBezTo>
+                    <a:pt x="83" y="180"/>
+                    <a:pt x="84" y="186"/>
+                    <a:pt x="85" y="192"/>
+                  </a:cubicBezTo>
+                  <a:cubicBezTo>
+                    <a:pt x="87" y="199"/>
+                    <a:pt x="88" y="207"/>
+                    <a:pt x="91" y="214"/>
+                  </a:cubicBezTo>
+                  <a:cubicBezTo>
+                    <a:pt x="92" y="220"/>
+                    <a:pt x="94" y="226"/>
+                    <a:pt x="96" y="231"/>
+                  </a:cubicBezTo>
+                  <a:cubicBezTo>
+                    <a:pt x="93" y="232"/>
+                    <a:pt x="89" y="233"/>
+                    <a:pt x="85" y="233"/>
+                  </a:cubicBezTo>
+                  <a:cubicBezTo>
+                    <a:pt x="84" y="233"/>
+                    <a:pt x="82" y="233"/>
+                    <a:pt x="81" y="233"/>
+                  </a:cubicBezTo>
+                  <a:cubicBezTo>
+                    <a:pt x="67" y="233"/>
+                    <a:pt x="52" y="228"/>
+                    <a:pt x="41" y="223"/>
+                  </a:cubicBezTo>
+                  <a:cubicBezTo>
+                    <a:pt x="9" y="206"/>
+                    <a:pt x="24" y="170"/>
+                    <a:pt x="36" y="147"/>
+                  </a:cubicBezTo>
+                  <a:cubicBezTo>
+                    <a:pt x="36" y="146"/>
+                    <a:pt x="36" y="145"/>
+                    <a:pt x="37" y="144"/>
+                  </a:cubicBezTo>
+                  <a:cubicBezTo>
+                    <a:pt x="37" y="144"/>
+                    <a:pt x="37" y="143"/>
+                    <a:pt x="38" y="143"/>
+                  </a:cubicBezTo>
+                  <a:cubicBezTo>
+                    <a:pt x="45" y="130"/>
+                    <a:pt x="54" y="116"/>
+                    <a:pt x="63" y="100"/>
+                  </a:cubicBezTo>
+                  <a:cubicBezTo>
+                    <a:pt x="67" y="114"/>
+                    <a:pt x="72" y="129"/>
+                    <a:pt x="76" y="143"/>
+                  </a:cubicBezTo>
+                  <a:close/>
+                  <a:moveTo>
+                    <a:pt x="76" y="43"/>
+                  </a:moveTo>
+                  <a:cubicBezTo>
+                    <a:pt x="76" y="44"/>
+                    <a:pt x="75" y="46"/>
+                    <a:pt x="75" y="47"/>
+                  </a:cubicBezTo>
+                  <a:cubicBezTo>
+                    <a:pt x="75" y="47"/>
+                    <a:pt x="75" y="48"/>
+                    <a:pt x="75" y="48"/>
+                  </a:cubicBezTo>
+                  <a:cubicBezTo>
+                    <a:pt x="74" y="57"/>
+                    <a:pt x="71" y="66"/>
+                    <a:pt x="68" y="75"/>
+                  </a:cubicBezTo>
+                  <a:cubicBezTo>
+                    <a:pt x="67" y="78"/>
+                    <a:pt x="66" y="81"/>
+                    <a:pt x="65" y="83"/>
+                  </a:cubicBezTo>
+                  <a:cubicBezTo>
+                    <a:pt x="61" y="71"/>
+                    <a:pt x="58" y="59"/>
+                    <a:pt x="57" y="47"/>
+                  </a:cubicBezTo>
+                  <a:cubicBezTo>
+                    <a:pt x="57" y="46"/>
+                    <a:pt x="56" y="44"/>
+                    <a:pt x="56" y="43"/>
+                  </a:cubicBezTo>
+                  <a:cubicBezTo>
+                    <a:pt x="56" y="35"/>
+                    <a:pt x="56" y="27"/>
+                    <a:pt x="57" y="19"/>
+                  </a:cubicBezTo>
+                  <a:cubicBezTo>
+                    <a:pt x="58" y="12"/>
+                    <a:pt x="64" y="13"/>
+                    <a:pt x="77" y="23"/>
+                  </a:cubicBezTo>
+                  <a:cubicBezTo>
+                    <a:pt x="77" y="30"/>
+                    <a:pt x="77" y="36"/>
+                    <a:pt x="76" y="43"/>
+                  </a:cubicBezTo>
+                  <a:close/>
+                </a:path>
+              </a:pathLst>
+            </a:custGeom>
+            <a:solidFill>
+              <a:srgbClr val="F2F2F2"/>
+            </a:solidFill>
+            <a:ln>
+              <a:noFill/>
+            </a:ln>
+            <a:extLst>
+              <a:ext uri="{91240B29-F687-4F45-9708-019B960494DF}">
+                <a14:hiddenLine xmlns:a14="http://schemas.microsoft.com/office/drawing/2010/main" w="9525">
+                  <a:solidFill>
+                    <a:srgbClr val="000000"/>
+                  </a:solidFill>
+                  <a:round/>
+                </a14:hiddenLine>
+              </a:ext>
+            </a:extLst>
+          </p:spPr>
+          <p:txBody>
+            <a:bodyPr vert="horz" wrap="square" lIns="91440" tIns="45720" rIns="91440" bIns="45720" numCol="1" anchor="t" anchorCtr="0" compatLnSpc="1"/>
+            <a:p>
+              <a:endParaRPr lang="zh-CN" altLang="en-US"/>
+            </a:p>
+          </p:txBody>
+        </p:sp>
+        <p:sp>
+          <p:nvSpPr>
+            <p:cNvPr id="105" name="Freeform 6"/>
+            <p:cNvSpPr/>
+            <p:nvPr/>
+          </p:nvSpPr>
+          <p:spPr bwMode="auto">
+            <a:xfrm>
+              <a:off x="735" y="774"/>
+              <a:ext cx="61" cy="52"/>
+            </a:xfrm>
+            <a:custGeom>
+              <a:avLst/>
+              <a:gdLst>
+                <a:gd name="T0" fmla="*/ 25 w 28"/>
+                <a:gd name="T1" fmla="*/ 23 h 24"/>
+                <a:gd name="T2" fmla="*/ 27 w 28"/>
+                <a:gd name="T3" fmla="*/ 21 h 24"/>
+                <a:gd name="T4" fmla="*/ 3 w 28"/>
+                <a:gd name="T5" fmla="*/ 1 h 24"/>
+                <a:gd name="T6" fmla="*/ 2 w 28"/>
+                <a:gd name="T7" fmla="*/ 4 h 24"/>
+                <a:gd name="T8" fmla="*/ 25 w 28"/>
+                <a:gd name="T9" fmla="*/ 23 h 24"/>
+              </a:gdLst>
+              <a:ahLst/>
+              <a:cxnLst>
+                <a:cxn ang="0">
+                  <a:pos x="T0" y="T1"/>
+                </a:cxn>
+                <a:cxn ang="0">
+                  <a:pos x="T2" y="T3"/>
+                </a:cxn>
+                <a:cxn ang="0">
+                  <a:pos x="T4" y="T5"/>
+                </a:cxn>
+                <a:cxn ang="0">
+                  <a:pos x="T6" y="T7"/>
+                </a:cxn>
+                <a:cxn ang="0">
+                  <a:pos x="T8" y="T9"/>
+                </a:cxn>
+              </a:cxnLst>
+              <a:rect l="0" t="0" r="r" b="b"/>
+              <a:pathLst>
+                <a:path w="28" h="24">
+                  <a:moveTo>
+                    <a:pt x="25" y="23"/>
+                  </a:moveTo>
+                  <a:cubicBezTo>
+                    <a:pt x="26" y="24"/>
+                    <a:pt x="28" y="23"/>
+                    <a:pt x="27" y="21"/>
+                  </a:cubicBezTo>
+                  <a:cubicBezTo>
+                    <a:pt x="24" y="10"/>
+                    <a:pt x="13" y="4"/>
+                    <a:pt x="3" y="1"/>
+                  </a:cubicBezTo>
+                  <a:cubicBezTo>
+                    <a:pt x="1" y="0"/>
+                    <a:pt x="0" y="3"/>
+                    <a:pt x="2" y="4"/>
+                  </a:cubicBezTo>
+                  <a:cubicBezTo>
+                    <a:pt x="10" y="10"/>
+                    <a:pt x="17" y="17"/>
+                    <a:pt x="25" y="23"/>
+                  </a:cubicBezTo>
+                  <a:close/>
+                </a:path>
+              </a:pathLst>
+            </a:custGeom>
+            <a:solidFill>
+              <a:srgbClr val="F2F2F2"/>
+            </a:solidFill>
+            <a:ln>
+              <a:noFill/>
+            </a:ln>
+            <a:extLst>
+              <a:ext uri="{91240B29-F687-4F45-9708-019B960494DF}">
+                <a14:hiddenLine xmlns:a14="http://schemas.microsoft.com/office/drawing/2010/main" w="9525">
+                  <a:solidFill>
+                    <a:srgbClr val="000000"/>
+                  </a:solidFill>
+                  <a:round/>
+                </a14:hiddenLine>
+              </a:ext>
+            </a:extLst>
+          </p:spPr>
+          <p:txBody>
+            <a:bodyPr vert="horz" wrap="square" lIns="91440" tIns="45720" rIns="91440" bIns="45720" numCol="1" anchor="t" anchorCtr="0" compatLnSpc="1"/>
+            <a:p>
+              <a:endParaRPr lang="zh-CN" altLang="en-US"/>
+            </a:p>
+          </p:txBody>
+        </p:sp>
+        <p:sp>
+          <p:nvSpPr>
+            <p:cNvPr id="106" name="Freeform 7"/>
+            <p:cNvSpPr/>
+            <p:nvPr/>
+          </p:nvSpPr>
+          <p:spPr bwMode="auto">
+            <a:xfrm>
+              <a:off x="759" y="748"/>
+              <a:ext cx="76" cy="50"/>
+            </a:xfrm>
+            <a:custGeom>
+              <a:avLst/>
+              <a:gdLst>
+                <a:gd name="T0" fmla="*/ 3 w 35"/>
+                <a:gd name="T1" fmla="*/ 1 h 23"/>
+                <a:gd name="T2" fmla="*/ 3 w 35"/>
+                <a:gd name="T3" fmla="*/ 5 h 23"/>
+                <a:gd name="T4" fmla="*/ 17 w 35"/>
+                <a:gd name="T5" fmla="*/ 11 h 23"/>
+                <a:gd name="T6" fmla="*/ 31 w 35"/>
+                <a:gd name="T7" fmla="*/ 22 h 23"/>
+                <a:gd name="T8" fmla="*/ 34 w 35"/>
+                <a:gd name="T9" fmla="*/ 20 h 23"/>
+                <a:gd name="T10" fmla="*/ 3 w 35"/>
+                <a:gd name="T11" fmla="*/ 1 h 23"/>
+              </a:gdLst>
+              <a:ahLst/>
+              <a:cxnLst>
+                <a:cxn ang="0">
+                  <a:pos x="T0" y="T1"/>
+                </a:cxn>
+                <a:cxn ang="0">
+                  <a:pos x="T2" y="T3"/>
+                </a:cxn>
+                <a:cxn ang="0">
+                  <a:pos x="T4" y="T5"/>
+                </a:cxn>
+                <a:cxn ang="0">
+                  <a:pos x="T6" y="T7"/>
+                </a:cxn>
+                <a:cxn ang="0">
+                  <a:pos x="T8" y="T9"/>
+                </a:cxn>
+                <a:cxn ang="0">
+                  <a:pos x="T10" y="T11"/>
+                </a:cxn>
+              </a:cxnLst>
+              <a:rect l="0" t="0" r="r" b="b"/>
+              <a:pathLst>
+                <a:path w="35" h="23">
+                  <a:moveTo>
+                    <a:pt x="3" y="1"/>
+                  </a:moveTo>
+                  <a:cubicBezTo>
+                    <a:pt x="1" y="1"/>
+                    <a:pt x="0" y="4"/>
+                    <a:pt x="3" y="5"/>
+                  </a:cubicBezTo>
+                  <a:cubicBezTo>
+                    <a:pt x="8" y="6"/>
+                    <a:pt x="13" y="8"/>
+                    <a:pt x="17" y="11"/>
+                  </a:cubicBezTo>
+                  <a:cubicBezTo>
+                    <a:pt x="22" y="15"/>
+                    <a:pt x="26" y="19"/>
+                    <a:pt x="31" y="22"/>
+                  </a:cubicBezTo>
+                  <a:cubicBezTo>
+                    <a:pt x="33" y="23"/>
+                    <a:pt x="35" y="22"/>
+                    <a:pt x="34" y="20"/>
+                  </a:cubicBezTo>
+                  <a:cubicBezTo>
+                    <a:pt x="30" y="8"/>
+                    <a:pt x="16" y="0"/>
+                    <a:pt x="3" y="1"/>
+                  </a:cubicBezTo>
+                  <a:close/>
+                </a:path>
+              </a:pathLst>
+            </a:custGeom>
+            <a:solidFill>
+              <a:srgbClr val="F2F2F2"/>
+            </a:solidFill>
+            <a:ln>
+              <a:noFill/>
+            </a:ln>
+            <a:extLst>
+              <a:ext uri="{91240B29-F687-4F45-9708-019B960494DF}">
+                <a14:hiddenLine xmlns:a14="http://schemas.microsoft.com/office/drawing/2010/main" w="9525">
+                  <a:solidFill>
+                    <a:srgbClr val="000000"/>
+                  </a:solidFill>
+                  <a:round/>
+                </a14:hiddenLine>
+              </a:ext>
+            </a:extLst>
+          </p:spPr>
+          <p:txBody>
+            <a:bodyPr vert="horz" wrap="square" lIns="91440" tIns="45720" rIns="91440" bIns="45720" numCol="1" anchor="t" anchorCtr="0" compatLnSpc="1"/>
+            <a:p>
+              <a:endParaRPr lang="zh-CN" altLang="en-US"/>
+            </a:p>
+          </p:txBody>
+        </p:sp>
+      </p:grpSp>
+      <p:sp>
+        <p:nvSpPr>
+          <p:cNvPr id="4" name="Rectangle 47"/>
+          <p:cNvSpPr/>
+          <p:nvPr/>
+        </p:nvSpPr>
+        <p:spPr>
+          <a:xfrm>
+            <a:off x="1288212" y="759990"/>
+            <a:ext cx="2256155" cy="492125"/>
+          </a:xfrm>
+          <a:prstGeom prst="rect">
+            <a:avLst/>
+          </a:prstGeom>
+        </p:spPr>
+        <p:txBody>
+          <a:bodyPr wrap="none" lIns="0" tIns="0" rIns="0" bIns="0">
+            <a:spAutoFit/>
+          </a:bodyPr>
+          <a:p>
+            <a:pPr algn="l"/>
+            <a:r>
+              <a:rPr lang="en-US" altLang="zh-CN" sz="3200" b="1" dirty="0" smtClean="0">
+                <a:solidFill>
+                  <a:schemeClr val="bg1"/>
+                </a:solidFill>
+                <a:latin typeface="方正静蕾简体" pitchFamily="2" charset="-122"/>
+                <a:ea typeface="方正静蕾简体" pitchFamily="2" charset="-122"/>
+                <a:cs typeface="Arial" panose="020B0604020202020204" pitchFamily="34" charset="0"/>
+              </a:rPr>
+              <a:t>Page Action </a:t>
+            </a:r>
+            <a:endParaRPr lang="zh-CN" altLang="en-US" sz="3200" b="1" dirty="0" smtClean="0">
+              <a:solidFill>
+                <a:schemeClr val="bg1"/>
+              </a:solidFill>
+              <a:latin typeface="方正静蕾简体" pitchFamily="2" charset="-122"/>
+              <a:ea typeface="方正静蕾简体" pitchFamily="2" charset="-122"/>
+              <a:cs typeface="Arial" panose="020B0604020202020204" pitchFamily="34" charset="0"/>
+            </a:endParaRPr>
+          </a:p>
+        </p:txBody>
+      </p:sp>
+      <p:sp>
+        <p:nvSpPr>
+          <p:cNvPr id="7" name="文本框 6"/>
+          <p:cNvSpPr txBox="1"/>
+          <p:nvPr/>
+        </p:nvSpPr>
+        <p:spPr>
+          <a:xfrm>
+            <a:off x="704215" y="1750695"/>
+            <a:ext cx="386715" cy="368300"/>
+          </a:xfrm>
+          <a:prstGeom prst="rect">
+            <a:avLst/>
+          </a:prstGeom>
+          <a:noFill/>
+        </p:spPr>
+        <p:txBody>
+          <a:bodyPr wrap="none" rtlCol="0" anchor="t">
+            <a:spAutoFit/>
+          </a:bodyPr>
+          <a:p>
+            <a:r>
+              <a:rPr lang="zh-CN" altLang="en-US">
+                <a:solidFill>
+                  <a:schemeClr val="bg1"/>
+                </a:solidFill>
+                <a:sym typeface="Wingdings" panose="05000000000000000000" charset="0"/>
+              </a:rPr>
+              <a:t></a:t>
+            </a:r>
+            <a:endParaRPr lang="zh-CN" altLang="en-US">
+              <a:solidFill>
+                <a:schemeClr val="bg1"/>
+              </a:solidFill>
+              <a:sym typeface="Wingdings" panose="05000000000000000000" charset="0"/>
+            </a:endParaRPr>
+          </a:p>
+        </p:txBody>
+      </p:sp>
+      <p:sp>
+        <p:nvSpPr>
+          <p:cNvPr id="8" name="文本框 7"/>
+          <p:cNvSpPr txBox="1"/>
+          <p:nvPr/>
+        </p:nvSpPr>
+        <p:spPr>
+          <a:xfrm>
+            <a:off x="1374140" y="1673860"/>
+            <a:ext cx="7973695" cy="521970"/>
+          </a:xfrm>
+          <a:prstGeom prst="rect">
+            <a:avLst/>
+          </a:prstGeom>
+          <a:noFill/>
+        </p:spPr>
+        <p:txBody>
+          <a:bodyPr wrap="square" rtlCol="0" anchor="t">
+            <a:spAutoFit/>
+          </a:bodyPr>
+          <a:p>
+            <a:r>
+              <a:rPr lang="zh-CN" sz="2800">
+                <a:solidFill>
+                  <a:schemeClr val="bg1"/>
+                </a:solidFill>
+              </a:rPr>
+              <a:t>在特定标签特定情况下显示或隐藏</a:t>
+            </a:r>
+            <a:endParaRPr lang="zh-CN" sz="2800">
+              <a:solidFill>
+                <a:schemeClr val="bg1"/>
+              </a:solidFill>
+            </a:endParaRPr>
+          </a:p>
+        </p:txBody>
+      </p:sp>
+      <p:sp>
+        <p:nvSpPr>
+          <p:cNvPr id="9" name="文本框 8"/>
+          <p:cNvSpPr txBox="1"/>
+          <p:nvPr/>
+        </p:nvSpPr>
+        <p:spPr>
+          <a:xfrm>
+            <a:off x="704215" y="2552700"/>
+            <a:ext cx="386715" cy="368300"/>
+          </a:xfrm>
+          <a:prstGeom prst="rect">
+            <a:avLst/>
+          </a:prstGeom>
+          <a:noFill/>
+        </p:spPr>
+        <p:txBody>
+          <a:bodyPr wrap="none" rtlCol="0" anchor="t">
+            <a:spAutoFit/>
+          </a:bodyPr>
+          <a:p>
+            <a:r>
+              <a:rPr lang="zh-CN" altLang="en-US">
+                <a:solidFill>
+                  <a:schemeClr val="bg1"/>
+                </a:solidFill>
+                <a:sym typeface="Wingdings" panose="05000000000000000000" charset="0"/>
+              </a:rPr>
+              <a:t></a:t>
+            </a:r>
+            <a:endParaRPr lang="zh-CN" altLang="en-US">
+              <a:solidFill>
+                <a:schemeClr val="bg1"/>
+              </a:solidFill>
+              <a:sym typeface="Wingdings" panose="05000000000000000000" charset="0"/>
+            </a:endParaRPr>
+          </a:p>
+        </p:txBody>
+      </p:sp>
+      <p:sp>
+        <p:nvSpPr>
+          <p:cNvPr id="10" name="文本框 9"/>
+          <p:cNvSpPr txBox="1"/>
+          <p:nvPr/>
+        </p:nvSpPr>
+        <p:spPr>
+          <a:xfrm>
+            <a:off x="1374140" y="2475865"/>
+            <a:ext cx="7973695" cy="521970"/>
+          </a:xfrm>
+          <a:prstGeom prst="rect">
+            <a:avLst/>
+          </a:prstGeom>
+          <a:noFill/>
+        </p:spPr>
+        <p:txBody>
+          <a:bodyPr wrap="square" rtlCol="0" anchor="t">
+            <a:spAutoFit/>
+          </a:bodyPr>
+          <a:p>
+            <a:r>
+              <a:rPr lang="zh-CN" sz="2800">
+                <a:solidFill>
+                  <a:schemeClr val="bg1"/>
+                </a:solidFill>
+              </a:rPr>
+              <a:t>非特定的页面，图标是灰色的</a:t>
+            </a:r>
+            <a:endParaRPr lang="zh-CN" sz="2800">
+              <a:solidFill>
+                <a:schemeClr val="bg1"/>
+              </a:solidFill>
+            </a:endParaRPr>
+          </a:p>
+        </p:txBody>
+      </p:sp>
+      <p:sp>
+        <p:nvSpPr>
+          <p:cNvPr id="12" name="文本框 11"/>
+          <p:cNvSpPr txBox="1"/>
+          <p:nvPr/>
+        </p:nvSpPr>
+        <p:spPr>
+          <a:xfrm>
+            <a:off x="704215" y="3439795"/>
+            <a:ext cx="386715" cy="368300"/>
+          </a:xfrm>
+          <a:prstGeom prst="rect">
+            <a:avLst/>
+          </a:prstGeom>
+          <a:noFill/>
+        </p:spPr>
+        <p:txBody>
+          <a:bodyPr wrap="none" rtlCol="0" anchor="t">
+            <a:spAutoFit/>
+          </a:bodyPr>
+          <a:p>
+            <a:r>
+              <a:rPr lang="zh-CN" altLang="en-US">
+                <a:solidFill>
+                  <a:schemeClr val="bg1"/>
+                </a:solidFill>
+                <a:sym typeface="Wingdings" panose="05000000000000000000" charset="0"/>
+              </a:rPr>
+              <a:t></a:t>
+            </a:r>
+            <a:endParaRPr lang="zh-CN" altLang="en-US">
+              <a:solidFill>
+                <a:schemeClr val="bg1"/>
+              </a:solidFill>
+              <a:sym typeface="Wingdings" panose="05000000000000000000" charset="0"/>
+            </a:endParaRPr>
+          </a:p>
+        </p:txBody>
+      </p:sp>
+      <p:sp>
+        <p:nvSpPr>
+          <p:cNvPr id="13" name="文本框 12"/>
+          <p:cNvSpPr txBox="1"/>
+          <p:nvPr/>
+        </p:nvSpPr>
+        <p:spPr>
+          <a:xfrm>
+            <a:off x="1374140" y="3362960"/>
+            <a:ext cx="7973695" cy="521970"/>
+          </a:xfrm>
+          <a:prstGeom prst="rect">
+            <a:avLst/>
+          </a:prstGeom>
+          <a:noFill/>
+        </p:spPr>
+        <p:txBody>
+          <a:bodyPr wrap="square" rtlCol="0" anchor="t">
+            <a:spAutoFit/>
+          </a:bodyPr>
+          <a:p>
+            <a:r>
+              <a:rPr lang="zh-CN" sz="2800">
+                <a:solidFill>
+                  <a:schemeClr val="bg1"/>
+                </a:solidFill>
+              </a:rPr>
+              <a:t>电影网站</a:t>
+            </a:r>
+            <a:endParaRPr lang="zh-CN" sz="2800">
+              <a:solidFill>
+                <a:schemeClr val="bg1"/>
+              </a:solidFill>
+            </a:endParaRPr>
+          </a:p>
+        </p:txBody>
+      </p:sp>
+      <p:sp>
+        <p:nvSpPr>
+          <p:cNvPr id="14" name="文本框 13"/>
+          <p:cNvSpPr txBox="1"/>
+          <p:nvPr/>
+        </p:nvSpPr>
+        <p:spPr>
+          <a:xfrm>
+            <a:off x="704215" y="4190365"/>
+            <a:ext cx="386715" cy="368300"/>
+          </a:xfrm>
+          <a:prstGeom prst="rect">
+            <a:avLst/>
+          </a:prstGeom>
+          <a:noFill/>
+        </p:spPr>
+        <p:txBody>
+          <a:bodyPr wrap="none" rtlCol="0" anchor="t">
+            <a:spAutoFit/>
+          </a:bodyPr>
+          <a:p>
+            <a:r>
+              <a:rPr lang="zh-CN" altLang="en-US">
+                <a:solidFill>
+                  <a:schemeClr val="bg1"/>
+                </a:solidFill>
+                <a:sym typeface="Wingdings" panose="05000000000000000000" charset="0"/>
+              </a:rPr>
+              <a:t></a:t>
+            </a:r>
+            <a:endParaRPr lang="zh-CN" altLang="en-US">
+              <a:solidFill>
+                <a:schemeClr val="bg1"/>
+              </a:solidFill>
+              <a:sym typeface="Wingdings" panose="05000000000000000000" charset="0"/>
+            </a:endParaRPr>
+          </a:p>
+        </p:txBody>
+      </p:sp>
+      <p:sp>
+        <p:nvSpPr>
+          <p:cNvPr id="15" name="文本框 14"/>
+          <p:cNvSpPr txBox="1"/>
+          <p:nvPr/>
+        </p:nvSpPr>
+        <p:spPr>
+          <a:xfrm>
+            <a:off x="1374140" y="4113530"/>
+            <a:ext cx="7973695" cy="521970"/>
+          </a:xfrm>
+          <a:prstGeom prst="rect">
+            <a:avLst/>
+          </a:prstGeom>
+          <a:noFill/>
+        </p:spPr>
+        <p:txBody>
+          <a:bodyPr wrap="square" rtlCol="0" anchor="t">
+            <a:spAutoFit/>
+          </a:bodyPr>
+          <a:p>
+            <a:r>
+              <a:rPr lang="zh-CN" sz="2800">
+                <a:solidFill>
+                  <a:schemeClr val="bg1"/>
+                </a:solidFill>
+              </a:rPr>
+              <a:t>仅展示电影的标题</a:t>
+            </a:r>
+            <a:endParaRPr lang="zh-CN" sz="2800">
+              <a:solidFill>
+                <a:schemeClr val="bg1"/>
+              </a:solidFill>
+            </a:endParaRPr>
+          </a:p>
+        </p:txBody>
+      </p:sp>
+    </p:spTree>
+  </p:cSld>
+  <p:clrMapOvr>
+    <a:masterClrMapping/>
+  </p:clrMapOvr>
+</p:sld>
+</file>
+
+<file path=ppt/slides/slide17.xml><?xml version="1.0" encoding="utf-8"?>
+<p:sld xmlns:a="http://schemas.openxmlformats.org/drawingml/2006/main" xmlns:r="http://schemas.openxmlformats.org/officeDocument/2006/relationships" xmlns:p="http://schemas.openxmlformats.org/presentationml/2006/main">
+  <p:cSld>
+    <p:spTree>
+      <p:nvGrpSpPr>
+        <p:cNvPr id="1" name=""/>
+        <p:cNvGrpSpPr/>
+        <p:nvPr/>
+      </p:nvGrpSpPr>
+      <p:grpSpPr/>
+      <p:grpSp>
+        <p:nvGrpSpPr>
+          <p:cNvPr id="103" name="Group 4"/>
+          <p:cNvGrpSpPr>
+            <a:grpSpLocks noChangeAspect="1"/>
+          </p:cNvGrpSpPr>
+          <p:nvPr/>
+        </p:nvGrpSpPr>
+        <p:grpSpPr bwMode="auto">
+          <a:xfrm rot="891772">
+            <a:off x="521512" y="551543"/>
+            <a:ext cx="507974" cy="919389"/>
+            <a:chOff x="472" y="425"/>
+            <a:chExt cx="363" cy="657"/>
+          </a:xfrm>
+        </p:grpSpPr>
+        <p:sp>
+          <p:nvSpPr>
+            <p:cNvPr id="104" name="Freeform 5"/>
+            <p:cNvSpPr>
+              <a:spLocks noEditPoints="1"/>
+            </p:cNvSpPr>
+            <p:nvPr/>
+          </p:nvSpPr>
+          <p:spPr bwMode="auto">
+            <a:xfrm>
+              <a:off x="472" y="425"/>
+              <a:ext cx="335" cy="657"/>
+            </a:xfrm>
+            <a:custGeom>
+              <a:avLst/>
+              <a:gdLst>
+                <a:gd name="T0" fmla="*/ 81 w 154"/>
+                <a:gd name="T1" fmla="*/ 9 h 305"/>
+                <a:gd name="T2" fmla="*/ 48 w 154"/>
+                <a:gd name="T3" fmla="*/ 43 h 305"/>
+                <a:gd name="T4" fmla="*/ 49 w 154"/>
+                <a:gd name="T5" fmla="*/ 47 h 305"/>
+                <a:gd name="T6" fmla="*/ 30 w 154"/>
+                <a:gd name="T7" fmla="*/ 143 h 305"/>
+                <a:gd name="T8" fmla="*/ 21 w 154"/>
+                <a:gd name="T9" fmla="*/ 158 h 305"/>
+                <a:gd name="T10" fmla="*/ 88 w 154"/>
+                <a:gd name="T11" fmla="*/ 243 h 305"/>
+                <a:gd name="T12" fmla="*/ 101 w 154"/>
+                <a:gd name="T13" fmla="*/ 243 h 305"/>
+                <a:gd name="T14" fmla="*/ 91 w 154"/>
+                <a:gd name="T15" fmla="*/ 285 h 305"/>
+                <a:gd name="T16" fmla="*/ 85 w 154"/>
+                <a:gd name="T17" fmla="*/ 275 h 305"/>
+                <a:gd name="T18" fmla="*/ 81 w 154"/>
+                <a:gd name="T19" fmla="*/ 278 h 305"/>
+                <a:gd name="T20" fmla="*/ 85 w 154"/>
+                <a:gd name="T21" fmla="*/ 303 h 305"/>
+                <a:gd name="T22" fmla="*/ 110 w 154"/>
+                <a:gd name="T23" fmla="*/ 247 h 305"/>
+                <a:gd name="T24" fmla="*/ 107 w 154"/>
+                <a:gd name="T25" fmla="*/ 238 h 305"/>
+                <a:gd name="T26" fmla="*/ 85 w 154"/>
+                <a:gd name="T27" fmla="*/ 164 h 305"/>
+                <a:gd name="T28" fmla="*/ 81 w 154"/>
+                <a:gd name="T29" fmla="*/ 151 h 305"/>
+                <a:gd name="T30" fmla="*/ 80 w 154"/>
+                <a:gd name="T31" fmla="*/ 143 h 305"/>
+                <a:gd name="T32" fmla="*/ 67 w 154"/>
+                <a:gd name="T33" fmla="*/ 92 h 305"/>
+                <a:gd name="T34" fmla="*/ 85 w 154"/>
+                <a:gd name="T35" fmla="*/ 39 h 305"/>
+                <a:gd name="T36" fmla="*/ 81 w 154"/>
+                <a:gd name="T37" fmla="*/ 11 h 305"/>
+                <a:gd name="T38" fmla="*/ 103 w 154"/>
+                <a:gd name="T39" fmla="*/ 228 h 305"/>
+                <a:gd name="T40" fmla="*/ 85 w 154"/>
+                <a:gd name="T41" fmla="*/ 174 h 305"/>
+                <a:gd name="T42" fmla="*/ 76 w 154"/>
+                <a:gd name="T43" fmla="*/ 143 h 305"/>
+                <a:gd name="T44" fmla="*/ 78 w 154"/>
+                <a:gd name="T45" fmla="*/ 151 h 305"/>
+                <a:gd name="T46" fmla="*/ 45 w 154"/>
+                <a:gd name="T47" fmla="*/ 189 h 305"/>
+                <a:gd name="T48" fmla="*/ 81 w 154"/>
+                <a:gd name="T49" fmla="*/ 174 h 305"/>
+                <a:gd name="T50" fmla="*/ 85 w 154"/>
+                <a:gd name="T51" fmla="*/ 192 h 305"/>
+                <a:gd name="T52" fmla="*/ 96 w 154"/>
+                <a:gd name="T53" fmla="*/ 231 h 305"/>
+                <a:gd name="T54" fmla="*/ 81 w 154"/>
+                <a:gd name="T55" fmla="*/ 233 h 305"/>
+                <a:gd name="T56" fmla="*/ 36 w 154"/>
+                <a:gd name="T57" fmla="*/ 147 h 305"/>
+                <a:gd name="T58" fmla="*/ 38 w 154"/>
+                <a:gd name="T59" fmla="*/ 143 h 305"/>
+                <a:gd name="T60" fmla="*/ 76 w 154"/>
+                <a:gd name="T61" fmla="*/ 143 h 305"/>
+                <a:gd name="T62" fmla="*/ 75 w 154"/>
+                <a:gd name="T63" fmla="*/ 47 h 305"/>
+                <a:gd name="T64" fmla="*/ 68 w 154"/>
+                <a:gd name="T65" fmla="*/ 75 h 305"/>
+                <a:gd name="T66" fmla="*/ 57 w 154"/>
+                <a:gd name="T67" fmla="*/ 47 h 305"/>
+                <a:gd name="T68" fmla="*/ 57 w 154"/>
+                <a:gd name="T69" fmla="*/ 19 h 305"/>
+                <a:gd name="T70" fmla="*/ 76 w 154"/>
+                <a:gd name="T71" fmla="*/ 43 h 305"/>
+              </a:gdLst>
+              <a:ahLst/>
+              <a:cxnLst>
+                <a:cxn ang="0">
+                  <a:pos x="T0" y="T1"/>
+                </a:cxn>
+                <a:cxn ang="0">
+                  <a:pos x="T2" y="T3"/>
+                </a:cxn>
+                <a:cxn ang="0">
+                  <a:pos x="T4" y="T5"/>
+                </a:cxn>
+                <a:cxn ang="0">
+                  <a:pos x="T6" y="T7"/>
+                </a:cxn>
+                <a:cxn ang="0">
+                  <a:pos x="T8" y="T9"/>
+                </a:cxn>
+                <a:cxn ang="0">
+                  <a:pos x="T10" y="T11"/>
+                </a:cxn>
+                <a:cxn ang="0">
+                  <a:pos x="T12" y="T13"/>
+                </a:cxn>
+                <a:cxn ang="0">
+                  <a:pos x="T14" y="T15"/>
+                </a:cxn>
+                <a:cxn ang="0">
+                  <a:pos x="T16" y="T17"/>
+                </a:cxn>
+                <a:cxn ang="0">
+                  <a:pos x="T18" y="T19"/>
+                </a:cxn>
+                <a:cxn ang="0">
+                  <a:pos x="T20" y="T21"/>
+                </a:cxn>
+                <a:cxn ang="0">
+                  <a:pos x="T22" y="T23"/>
+                </a:cxn>
+                <a:cxn ang="0">
+                  <a:pos x="T24" y="T25"/>
+                </a:cxn>
+                <a:cxn ang="0">
+                  <a:pos x="T26" y="T27"/>
+                </a:cxn>
+                <a:cxn ang="0">
+                  <a:pos x="T28" y="T29"/>
+                </a:cxn>
+                <a:cxn ang="0">
+                  <a:pos x="T30" y="T31"/>
+                </a:cxn>
+                <a:cxn ang="0">
+                  <a:pos x="T32" y="T33"/>
+                </a:cxn>
+                <a:cxn ang="0">
+                  <a:pos x="T34" y="T35"/>
+                </a:cxn>
+                <a:cxn ang="0">
+                  <a:pos x="T36" y="T37"/>
+                </a:cxn>
+                <a:cxn ang="0">
+                  <a:pos x="T38" y="T39"/>
+                </a:cxn>
+                <a:cxn ang="0">
+                  <a:pos x="T40" y="T41"/>
+                </a:cxn>
+                <a:cxn ang="0">
+                  <a:pos x="T42" y="T43"/>
+                </a:cxn>
+                <a:cxn ang="0">
+                  <a:pos x="T44" y="T45"/>
+                </a:cxn>
+                <a:cxn ang="0">
+                  <a:pos x="T46" y="T47"/>
+                </a:cxn>
+                <a:cxn ang="0">
+                  <a:pos x="T48" y="T49"/>
+                </a:cxn>
+                <a:cxn ang="0">
+                  <a:pos x="T50" y="T51"/>
+                </a:cxn>
+                <a:cxn ang="0">
+                  <a:pos x="T52" y="T53"/>
+                </a:cxn>
+                <a:cxn ang="0">
+                  <a:pos x="T54" y="T55"/>
+                </a:cxn>
+                <a:cxn ang="0">
+                  <a:pos x="T56" y="T57"/>
+                </a:cxn>
+                <a:cxn ang="0">
+                  <a:pos x="T58" y="T59"/>
+                </a:cxn>
+                <a:cxn ang="0">
+                  <a:pos x="T60" y="T61"/>
+                </a:cxn>
+                <a:cxn ang="0">
+                  <a:pos x="T62" y="T63"/>
+                </a:cxn>
+                <a:cxn ang="0">
+                  <a:pos x="T64" y="T65"/>
+                </a:cxn>
+                <a:cxn ang="0">
+                  <a:pos x="T66" y="T67"/>
+                </a:cxn>
+                <a:cxn ang="0">
+                  <a:pos x="T68" y="T69"/>
+                </a:cxn>
+                <a:cxn ang="0">
+                  <a:pos x="T70" y="T71"/>
+                </a:cxn>
+              </a:cxnLst>
+              <a:rect l="0" t="0" r="r" b="b"/>
+              <a:pathLst>
+                <a:path w="154" h="305">
+                  <a:moveTo>
+                    <a:pt x="81" y="11"/>
+                  </a:moveTo>
+                  <a:cubicBezTo>
+                    <a:pt x="81" y="10"/>
+                    <a:pt x="81" y="10"/>
+                    <a:pt x="81" y="9"/>
+                  </a:cubicBezTo>
+                  <a:cubicBezTo>
+                    <a:pt x="78" y="2"/>
+                    <a:pt x="64" y="0"/>
+                    <a:pt x="58" y="4"/>
+                  </a:cubicBezTo>
+                  <a:cubicBezTo>
+                    <a:pt x="48" y="10"/>
+                    <a:pt x="47" y="33"/>
+                    <a:pt x="48" y="43"/>
+                  </a:cubicBezTo>
+                  <a:cubicBezTo>
+                    <a:pt x="48" y="43"/>
+                    <a:pt x="48" y="43"/>
+                    <a:pt x="48" y="43"/>
+                  </a:cubicBezTo>
+                  <a:cubicBezTo>
+                    <a:pt x="48" y="44"/>
+                    <a:pt x="48" y="46"/>
+                    <a:pt x="49" y="47"/>
+                  </a:cubicBezTo>
+                  <a:cubicBezTo>
+                    <a:pt x="51" y="63"/>
+                    <a:pt x="56" y="78"/>
+                    <a:pt x="61" y="93"/>
+                  </a:cubicBezTo>
+                  <a:cubicBezTo>
+                    <a:pt x="52" y="110"/>
+                    <a:pt x="39" y="126"/>
+                    <a:pt x="30" y="143"/>
+                  </a:cubicBezTo>
+                  <a:cubicBezTo>
+                    <a:pt x="29" y="144"/>
+                    <a:pt x="28" y="146"/>
+                    <a:pt x="27" y="147"/>
+                  </a:cubicBezTo>
+                  <a:cubicBezTo>
+                    <a:pt x="25" y="151"/>
+                    <a:pt x="23" y="154"/>
+                    <a:pt x="21" y="158"/>
+                  </a:cubicBezTo>
+                  <a:cubicBezTo>
+                    <a:pt x="0" y="205"/>
+                    <a:pt x="32" y="238"/>
+                    <a:pt x="69" y="243"/>
+                  </a:cubicBezTo>
+                  <a:cubicBezTo>
+                    <a:pt x="75" y="244"/>
+                    <a:pt x="82" y="244"/>
+                    <a:pt x="88" y="243"/>
+                  </a:cubicBezTo>
+                  <a:cubicBezTo>
+                    <a:pt x="92" y="242"/>
+                    <a:pt x="96" y="242"/>
+                    <a:pt x="100" y="240"/>
+                  </a:cubicBezTo>
+                  <a:cubicBezTo>
+                    <a:pt x="100" y="241"/>
+                    <a:pt x="100" y="242"/>
+                    <a:pt x="101" y="243"/>
+                  </a:cubicBezTo>
+                  <a:cubicBezTo>
+                    <a:pt x="101" y="244"/>
+                    <a:pt x="101" y="246"/>
+                    <a:pt x="102" y="247"/>
+                  </a:cubicBezTo>
+                  <a:cubicBezTo>
+                    <a:pt x="104" y="258"/>
+                    <a:pt x="103" y="270"/>
+                    <a:pt x="91" y="285"/>
+                  </a:cubicBezTo>
+                  <a:cubicBezTo>
+                    <a:pt x="91" y="284"/>
+                    <a:pt x="91" y="284"/>
+                    <a:pt x="91" y="284"/>
+                  </a:cubicBezTo>
+                  <a:cubicBezTo>
+                    <a:pt x="92" y="280"/>
+                    <a:pt x="89" y="276"/>
+                    <a:pt x="85" y="275"/>
+                  </a:cubicBezTo>
+                  <a:cubicBezTo>
+                    <a:pt x="84" y="275"/>
+                    <a:pt x="82" y="276"/>
+                    <a:pt x="81" y="277"/>
+                  </a:cubicBezTo>
+                  <a:cubicBezTo>
+                    <a:pt x="81" y="277"/>
+                    <a:pt x="81" y="277"/>
+                    <a:pt x="81" y="278"/>
+                  </a:cubicBezTo>
+                  <a:cubicBezTo>
+                    <a:pt x="74" y="285"/>
+                    <a:pt x="75" y="295"/>
+                    <a:pt x="81" y="300"/>
+                  </a:cubicBezTo>
+                  <a:cubicBezTo>
+                    <a:pt x="82" y="301"/>
+                    <a:pt x="84" y="302"/>
+                    <a:pt x="85" y="303"/>
+                  </a:cubicBezTo>
+                  <a:cubicBezTo>
+                    <a:pt x="88" y="304"/>
+                    <a:pt x="92" y="305"/>
+                    <a:pt x="97" y="304"/>
+                  </a:cubicBezTo>
+                  <a:cubicBezTo>
+                    <a:pt x="120" y="297"/>
+                    <a:pt x="117" y="271"/>
+                    <a:pt x="110" y="247"/>
+                  </a:cubicBezTo>
+                  <a:cubicBezTo>
+                    <a:pt x="109" y="246"/>
+                    <a:pt x="109" y="244"/>
+                    <a:pt x="109" y="243"/>
+                  </a:cubicBezTo>
+                  <a:cubicBezTo>
+                    <a:pt x="108" y="241"/>
+                    <a:pt x="107" y="239"/>
+                    <a:pt x="107" y="238"/>
+                  </a:cubicBezTo>
+                  <a:cubicBezTo>
+                    <a:pt x="117" y="233"/>
+                    <a:pt x="127" y="226"/>
+                    <a:pt x="134" y="215"/>
+                  </a:cubicBezTo>
+                  <a:cubicBezTo>
+                    <a:pt x="154" y="188"/>
+                    <a:pt x="117" y="163"/>
+                    <a:pt x="85" y="164"/>
+                  </a:cubicBezTo>
+                  <a:cubicBezTo>
+                    <a:pt x="84" y="164"/>
+                    <a:pt x="84" y="164"/>
+                    <a:pt x="83" y="164"/>
+                  </a:cubicBezTo>
+                  <a:cubicBezTo>
+                    <a:pt x="83" y="159"/>
+                    <a:pt x="82" y="155"/>
+                    <a:pt x="81" y="151"/>
+                  </a:cubicBezTo>
+                  <a:cubicBezTo>
+                    <a:pt x="81" y="149"/>
+                    <a:pt x="81" y="148"/>
+                    <a:pt x="80" y="147"/>
+                  </a:cubicBezTo>
+                  <a:cubicBezTo>
+                    <a:pt x="80" y="146"/>
+                    <a:pt x="80" y="144"/>
+                    <a:pt x="80" y="143"/>
+                  </a:cubicBezTo>
+                  <a:cubicBezTo>
+                    <a:pt x="77" y="131"/>
+                    <a:pt x="75" y="119"/>
+                    <a:pt x="72" y="108"/>
+                  </a:cubicBezTo>
+                  <a:cubicBezTo>
+                    <a:pt x="71" y="103"/>
+                    <a:pt x="69" y="97"/>
+                    <a:pt x="67" y="92"/>
+                  </a:cubicBezTo>
+                  <a:cubicBezTo>
+                    <a:pt x="73" y="81"/>
+                    <a:pt x="78" y="71"/>
+                    <a:pt x="81" y="60"/>
+                  </a:cubicBezTo>
+                  <a:cubicBezTo>
+                    <a:pt x="83" y="53"/>
+                    <a:pt x="85" y="46"/>
+                    <a:pt x="85" y="39"/>
+                  </a:cubicBezTo>
+                  <a:cubicBezTo>
+                    <a:pt x="85" y="35"/>
+                    <a:pt x="85" y="32"/>
+                    <a:pt x="85" y="29"/>
+                  </a:cubicBezTo>
+                  <a:cubicBezTo>
+                    <a:pt x="85" y="23"/>
+                    <a:pt x="83" y="17"/>
+                    <a:pt x="81" y="11"/>
+                  </a:cubicBezTo>
+                  <a:close/>
+                  <a:moveTo>
+                    <a:pt x="109" y="225"/>
+                  </a:moveTo>
+                  <a:cubicBezTo>
+                    <a:pt x="107" y="226"/>
+                    <a:pt x="105" y="228"/>
+                    <a:pt x="103" y="228"/>
+                  </a:cubicBezTo>
+                  <a:cubicBezTo>
+                    <a:pt x="101" y="222"/>
+                    <a:pt x="98" y="216"/>
+                    <a:pt x="97" y="213"/>
+                  </a:cubicBezTo>
+                  <a:cubicBezTo>
+                    <a:pt x="92" y="200"/>
+                    <a:pt x="88" y="187"/>
+                    <a:pt x="85" y="174"/>
+                  </a:cubicBezTo>
+                  <a:cubicBezTo>
+                    <a:pt x="115" y="174"/>
+                    <a:pt x="144" y="202"/>
+                    <a:pt x="109" y="225"/>
+                  </a:cubicBezTo>
+                  <a:close/>
+                  <a:moveTo>
+                    <a:pt x="76" y="143"/>
+                  </a:moveTo>
+                  <a:cubicBezTo>
+                    <a:pt x="76" y="144"/>
+                    <a:pt x="76" y="146"/>
+                    <a:pt x="77" y="147"/>
+                  </a:cubicBezTo>
+                  <a:cubicBezTo>
+                    <a:pt x="77" y="148"/>
+                    <a:pt x="77" y="150"/>
+                    <a:pt x="78" y="151"/>
+                  </a:cubicBezTo>
+                  <a:cubicBezTo>
+                    <a:pt x="78" y="155"/>
+                    <a:pt x="79" y="160"/>
+                    <a:pt x="80" y="164"/>
+                  </a:cubicBezTo>
+                  <a:cubicBezTo>
+                    <a:pt x="64" y="165"/>
+                    <a:pt x="50" y="173"/>
+                    <a:pt x="45" y="189"/>
+                  </a:cubicBezTo>
+                  <a:cubicBezTo>
+                    <a:pt x="44" y="192"/>
+                    <a:pt x="49" y="194"/>
+                    <a:pt x="51" y="191"/>
+                  </a:cubicBezTo>
+                  <a:cubicBezTo>
+                    <a:pt x="59" y="180"/>
+                    <a:pt x="70" y="175"/>
+                    <a:pt x="81" y="174"/>
+                  </a:cubicBezTo>
+                  <a:cubicBezTo>
+                    <a:pt x="81" y="174"/>
+                    <a:pt x="82" y="174"/>
+                    <a:pt x="82" y="174"/>
+                  </a:cubicBezTo>
+                  <a:cubicBezTo>
+                    <a:pt x="83" y="180"/>
+                    <a:pt x="84" y="186"/>
+                    <a:pt x="85" y="192"/>
+                  </a:cubicBezTo>
+                  <a:cubicBezTo>
+                    <a:pt x="87" y="199"/>
+                    <a:pt x="88" y="207"/>
+                    <a:pt x="91" y="214"/>
+                  </a:cubicBezTo>
+                  <a:cubicBezTo>
+                    <a:pt x="92" y="220"/>
+                    <a:pt x="94" y="226"/>
+                    <a:pt x="96" y="231"/>
+                  </a:cubicBezTo>
+                  <a:cubicBezTo>
+                    <a:pt x="93" y="232"/>
+                    <a:pt x="89" y="233"/>
+                    <a:pt x="85" y="233"/>
+                  </a:cubicBezTo>
+                  <a:cubicBezTo>
+                    <a:pt x="84" y="233"/>
+                    <a:pt x="82" y="233"/>
+                    <a:pt x="81" y="233"/>
+                  </a:cubicBezTo>
+                  <a:cubicBezTo>
+                    <a:pt x="67" y="233"/>
+                    <a:pt x="52" y="228"/>
+                    <a:pt x="41" y="223"/>
+                  </a:cubicBezTo>
+                  <a:cubicBezTo>
+                    <a:pt x="9" y="206"/>
+                    <a:pt x="24" y="170"/>
+                    <a:pt x="36" y="147"/>
+                  </a:cubicBezTo>
+                  <a:cubicBezTo>
+                    <a:pt x="36" y="146"/>
+                    <a:pt x="36" y="145"/>
+                    <a:pt x="37" y="144"/>
+                  </a:cubicBezTo>
+                  <a:cubicBezTo>
+                    <a:pt x="37" y="144"/>
+                    <a:pt x="37" y="143"/>
+                    <a:pt x="38" y="143"/>
+                  </a:cubicBezTo>
+                  <a:cubicBezTo>
+                    <a:pt x="45" y="130"/>
+                    <a:pt x="54" y="116"/>
+                    <a:pt x="63" y="100"/>
+                  </a:cubicBezTo>
+                  <a:cubicBezTo>
+                    <a:pt x="67" y="114"/>
+                    <a:pt x="72" y="129"/>
+                    <a:pt x="76" y="143"/>
+                  </a:cubicBezTo>
+                  <a:close/>
+                  <a:moveTo>
+                    <a:pt x="76" y="43"/>
+                  </a:moveTo>
+                  <a:cubicBezTo>
+                    <a:pt x="76" y="44"/>
+                    <a:pt x="75" y="46"/>
+                    <a:pt x="75" y="47"/>
+                  </a:cubicBezTo>
+                  <a:cubicBezTo>
+                    <a:pt x="75" y="47"/>
+                    <a:pt x="75" y="48"/>
+                    <a:pt x="75" y="48"/>
+                  </a:cubicBezTo>
+                  <a:cubicBezTo>
+                    <a:pt x="74" y="57"/>
+                    <a:pt x="71" y="66"/>
+                    <a:pt x="68" y="75"/>
+                  </a:cubicBezTo>
+                  <a:cubicBezTo>
+                    <a:pt x="67" y="78"/>
+                    <a:pt x="66" y="81"/>
+                    <a:pt x="65" y="83"/>
+                  </a:cubicBezTo>
+                  <a:cubicBezTo>
+                    <a:pt x="61" y="71"/>
+                    <a:pt x="58" y="59"/>
+                    <a:pt x="57" y="47"/>
+                  </a:cubicBezTo>
+                  <a:cubicBezTo>
+                    <a:pt x="57" y="46"/>
+                    <a:pt x="56" y="44"/>
+                    <a:pt x="56" y="43"/>
+                  </a:cubicBezTo>
+                  <a:cubicBezTo>
+                    <a:pt x="56" y="35"/>
+                    <a:pt x="56" y="27"/>
+                    <a:pt x="57" y="19"/>
+                  </a:cubicBezTo>
+                  <a:cubicBezTo>
+                    <a:pt x="58" y="12"/>
+                    <a:pt x="64" y="13"/>
+                    <a:pt x="77" y="23"/>
+                  </a:cubicBezTo>
+                  <a:cubicBezTo>
+                    <a:pt x="77" y="30"/>
+                    <a:pt x="77" y="36"/>
+                    <a:pt x="76" y="43"/>
+                  </a:cubicBezTo>
+                  <a:close/>
+                </a:path>
+              </a:pathLst>
+            </a:custGeom>
+            <a:solidFill>
+              <a:srgbClr val="F2F2F2"/>
+            </a:solidFill>
+            <a:ln>
+              <a:noFill/>
+            </a:ln>
+            <a:extLst>
+              <a:ext uri="{91240B29-F687-4F45-9708-019B960494DF}">
+                <a14:hiddenLine xmlns:a14="http://schemas.microsoft.com/office/drawing/2010/main" w="9525">
+                  <a:solidFill>
+                    <a:srgbClr val="000000"/>
+                  </a:solidFill>
+                  <a:round/>
+                </a14:hiddenLine>
+              </a:ext>
+            </a:extLst>
+          </p:spPr>
+          <p:txBody>
+            <a:bodyPr vert="horz" wrap="square" lIns="91440" tIns="45720" rIns="91440" bIns="45720" numCol="1" anchor="t" anchorCtr="0" compatLnSpc="1"/>
+            <a:p>
+              <a:endParaRPr lang="zh-CN" altLang="en-US"/>
+            </a:p>
+          </p:txBody>
+        </p:sp>
+        <p:sp>
+          <p:nvSpPr>
+            <p:cNvPr id="105" name="Freeform 6"/>
+            <p:cNvSpPr/>
+            <p:nvPr/>
+          </p:nvSpPr>
+          <p:spPr bwMode="auto">
+            <a:xfrm>
+              <a:off x="735" y="774"/>
+              <a:ext cx="61" cy="52"/>
+            </a:xfrm>
+            <a:custGeom>
+              <a:avLst/>
+              <a:gdLst>
+                <a:gd name="T0" fmla="*/ 25 w 28"/>
+                <a:gd name="T1" fmla="*/ 23 h 24"/>
+                <a:gd name="T2" fmla="*/ 27 w 28"/>
+                <a:gd name="T3" fmla="*/ 21 h 24"/>
+                <a:gd name="T4" fmla="*/ 3 w 28"/>
+                <a:gd name="T5" fmla="*/ 1 h 24"/>
+                <a:gd name="T6" fmla="*/ 2 w 28"/>
+                <a:gd name="T7" fmla="*/ 4 h 24"/>
+                <a:gd name="T8" fmla="*/ 25 w 28"/>
+                <a:gd name="T9" fmla="*/ 23 h 24"/>
+              </a:gdLst>
+              <a:ahLst/>
+              <a:cxnLst>
+                <a:cxn ang="0">
+                  <a:pos x="T0" y="T1"/>
+                </a:cxn>
+                <a:cxn ang="0">
+                  <a:pos x="T2" y="T3"/>
+                </a:cxn>
+                <a:cxn ang="0">
+                  <a:pos x="T4" y="T5"/>
+                </a:cxn>
+                <a:cxn ang="0">
+                  <a:pos x="T6" y="T7"/>
+                </a:cxn>
+                <a:cxn ang="0">
+                  <a:pos x="T8" y="T9"/>
+                </a:cxn>
+              </a:cxnLst>
+              <a:rect l="0" t="0" r="r" b="b"/>
+              <a:pathLst>
+                <a:path w="28" h="24">
+                  <a:moveTo>
+                    <a:pt x="25" y="23"/>
+                  </a:moveTo>
+                  <a:cubicBezTo>
+                    <a:pt x="26" y="24"/>
+                    <a:pt x="28" y="23"/>
+                    <a:pt x="27" y="21"/>
+                  </a:cubicBezTo>
+                  <a:cubicBezTo>
+                    <a:pt x="24" y="10"/>
+                    <a:pt x="13" y="4"/>
+                    <a:pt x="3" y="1"/>
+                  </a:cubicBezTo>
+                  <a:cubicBezTo>
+                    <a:pt x="1" y="0"/>
+                    <a:pt x="0" y="3"/>
+                    <a:pt x="2" y="4"/>
+                  </a:cubicBezTo>
+                  <a:cubicBezTo>
+                    <a:pt x="10" y="10"/>
+                    <a:pt x="17" y="17"/>
+                    <a:pt x="25" y="23"/>
+                  </a:cubicBezTo>
+                  <a:close/>
+                </a:path>
+              </a:pathLst>
+            </a:custGeom>
+            <a:solidFill>
+              <a:srgbClr val="F2F2F2"/>
+            </a:solidFill>
+            <a:ln>
+              <a:noFill/>
+            </a:ln>
+            <a:extLst>
+              <a:ext uri="{91240B29-F687-4F45-9708-019B960494DF}">
+                <a14:hiddenLine xmlns:a14="http://schemas.microsoft.com/office/drawing/2010/main" w="9525">
+                  <a:solidFill>
+                    <a:srgbClr val="000000"/>
+                  </a:solidFill>
+                  <a:round/>
+                </a14:hiddenLine>
+              </a:ext>
+            </a:extLst>
+          </p:spPr>
+          <p:txBody>
+            <a:bodyPr vert="horz" wrap="square" lIns="91440" tIns="45720" rIns="91440" bIns="45720" numCol="1" anchor="t" anchorCtr="0" compatLnSpc="1"/>
+            <a:p>
+              <a:endParaRPr lang="zh-CN" altLang="en-US"/>
+            </a:p>
+          </p:txBody>
+        </p:sp>
+        <p:sp>
+          <p:nvSpPr>
+            <p:cNvPr id="106" name="Freeform 7"/>
+            <p:cNvSpPr/>
+            <p:nvPr/>
+          </p:nvSpPr>
+          <p:spPr bwMode="auto">
+            <a:xfrm>
+              <a:off x="759" y="748"/>
+              <a:ext cx="76" cy="50"/>
+            </a:xfrm>
+            <a:custGeom>
+              <a:avLst/>
+              <a:gdLst>
+                <a:gd name="T0" fmla="*/ 3 w 35"/>
+                <a:gd name="T1" fmla="*/ 1 h 23"/>
+                <a:gd name="T2" fmla="*/ 3 w 35"/>
+                <a:gd name="T3" fmla="*/ 5 h 23"/>
+                <a:gd name="T4" fmla="*/ 17 w 35"/>
+                <a:gd name="T5" fmla="*/ 11 h 23"/>
+                <a:gd name="T6" fmla="*/ 31 w 35"/>
+                <a:gd name="T7" fmla="*/ 22 h 23"/>
+                <a:gd name="T8" fmla="*/ 34 w 35"/>
+                <a:gd name="T9" fmla="*/ 20 h 23"/>
+                <a:gd name="T10" fmla="*/ 3 w 35"/>
+                <a:gd name="T11" fmla="*/ 1 h 23"/>
+              </a:gdLst>
+              <a:ahLst/>
+              <a:cxnLst>
+                <a:cxn ang="0">
+                  <a:pos x="T0" y="T1"/>
+                </a:cxn>
+                <a:cxn ang="0">
+                  <a:pos x="T2" y="T3"/>
+                </a:cxn>
+                <a:cxn ang="0">
+                  <a:pos x="T4" y="T5"/>
+                </a:cxn>
+                <a:cxn ang="0">
+                  <a:pos x="T6" y="T7"/>
+                </a:cxn>
+                <a:cxn ang="0">
+                  <a:pos x="T8" y="T9"/>
+                </a:cxn>
+                <a:cxn ang="0">
+                  <a:pos x="T10" y="T11"/>
+                </a:cxn>
+              </a:cxnLst>
+              <a:rect l="0" t="0" r="r" b="b"/>
+              <a:pathLst>
+                <a:path w="35" h="23">
+                  <a:moveTo>
+                    <a:pt x="3" y="1"/>
+                  </a:moveTo>
+                  <a:cubicBezTo>
+                    <a:pt x="1" y="1"/>
+                    <a:pt x="0" y="4"/>
+                    <a:pt x="3" y="5"/>
+                  </a:cubicBezTo>
+                  <a:cubicBezTo>
+                    <a:pt x="8" y="6"/>
+                    <a:pt x="13" y="8"/>
+                    <a:pt x="17" y="11"/>
+                  </a:cubicBezTo>
+                  <a:cubicBezTo>
+                    <a:pt x="22" y="15"/>
+                    <a:pt x="26" y="19"/>
+                    <a:pt x="31" y="22"/>
+                  </a:cubicBezTo>
+                  <a:cubicBezTo>
+                    <a:pt x="33" y="23"/>
+                    <a:pt x="35" y="22"/>
+                    <a:pt x="34" y="20"/>
+                  </a:cubicBezTo>
+                  <a:cubicBezTo>
+                    <a:pt x="30" y="8"/>
+                    <a:pt x="16" y="0"/>
+                    <a:pt x="3" y="1"/>
+                  </a:cubicBezTo>
+                  <a:close/>
+                </a:path>
+              </a:pathLst>
+            </a:custGeom>
+            <a:solidFill>
+              <a:srgbClr val="F2F2F2"/>
+            </a:solidFill>
+            <a:ln>
+              <a:noFill/>
+            </a:ln>
+            <a:extLst>
+              <a:ext uri="{91240B29-F687-4F45-9708-019B960494DF}">
+                <a14:hiddenLine xmlns:a14="http://schemas.microsoft.com/office/drawing/2010/main" w="9525">
+                  <a:solidFill>
+                    <a:srgbClr val="000000"/>
+                  </a:solidFill>
+                  <a:round/>
+                </a14:hiddenLine>
+              </a:ext>
+            </a:extLst>
+          </p:spPr>
+          <p:txBody>
+            <a:bodyPr vert="horz" wrap="square" lIns="91440" tIns="45720" rIns="91440" bIns="45720" numCol="1" anchor="t" anchorCtr="0" compatLnSpc="1"/>
+            <a:p>
+              <a:endParaRPr lang="zh-CN" altLang="en-US"/>
+            </a:p>
+          </p:txBody>
+        </p:sp>
+      </p:grpSp>
+      <p:sp>
+        <p:nvSpPr>
+          <p:cNvPr id="4" name="Rectangle 47"/>
+          <p:cNvSpPr/>
+          <p:nvPr/>
+        </p:nvSpPr>
+        <p:spPr>
+          <a:xfrm>
+            <a:off x="1288212" y="759990"/>
+            <a:ext cx="4717415" cy="492125"/>
+          </a:xfrm>
+          <a:prstGeom prst="rect">
+            <a:avLst/>
+          </a:prstGeom>
+        </p:spPr>
+        <p:txBody>
+          <a:bodyPr wrap="none" lIns="0" tIns="0" rIns="0" bIns="0">
+            <a:spAutoFit/>
+          </a:bodyPr>
+          <a:p>
+            <a:pPr algn="l"/>
+            <a:r>
+              <a:rPr lang="en-US" altLang="zh-CN" sz="3200" b="1" dirty="0" smtClean="0">
+                <a:solidFill>
+                  <a:schemeClr val="bg1"/>
+                </a:solidFill>
+                <a:latin typeface="方正静蕾简体" pitchFamily="2" charset="-122"/>
+                <a:ea typeface="方正静蕾简体" pitchFamily="2" charset="-122"/>
+                <a:cs typeface="Arial" panose="020B0604020202020204" pitchFamily="34" charset="0"/>
+              </a:rPr>
+              <a:t>PageFontStyle Extension </a:t>
+            </a:r>
+            <a:endParaRPr lang="zh-CN" altLang="en-US" sz="3200" b="1" dirty="0" smtClean="0">
+              <a:solidFill>
+                <a:schemeClr val="bg1"/>
+              </a:solidFill>
+              <a:latin typeface="方正静蕾简体" pitchFamily="2" charset="-122"/>
+              <a:ea typeface="方正静蕾简体" pitchFamily="2" charset="-122"/>
+              <a:cs typeface="Arial" panose="020B0604020202020204" pitchFamily="34" charset="0"/>
+            </a:endParaRPr>
+          </a:p>
+        </p:txBody>
+      </p:sp>
+      <p:sp>
+        <p:nvSpPr>
+          <p:cNvPr id="7" name="文本框 6"/>
+          <p:cNvSpPr txBox="1"/>
+          <p:nvPr/>
+        </p:nvSpPr>
+        <p:spPr>
+          <a:xfrm>
+            <a:off x="704215" y="1750695"/>
+            <a:ext cx="386715" cy="368300"/>
+          </a:xfrm>
+          <a:prstGeom prst="rect">
+            <a:avLst/>
+          </a:prstGeom>
+          <a:noFill/>
+        </p:spPr>
+        <p:txBody>
+          <a:bodyPr wrap="none" rtlCol="0" anchor="t">
+            <a:spAutoFit/>
+          </a:bodyPr>
+          <a:p>
+            <a:r>
+              <a:rPr lang="zh-CN" altLang="en-US">
+                <a:solidFill>
+                  <a:schemeClr val="bg1"/>
+                </a:solidFill>
+                <a:sym typeface="Wingdings" panose="05000000000000000000" charset="0"/>
+              </a:rPr>
+              <a:t></a:t>
+            </a:r>
+            <a:endParaRPr lang="zh-CN" altLang="en-US">
+              <a:solidFill>
+                <a:schemeClr val="bg1"/>
+              </a:solidFill>
+              <a:sym typeface="Wingdings" panose="05000000000000000000" charset="0"/>
+            </a:endParaRPr>
+          </a:p>
+        </p:txBody>
+      </p:sp>
+      <p:sp>
+        <p:nvSpPr>
+          <p:cNvPr id="8" name="文本框 7"/>
+          <p:cNvSpPr txBox="1"/>
+          <p:nvPr/>
+        </p:nvSpPr>
+        <p:spPr>
+          <a:xfrm>
+            <a:off x="1203325" y="1673860"/>
+            <a:ext cx="7973695" cy="521970"/>
+          </a:xfrm>
+          <a:prstGeom prst="rect">
+            <a:avLst/>
+          </a:prstGeom>
+          <a:noFill/>
+        </p:spPr>
+        <p:txBody>
+          <a:bodyPr wrap="square" rtlCol="0" anchor="t">
+            <a:spAutoFit/>
+          </a:bodyPr>
+          <a:p>
+            <a:r>
+              <a:rPr lang="zh-CN" altLang="en-US" sz="2800">
+                <a:solidFill>
+                  <a:schemeClr val="bg1"/>
+                </a:solidFill>
+              </a:rPr>
+              <a:t>改变字体样式</a:t>
+            </a:r>
+            <a:endParaRPr lang="zh-CN" altLang="en-US" sz="2800">
+              <a:solidFill>
+                <a:schemeClr val="bg1"/>
+              </a:solidFill>
+            </a:endParaRPr>
+          </a:p>
+        </p:txBody>
+      </p:sp>
+      <p:sp>
+        <p:nvSpPr>
+          <p:cNvPr id="9" name="文本框 8"/>
+          <p:cNvSpPr txBox="1"/>
+          <p:nvPr/>
+        </p:nvSpPr>
+        <p:spPr>
+          <a:xfrm>
+            <a:off x="704215" y="2837815"/>
+            <a:ext cx="386715" cy="368300"/>
+          </a:xfrm>
+          <a:prstGeom prst="rect">
+            <a:avLst/>
+          </a:prstGeom>
+          <a:noFill/>
+        </p:spPr>
+        <p:txBody>
+          <a:bodyPr wrap="none" rtlCol="0" anchor="t">
+            <a:spAutoFit/>
+          </a:bodyPr>
+          <a:p>
+            <a:r>
+              <a:rPr lang="zh-CN" altLang="en-US">
+                <a:solidFill>
+                  <a:schemeClr val="bg1"/>
+                </a:solidFill>
+                <a:sym typeface="Wingdings" panose="05000000000000000000" charset="0"/>
+              </a:rPr>
+              <a:t></a:t>
+            </a:r>
+            <a:endParaRPr lang="zh-CN" altLang="en-US">
+              <a:solidFill>
+                <a:schemeClr val="bg1"/>
+              </a:solidFill>
+              <a:sym typeface="Wingdings" panose="05000000000000000000" charset="0"/>
+            </a:endParaRPr>
+          </a:p>
+        </p:txBody>
+      </p:sp>
+      <p:sp>
+        <p:nvSpPr>
+          <p:cNvPr id="10" name="文本框 9"/>
+          <p:cNvSpPr txBox="1"/>
+          <p:nvPr/>
+        </p:nvSpPr>
+        <p:spPr>
+          <a:xfrm>
+            <a:off x="1203325" y="2760980"/>
+            <a:ext cx="7973695" cy="521970"/>
+          </a:xfrm>
+          <a:prstGeom prst="rect">
+            <a:avLst/>
+          </a:prstGeom>
+          <a:noFill/>
+        </p:spPr>
+        <p:txBody>
+          <a:bodyPr wrap="square" rtlCol="0" anchor="t">
+            <a:spAutoFit/>
+          </a:bodyPr>
+          <a:p>
+            <a:r>
+              <a:rPr lang="en-US" altLang="zh-CN" sz="2800">
+                <a:solidFill>
+                  <a:schemeClr val="bg1"/>
+                </a:solidFill>
+              </a:rPr>
+              <a:t>developer.chrome.com/*</a:t>
+            </a:r>
+            <a:endParaRPr lang="en-US" altLang="zh-CN" sz="2800">
+              <a:solidFill>
+                <a:schemeClr val="bg1"/>
+              </a:solidFill>
+            </a:endParaRPr>
+          </a:p>
+        </p:txBody>
+      </p:sp>
+      <p:sp>
+        <p:nvSpPr>
+          <p:cNvPr id="11" name="文本框 10"/>
+          <p:cNvSpPr txBox="1"/>
+          <p:nvPr/>
+        </p:nvSpPr>
+        <p:spPr>
+          <a:xfrm>
+            <a:off x="704215" y="3911600"/>
+            <a:ext cx="386715" cy="368300"/>
+          </a:xfrm>
+          <a:prstGeom prst="rect">
+            <a:avLst/>
+          </a:prstGeom>
+          <a:noFill/>
+        </p:spPr>
+        <p:txBody>
+          <a:bodyPr wrap="none" rtlCol="0" anchor="t">
+            <a:spAutoFit/>
+          </a:bodyPr>
+          <a:p>
+            <a:r>
+              <a:rPr lang="zh-CN" altLang="en-US">
+                <a:solidFill>
+                  <a:schemeClr val="bg1"/>
+                </a:solidFill>
+                <a:sym typeface="Wingdings" panose="05000000000000000000" charset="0"/>
+              </a:rPr>
+              <a:t></a:t>
+            </a:r>
+            <a:endParaRPr lang="zh-CN" altLang="en-US">
+              <a:solidFill>
+                <a:schemeClr val="bg1"/>
+              </a:solidFill>
+              <a:sym typeface="Wingdings" panose="05000000000000000000" charset="0"/>
+            </a:endParaRPr>
+          </a:p>
+        </p:txBody>
+      </p:sp>
+      <p:sp>
+        <p:nvSpPr>
+          <p:cNvPr id="12" name="文本框 11"/>
+          <p:cNvSpPr txBox="1"/>
+          <p:nvPr/>
+        </p:nvSpPr>
+        <p:spPr>
+          <a:xfrm>
+            <a:off x="1203325" y="3834765"/>
+            <a:ext cx="7973695" cy="521970"/>
+          </a:xfrm>
+          <a:prstGeom prst="rect">
+            <a:avLst/>
+          </a:prstGeom>
+          <a:noFill/>
+        </p:spPr>
+        <p:txBody>
+          <a:bodyPr wrap="square" rtlCol="0" anchor="t">
+            <a:spAutoFit/>
+          </a:bodyPr>
+          <a:p>
+            <a:r>
+              <a:rPr lang="zh-CN" altLang="en-US" sz="2800">
+                <a:solidFill>
+                  <a:schemeClr val="bg1"/>
+                </a:solidFill>
+              </a:rPr>
+              <a:t>基本样式</a:t>
             </a:r>
             <a:endParaRPr lang="zh-CN" altLang="en-US" sz="2800">
               <a:solidFill>

--- a/ppt.pptx
+++ b/ppt.pptx
@@ -5,7 +5,7 @@
     <p:sldMasterId id="2147483648" r:id="rId1"/>
   </p:sldMasterIdLst>
   <p:notesMasterIdLst>
-    <p:notesMasterId r:id="rId20"/>
+    <p:notesMasterId r:id="rId24"/>
   </p:notesMasterIdLst>
   <p:sldIdLst>
     <p:sldId id="323" r:id="rId3"/>
@@ -25,6 +25,10 @@
     <p:sldId id="437" r:id="rId17"/>
     <p:sldId id="438" r:id="rId18"/>
     <p:sldId id="439" r:id="rId19"/>
+    <p:sldId id="440" r:id="rId20"/>
+    <p:sldId id="441" r:id="rId21"/>
+    <p:sldId id="442" r:id="rId22"/>
+    <p:sldId id="443" r:id="rId23"/>
   </p:sldIdLst>
   <p:sldSz cx="12192000" cy="6858000"/>
   <p:notesSz cx="6858000" cy="9144000"/>
@@ -12979,6 +12983,2710 @@
 </p:sld>
 </file>
 
+<file path=ppt/slides/slide18.xml><?xml version="1.0" encoding="utf-8"?>
+<p:sld xmlns:a="http://schemas.openxmlformats.org/drawingml/2006/main" xmlns:r="http://schemas.openxmlformats.org/officeDocument/2006/relationships" xmlns:p="http://schemas.openxmlformats.org/presentationml/2006/main">
+  <p:cSld>
+    <p:spTree>
+      <p:nvGrpSpPr>
+        <p:cNvPr id="1" name=""/>
+        <p:cNvGrpSpPr/>
+        <p:nvPr/>
+      </p:nvGrpSpPr>
+      <p:grpSpPr/>
+      <p:grpSp>
+        <p:nvGrpSpPr>
+          <p:cNvPr id="103" name="Group 4"/>
+          <p:cNvGrpSpPr>
+            <a:grpSpLocks noChangeAspect="1"/>
+          </p:cNvGrpSpPr>
+          <p:nvPr/>
+        </p:nvGrpSpPr>
+        <p:grpSpPr bwMode="auto">
+          <a:xfrm rot="891772">
+            <a:off x="521512" y="551543"/>
+            <a:ext cx="507974" cy="919389"/>
+            <a:chOff x="472" y="425"/>
+            <a:chExt cx="363" cy="657"/>
+          </a:xfrm>
+        </p:grpSpPr>
+        <p:sp>
+          <p:nvSpPr>
+            <p:cNvPr id="104" name="Freeform 5"/>
+            <p:cNvSpPr>
+              <a:spLocks noEditPoints="1"/>
+            </p:cNvSpPr>
+            <p:nvPr/>
+          </p:nvSpPr>
+          <p:spPr bwMode="auto">
+            <a:xfrm>
+              <a:off x="472" y="425"/>
+              <a:ext cx="335" cy="657"/>
+            </a:xfrm>
+            <a:custGeom>
+              <a:avLst/>
+              <a:gdLst>
+                <a:gd name="T0" fmla="*/ 81 w 154"/>
+                <a:gd name="T1" fmla="*/ 9 h 305"/>
+                <a:gd name="T2" fmla="*/ 48 w 154"/>
+                <a:gd name="T3" fmla="*/ 43 h 305"/>
+                <a:gd name="T4" fmla="*/ 49 w 154"/>
+                <a:gd name="T5" fmla="*/ 47 h 305"/>
+                <a:gd name="T6" fmla="*/ 30 w 154"/>
+                <a:gd name="T7" fmla="*/ 143 h 305"/>
+                <a:gd name="T8" fmla="*/ 21 w 154"/>
+                <a:gd name="T9" fmla="*/ 158 h 305"/>
+                <a:gd name="T10" fmla="*/ 88 w 154"/>
+                <a:gd name="T11" fmla="*/ 243 h 305"/>
+                <a:gd name="T12" fmla="*/ 101 w 154"/>
+                <a:gd name="T13" fmla="*/ 243 h 305"/>
+                <a:gd name="T14" fmla="*/ 91 w 154"/>
+                <a:gd name="T15" fmla="*/ 285 h 305"/>
+                <a:gd name="T16" fmla="*/ 85 w 154"/>
+                <a:gd name="T17" fmla="*/ 275 h 305"/>
+                <a:gd name="T18" fmla="*/ 81 w 154"/>
+                <a:gd name="T19" fmla="*/ 278 h 305"/>
+                <a:gd name="T20" fmla="*/ 85 w 154"/>
+                <a:gd name="T21" fmla="*/ 303 h 305"/>
+                <a:gd name="T22" fmla="*/ 110 w 154"/>
+                <a:gd name="T23" fmla="*/ 247 h 305"/>
+                <a:gd name="T24" fmla="*/ 107 w 154"/>
+                <a:gd name="T25" fmla="*/ 238 h 305"/>
+                <a:gd name="T26" fmla="*/ 85 w 154"/>
+                <a:gd name="T27" fmla="*/ 164 h 305"/>
+                <a:gd name="T28" fmla="*/ 81 w 154"/>
+                <a:gd name="T29" fmla="*/ 151 h 305"/>
+                <a:gd name="T30" fmla="*/ 80 w 154"/>
+                <a:gd name="T31" fmla="*/ 143 h 305"/>
+                <a:gd name="T32" fmla="*/ 67 w 154"/>
+                <a:gd name="T33" fmla="*/ 92 h 305"/>
+                <a:gd name="T34" fmla="*/ 85 w 154"/>
+                <a:gd name="T35" fmla="*/ 39 h 305"/>
+                <a:gd name="T36" fmla="*/ 81 w 154"/>
+                <a:gd name="T37" fmla="*/ 11 h 305"/>
+                <a:gd name="T38" fmla="*/ 103 w 154"/>
+                <a:gd name="T39" fmla="*/ 228 h 305"/>
+                <a:gd name="T40" fmla="*/ 85 w 154"/>
+                <a:gd name="T41" fmla="*/ 174 h 305"/>
+                <a:gd name="T42" fmla="*/ 76 w 154"/>
+                <a:gd name="T43" fmla="*/ 143 h 305"/>
+                <a:gd name="T44" fmla="*/ 78 w 154"/>
+                <a:gd name="T45" fmla="*/ 151 h 305"/>
+                <a:gd name="T46" fmla="*/ 45 w 154"/>
+                <a:gd name="T47" fmla="*/ 189 h 305"/>
+                <a:gd name="T48" fmla="*/ 81 w 154"/>
+                <a:gd name="T49" fmla="*/ 174 h 305"/>
+                <a:gd name="T50" fmla="*/ 85 w 154"/>
+                <a:gd name="T51" fmla="*/ 192 h 305"/>
+                <a:gd name="T52" fmla="*/ 96 w 154"/>
+                <a:gd name="T53" fmla="*/ 231 h 305"/>
+                <a:gd name="T54" fmla="*/ 81 w 154"/>
+                <a:gd name="T55" fmla="*/ 233 h 305"/>
+                <a:gd name="T56" fmla="*/ 36 w 154"/>
+                <a:gd name="T57" fmla="*/ 147 h 305"/>
+                <a:gd name="T58" fmla="*/ 38 w 154"/>
+                <a:gd name="T59" fmla="*/ 143 h 305"/>
+                <a:gd name="T60" fmla="*/ 76 w 154"/>
+                <a:gd name="T61" fmla="*/ 143 h 305"/>
+                <a:gd name="T62" fmla="*/ 75 w 154"/>
+                <a:gd name="T63" fmla="*/ 47 h 305"/>
+                <a:gd name="T64" fmla="*/ 68 w 154"/>
+                <a:gd name="T65" fmla="*/ 75 h 305"/>
+                <a:gd name="T66" fmla="*/ 57 w 154"/>
+                <a:gd name="T67" fmla="*/ 47 h 305"/>
+                <a:gd name="T68" fmla="*/ 57 w 154"/>
+                <a:gd name="T69" fmla="*/ 19 h 305"/>
+                <a:gd name="T70" fmla="*/ 76 w 154"/>
+                <a:gd name="T71" fmla="*/ 43 h 305"/>
+              </a:gdLst>
+              <a:ahLst/>
+              <a:cxnLst>
+                <a:cxn ang="0">
+                  <a:pos x="T0" y="T1"/>
+                </a:cxn>
+                <a:cxn ang="0">
+                  <a:pos x="T2" y="T3"/>
+                </a:cxn>
+                <a:cxn ang="0">
+                  <a:pos x="T4" y="T5"/>
+                </a:cxn>
+                <a:cxn ang="0">
+                  <a:pos x="T6" y="T7"/>
+                </a:cxn>
+                <a:cxn ang="0">
+                  <a:pos x="T8" y="T9"/>
+                </a:cxn>
+                <a:cxn ang="0">
+                  <a:pos x="T10" y="T11"/>
+                </a:cxn>
+                <a:cxn ang="0">
+                  <a:pos x="T12" y="T13"/>
+                </a:cxn>
+                <a:cxn ang="0">
+                  <a:pos x="T14" y="T15"/>
+                </a:cxn>
+                <a:cxn ang="0">
+                  <a:pos x="T16" y="T17"/>
+                </a:cxn>
+                <a:cxn ang="0">
+                  <a:pos x="T18" y="T19"/>
+                </a:cxn>
+                <a:cxn ang="0">
+                  <a:pos x="T20" y="T21"/>
+                </a:cxn>
+                <a:cxn ang="0">
+                  <a:pos x="T22" y="T23"/>
+                </a:cxn>
+                <a:cxn ang="0">
+                  <a:pos x="T24" y="T25"/>
+                </a:cxn>
+                <a:cxn ang="0">
+                  <a:pos x="T26" y="T27"/>
+                </a:cxn>
+                <a:cxn ang="0">
+                  <a:pos x="T28" y="T29"/>
+                </a:cxn>
+                <a:cxn ang="0">
+                  <a:pos x="T30" y="T31"/>
+                </a:cxn>
+                <a:cxn ang="0">
+                  <a:pos x="T32" y="T33"/>
+                </a:cxn>
+                <a:cxn ang="0">
+                  <a:pos x="T34" y="T35"/>
+                </a:cxn>
+                <a:cxn ang="0">
+                  <a:pos x="T36" y="T37"/>
+                </a:cxn>
+                <a:cxn ang="0">
+                  <a:pos x="T38" y="T39"/>
+                </a:cxn>
+                <a:cxn ang="0">
+                  <a:pos x="T40" y="T41"/>
+                </a:cxn>
+                <a:cxn ang="0">
+                  <a:pos x="T42" y="T43"/>
+                </a:cxn>
+                <a:cxn ang="0">
+                  <a:pos x="T44" y="T45"/>
+                </a:cxn>
+                <a:cxn ang="0">
+                  <a:pos x="T46" y="T47"/>
+                </a:cxn>
+                <a:cxn ang="0">
+                  <a:pos x="T48" y="T49"/>
+                </a:cxn>
+                <a:cxn ang="0">
+                  <a:pos x="T50" y="T51"/>
+                </a:cxn>
+                <a:cxn ang="0">
+                  <a:pos x="T52" y="T53"/>
+                </a:cxn>
+                <a:cxn ang="0">
+                  <a:pos x="T54" y="T55"/>
+                </a:cxn>
+                <a:cxn ang="0">
+                  <a:pos x="T56" y="T57"/>
+                </a:cxn>
+                <a:cxn ang="0">
+                  <a:pos x="T58" y="T59"/>
+                </a:cxn>
+                <a:cxn ang="0">
+                  <a:pos x="T60" y="T61"/>
+                </a:cxn>
+                <a:cxn ang="0">
+                  <a:pos x="T62" y="T63"/>
+                </a:cxn>
+                <a:cxn ang="0">
+                  <a:pos x="T64" y="T65"/>
+                </a:cxn>
+                <a:cxn ang="0">
+                  <a:pos x="T66" y="T67"/>
+                </a:cxn>
+                <a:cxn ang="0">
+                  <a:pos x="T68" y="T69"/>
+                </a:cxn>
+                <a:cxn ang="0">
+                  <a:pos x="T70" y="T71"/>
+                </a:cxn>
+              </a:cxnLst>
+              <a:rect l="0" t="0" r="r" b="b"/>
+              <a:pathLst>
+                <a:path w="154" h="305">
+                  <a:moveTo>
+                    <a:pt x="81" y="11"/>
+                  </a:moveTo>
+                  <a:cubicBezTo>
+                    <a:pt x="81" y="10"/>
+                    <a:pt x="81" y="10"/>
+                    <a:pt x="81" y="9"/>
+                  </a:cubicBezTo>
+                  <a:cubicBezTo>
+                    <a:pt x="78" y="2"/>
+                    <a:pt x="64" y="0"/>
+                    <a:pt x="58" y="4"/>
+                  </a:cubicBezTo>
+                  <a:cubicBezTo>
+                    <a:pt x="48" y="10"/>
+                    <a:pt x="47" y="33"/>
+                    <a:pt x="48" y="43"/>
+                  </a:cubicBezTo>
+                  <a:cubicBezTo>
+                    <a:pt x="48" y="43"/>
+                    <a:pt x="48" y="43"/>
+                    <a:pt x="48" y="43"/>
+                  </a:cubicBezTo>
+                  <a:cubicBezTo>
+                    <a:pt x="48" y="44"/>
+                    <a:pt x="48" y="46"/>
+                    <a:pt x="49" y="47"/>
+                  </a:cubicBezTo>
+                  <a:cubicBezTo>
+                    <a:pt x="51" y="63"/>
+                    <a:pt x="56" y="78"/>
+                    <a:pt x="61" y="93"/>
+                  </a:cubicBezTo>
+                  <a:cubicBezTo>
+                    <a:pt x="52" y="110"/>
+                    <a:pt x="39" y="126"/>
+                    <a:pt x="30" y="143"/>
+                  </a:cubicBezTo>
+                  <a:cubicBezTo>
+                    <a:pt x="29" y="144"/>
+                    <a:pt x="28" y="146"/>
+                    <a:pt x="27" y="147"/>
+                  </a:cubicBezTo>
+                  <a:cubicBezTo>
+                    <a:pt x="25" y="151"/>
+                    <a:pt x="23" y="154"/>
+                    <a:pt x="21" y="158"/>
+                  </a:cubicBezTo>
+                  <a:cubicBezTo>
+                    <a:pt x="0" y="205"/>
+                    <a:pt x="32" y="238"/>
+                    <a:pt x="69" y="243"/>
+                  </a:cubicBezTo>
+                  <a:cubicBezTo>
+                    <a:pt x="75" y="244"/>
+                    <a:pt x="82" y="244"/>
+                    <a:pt x="88" y="243"/>
+                  </a:cubicBezTo>
+                  <a:cubicBezTo>
+                    <a:pt x="92" y="242"/>
+                    <a:pt x="96" y="242"/>
+                    <a:pt x="100" y="240"/>
+                  </a:cubicBezTo>
+                  <a:cubicBezTo>
+                    <a:pt x="100" y="241"/>
+                    <a:pt x="100" y="242"/>
+                    <a:pt x="101" y="243"/>
+                  </a:cubicBezTo>
+                  <a:cubicBezTo>
+                    <a:pt x="101" y="244"/>
+                    <a:pt x="101" y="246"/>
+                    <a:pt x="102" y="247"/>
+                  </a:cubicBezTo>
+                  <a:cubicBezTo>
+                    <a:pt x="104" y="258"/>
+                    <a:pt x="103" y="270"/>
+                    <a:pt x="91" y="285"/>
+                  </a:cubicBezTo>
+                  <a:cubicBezTo>
+                    <a:pt x="91" y="284"/>
+                    <a:pt x="91" y="284"/>
+                    <a:pt x="91" y="284"/>
+                  </a:cubicBezTo>
+                  <a:cubicBezTo>
+                    <a:pt x="92" y="280"/>
+                    <a:pt x="89" y="276"/>
+                    <a:pt x="85" y="275"/>
+                  </a:cubicBezTo>
+                  <a:cubicBezTo>
+                    <a:pt x="84" y="275"/>
+                    <a:pt x="82" y="276"/>
+                    <a:pt x="81" y="277"/>
+                  </a:cubicBezTo>
+                  <a:cubicBezTo>
+                    <a:pt x="81" y="277"/>
+                    <a:pt x="81" y="277"/>
+                    <a:pt x="81" y="278"/>
+                  </a:cubicBezTo>
+                  <a:cubicBezTo>
+                    <a:pt x="74" y="285"/>
+                    <a:pt x="75" y="295"/>
+                    <a:pt x="81" y="300"/>
+                  </a:cubicBezTo>
+                  <a:cubicBezTo>
+                    <a:pt x="82" y="301"/>
+                    <a:pt x="84" y="302"/>
+                    <a:pt x="85" y="303"/>
+                  </a:cubicBezTo>
+                  <a:cubicBezTo>
+                    <a:pt x="88" y="304"/>
+                    <a:pt x="92" y="305"/>
+                    <a:pt x="97" y="304"/>
+                  </a:cubicBezTo>
+                  <a:cubicBezTo>
+                    <a:pt x="120" y="297"/>
+                    <a:pt x="117" y="271"/>
+                    <a:pt x="110" y="247"/>
+                  </a:cubicBezTo>
+                  <a:cubicBezTo>
+                    <a:pt x="109" y="246"/>
+                    <a:pt x="109" y="244"/>
+                    <a:pt x="109" y="243"/>
+                  </a:cubicBezTo>
+                  <a:cubicBezTo>
+                    <a:pt x="108" y="241"/>
+                    <a:pt x="107" y="239"/>
+                    <a:pt x="107" y="238"/>
+                  </a:cubicBezTo>
+                  <a:cubicBezTo>
+                    <a:pt x="117" y="233"/>
+                    <a:pt x="127" y="226"/>
+                    <a:pt x="134" y="215"/>
+                  </a:cubicBezTo>
+                  <a:cubicBezTo>
+                    <a:pt x="154" y="188"/>
+                    <a:pt x="117" y="163"/>
+                    <a:pt x="85" y="164"/>
+                  </a:cubicBezTo>
+                  <a:cubicBezTo>
+                    <a:pt x="84" y="164"/>
+                    <a:pt x="84" y="164"/>
+                    <a:pt x="83" y="164"/>
+                  </a:cubicBezTo>
+                  <a:cubicBezTo>
+                    <a:pt x="83" y="159"/>
+                    <a:pt x="82" y="155"/>
+                    <a:pt x="81" y="151"/>
+                  </a:cubicBezTo>
+                  <a:cubicBezTo>
+                    <a:pt x="81" y="149"/>
+                    <a:pt x="81" y="148"/>
+                    <a:pt x="80" y="147"/>
+                  </a:cubicBezTo>
+                  <a:cubicBezTo>
+                    <a:pt x="80" y="146"/>
+                    <a:pt x="80" y="144"/>
+                    <a:pt x="80" y="143"/>
+                  </a:cubicBezTo>
+                  <a:cubicBezTo>
+                    <a:pt x="77" y="131"/>
+                    <a:pt x="75" y="119"/>
+                    <a:pt x="72" y="108"/>
+                  </a:cubicBezTo>
+                  <a:cubicBezTo>
+                    <a:pt x="71" y="103"/>
+                    <a:pt x="69" y="97"/>
+                    <a:pt x="67" y="92"/>
+                  </a:cubicBezTo>
+                  <a:cubicBezTo>
+                    <a:pt x="73" y="81"/>
+                    <a:pt x="78" y="71"/>
+                    <a:pt x="81" y="60"/>
+                  </a:cubicBezTo>
+                  <a:cubicBezTo>
+                    <a:pt x="83" y="53"/>
+                    <a:pt x="85" y="46"/>
+                    <a:pt x="85" y="39"/>
+                  </a:cubicBezTo>
+                  <a:cubicBezTo>
+                    <a:pt x="85" y="35"/>
+                    <a:pt x="85" y="32"/>
+                    <a:pt x="85" y="29"/>
+                  </a:cubicBezTo>
+                  <a:cubicBezTo>
+                    <a:pt x="85" y="23"/>
+                    <a:pt x="83" y="17"/>
+                    <a:pt x="81" y="11"/>
+                  </a:cubicBezTo>
+                  <a:close/>
+                  <a:moveTo>
+                    <a:pt x="109" y="225"/>
+                  </a:moveTo>
+                  <a:cubicBezTo>
+                    <a:pt x="107" y="226"/>
+                    <a:pt x="105" y="228"/>
+                    <a:pt x="103" y="228"/>
+                  </a:cubicBezTo>
+                  <a:cubicBezTo>
+                    <a:pt x="101" y="222"/>
+                    <a:pt x="98" y="216"/>
+                    <a:pt x="97" y="213"/>
+                  </a:cubicBezTo>
+                  <a:cubicBezTo>
+                    <a:pt x="92" y="200"/>
+                    <a:pt x="88" y="187"/>
+                    <a:pt x="85" y="174"/>
+                  </a:cubicBezTo>
+                  <a:cubicBezTo>
+                    <a:pt x="115" y="174"/>
+                    <a:pt x="144" y="202"/>
+                    <a:pt x="109" y="225"/>
+                  </a:cubicBezTo>
+                  <a:close/>
+                  <a:moveTo>
+                    <a:pt x="76" y="143"/>
+                  </a:moveTo>
+                  <a:cubicBezTo>
+                    <a:pt x="76" y="144"/>
+                    <a:pt x="76" y="146"/>
+                    <a:pt x="77" y="147"/>
+                  </a:cubicBezTo>
+                  <a:cubicBezTo>
+                    <a:pt x="77" y="148"/>
+                    <a:pt x="77" y="150"/>
+                    <a:pt x="78" y="151"/>
+                  </a:cubicBezTo>
+                  <a:cubicBezTo>
+                    <a:pt x="78" y="155"/>
+                    <a:pt x="79" y="160"/>
+                    <a:pt x="80" y="164"/>
+                  </a:cubicBezTo>
+                  <a:cubicBezTo>
+                    <a:pt x="64" y="165"/>
+                    <a:pt x="50" y="173"/>
+                    <a:pt x="45" y="189"/>
+                  </a:cubicBezTo>
+                  <a:cubicBezTo>
+                    <a:pt x="44" y="192"/>
+                    <a:pt x="49" y="194"/>
+                    <a:pt x="51" y="191"/>
+                  </a:cubicBezTo>
+                  <a:cubicBezTo>
+                    <a:pt x="59" y="180"/>
+                    <a:pt x="70" y="175"/>
+                    <a:pt x="81" y="174"/>
+                  </a:cubicBezTo>
+                  <a:cubicBezTo>
+                    <a:pt x="81" y="174"/>
+                    <a:pt x="82" y="174"/>
+                    <a:pt x="82" y="174"/>
+                  </a:cubicBezTo>
+                  <a:cubicBezTo>
+                    <a:pt x="83" y="180"/>
+                    <a:pt x="84" y="186"/>
+                    <a:pt x="85" y="192"/>
+                  </a:cubicBezTo>
+                  <a:cubicBezTo>
+                    <a:pt x="87" y="199"/>
+                    <a:pt x="88" y="207"/>
+                    <a:pt x="91" y="214"/>
+                  </a:cubicBezTo>
+                  <a:cubicBezTo>
+                    <a:pt x="92" y="220"/>
+                    <a:pt x="94" y="226"/>
+                    <a:pt x="96" y="231"/>
+                  </a:cubicBezTo>
+                  <a:cubicBezTo>
+                    <a:pt x="93" y="232"/>
+                    <a:pt x="89" y="233"/>
+                    <a:pt x="85" y="233"/>
+                  </a:cubicBezTo>
+                  <a:cubicBezTo>
+                    <a:pt x="84" y="233"/>
+                    <a:pt x="82" y="233"/>
+                    <a:pt x="81" y="233"/>
+                  </a:cubicBezTo>
+                  <a:cubicBezTo>
+                    <a:pt x="67" y="233"/>
+                    <a:pt x="52" y="228"/>
+                    <a:pt x="41" y="223"/>
+                  </a:cubicBezTo>
+                  <a:cubicBezTo>
+                    <a:pt x="9" y="206"/>
+                    <a:pt x="24" y="170"/>
+                    <a:pt x="36" y="147"/>
+                  </a:cubicBezTo>
+                  <a:cubicBezTo>
+                    <a:pt x="36" y="146"/>
+                    <a:pt x="36" y="145"/>
+                    <a:pt x="37" y="144"/>
+                  </a:cubicBezTo>
+                  <a:cubicBezTo>
+                    <a:pt x="37" y="144"/>
+                    <a:pt x="37" y="143"/>
+                    <a:pt x="38" y="143"/>
+                  </a:cubicBezTo>
+                  <a:cubicBezTo>
+                    <a:pt x="45" y="130"/>
+                    <a:pt x="54" y="116"/>
+                    <a:pt x="63" y="100"/>
+                  </a:cubicBezTo>
+                  <a:cubicBezTo>
+                    <a:pt x="67" y="114"/>
+                    <a:pt x="72" y="129"/>
+                    <a:pt x="76" y="143"/>
+                  </a:cubicBezTo>
+                  <a:close/>
+                  <a:moveTo>
+                    <a:pt x="76" y="43"/>
+                  </a:moveTo>
+                  <a:cubicBezTo>
+                    <a:pt x="76" y="44"/>
+                    <a:pt x="75" y="46"/>
+                    <a:pt x="75" y="47"/>
+                  </a:cubicBezTo>
+                  <a:cubicBezTo>
+                    <a:pt x="75" y="47"/>
+                    <a:pt x="75" y="48"/>
+                    <a:pt x="75" y="48"/>
+                  </a:cubicBezTo>
+                  <a:cubicBezTo>
+                    <a:pt x="74" y="57"/>
+                    <a:pt x="71" y="66"/>
+                    <a:pt x="68" y="75"/>
+                  </a:cubicBezTo>
+                  <a:cubicBezTo>
+                    <a:pt x="67" y="78"/>
+                    <a:pt x="66" y="81"/>
+                    <a:pt x="65" y="83"/>
+                  </a:cubicBezTo>
+                  <a:cubicBezTo>
+                    <a:pt x="61" y="71"/>
+                    <a:pt x="58" y="59"/>
+                    <a:pt x="57" y="47"/>
+                  </a:cubicBezTo>
+                  <a:cubicBezTo>
+                    <a:pt x="57" y="46"/>
+                    <a:pt x="56" y="44"/>
+                    <a:pt x="56" y="43"/>
+                  </a:cubicBezTo>
+                  <a:cubicBezTo>
+                    <a:pt x="56" y="35"/>
+                    <a:pt x="56" y="27"/>
+                    <a:pt x="57" y="19"/>
+                  </a:cubicBezTo>
+                  <a:cubicBezTo>
+                    <a:pt x="58" y="12"/>
+                    <a:pt x="64" y="13"/>
+                    <a:pt x="77" y="23"/>
+                  </a:cubicBezTo>
+                  <a:cubicBezTo>
+                    <a:pt x="77" y="30"/>
+                    <a:pt x="77" y="36"/>
+                    <a:pt x="76" y="43"/>
+                  </a:cubicBezTo>
+                  <a:close/>
+                </a:path>
+              </a:pathLst>
+            </a:custGeom>
+            <a:solidFill>
+              <a:srgbClr val="F2F2F2"/>
+            </a:solidFill>
+            <a:ln>
+              <a:noFill/>
+            </a:ln>
+            <a:extLst>
+              <a:ext uri="{91240B29-F687-4F45-9708-019B960494DF}">
+                <a14:hiddenLine xmlns:a14="http://schemas.microsoft.com/office/drawing/2010/main" w="9525">
+                  <a:solidFill>
+                    <a:srgbClr val="000000"/>
+                  </a:solidFill>
+                  <a:round/>
+                </a14:hiddenLine>
+              </a:ext>
+            </a:extLst>
+          </p:spPr>
+          <p:txBody>
+            <a:bodyPr vert="horz" wrap="square" lIns="91440" tIns="45720" rIns="91440" bIns="45720" numCol="1" anchor="t" anchorCtr="0" compatLnSpc="1"/>
+            <a:p>
+              <a:endParaRPr lang="zh-CN" altLang="en-US"/>
+            </a:p>
+          </p:txBody>
+        </p:sp>
+        <p:sp>
+          <p:nvSpPr>
+            <p:cNvPr id="105" name="Freeform 6"/>
+            <p:cNvSpPr/>
+            <p:nvPr/>
+          </p:nvSpPr>
+          <p:spPr bwMode="auto">
+            <a:xfrm>
+              <a:off x="735" y="774"/>
+              <a:ext cx="61" cy="52"/>
+            </a:xfrm>
+            <a:custGeom>
+              <a:avLst/>
+              <a:gdLst>
+                <a:gd name="T0" fmla="*/ 25 w 28"/>
+                <a:gd name="T1" fmla="*/ 23 h 24"/>
+                <a:gd name="T2" fmla="*/ 27 w 28"/>
+                <a:gd name="T3" fmla="*/ 21 h 24"/>
+                <a:gd name="T4" fmla="*/ 3 w 28"/>
+                <a:gd name="T5" fmla="*/ 1 h 24"/>
+                <a:gd name="T6" fmla="*/ 2 w 28"/>
+                <a:gd name="T7" fmla="*/ 4 h 24"/>
+                <a:gd name="T8" fmla="*/ 25 w 28"/>
+                <a:gd name="T9" fmla="*/ 23 h 24"/>
+              </a:gdLst>
+              <a:ahLst/>
+              <a:cxnLst>
+                <a:cxn ang="0">
+                  <a:pos x="T0" y="T1"/>
+                </a:cxn>
+                <a:cxn ang="0">
+                  <a:pos x="T2" y="T3"/>
+                </a:cxn>
+                <a:cxn ang="0">
+                  <a:pos x="T4" y="T5"/>
+                </a:cxn>
+                <a:cxn ang="0">
+                  <a:pos x="T6" y="T7"/>
+                </a:cxn>
+                <a:cxn ang="0">
+                  <a:pos x="T8" y="T9"/>
+                </a:cxn>
+              </a:cxnLst>
+              <a:rect l="0" t="0" r="r" b="b"/>
+              <a:pathLst>
+                <a:path w="28" h="24">
+                  <a:moveTo>
+                    <a:pt x="25" y="23"/>
+                  </a:moveTo>
+                  <a:cubicBezTo>
+                    <a:pt x="26" y="24"/>
+                    <a:pt x="28" y="23"/>
+                    <a:pt x="27" y="21"/>
+                  </a:cubicBezTo>
+                  <a:cubicBezTo>
+                    <a:pt x="24" y="10"/>
+                    <a:pt x="13" y="4"/>
+                    <a:pt x="3" y="1"/>
+                  </a:cubicBezTo>
+                  <a:cubicBezTo>
+                    <a:pt x="1" y="0"/>
+                    <a:pt x="0" y="3"/>
+                    <a:pt x="2" y="4"/>
+                  </a:cubicBezTo>
+                  <a:cubicBezTo>
+                    <a:pt x="10" y="10"/>
+                    <a:pt x="17" y="17"/>
+                    <a:pt x="25" y="23"/>
+                  </a:cubicBezTo>
+                  <a:close/>
+                </a:path>
+              </a:pathLst>
+            </a:custGeom>
+            <a:solidFill>
+              <a:srgbClr val="F2F2F2"/>
+            </a:solidFill>
+            <a:ln>
+              <a:noFill/>
+            </a:ln>
+            <a:extLst>
+              <a:ext uri="{91240B29-F687-4F45-9708-019B960494DF}">
+                <a14:hiddenLine xmlns:a14="http://schemas.microsoft.com/office/drawing/2010/main" w="9525">
+                  <a:solidFill>
+                    <a:srgbClr val="000000"/>
+                  </a:solidFill>
+                  <a:round/>
+                </a14:hiddenLine>
+              </a:ext>
+            </a:extLst>
+          </p:spPr>
+          <p:txBody>
+            <a:bodyPr vert="horz" wrap="square" lIns="91440" tIns="45720" rIns="91440" bIns="45720" numCol="1" anchor="t" anchorCtr="0" compatLnSpc="1"/>
+            <a:p>
+              <a:endParaRPr lang="zh-CN" altLang="en-US"/>
+            </a:p>
+          </p:txBody>
+        </p:sp>
+        <p:sp>
+          <p:nvSpPr>
+            <p:cNvPr id="106" name="Freeform 7"/>
+            <p:cNvSpPr/>
+            <p:nvPr/>
+          </p:nvSpPr>
+          <p:spPr bwMode="auto">
+            <a:xfrm>
+              <a:off x="759" y="748"/>
+              <a:ext cx="76" cy="50"/>
+            </a:xfrm>
+            <a:custGeom>
+              <a:avLst/>
+              <a:gdLst>
+                <a:gd name="T0" fmla="*/ 3 w 35"/>
+                <a:gd name="T1" fmla="*/ 1 h 23"/>
+                <a:gd name="T2" fmla="*/ 3 w 35"/>
+                <a:gd name="T3" fmla="*/ 5 h 23"/>
+                <a:gd name="T4" fmla="*/ 17 w 35"/>
+                <a:gd name="T5" fmla="*/ 11 h 23"/>
+                <a:gd name="T6" fmla="*/ 31 w 35"/>
+                <a:gd name="T7" fmla="*/ 22 h 23"/>
+                <a:gd name="T8" fmla="*/ 34 w 35"/>
+                <a:gd name="T9" fmla="*/ 20 h 23"/>
+                <a:gd name="T10" fmla="*/ 3 w 35"/>
+                <a:gd name="T11" fmla="*/ 1 h 23"/>
+              </a:gdLst>
+              <a:ahLst/>
+              <a:cxnLst>
+                <a:cxn ang="0">
+                  <a:pos x="T0" y="T1"/>
+                </a:cxn>
+                <a:cxn ang="0">
+                  <a:pos x="T2" y="T3"/>
+                </a:cxn>
+                <a:cxn ang="0">
+                  <a:pos x="T4" y="T5"/>
+                </a:cxn>
+                <a:cxn ang="0">
+                  <a:pos x="T6" y="T7"/>
+                </a:cxn>
+                <a:cxn ang="0">
+                  <a:pos x="T8" y="T9"/>
+                </a:cxn>
+                <a:cxn ang="0">
+                  <a:pos x="T10" y="T11"/>
+                </a:cxn>
+              </a:cxnLst>
+              <a:rect l="0" t="0" r="r" b="b"/>
+              <a:pathLst>
+                <a:path w="35" h="23">
+                  <a:moveTo>
+                    <a:pt x="3" y="1"/>
+                  </a:moveTo>
+                  <a:cubicBezTo>
+                    <a:pt x="1" y="1"/>
+                    <a:pt x="0" y="4"/>
+                    <a:pt x="3" y="5"/>
+                  </a:cubicBezTo>
+                  <a:cubicBezTo>
+                    <a:pt x="8" y="6"/>
+                    <a:pt x="13" y="8"/>
+                    <a:pt x="17" y="11"/>
+                  </a:cubicBezTo>
+                  <a:cubicBezTo>
+                    <a:pt x="22" y="15"/>
+                    <a:pt x="26" y="19"/>
+                    <a:pt x="31" y="22"/>
+                  </a:cubicBezTo>
+                  <a:cubicBezTo>
+                    <a:pt x="33" y="23"/>
+                    <a:pt x="35" y="22"/>
+                    <a:pt x="34" y="20"/>
+                  </a:cubicBezTo>
+                  <a:cubicBezTo>
+                    <a:pt x="30" y="8"/>
+                    <a:pt x="16" y="0"/>
+                    <a:pt x="3" y="1"/>
+                  </a:cubicBezTo>
+                  <a:close/>
+                </a:path>
+              </a:pathLst>
+            </a:custGeom>
+            <a:solidFill>
+              <a:srgbClr val="F2F2F2"/>
+            </a:solidFill>
+            <a:ln>
+              <a:noFill/>
+            </a:ln>
+            <a:extLst>
+              <a:ext uri="{91240B29-F687-4F45-9708-019B960494DF}">
+                <a14:hiddenLine xmlns:a14="http://schemas.microsoft.com/office/drawing/2010/main" w="9525">
+                  <a:solidFill>
+                    <a:srgbClr val="000000"/>
+                  </a:solidFill>
+                  <a:round/>
+                </a14:hiddenLine>
+              </a:ext>
+            </a:extLst>
+          </p:spPr>
+          <p:txBody>
+            <a:bodyPr vert="horz" wrap="square" lIns="91440" tIns="45720" rIns="91440" bIns="45720" numCol="1" anchor="t" anchorCtr="0" compatLnSpc="1"/>
+            <a:p>
+              <a:endParaRPr lang="zh-CN" altLang="en-US"/>
+            </a:p>
+          </p:txBody>
+        </p:sp>
+      </p:grpSp>
+      <p:sp>
+        <p:nvSpPr>
+          <p:cNvPr id="4" name="Rectangle 47"/>
+          <p:cNvSpPr/>
+          <p:nvPr/>
+        </p:nvSpPr>
+        <p:spPr>
+          <a:xfrm>
+            <a:off x="1288212" y="759990"/>
+            <a:ext cx="3076575" cy="492125"/>
+          </a:xfrm>
+          <a:prstGeom prst="rect">
+            <a:avLst/>
+          </a:prstGeom>
+        </p:spPr>
+        <p:txBody>
+          <a:bodyPr wrap="none" lIns="0" tIns="0" rIns="0" bIns="0">
+            <a:spAutoFit/>
+          </a:bodyPr>
+          <a:p>
+            <a:pPr algn="l"/>
+            <a:r>
+              <a:rPr lang="en-US" altLang="zh-CN" sz="3200" b="1" dirty="0" smtClean="0">
+                <a:solidFill>
+                  <a:schemeClr val="bg1"/>
+                </a:solidFill>
+                <a:latin typeface="方正静蕾简体" pitchFamily="2" charset="-122"/>
+                <a:ea typeface="方正静蕾简体" pitchFamily="2" charset="-122"/>
+                <a:cs typeface="Arial" panose="020B0604020202020204" pitchFamily="34" charset="0"/>
+              </a:rPr>
+              <a:t>Content Scripts </a:t>
+            </a:r>
+            <a:endParaRPr lang="zh-CN" altLang="en-US" sz="3200" b="1" dirty="0" smtClean="0">
+              <a:solidFill>
+                <a:schemeClr val="bg1"/>
+              </a:solidFill>
+              <a:latin typeface="方正静蕾简体" pitchFamily="2" charset="-122"/>
+              <a:ea typeface="方正静蕾简体" pitchFamily="2" charset="-122"/>
+              <a:cs typeface="Arial" panose="020B0604020202020204" pitchFamily="34" charset="0"/>
+            </a:endParaRPr>
+          </a:p>
+        </p:txBody>
+      </p:sp>
+      <p:sp>
+        <p:nvSpPr>
+          <p:cNvPr id="7" name="文本框 6"/>
+          <p:cNvSpPr txBox="1"/>
+          <p:nvPr/>
+        </p:nvSpPr>
+        <p:spPr>
+          <a:xfrm>
+            <a:off x="704215" y="1750695"/>
+            <a:ext cx="386715" cy="368300"/>
+          </a:xfrm>
+          <a:prstGeom prst="rect">
+            <a:avLst/>
+          </a:prstGeom>
+          <a:noFill/>
+        </p:spPr>
+        <p:txBody>
+          <a:bodyPr wrap="none" rtlCol="0" anchor="t">
+            <a:spAutoFit/>
+          </a:bodyPr>
+          <a:p>
+            <a:r>
+              <a:rPr lang="zh-CN" altLang="en-US">
+                <a:solidFill>
+                  <a:schemeClr val="bg1"/>
+                </a:solidFill>
+                <a:sym typeface="Wingdings" panose="05000000000000000000" charset="0"/>
+              </a:rPr>
+              <a:t></a:t>
+            </a:r>
+            <a:endParaRPr lang="zh-CN" altLang="en-US">
+              <a:solidFill>
+                <a:schemeClr val="bg1"/>
+              </a:solidFill>
+              <a:sym typeface="Wingdings" panose="05000000000000000000" charset="0"/>
+            </a:endParaRPr>
+          </a:p>
+        </p:txBody>
+      </p:sp>
+      <p:sp>
+        <p:nvSpPr>
+          <p:cNvPr id="8" name="文本框 7"/>
+          <p:cNvSpPr txBox="1"/>
+          <p:nvPr/>
+        </p:nvSpPr>
+        <p:spPr>
+          <a:xfrm>
+            <a:off x="1203325" y="1673860"/>
+            <a:ext cx="7973695" cy="521970"/>
+          </a:xfrm>
+          <a:prstGeom prst="rect">
+            <a:avLst/>
+          </a:prstGeom>
+          <a:noFill/>
+        </p:spPr>
+        <p:txBody>
+          <a:bodyPr wrap="square" rtlCol="0" anchor="t">
+            <a:spAutoFit/>
+          </a:bodyPr>
+          <a:p>
+            <a:r>
+              <a:rPr lang="zh-CN" altLang="en-US" sz="2800">
+                <a:solidFill>
+                  <a:schemeClr val="bg1"/>
+                </a:solidFill>
+              </a:rPr>
+              <a:t>网页上下文中运行的文件 </a:t>
+            </a:r>
+            <a:endParaRPr lang="zh-CN" altLang="en-US" sz="2800">
+              <a:solidFill>
+                <a:schemeClr val="bg1"/>
+              </a:solidFill>
+            </a:endParaRPr>
+          </a:p>
+        </p:txBody>
+      </p:sp>
+      <p:sp>
+        <p:nvSpPr>
+          <p:cNvPr id="5" name="文本框 4"/>
+          <p:cNvSpPr txBox="1"/>
+          <p:nvPr/>
+        </p:nvSpPr>
+        <p:spPr>
+          <a:xfrm>
+            <a:off x="704215" y="2423795"/>
+            <a:ext cx="386715" cy="368300"/>
+          </a:xfrm>
+          <a:prstGeom prst="rect">
+            <a:avLst/>
+          </a:prstGeom>
+          <a:noFill/>
+        </p:spPr>
+        <p:txBody>
+          <a:bodyPr wrap="none" rtlCol="0" anchor="t">
+            <a:spAutoFit/>
+          </a:bodyPr>
+          <a:p>
+            <a:r>
+              <a:rPr lang="zh-CN" altLang="en-US">
+                <a:solidFill>
+                  <a:schemeClr val="bg1"/>
+                </a:solidFill>
+                <a:sym typeface="Wingdings" panose="05000000000000000000" charset="0"/>
+              </a:rPr>
+              <a:t></a:t>
+            </a:r>
+            <a:endParaRPr lang="zh-CN" altLang="en-US">
+              <a:solidFill>
+                <a:schemeClr val="bg1"/>
+              </a:solidFill>
+              <a:sym typeface="Wingdings" panose="05000000000000000000" charset="0"/>
+            </a:endParaRPr>
+          </a:p>
+        </p:txBody>
+      </p:sp>
+      <p:sp>
+        <p:nvSpPr>
+          <p:cNvPr id="6" name="文本框 5"/>
+          <p:cNvSpPr txBox="1"/>
+          <p:nvPr/>
+        </p:nvSpPr>
+        <p:spPr>
+          <a:xfrm>
+            <a:off x="1203325" y="2346960"/>
+            <a:ext cx="7973695" cy="521970"/>
+          </a:xfrm>
+          <a:prstGeom prst="rect">
+            <a:avLst/>
+          </a:prstGeom>
+          <a:noFill/>
+        </p:spPr>
+        <p:txBody>
+          <a:bodyPr wrap="square" rtlCol="0" anchor="t">
+            <a:spAutoFit/>
+          </a:bodyPr>
+          <a:p>
+            <a:r>
+              <a:rPr lang="zh-CN" altLang="en-US" sz="2800">
+                <a:solidFill>
+                  <a:schemeClr val="bg1"/>
+                </a:solidFill>
+              </a:rPr>
+              <a:t>可以对 </a:t>
+            </a:r>
+            <a:r>
+              <a:rPr lang="en-US" altLang="zh-CN" sz="2800">
+                <a:solidFill>
+                  <a:schemeClr val="bg1"/>
+                </a:solidFill>
+              </a:rPr>
+              <a:t>Dom </a:t>
+            </a:r>
+            <a:r>
+              <a:rPr lang="zh-CN" altLang="en-US" sz="2800">
+                <a:solidFill>
+                  <a:schemeClr val="bg1"/>
+                </a:solidFill>
+              </a:rPr>
+              <a:t>进行更改</a:t>
+            </a:r>
+            <a:endParaRPr lang="zh-CN" altLang="en-US" sz="2800">
+              <a:solidFill>
+                <a:schemeClr val="bg1"/>
+              </a:solidFill>
+            </a:endParaRPr>
+          </a:p>
+        </p:txBody>
+      </p:sp>
+      <p:sp>
+        <p:nvSpPr>
+          <p:cNvPr id="9" name="文本框 8"/>
+          <p:cNvSpPr txBox="1"/>
+          <p:nvPr/>
+        </p:nvSpPr>
+        <p:spPr>
+          <a:xfrm>
+            <a:off x="704215" y="3060700"/>
+            <a:ext cx="386715" cy="368300"/>
+          </a:xfrm>
+          <a:prstGeom prst="rect">
+            <a:avLst/>
+          </a:prstGeom>
+          <a:noFill/>
+        </p:spPr>
+        <p:txBody>
+          <a:bodyPr wrap="none" rtlCol="0" anchor="t">
+            <a:spAutoFit/>
+          </a:bodyPr>
+          <a:p>
+            <a:r>
+              <a:rPr lang="zh-CN" altLang="en-US">
+                <a:solidFill>
+                  <a:schemeClr val="bg1"/>
+                </a:solidFill>
+                <a:sym typeface="Wingdings" panose="05000000000000000000" charset="0"/>
+              </a:rPr>
+              <a:t></a:t>
+            </a:r>
+            <a:endParaRPr lang="zh-CN" altLang="en-US">
+              <a:solidFill>
+                <a:schemeClr val="bg1"/>
+              </a:solidFill>
+              <a:sym typeface="Wingdings" panose="05000000000000000000" charset="0"/>
+            </a:endParaRPr>
+          </a:p>
+        </p:txBody>
+      </p:sp>
+      <p:sp>
+        <p:nvSpPr>
+          <p:cNvPr id="10" name="文本框 9"/>
+          <p:cNvSpPr txBox="1"/>
+          <p:nvPr/>
+        </p:nvSpPr>
+        <p:spPr>
+          <a:xfrm>
+            <a:off x="1203325" y="2983865"/>
+            <a:ext cx="7973695" cy="521970"/>
+          </a:xfrm>
+          <a:prstGeom prst="rect">
+            <a:avLst/>
+          </a:prstGeom>
+          <a:noFill/>
+        </p:spPr>
+        <p:txBody>
+          <a:bodyPr wrap="square" rtlCol="0" anchor="t">
+            <a:spAutoFit/>
+          </a:bodyPr>
+          <a:p>
+            <a:r>
+              <a:rPr lang="zh-CN" altLang="en-US" sz="2800">
+                <a:solidFill>
+                  <a:schemeClr val="bg1"/>
+                </a:solidFill>
+              </a:rPr>
+              <a:t>字体颜色，连接，重新排列 </a:t>
+            </a:r>
+            <a:r>
+              <a:rPr lang="en-US" altLang="zh-CN" sz="2800">
+                <a:solidFill>
+                  <a:schemeClr val="bg1"/>
+                </a:solidFill>
+              </a:rPr>
+              <a:t>DOM</a:t>
+            </a:r>
+            <a:endParaRPr lang="en-US" altLang="zh-CN" sz="2800">
+              <a:solidFill>
+                <a:schemeClr val="bg1"/>
+              </a:solidFill>
+            </a:endParaRPr>
+          </a:p>
+        </p:txBody>
+      </p:sp>
+      <p:sp>
+        <p:nvSpPr>
+          <p:cNvPr id="11" name="文本框 10"/>
+          <p:cNvSpPr txBox="1"/>
+          <p:nvPr/>
+        </p:nvSpPr>
+        <p:spPr>
+          <a:xfrm>
+            <a:off x="704215" y="3689350"/>
+            <a:ext cx="386715" cy="368300"/>
+          </a:xfrm>
+          <a:prstGeom prst="rect">
+            <a:avLst/>
+          </a:prstGeom>
+          <a:noFill/>
+        </p:spPr>
+        <p:txBody>
+          <a:bodyPr wrap="none" rtlCol="0" anchor="t">
+            <a:spAutoFit/>
+          </a:bodyPr>
+          <a:p>
+            <a:r>
+              <a:rPr lang="zh-CN" altLang="en-US">
+                <a:solidFill>
+                  <a:schemeClr val="bg1"/>
+                </a:solidFill>
+                <a:sym typeface="Wingdings" panose="05000000000000000000" charset="0"/>
+              </a:rPr>
+              <a:t></a:t>
+            </a:r>
+            <a:endParaRPr lang="zh-CN" altLang="en-US">
+              <a:solidFill>
+                <a:schemeClr val="bg1"/>
+              </a:solidFill>
+              <a:sym typeface="Wingdings" panose="05000000000000000000" charset="0"/>
+            </a:endParaRPr>
+          </a:p>
+        </p:txBody>
+      </p:sp>
+      <p:sp>
+        <p:nvSpPr>
+          <p:cNvPr id="12" name="文本框 11"/>
+          <p:cNvSpPr txBox="1"/>
+          <p:nvPr/>
+        </p:nvSpPr>
+        <p:spPr>
+          <a:xfrm>
+            <a:off x="1203325" y="3612515"/>
+            <a:ext cx="7973695" cy="521970"/>
+          </a:xfrm>
+          <a:prstGeom prst="rect">
+            <a:avLst/>
+          </a:prstGeom>
+          <a:noFill/>
+        </p:spPr>
+        <p:txBody>
+          <a:bodyPr wrap="square" rtlCol="0" anchor="t">
+            <a:spAutoFit/>
+          </a:bodyPr>
+          <a:p>
+            <a:r>
+              <a:rPr lang="zh-CN" altLang="en-US" sz="2800">
+                <a:solidFill>
+                  <a:schemeClr val="bg1"/>
+                </a:solidFill>
+              </a:rPr>
+              <a:t>限制</a:t>
+            </a:r>
+            <a:r>
+              <a:rPr lang="en-US" altLang="zh-CN" sz="2800">
+                <a:solidFill>
+                  <a:schemeClr val="bg1"/>
+                </a:solidFill>
+              </a:rPr>
+              <a:t>-- </a:t>
+            </a:r>
+            <a:r>
+              <a:rPr sz="2800">
+                <a:solidFill>
+                  <a:schemeClr val="bg1"/>
+                </a:solidFill>
+              </a:rPr>
+              <a:t>不能访问绝大部分chrome.xxx.api</a:t>
+            </a:r>
+            <a:endParaRPr sz="2800">
+              <a:solidFill>
+                <a:schemeClr val="bg1"/>
+              </a:solidFill>
+            </a:endParaRPr>
+          </a:p>
+        </p:txBody>
+      </p:sp>
+      <p:sp>
+        <p:nvSpPr>
+          <p:cNvPr id="14" name="文本框 13"/>
+          <p:cNvSpPr txBox="1"/>
+          <p:nvPr/>
+        </p:nvSpPr>
+        <p:spPr>
+          <a:xfrm>
+            <a:off x="704215" y="4486910"/>
+            <a:ext cx="386715" cy="368300"/>
+          </a:xfrm>
+          <a:prstGeom prst="rect">
+            <a:avLst/>
+          </a:prstGeom>
+          <a:noFill/>
+        </p:spPr>
+        <p:txBody>
+          <a:bodyPr wrap="none" rtlCol="0" anchor="t">
+            <a:spAutoFit/>
+          </a:bodyPr>
+          <a:p>
+            <a:r>
+              <a:rPr lang="zh-CN" altLang="en-US">
+                <a:solidFill>
+                  <a:schemeClr val="bg1"/>
+                </a:solidFill>
+                <a:sym typeface="Wingdings" panose="05000000000000000000" charset="0"/>
+              </a:rPr>
+              <a:t></a:t>
+            </a:r>
+            <a:endParaRPr lang="zh-CN" altLang="en-US">
+              <a:solidFill>
+                <a:schemeClr val="bg1"/>
+              </a:solidFill>
+              <a:sym typeface="Wingdings" panose="05000000000000000000" charset="0"/>
+            </a:endParaRPr>
+          </a:p>
+        </p:txBody>
+      </p:sp>
+      <p:sp>
+        <p:nvSpPr>
+          <p:cNvPr id="15" name="文本框 14"/>
+          <p:cNvSpPr txBox="1"/>
+          <p:nvPr/>
+        </p:nvSpPr>
+        <p:spPr>
+          <a:xfrm>
+            <a:off x="1203325" y="4410075"/>
+            <a:ext cx="7973695" cy="521970"/>
+          </a:xfrm>
+          <a:prstGeom prst="rect">
+            <a:avLst/>
+          </a:prstGeom>
+          <a:noFill/>
+        </p:spPr>
+        <p:txBody>
+          <a:bodyPr wrap="square" rtlCol="0" anchor="t">
+            <a:spAutoFit/>
+          </a:bodyPr>
+          <a:p>
+            <a:r>
+              <a:rPr sz="2800">
+                <a:solidFill>
+                  <a:schemeClr val="bg1"/>
+                </a:solidFill>
+              </a:rPr>
+              <a:t>通过通信来实现让 background 来帮</a:t>
+            </a:r>
+            <a:r>
+              <a:rPr lang="zh-CN" sz="2800">
+                <a:solidFill>
+                  <a:schemeClr val="bg1"/>
+                </a:solidFill>
+              </a:rPr>
+              <a:t>我们</a:t>
+            </a:r>
+            <a:r>
+              <a:rPr sz="2800">
+                <a:solidFill>
+                  <a:schemeClr val="bg1"/>
+                </a:solidFill>
+              </a:rPr>
+              <a:t>调用</a:t>
+            </a:r>
+            <a:endParaRPr sz="2800">
+              <a:solidFill>
+                <a:schemeClr val="bg1"/>
+              </a:solidFill>
+            </a:endParaRPr>
+          </a:p>
+        </p:txBody>
+      </p:sp>
+    </p:spTree>
+  </p:cSld>
+  <p:clrMapOvr>
+    <a:masterClrMapping/>
+  </p:clrMapOvr>
+</p:sld>
+</file>
+
+<file path=ppt/slides/slide19.xml><?xml version="1.0" encoding="utf-8"?>
+<p:sld xmlns:a="http://schemas.openxmlformats.org/drawingml/2006/main" xmlns:r="http://schemas.openxmlformats.org/officeDocument/2006/relationships" xmlns:p="http://schemas.openxmlformats.org/presentationml/2006/main">
+  <p:cSld>
+    <p:spTree>
+      <p:nvGrpSpPr>
+        <p:cNvPr id="1" name=""/>
+        <p:cNvGrpSpPr/>
+        <p:nvPr/>
+      </p:nvGrpSpPr>
+      <p:grpSpPr/>
+      <p:grpSp>
+        <p:nvGrpSpPr>
+          <p:cNvPr id="103" name="Group 4"/>
+          <p:cNvGrpSpPr>
+            <a:grpSpLocks noChangeAspect="1"/>
+          </p:cNvGrpSpPr>
+          <p:nvPr/>
+        </p:nvGrpSpPr>
+        <p:grpSpPr bwMode="auto">
+          <a:xfrm rot="891772">
+            <a:off x="521512" y="551543"/>
+            <a:ext cx="507974" cy="919389"/>
+            <a:chOff x="472" y="425"/>
+            <a:chExt cx="363" cy="657"/>
+          </a:xfrm>
+        </p:grpSpPr>
+        <p:sp>
+          <p:nvSpPr>
+            <p:cNvPr id="104" name="Freeform 5"/>
+            <p:cNvSpPr>
+              <a:spLocks noEditPoints="1"/>
+            </p:cNvSpPr>
+            <p:nvPr/>
+          </p:nvSpPr>
+          <p:spPr bwMode="auto">
+            <a:xfrm>
+              <a:off x="472" y="425"/>
+              <a:ext cx="335" cy="657"/>
+            </a:xfrm>
+            <a:custGeom>
+              <a:avLst/>
+              <a:gdLst>
+                <a:gd name="T0" fmla="*/ 81 w 154"/>
+                <a:gd name="T1" fmla="*/ 9 h 305"/>
+                <a:gd name="T2" fmla="*/ 48 w 154"/>
+                <a:gd name="T3" fmla="*/ 43 h 305"/>
+                <a:gd name="T4" fmla="*/ 49 w 154"/>
+                <a:gd name="T5" fmla="*/ 47 h 305"/>
+                <a:gd name="T6" fmla="*/ 30 w 154"/>
+                <a:gd name="T7" fmla="*/ 143 h 305"/>
+                <a:gd name="T8" fmla="*/ 21 w 154"/>
+                <a:gd name="T9" fmla="*/ 158 h 305"/>
+                <a:gd name="T10" fmla="*/ 88 w 154"/>
+                <a:gd name="T11" fmla="*/ 243 h 305"/>
+                <a:gd name="T12" fmla="*/ 101 w 154"/>
+                <a:gd name="T13" fmla="*/ 243 h 305"/>
+                <a:gd name="T14" fmla="*/ 91 w 154"/>
+                <a:gd name="T15" fmla="*/ 285 h 305"/>
+                <a:gd name="T16" fmla="*/ 85 w 154"/>
+                <a:gd name="T17" fmla="*/ 275 h 305"/>
+                <a:gd name="T18" fmla="*/ 81 w 154"/>
+                <a:gd name="T19" fmla="*/ 278 h 305"/>
+                <a:gd name="T20" fmla="*/ 85 w 154"/>
+                <a:gd name="T21" fmla="*/ 303 h 305"/>
+                <a:gd name="T22" fmla="*/ 110 w 154"/>
+                <a:gd name="T23" fmla="*/ 247 h 305"/>
+                <a:gd name="T24" fmla="*/ 107 w 154"/>
+                <a:gd name="T25" fmla="*/ 238 h 305"/>
+                <a:gd name="T26" fmla="*/ 85 w 154"/>
+                <a:gd name="T27" fmla="*/ 164 h 305"/>
+                <a:gd name="T28" fmla="*/ 81 w 154"/>
+                <a:gd name="T29" fmla="*/ 151 h 305"/>
+                <a:gd name="T30" fmla="*/ 80 w 154"/>
+                <a:gd name="T31" fmla="*/ 143 h 305"/>
+                <a:gd name="T32" fmla="*/ 67 w 154"/>
+                <a:gd name="T33" fmla="*/ 92 h 305"/>
+                <a:gd name="T34" fmla="*/ 85 w 154"/>
+                <a:gd name="T35" fmla="*/ 39 h 305"/>
+                <a:gd name="T36" fmla="*/ 81 w 154"/>
+                <a:gd name="T37" fmla="*/ 11 h 305"/>
+                <a:gd name="T38" fmla="*/ 103 w 154"/>
+                <a:gd name="T39" fmla="*/ 228 h 305"/>
+                <a:gd name="T40" fmla="*/ 85 w 154"/>
+                <a:gd name="T41" fmla="*/ 174 h 305"/>
+                <a:gd name="T42" fmla="*/ 76 w 154"/>
+                <a:gd name="T43" fmla="*/ 143 h 305"/>
+                <a:gd name="T44" fmla="*/ 78 w 154"/>
+                <a:gd name="T45" fmla="*/ 151 h 305"/>
+                <a:gd name="T46" fmla="*/ 45 w 154"/>
+                <a:gd name="T47" fmla="*/ 189 h 305"/>
+                <a:gd name="T48" fmla="*/ 81 w 154"/>
+                <a:gd name="T49" fmla="*/ 174 h 305"/>
+                <a:gd name="T50" fmla="*/ 85 w 154"/>
+                <a:gd name="T51" fmla="*/ 192 h 305"/>
+                <a:gd name="T52" fmla="*/ 96 w 154"/>
+                <a:gd name="T53" fmla="*/ 231 h 305"/>
+                <a:gd name="T54" fmla="*/ 81 w 154"/>
+                <a:gd name="T55" fmla="*/ 233 h 305"/>
+                <a:gd name="T56" fmla="*/ 36 w 154"/>
+                <a:gd name="T57" fmla="*/ 147 h 305"/>
+                <a:gd name="T58" fmla="*/ 38 w 154"/>
+                <a:gd name="T59" fmla="*/ 143 h 305"/>
+                <a:gd name="T60" fmla="*/ 76 w 154"/>
+                <a:gd name="T61" fmla="*/ 143 h 305"/>
+                <a:gd name="T62" fmla="*/ 75 w 154"/>
+                <a:gd name="T63" fmla="*/ 47 h 305"/>
+                <a:gd name="T64" fmla="*/ 68 w 154"/>
+                <a:gd name="T65" fmla="*/ 75 h 305"/>
+                <a:gd name="T66" fmla="*/ 57 w 154"/>
+                <a:gd name="T67" fmla="*/ 47 h 305"/>
+                <a:gd name="T68" fmla="*/ 57 w 154"/>
+                <a:gd name="T69" fmla="*/ 19 h 305"/>
+                <a:gd name="T70" fmla="*/ 76 w 154"/>
+                <a:gd name="T71" fmla="*/ 43 h 305"/>
+              </a:gdLst>
+              <a:ahLst/>
+              <a:cxnLst>
+                <a:cxn ang="0">
+                  <a:pos x="T0" y="T1"/>
+                </a:cxn>
+                <a:cxn ang="0">
+                  <a:pos x="T2" y="T3"/>
+                </a:cxn>
+                <a:cxn ang="0">
+                  <a:pos x="T4" y="T5"/>
+                </a:cxn>
+                <a:cxn ang="0">
+                  <a:pos x="T6" y="T7"/>
+                </a:cxn>
+                <a:cxn ang="0">
+                  <a:pos x="T8" y="T9"/>
+                </a:cxn>
+                <a:cxn ang="0">
+                  <a:pos x="T10" y="T11"/>
+                </a:cxn>
+                <a:cxn ang="0">
+                  <a:pos x="T12" y="T13"/>
+                </a:cxn>
+                <a:cxn ang="0">
+                  <a:pos x="T14" y="T15"/>
+                </a:cxn>
+                <a:cxn ang="0">
+                  <a:pos x="T16" y="T17"/>
+                </a:cxn>
+                <a:cxn ang="0">
+                  <a:pos x="T18" y="T19"/>
+                </a:cxn>
+                <a:cxn ang="0">
+                  <a:pos x="T20" y="T21"/>
+                </a:cxn>
+                <a:cxn ang="0">
+                  <a:pos x="T22" y="T23"/>
+                </a:cxn>
+                <a:cxn ang="0">
+                  <a:pos x="T24" y="T25"/>
+                </a:cxn>
+                <a:cxn ang="0">
+                  <a:pos x="T26" y="T27"/>
+                </a:cxn>
+                <a:cxn ang="0">
+                  <a:pos x="T28" y="T29"/>
+                </a:cxn>
+                <a:cxn ang="0">
+                  <a:pos x="T30" y="T31"/>
+                </a:cxn>
+                <a:cxn ang="0">
+                  <a:pos x="T32" y="T33"/>
+                </a:cxn>
+                <a:cxn ang="0">
+                  <a:pos x="T34" y="T35"/>
+                </a:cxn>
+                <a:cxn ang="0">
+                  <a:pos x="T36" y="T37"/>
+                </a:cxn>
+                <a:cxn ang="0">
+                  <a:pos x="T38" y="T39"/>
+                </a:cxn>
+                <a:cxn ang="0">
+                  <a:pos x="T40" y="T41"/>
+                </a:cxn>
+                <a:cxn ang="0">
+                  <a:pos x="T42" y="T43"/>
+                </a:cxn>
+                <a:cxn ang="0">
+                  <a:pos x="T44" y="T45"/>
+                </a:cxn>
+                <a:cxn ang="0">
+                  <a:pos x="T46" y="T47"/>
+                </a:cxn>
+                <a:cxn ang="0">
+                  <a:pos x="T48" y="T49"/>
+                </a:cxn>
+                <a:cxn ang="0">
+                  <a:pos x="T50" y="T51"/>
+                </a:cxn>
+                <a:cxn ang="0">
+                  <a:pos x="T52" y="T53"/>
+                </a:cxn>
+                <a:cxn ang="0">
+                  <a:pos x="T54" y="T55"/>
+                </a:cxn>
+                <a:cxn ang="0">
+                  <a:pos x="T56" y="T57"/>
+                </a:cxn>
+                <a:cxn ang="0">
+                  <a:pos x="T58" y="T59"/>
+                </a:cxn>
+                <a:cxn ang="0">
+                  <a:pos x="T60" y="T61"/>
+                </a:cxn>
+                <a:cxn ang="0">
+                  <a:pos x="T62" y="T63"/>
+                </a:cxn>
+                <a:cxn ang="0">
+                  <a:pos x="T64" y="T65"/>
+                </a:cxn>
+                <a:cxn ang="0">
+                  <a:pos x="T66" y="T67"/>
+                </a:cxn>
+                <a:cxn ang="0">
+                  <a:pos x="T68" y="T69"/>
+                </a:cxn>
+                <a:cxn ang="0">
+                  <a:pos x="T70" y="T71"/>
+                </a:cxn>
+              </a:cxnLst>
+              <a:rect l="0" t="0" r="r" b="b"/>
+              <a:pathLst>
+                <a:path w="154" h="305">
+                  <a:moveTo>
+                    <a:pt x="81" y="11"/>
+                  </a:moveTo>
+                  <a:cubicBezTo>
+                    <a:pt x="81" y="10"/>
+                    <a:pt x="81" y="10"/>
+                    <a:pt x="81" y="9"/>
+                  </a:cubicBezTo>
+                  <a:cubicBezTo>
+                    <a:pt x="78" y="2"/>
+                    <a:pt x="64" y="0"/>
+                    <a:pt x="58" y="4"/>
+                  </a:cubicBezTo>
+                  <a:cubicBezTo>
+                    <a:pt x="48" y="10"/>
+                    <a:pt x="47" y="33"/>
+                    <a:pt x="48" y="43"/>
+                  </a:cubicBezTo>
+                  <a:cubicBezTo>
+                    <a:pt x="48" y="43"/>
+                    <a:pt x="48" y="43"/>
+                    <a:pt x="48" y="43"/>
+                  </a:cubicBezTo>
+                  <a:cubicBezTo>
+                    <a:pt x="48" y="44"/>
+                    <a:pt x="48" y="46"/>
+                    <a:pt x="49" y="47"/>
+                  </a:cubicBezTo>
+                  <a:cubicBezTo>
+                    <a:pt x="51" y="63"/>
+                    <a:pt x="56" y="78"/>
+                    <a:pt x="61" y="93"/>
+                  </a:cubicBezTo>
+                  <a:cubicBezTo>
+                    <a:pt x="52" y="110"/>
+                    <a:pt x="39" y="126"/>
+                    <a:pt x="30" y="143"/>
+                  </a:cubicBezTo>
+                  <a:cubicBezTo>
+                    <a:pt x="29" y="144"/>
+                    <a:pt x="28" y="146"/>
+                    <a:pt x="27" y="147"/>
+                  </a:cubicBezTo>
+                  <a:cubicBezTo>
+                    <a:pt x="25" y="151"/>
+                    <a:pt x="23" y="154"/>
+                    <a:pt x="21" y="158"/>
+                  </a:cubicBezTo>
+                  <a:cubicBezTo>
+                    <a:pt x="0" y="205"/>
+                    <a:pt x="32" y="238"/>
+                    <a:pt x="69" y="243"/>
+                  </a:cubicBezTo>
+                  <a:cubicBezTo>
+                    <a:pt x="75" y="244"/>
+                    <a:pt x="82" y="244"/>
+                    <a:pt x="88" y="243"/>
+                  </a:cubicBezTo>
+                  <a:cubicBezTo>
+                    <a:pt x="92" y="242"/>
+                    <a:pt x="96" y="242"/>
+                    <a:pt x="100" y="240"/>
+                  </a:cubicBezTo>
+                  <a:cubicBezTo>
+                    <a:pt x="100" y="241"/>
+                    <a:pt x="100" y="242"/>
+                    <a:pt x="101" y="243"/>
+                  </a:cubicBezTo>
+                  <a:cubicBezTo>
+                    <a:pt x="101" y="244"/>
+                    <a:pt x="101" y="246"/>
+                    <a:pt x="102" y="247"/>
+                  </a:cubicBezTo>
+                  <a:cubicBezTo>
+                    <a:pt x="104" y="258"/>
+                    <a:pt x="103" y="270"/>
+                    <a:pt x="91" y="285"/>
+                  </a:cubicBezTo>
+                  <a:cubicBezTo>
+                    <a:pt x="91" y="284"/>
+                    <a:pt x="91" y="284"/>
+                    <a:pt x="91" y="284"/>
+                  </a:cubicBezTo>
+                  <a:cubicBezTo>
+                    <a:pt x="92" y="280"/>
+                    <a:pt x="89" y="276"/>
+                    <a:pt x="85" y="275"/>
+                  </a:cubicBezTo>
+                  <a:cubicBezTo>
+                    <a:pt x="84" y="275"/>
+                    <a:pt x="82" y="276"/>
+                    <a:pt x="81" y="277"/>
+                  </a:cubicBezTo>
+                  <a:cubicBezTo>
+                    <a:pt x="81" y="277"/>
+                    <a:pt x="81" y="277"/>
+                    <a:pt x="81" y="278"/>
+                  </a:cubicBezTo>
+                  <a:cubicBezTo>
+                    <a:pt x="74" y="285"/>
+                    <a:pt x="75" y="295"/>
+                    <a:pt x="81" y="300"/>
+                  </a:cubicBezTo>
+                  <a:cubicBezTo>
+                    <a:pt x="82" y="301"/>
+                    <a:pt x="84" y="302"/>
+                    <a:pt x="85" y="303"/>
+                  </a:cubicBezTo>
+                  <a:cubicBezTo>
+                    <a:pt x="88" y="304"/>
+                    <a:pt x="92" y="305"/>
+                    <a:pt x="97" y="304"/>
+                  </a:cubicBezTo>
+                  <a:cubicBezTo>
+                    <a:pt x="120" y="297"/>
+                    <a:pt x="117" y="271"/>
+                    <a:pt x="110" y="247"/>
+                  </a:cubicBezTo>
+                  <a:cubicBezTo>
+                    <a:pt x="109" y="246"/>
+                    <a:pt x="109" y="244"/>
+                    <a:pt x="109" y="243"/>
+                  </a:cubicBezTo>
+                  <a:cubicBezTo>
+                    <a:pt x="108" y="241"/>
+                    <a:pt x="107" y="239"/>
+                    <a:pt x="107" y="238"/>
+                  </a:cubicBezTo>
+                  <a:cubicBezTo>
+                    <a:pt x="117" y="233"/>
+                    <a:pt x="127" y="226"/>
+                    <a:pt x="134" y="215"/>
+                  </a:cubicBezTo>
+                  <a:cubicBezTo>
+                    <a:pt x="154" y="188"/>
+                    <a:pt x="117" y="163"/>
+                    <a:pt x="85" y="164"/>
+                  </a:cubicBezTo>
+                  <a:cubicBezTo>
+                    <a:pt x="84" y="164"/>
+                    <a:pt x="84" y="164"/>
+                    <a:pt x="83" y="164"/>
+                  </a:cubicBezTo>
+                  <a:cubicBezTo>
+                    <a:pt x="83" y="159"/>
+                    <a:pt x="82" y="155"/>
+                    <a:pt x="81" y="151"/>
+                  </a:cubicBezTo>
+                  <a:cubicBezTo>
+                    <a:pt x="81" y="149"/>
+                    <a:pt x="81" y="148"/>
+                    <a:pt x="80" y="147"/>
+                  </a:cubicBezTo>
+                  <a:cubicBezTo>
+                    <a:pt x="80" y="146"/>
+                    <a:pt x="80" y="144"/>
+                    <a:pt x="80" y="143"/>
+                  </a:cubicBezTo>
+                  <a:cubicBezTo>
+                    <a:pt x="77" y="131"/>
+                    <a:pt x="75" y="119"/>
+                    <a:pt x="72" y="108"/>
+                  </a:cubicBezTo>
+                  <a:cubicBezTo>
+                    <a:pt x="71" y="103"/>
+                    <a:pt x="69" y="97"/>
+                    <a:pt x="67" y="92"/>
+                  </a:cubicBezTo>
+                  <a:cubicBezTo>
+                    <a:pt x="73" y="81"/>
+                    <a:pt x="78" y="71"/>
+                    <a:pt x="81" y="60"/>
+                  </a:cubicBezTo>
+                  <a:cubicBezTo>
+                    <a:pt x="83" y="53"/>
+                    <a:pt x="85" y="46"/>
+                    <a:pt x="85" y="39"/>
+                  </a:cubicBezTo>
+                  <a:cubicBezTo>
+                    <a:pt x="85" y="35"/>
+                    <a:pt x="85" y="32"/>
+                    <a:pt x="85" y="29"/>
+                  </a:cubicBezTo>
+                  <a:cubicBezTo>
+                    <a:pt x="85" y="23"/>
+                    <a:pt x="83" y="17"/>
+                    <a:pt x="81" y="11"/>
+                  </a:cubicBezTo>
+                  <a:close/>
+                  <a:moveTo>
+                    <a:pt x="109" y="225"/>
+                  </a:moveTo>
+                  <a:cubicBezTo>
+                    <a:pt x="107" y="226"/>
+                    <a:pt x="105" y="228"/>
+                    <a:pt x="103" y="228"/>
+                  </a:cubicBezTo>
+                  <a:cubicBezTo>
+                    <a:pt x="101" y="222"/>
+                    <a:pt x="98" y="216"/>
+                    <a:pt x="97" y="213"/>
+                  </a:cubicBezTo>
+                  <a:cubicBezTo>
+                    <a:pt x="92" y="200"/>
+                    <a:pt x="88" y="187"/>
+                    <a:pt x="85" y="174"/>
+                  </a:cubicBezTo>
+                  <a:cubicBezTo>
+                    <a:pt x="115" y="174"/>
+                    <a:pt x="144" y="202"/>
+                    <a:pt x="109" y="225"/>
+                  </a:cubicBezTo>
+                  <a:close/>
+                  <a:moveTo>
+                    <a:pt x="76" y="143"/>
+                  </a:moveTo>
+                  <a:cubicBezTo>
+                    <a:pt x="76" y="144"/>
+                    <a:pt x="76" y="146"/>
+                    <a:pt x="77" y="147"/>
+                  </a:cubicBezTo>
+                  <a:cubicBezTo>
+                    <a:pt x="77" y="148"/>
+                    <a:pt x="77" y="150"/>
+                    <a:pt x="78" y="151"/>
+                  </a:cubicBezTo>
+                  <a:cubicBezTo>
+                    <a:pt x="78" y="155"/>
+                    <a:pt x="79" y="160"/>
+                    <a:pt x="80" y="164"/>
+                  </a:cubicBezTo>
+                  <a:cubicBezTo>
+                    <a:pt x="64" y="165"/>
+                    <a:pt x="50" y="173"/>
+                    <a:pt x="45" y="189"/>
+                  </a:cubicBezTo>
+                  <a:cubicBezTo>
+                    <a:pt x="44" y="192"/>
+                    <a:pt x="49" y="194"/>
+                    <a:pt x="51" y="191"/>
+                  </a:cubicBezTo>
+                  <a:cubicBezTo>
+                    <a:pt x="59" y="180"/>
+                    <a:pt x="70" y="175"/>
+                    <a:pt x="81" y="174"/>
+                  </a:cubicBezTo>
+                  <a:cubicBezTo>
+                    <a:pt x="81" y="174"/>
+                    <a:pt x="82" y="174"/>
+                    <a:pt x="82" y="174"/>
+                  </a:cubicBezTo>
+                  <a:cubicBezTo>
+                    <a:pt x="83" y="180"/>
+                    <a:pt x="84" y="186"/>
+                    <a:pt x="85" y="192"/>
+                  </a:cubicBezTo>
+                  <a:cubicBezTo>
+                    <a:pt x="87" y="199"/>
+                    <a:pt x="88" y="207"/>
+                    <a:pt x="91" y="214"/>
+                  </a:cubicBezTo>
+                  <a:cubicBezTo>
+                    <a:pt x="92" y="220"/>
+                    <a:pt x="94" y="226"/>
+                    <a:pt x="96" y="231"/>
+                  </a:cubicBezTo>
+                  <a:cubicBezTo>
+                    <a:pt x="93" y="232"/>
+                    <a:pt x="89" y="233"/>
+                    <a:pt x="85" y="233"/>
+                  </a:cubicBezTo>
+                  <a:cubicBezTo>
+                    <a:pt x="84" y="233"/>
+                    <a:pt x="82" y="233"/>
+                    <a:pt x="81" y="233"/>
+                  </a:cubicBezTo>
+                  <a:cubicBezTo>
+                    <a:pt x="67" y="233"/>
+                    <a:pt x="52" y="228"/>
+                    <a:pt x="41" y="223"/>
+                  </a:cubicBezTo>
+                  <a:cubicBezTo>
+                    <a:pt x="9" y="206"/>
+                    <a:pt x="24" y="170"/>
+                    <a:pt x="36" y="147"/>
+                  </a:cubicBezTo>
+                  <a:cubicBezTo>
+                    <a:pt x="36" y="146"/>
+                    <a:pt x="36" y="145"/>
+                    <a:pt x="37" y="144"/>
+                  </a:cubicBezTo>
+                  <a:cubicBezTo>
+                    <a:pt x="37" y="144"/>
+                    <a:pt x="37" y="143"/>
+                    <a:pt x="38" y="143"/>
+                  </a:cubicBezTo>
+                  <a:cubicBezTo>
+                    <a:pt x="45" y="130"/>
+                    <a:pt x="54" y="116"/>
+                    <a:pt x="63" y="100"/>
+                  </a:cubicBezTo>
+                  <a:cubicBezTo>
+                    <a:pt x="67" y="114"/>
+                    <a:pt x="72" y="129"/>
+                    <a:pt x="76" y="143"/>
+                  </a:cubicBezTo>
+                  <a:close/>
+                  <a:moveTo>
+                    <a:pt x="76" y="43"/>
+                  </a:moveTo>
+                  <a:cubicBezTo>
+                    <a:pt x="76" y="44"/>
+                    <a:pt x="75" y="46"/>
+                    <a:pt x="75" y="47"/>
+                  </a:cubicBezTo>
+                  <a:cubicBezTo>
+                    <a:pt x="75" y="47"/>
+                    <a:pt x="75" y="48"/>
+                    <a:pt x="75" y="48"/>
+                  </a:cubicBezTo>
+                  <a:cubicBezTo>
+                    <a:pt x="74" y="57"/>
+                    <a:pt x="71" y="66"/>
+                    <a:pt x="68" y="75"/>
+                  </a:cubicBezTo>
+                  <a:cubicBezTo>
+                    <a:pt x="67" y="78"/>
+                    <a:pt x="66" y="81"/>
+                    <a:pt x="65" y="83"/>
+                  </a:cubicBezTo>
+                  <a:cubicBezTo>
+                    <a:pt x="61" y="71"/>
+                    <a:pt x="58" y="59"/>
+                    <a:pt x="57" y="47"/>
+                  </a:cubicBezTo>
+                  <a:cubicBezTo>
+                    <a:pt x="57" y="46"/>
+                    <a:pt x="56" y="44"/>
+                    <a:pt x="56" y="43"/>
+                  </a:cubicBezTo>
+                  <a:cubicBezTo>
+                    <a:pt x="56" y="35"/>
+                    <a:pt x="56" y="27"/>
+                    <a:pt x="57" y="19"/>
+                  </a:cubicBezTo>
+                  <a:cubicBezTo>
+                    <a:pt x="58" y="12"/>
+                    <a:pt x="64" y="13"/>
+                    <a:pt x="77" y="23"/>
+                  </a:cubicBezTo>
+                  <a:cubicBezTo>
+                    <a:pt x="77" y="30"/>
+                    <a:pt x="77" y="36"/>
+                    <a:pt x="76" y="43"/>
+                  </a:cubicBezTo>
+                  <a:close/>
+                </a:path>
+              </a:pathLst>
+            </a:custGeom>
+            <a:solidFill>
+              <a:srgbClr val="F2F2F2"/>
+            </a:solidFill>
+            <a:ln>
+              <a:noFill/>
+            </a:ln>
+            <a:extLst>
+              <a:ext uri="{91240B29-F687-4F45-9708-019B960494DF}">
+                <a14:hiddenLine xmlns:a14="http://schemas.microsoft.com/office/drawing/2010/main" w="9525">
+                  <a:solidFill>
+                    <a:srgbClr val="000000"/>
+                  </a:solidFill>
+                  <a:round/>
+                </a14:hiddenLine>
+              </a:ext>
+            </a:extLst>
+          </p:spPr>
+          <p:txBody>
+            <a:bodyPr vert="horz" wrap="square" lIns="91440" tIns="45720" rIns="91440" bIns="45720" numCol="1" anchor="t" anchorCtr="0" compatLnSpc="1"/>
+            <a:p>
+              <a:endParaRPr lang="zh-CN" altLang="en-US"/>
+            </a:p>
+          </p:txBody>
+        </p:sp>
+        <p:sp>
+          <p:nvSpPr>
+            <p:cNvPr id="105" name="Freeform 6"/>
+            <p:cNvSpPr/>
+            <p:nvPr/>
+          </p:nvSpPr>
+          <p:spPr bwMode="auto">
+            <a:xfrm>
+              <a:off x="735" y="774"/>
+              <a:ext cx="61" cy="52"/>
+            </a:xfrm>
+            <a:custGeom>
+              <a:avLst/>
+              <a:gdLst>
+                <a:gd name="T0" fmla="*/ 25 w 28"/>
+                <a:gd name="T1" fmla="*/ 23 h 24"/>
+                <a:gd name="T2" fmla="*/ 27 w 28"/>
+                <a:gd name="T3" fmla="*/ 21 h 24"/>
+                <a:gd name="T4" fmla="*/ 3 w 28"/>
+                <a:gd name="T5" fmla="*/ 1 h 24"/>
+                <a:gd name="T6" fmla="*/ 2 w 28"/>
+                <a:gd name="T7" fmla="*/ 4 h 24"/>
+                <a:gd name="T8" fmla="*/ 25 w 28"/>
+                <a:gd name="T9" fmla="*/ 23 h 24"/>
+              </a:gdLst>
+              <a:ahLst/>
+              <a:cxnLst>
+                <a:cxn ang="0">
+                  <a:pos x="T0" y="T1"/>
+                </a:cxn>
+                <a:cxn ang="0">
+                  <a:pos x="T2" y="T3"/>
+                </a:cxn>
+                <a:cxn ang="0">
+                  <a:pos x="T4" y="T5"/>
+                </a:cxn>
+                <a:cxn ang="0">
+                  <a:pos x="T6" y="T7"/>
+                </a:cxn>
+                <a:cxn ang="0">
+                  <a:pos x="T8" y="T9"/>
+                </a:cxn>
+              </a:cxnLst>
+              <a:rect l="0" t="0" r="r" b="b"/>
+              <a:pathLst>
+                <a:path w="28" h="24">
+                  <a:moveTo>
+                    <a:pt x="25" y="23"/>
+                  </a:moveTo>
+                  <a:cubicBezTo>
+                    <a:pt x="26" y="24"/>
+                    <a:pt x="28" y="23"/>
+                    <a:pt x="27" y="21"/>
+                  </a:cubicBezTo>
+                  <a:cubicBezTo>
+                    <a:pt x="24" y="10"/>
+                    <a:pt x="13" y="4"/>
+                    <a:pt x="3" y="1"/>
+                  </a:cubicBezTo>
+                  <a:cubicBezTo>
+                    <a:pt x="1" y="0"/>
+                    <a:pt x="0" y="3"/>
+                    <a:pt x="2" y="4"/>
+                  </a:cubicBezTo>
+                  <a:cubicBezTo>
+                    <a:pt x="10" y="10"/>
+                    <a:pt x="17" y="17"/>
+                    <a:pt x="25" y="23"/>
+                  </a:cubicBezTo>
+                  <a:close/>
+                </a:path>
+              </a:pathLst>
+            </a:custGeom>
+            <a:solidFill>
+              <a:srgbClr val="F2F2F2"/>
+            </a:solidFill>
+            <a:ln>
+              <a:noFill/>
+            </a:ln>
+            <a:extLst>
+              <a:ext uri="{91240B29-F687-4F45-9708-019B960494DF}">
+                <a14:hiddenLine xmlns:a14="http://schemas.microsoft.com/office/drawing/2010/main" w="9525">
+                  <a:solidFill>
+                    <a:srgbClr val="000000"/>
+                  </a:solidFill>
+                  <a:round/>
+                </a14:hiddenLine>
+              </a:ext>
+            </a:extLst>
+          </p:spPr>
+          <p:txBody>
+            <a:bodyPr vert="horz" wrap="square" lIns="91440" tIns="45720" rIns="91440" bIns="45720" numCol="1" anchor="t" anchorCtr="0" compatLnSpc="1"/>
+            <a:p>
+              <a:endParaRPr lang="zh-CN" altLang="en-US"/>
+            </a:p>
+          </p:txBody>
+        </p:sp>
+        <p:sp>
+          <p:nvSpPr>
+            <p:cNvPr id="106" name="Freeform 7"/>
+            <p:cNvSpPr/>
+            <p:nvPr/>
+          </p:nvSpPr>
+          <p:spPr bwMode="auto">
+            <a:xfrm>
+              <a:off x="759" y="748"/>
+              <a:ext cx="76" cy="50"/>
+            </a:xfrm>
+            <a:custGeom>
+              <a:avLst/>
+              <a:gdLst>
+                <a:gd name="T0" fmla="*/ 3 w 35"/>
+                <a:gd name="T1" fmla="*/ 1 h 23"/>
+                <a:gd name="T2" fmla="*/ 3 w 35"/>
+                <a:gd name="T3" fmla="*/ 5 h 23"/>
+                <a:gd name="T4" fmla="*/ 17 w 35"/>
+                <a:gd name="T5" fmla="*/ 11 h 23"/>
+                <a:gd name="T6" fmla="*/ 31 w 35"/>
+                <a:gd name="T7" fmla="*/ 22 h 23"/>
+                <a:gd name="T8" fmla="*/ 34 w 35"/>
+                <a:gd name="T9" fmla="*/ 20 h 23"/>
+                <a:gd name="T10" fmla="*/ 3 w 35"/>
+                <a:gd name="T11" fmla="*/ 1 h 23"/>
+              </a:gdLst>
+              <a:ahLst/>
+              <a:cxnLst>
+                <a:cxn ang="0">
+                  <a:pos x="T0" y="T1"/>
+                </a:cxn>
+                <a:cxn ang="0">
+                  <a:pos x="T2" y="T3"/>
+                </a:cxn>
+                <a:cxn ang="0">
+                  <a:pos x="T4" y="T5"/>
+                </a:cxn>
+                <a:cxn ang="0">
+                  <a:pos x="T6" y="T7"/>
+                </a:cxn>
+                <a:cxn ang="0">
+                  <a:pos x="T8" y="T9"/>
+                </a:cxn>
+                <a:cxn ang="0">
+                  <a:pos x="T10" y="T11"/>
+                </a:cxn>
+              </a:cxnLst>
+              <a:rect l="0" t="0" r="r" b="b"/>
+              <a:pathLst>
+                <a:path w="35" h="23">
+                  <a:moveTo>
+                    <a:pt x="3" y="1"/>
+                  </a:moveTo>
+                  <a:cubicBezTo>
+                    <a:pt x="1" y="1"/>
+                    <a:pt x="0" y="4"/>
+                    <a:pt x="3" y="5"/>
+                  </a:cubicBezTo>
+                  <a:cubicBezTo>
+                    <a:pt x="8" y="6"/>
+                    <a:pt x="13" y="8"/>
+                    <a:pt x="17" y="11"/>
+                  </a:cubicBezTo>
+                  <a:cubicBezTo>
+                    <a:pt x="22" y="15"/>
+                    <a:pt x="26" y="19"/>
+                    <a:pt x="31" y="22"/>
+                  </a:cubicBezTo>
+                  <a:cubicBezTo>
+                    <a:pt x="33" y="23"/>
+                    <a:pt x="35" y="22"/>
+                    <a:pt x="34" y="20"/>
+                  </a:cubicBezTo>
+                  <a:cubicBezTo>
+                    <a:pt x="30" y="8"/>
+                    <a:pt x="16" y="0"/>
+                    <a:pt x="3" y="1"/>
+                  </a:cubicBezTo>
+                  <a:close/>
+                </a:path>
+              </a:pathLst>
+            </a:custGeom>
+            <a:solidFill>
+              <a:srgbClr val="F2F2F2"/>
+            </a:solidFill>
+            <a:ln>
+              <a:noFill/>
+            </a:ln>
+            <a:extLst>
+              <a:ext uri="{91240B29-F687-4F45-9708-019B960494DF}">
+                <a14:hiddenLine xmlns:a14="http://schemas.microsoft.com/office/drawing/2010/main" w="9525">
+                  <a:solidFill>
+                    <a:srgbClr val="000000"/>
+                  </a:solidFill>
+                  <a:round/>
+                </a14:hiddenLine>
+              </a:ext>
+            </a:extLst>
+          </p:spPr>
+          <p:txBody>
+            <a:bodyPr vert="horz" wrap="square" lIns="91440" tIns="45720" rIns="91440" bIns="45720" numCol="1" anchor="t" anchorCtr="0" compatLnSpc="1"/>
+            <a:p>
+              <a:endParaRPr lang="zh-CN" altLang="en-US"/>
+            </a:p>
+          </p:txBody>
+        </p:sp>
+      </p:grpSp>
+      <p:sp>
+        <p:nvSpPr>
+          <p:cNvPr id="4" name="Rectangle 47"/>
+          <p:cNvSpPr/>
+          <p:nvPr/>
+        </p:nvSpPr>
+        <p:spPr>
+          <a:xfrm>
+            <a:off x="1288212" y="759990"/>
+            <a:ext cx="1633220" cy="492125"/>
+          </a:xfrm>
+          <a:prstGeom prst="rect">
+            <a:avLst/>
+          </a:prstGeom>
+        </p:spPr>
+        <p:txBody>
+          <a:bodyPr wrap="none" lIns="0" tIns="0" rIns="0" bIns="0">
+            <a:spAutoFit/>
+          </a:bodyPr>
+          <a:p>
+            <a:pPr algn="l"/>
+            <a:r>
+              <a:rPr lang="zh-CN" sz="3200" b="1" dirty="0" smtClean="0">
+                <a:solidFill>
+                  <a:schemeClr val="bg1"/>
+                </a:solidFill>
+                <a:latin typeface="方正静蕾简体" pitchFamily="2" charset="-122"/>
+                <a:ea typeface="方正静蕾简体" pitchFamily="2" charset="-122"/>
+                <a:cs typeface="Arial" panose="020B0604020202020204" pitchFamily="34" charset="0"/>
+              </a:rPr>
+              <a:t>消息通讯</a:t>
+            </a:r>
+            <a:endParaRPr lang="zh-CN" sz="3200" b="1" dirty="0" smtClean="0">
+              <a:solidFill>
+                <a:schemeClr val="bg1"/>
+              </a:solidFill>
+              <a:latin typeface="方正静蕾简体" pitchFamily="2" charset="-122"/>
+              <a:ea typeface="方正静蕾简体" pitchFamily="2" charset="-122"/>
+              <a:cs typeface="Arial" panose="020B0604020202020204" pitchFamily="34" charset="0"/>
+            </a:endParaRPr>
+          </a:p>
+        </p:txBody>
+      </p:sp>
+      <p:sp>
+        <p:nvSpPr>
+          <p:cNvPr id="5" name="矩形 4"/>
+          <p:cNvSpPr/>
+          <p:nvPr/>
+        </p:nvSpPr>
+        <p:spPr>
+          <a:xfrm>
+            <a:off x="1464945" y="1693545"/>
+            <a:ext cx="1456690" cy="1667510"/>
+          </a:xfrm>
+          <a:prstGeom prst="rect">
+            <a:avLst/>
+          </a:prstGeom>
+        </p:spPr>
+        <p:style>
+          <a:lnRef idx="2">
+            <a:schemeClr val="accent1">
+              <a:shade val="50000"/>
+            </a:schemeClr>
+          </a:lnRef>
+          <a:fillRef idx="1">
+            <a:schemeClr val="accent1"/>
+          </a:fillRef>
+          <a:effectRef idx="0">
+            <a:schemeClr val="accent1"/>
+          </a:effectRef>
+          <a:fontRef idx="minor">
+            <a:schemeClr val="lt1"/>
+          </a:fontRef>
+        </p:style>
+        <p:txBody>
+          <a:bodyPr rtlCol="0" anchor="ctr"/>
+          <a:p>
+            <a:pPr algn="ctr"/>
+            <a:endParaRPr lang="zh-CN" altLang="en-US"/>
+          </a:p>
+        </p:txBody>
+      </p:sp>
+      <p:sp>
+        <p:nvSpPr>
+          <p:cNvPr id="6" name="文本框 5"/>
+          <p:cNvSpPr txBox="1"/>
+          <p:nvPr/>
+        </p:nvSpPr>
+        <p:spPr>
+          <a:xfrm>
+            <a:off x="1554480" y="2204720"/>
+            <a:ext cx="925195" cy="645160"/>
+          </a:xfrm>
+          <a:prstGeom prst="rect">
+            <a:avLst/>
+          </a:prstGeom>
+          <a:noFill/>
+        </p:spPr>
+        <p:txBody>
+          <a:bodyPr wrap="none" rtlCol="0">
+            <a:spAutoFit/>
+          </a:bodyPr>
+          <a:p>
+            <a:r>
+              <a:rPr lang="en-US" altLang="zh-CN">
+                <a:solidFill>
+                  <a:schemeClr val="bg1"/>
+                </a:solidFill>
+              </a:rPr>
+              <a:t>Content</a:t>
+            </a:r>
+            <a:endParaRPr lang="en-US" altLang="zh-CN">
+              <a:solidFill>
+                <a:schemeClr val="bg1"/>
+              </a:solidFill>
+            </a:endParaRPr>
+          </a:p>
+          <a:p>
+            <a:r>
+              <a:rPr lang="en-US" altLang="zh-CN">
+                <a:solidFill>
+                  <a:schemeClr val="bg1"/>
+                </a:solidFill>
+              </a:rPr>
+              <a:t>Scripts</a:t>
+            </a:r>
+            <a:endParaRPr lang="en-US" altLang="zh-CN">
+              <a:solidFill>
+                <a:schemeClr val="bg1"/>
+              </a:solidFill>
+            </a:endParaRPr>
+          </a:p>
+        </p:txBody>
+      </p:sp>
+      <p:sp>
+        <p:nvSpPr>
+          <p:cNvPr id="7" name="矩形 6"/>
+          <p:cNvSpPr/>
+          <p:nvPr/>
+        </p:nvSpPr>
+        <p:spPr>
+          <a:xfrm>
+            <a:off x="6931025" y="1693545"/>
+            <a:ext cx="1456690" cy="1667510"/>
+          </a:xfrm>
+          <a:prstGeom prst="rect">
+            <a:avLst/>
+          </a:prstGeom>
+        </p:spPr>
+        <p:style>
+          <a:lnRef idx="2">
+            <a:schemeClr val="accent1">
+              <a:shade val="50000"/>
+            </a:schemeClr>
+          </a:lnRef>
+          <a:fillRef idx="1">
+            <a:schemeClr val="accent1"/>
+          </a:fillRef>
+          <a:effectRef idx="0">
+            <a:schemeClr val="accent1"/>
+          </a:effectRef>
+          <a:fontRef idx="minor">
+            <a:schemeClr val="lt1"/>
+          </a:fontRef>
+        </p:style>
+        <p:txBody>
+          <a:bodyPr rtlCol="0" anchor="ctr"/>
+          <a:p>
+            <a:pPr algn="ctr"/>
+            <a:endParaRPr lang="zh-CN" altLang="en-US"/>
+          </a:p>
+        </p:txBody>
+      </p:sp>
+      <p:sp>
+        <p:nvSpPr>
+          <p:cNvPr id="8" name="文本框 7"/>
+          <p:cNvSpPr txBox="1"/>
+          <p:nvPr/>
+        </p:nvSpPr>
+        <p:spPr>
+          <a:xfrm>
+            <a:off x="7196455" y="2204720"/>
+            <a:ext cx="697865" cy="645160"/>
+          </a:xfrm>
+          <a:prstGeom prst="rect">
+            <a:avLst/>
+          </a:prstGeom>
+          <a:noFill/>
+        </p:spPr>
+        <p:txBody>
+          <a:bodyPr wrap="none" rtlCol="0">
+            <a:spAutoFit/>
+          </a:bodyPr>
+          <a:p>
+            <a:r>
+              <a:rPr lang="en-US" altLang="zh-CN">
+                <a:solidFill>
+                  <a:schemeClr val="bg1"/>
+                </a:solidFill>
+              </a:rPr>
+              <a:t>Event </a:t>
+            </a:r>
+            <a:endParaRPr lang="en-US" altLang="zh-CN">
+              <a:solidFill>
+                <a:schemeClr val="bg1"/>
+              </a:solidFill>
+            </a:endParaRPr>
+          </a:p>
+          <a:p>
+            <a:r>
+              <a:rPr lang="en-US" altLang="zh-CN">
+                <a:solidFill>
+                  <a:schemeClr val="bg1"/>
+                </a:solidFill>
+              </a:rPr>
+              <a:t>Page</a:t>
+            </a:r>
+            <a:endParaRPr lang="en-US" altLang="zh-CN">
+              <a:solidFill>
+                <a:schemeClr val="bg1"/>
+              </a:solidFill>
+            </a:endParaRPr>
+          </a:p>
+        </p:txBody>
+      </p:sp>
+      <p:cxnSp>
+        <p:nvCxnSpPr>
+          <p:cNvPr id="10" name="直接箭头连接符 9"/>
+          <p:cNvCxnSpPr>
+            <a:stCxn id="5" idx="3"/>
+            <a:endCxn id="7" idx="1"/>
+          </p:cNvCxnSpPr>
+          <p:nvPr/>
+        </p:nvCxnSpPr>
+        <p:spPr>
+          <a:xfrm>
+            <a:off x="2921635" y="2527300"/>
+            <a:ext cx="4009390" cy="0"/>
+          </a:xfrm>
+          <a:prstGeom prst="straightConnector1">
+            <a:avLst/>
+          </a:prstGeom>
+          <a:ln>
+            <a:solidFill>
+              <a:schemeClr val="bg1"/>
+            </a:solidFill>
+            <a:tailEnd type="arrow" w="med" len="med"/>
+          </a:ln>
+        </p:spPr>
+        <p:style>
+          <a:lnRef idx="3">
+            <a:schemeClr val="accent5"/>
+          </a:lnRef>
+          <a:fillRef idx="0">
+            <a:schemeClr val="accent5"/>
+          </a:fillRef>
+          <a:effectRef idx="2">
+            <a:schemeClr val="accent5"/>
+          </a:effectRef>
+          <a:fontRef idx="minor">
+            <a:schemeClr val="tx1"/>
+          </a:fontRef>
+        </p:style>
+      </p:cxnSp>
+      <p:sp>
+        <p:nvSpPr>
+          <p:cNvPr id="11" name="文本框 10"/>
+          <p:cNvSpPr txBox="1"/>
+          <p:nvPr/>
+        </p:nvSpPr>
+        <p:spPr>
+          <a:xfrm>
+            <a:off x="4202430" y="1836420"/>
+            <a:ext cx="1270635" cy="368300"/>
+          </a:xfrm>
+          <a:prstGeom prst="rect">
+            <a:avLst/>
+          </a:prstGeom>
+          <a:noFill/>
+        </p:spPr>
+        <p:txBody>
+          <a:bodyPr wrap="none" rtlCol="0">
+            <a:spAutoFit/>
+          </a:bodyPr>
+          <a:p>
+            <a:r>
+              <a:rPr lang="zh-CN" altLang="en-US">
+                <a:solidFill>
+                  <a:schemeClr val="bg1"/>
+                </a:solidFill>
+              </a:rPr>
+              <a:t>消息</a:t>
+            </a:r>
+            <a:r>
+              <a:rPr lang="en-US" altLang="zh-CN">
+                <a:solidFill>
+                  <a:schemeClr val="bg1"/>
+                </a:solidFill>
+              </a:rPr>
+              <a:t>(show)</a:t>
+            </a:r>
+            <a:endParaRPr lang="en-US" altLang="zh-CN">
+              <a:solidFill>
+                <a:schemeClr val="bg1"/>
+              </a:solidFill>
+            </a:endParaRPr>
+          </a:p>
+        </p:txBody>
+      </p:sp>
+      <p:sp>
+        <p:nvSpPr>
+          <p:cNvPr id="12" name="矩形 11"/>
+          <p:cNvSpPr/>
+          <p:nvPr/>
+        </p:nvSpPr>
+        <p:spPr>
+          <a:xfrm>
+            <a:off x="1464945" y="3814445"/>
+            <a:ext cx="1456690" cy="1667510"/>
+          </a:xfrm>
+          <a:prstGeom prst="rect">
+            <a:avLst/>
+          </a:prstGeom>
+        </p:spPr>
+        <p:style>
+          <a:lnRef idx="2">
+            <a:schemeClr val="accent1">
+              <a:shade val="50000"/>
+            </a:schemeClr>
+          </a:lnRef>
+          <a:fillRef idx="1">
+            <a:schemeClr val="accent1"/>
+          </a:fillRef>
+          <a:effectRef idx="0">
+            <a:schemeClr val="accent1"/>
+          </a:effectRef>
+          <a:fontRef idx="minor">
+            <a:schemeClr val="lt1"/>
+          </a:fontRef>
+        </p:style>
+        <p:txBody>
+          <a:bodyPr rtlCol="0" anchor="ctr"/>
+          <a:p>
+            <a:pPr algn="ctr"/>
+            <a:endParaRPr lang="zh-CN" altLang="en-US"/>
+          </a:p>
+        </p:txBody>
+      </p:sp>
+      <p:sp>
+        <p:nvSpPr>
+          <p:cNvPr id="13" name="文本框 12"/>
+          <p:cNvSpPr txBox="1"/>
+          <p:nvPr/>
+        </p:nvSpPr>
+        <p:spPr>
+          <a:xfrm>
+            <a:off x="1554480" y="4325620"/>
+            <a:ext cx="925195" cy="645160"/>
+          </a:xfrm>
+          <a:prstGeom prst="rect">
+            <a:avLst/>
+          </a:prstGeom>
+          <a:noFill/>
+        </p:spPr>
+        <p:txBody>
+          <a:bodyPr wrap="none" rtlCol="0">
+            <a:spAutoFit/>
+          </a:bodyPr>
+          <a:p>
+            <a:r>
+              <a:rPr lang="en-US" altLang="zh-CN">
+                <a:solidFill>
+                  <a:schemeClr val="bg1"/>
+                </a:solidFill>
+              </a:rPr>
+              <a:t>Content</a:t>
+            </a:r>
+            <a:endParaRPr lang="en-US" altLang="zh-CN">
+              <a:solidFill>
+                <a:schemeClr val="bg1"/>
+              </a:solidFill>
+            </a:endParaRPr>
+          </a:p>
+          <a:p>
+            <a:r>
+              <a:rPr lang="en-US" altLang="zh-CN">
+                <a:solidFill>
+                  <a:schemeClr val="bg1"/>
+                </a:solidFill>
+              </a:rPr>
+              <a:t>Scripts</a:t>
+            </a:r>
+            <a:endParaRPr lang="en-US" altLang="zh-CN">
+              <a:solidFill>
+                <a:schemeClr val="bg1"/>
+              </a:solidFill>
+            </a:endParaRPr>
+          </a:p>
+        </p:txBody>
+      </p:sp>
+      <p:sp>
+        <p:nvSpPr>
+          <p:cNvPr id="14" name="矩形 13"/>
+          <p:cNvSpPr/>
+          <p:nvPr/>
+        </p:nvSpPr>
+        <p:spPr>
+          <a:xfrm>
+            <a:off x="6931025" y="3814445"/>
+            <a:ext cx="1456690" cy="1667510"/>
+          </a:xfrm>
+          <a:prstGeom prst="rect">
+            <a:avLst/>
+          </a:prstGeom>
+        </p:spPr>
+        <p:style>
+          <a:lnRef idx="2">
+            <a:schemeClr val="accent1">
+              <a:shade val="50000"/>
+            </a:schemeClr>
+          </a:lnRef>
+          <a:fillRef idx="1">
+            <a:schemeClr val="accent1"/>
+          </a:fillRef>
+          <a:effectRef idx="0">
+            <a:schemeClr val="accent1"/>
+          </a:effectRef>
+          <a:fontRef idx="minor">
+            <a:schemeClr val="lt1"/>
+          </a:fontRef>
+        </p:style>
+        <p:txBody>
+          <a:bodyPr rtlCol="0" anchor="ctr"/>
+          <a:p>
+            <a:pPr algn="ctr"/>
+            <a:endParaRPr lang="zh-CN" altLang="en-US"/>
+          </a:p>
+        </p:txBody>
+      </p:sp>
+      <p:sp>
+        <p:nvSpPr>
+          <p:cNvPr id="15" name="文本框 14"/>
+          <p:cNvSpPr txBox="1"/>
+          <p:nvPr/>
+        </p:nvSpPr>
+        <p:spPr>
+          <a:xfrm>
+            <a:off x="7020560" y="4325620"/>
+            <a:ext cx="925195" cy="645160"/>
+          </a:xfrm>
+          <a:prstGeom prst="rect">
+            <a:avLst/>
+          </a:prstGeom>
+          <a:noFill/>
+        </p:spPr>
+        <p:txBody>
+          <a:bodyPr wrap="none" rtlCol="0">
+            <a:spAutoFit/>
+          </a:bodyPr>
+          <a:p>
+            <a:r>
+              <a:rPr lang="en-US" altLang="zh-CN">
+                <a:solidFill>
+                  <a:schemeClr val="bg1"/>
+                </a:solidFill>
+              </a:rPr>
+              <a:t>Content</a:t>
+            </a:r>
+            <a:endParaRPr lang="en-US" altLang="zh-CN">
+              <a:solidFill>
+                <a:schemeClr val="bg1"/>
+              </a:solidFill>
+            </a:endParaRPr>
+          </a:p>
+          <a:p>
+            <a:r>
+              <a:rPr lang="en-US" altLang="zh-CN">
+                <a:solidFill>
+                  <a:schemeClr val="bg1"/>
+                </a:solidFill>
+              </a:rPr>
+              <a:t>Scripts</a:t>
+            </a:r>
+            <a:endParaRPr lang="en-US" altLang="zh-CN">
+              <a:solidFill>
+                <a:schemeClr val="bg1"/>
+              </a:solidFill>
+            </a:endParaRPr>
+          </a:p>
+        </p:txBody>
+      </p:sp>
+      <p:sp>
+        <p:nvSpPr>
+          <p:cNvPr id="17" name="文本框 16"/>
+          <p:cNvSpPr txBox="1"/>
+          <p:nvPr/>
+        </p:nvSpPr>
+        <p:spPr>
+          <a:xfrm>
+            <a:off x="3993515" y="3957320"/>
+            <a:ext cx="1866265" cy="368300"/>
+          </a:xfrm>
+          <a:prstGeom prst="rect">
+            <a:avLst/>
+          </a:prstGeom>
+          <a:noFill/>
+        </p:spPr>
+        <p:txBody>
+          <a:bodyPr wrap="none" rtlCol="0">
+            <a:spAutoFit/>
+          </a:bodyPr>
+          <a:p>
+            <a:r>
+              <a:rPr lang="zh-CN" altLang="en-US">
+                <a:solidFill>
+                  <a:schemeClr val="bg1"/>
+                </a:solidFill>
+              </a:rPr>
+              <a:t>消息</a:t>
+            </a:r>
+            <a:r>
+              <a:rPr lang="en-US" altLang="zh-CN">
+                <a:solidFill>
+                  <a:schemeClr val="bg1"/>
+                </a:solidFill>
+              </a:rPr>
+              <a:t>(change: red)</a:t>
+            </a:r>
+            <a:endParaRPr lang="en-US" altLang="zh-CN">
+              <a:solidFill>
+                <a:schemeClr val="bg1"/>
+              </a:solidFill>
+            </a:endParaRPr>
+          </a:p>
+        </p:txBody>
+      </p:sp>
+      <p:cxnSp>
+        <p:nvCxnSpPr>
+          <p:cNvPr id="18" name="直接箭头连接符 17"/>
+          <p:cNvCxnSpPr>
+            <a:stCxn id="14" idx="1"/>
+            <a:endCxn id="12" idx="3"/>
+          </p:cNvCxnSpPr>
+          <p:nvPr/>
+        </p:nvCxnSpPr>
+        <p:spPr>
+          <a:xfrm flipH="1">
+            <a:off x="2921635" y="4648200"/>
+            <a:ext cx="4009390" cy="0"/>
+          </a:xfrm>
+          <a:prstGeom prst="straightConnector1">
+            <a:avLst/>
+          </a:prstGeom>
+          <a:ln>
+            <a:solidFill>
+              <a:schemeClr val="bg1"/>
+            </a:solidFill>
+            <a:tailEnd type="arrow" w="med" len="med"/>
+          </a:ln>
+        </p:spPr>
+        <p:style>
+          <a:lnRef idx="3">
+            <a:schemeClr val="accent5"/>
+          </a:lnRef>
+          <a:fillRef idx="0">
+            <a:schemeClr val="accent5"/>
+          </a:fillRef>
+          <a:effectRef idx="2">
+            <a:schemeClr val="accent5"/>
+          </a:effectRef>
+          <a:fontRef idx="minor">
+            <a:schemeClr val="tx1"/>
+          </a:fontRef>
+        </p:style>
+      </p:cxnSp>
+    </p:spTree>
+  </p:cSld>
+  <p:clrMapOvr>
+    <a:masterClrMapping/>
+  </p:clrMapOvr>
+</p:sld>
+</file>
+
 <file path=ppt/slides/slide2.xml><?xml version="1.0" encoding="utf-8"?>
 <p:sld xmlns:a="http://schemas.openxmlformats.org/drawingml/2006/main" xmlns:r="http://schemas.openxmlformats.org/officeDocument/2006/relationships" xmlns:p="http://schemas.openxmlformats.org/presentationml/2006/main">
   <p:cSld>
@@ -14238,6 +16946,2404 @@
               <a:t>等</a:t>
             </a:r>
             <a:endParaRPr lang="zh-CN" altLang="en-US" sz="2800">
+              <a:solidFill>
+                <a:schemeClr val="bg1"/>
+              </a:solidFill>
+            </a:endParaRPr>
+          </a:p>
+        </p:txBody>
+      </p:sp>
+    </p:spTree>
+  </p:cSld>
+  <p:clrMapOvr>
+    <a:masterClrMapping/>
+  </p:clrMapOvr>
+</p:sld>
+</file>
+
+<file path=ppt/slides/slide20.xml><?xml version="1.0" encoding="utf-8"?>
+<p:sld xmlns:a="http://schemas.openxmlformats.org/drawingml/2006/main" xmlns:r="http://schemas.openxmlformats.org/officeDocument/2006/relationships" xmlns:p="http://schemas.openxmlformats.org/presentationml/2006/main">
+  <p:cSld>
+    <p:spTree>
+      <p:nvGrpSpPr>
+        <p:cNvPr id="1" name=""/>
+        <p:cNvGrpSpPr/>
+        <p:nvPr/>
+      </p:nvGrpSpPr>
+      <p:grpSpPr/>
+      <p:grpSp>
+        <p:nvGrpSpPr>
+          <p:cNvPr id="103" name="Group 4"/>
+          <p:cNvGrpSpPr>
+            <a:grpSpLocks noChangeAspect="1"/>
+          </p:cNvGrpSpPr>
+          <p:nvPr/>
+        </p:nvGrpSpPr>
+        <p:grpSpPr bwMode="auto">
+          <a:xfrm rot="891772">
+            <a:off x="521512" y="551543"/>
+            <a:ext cx="507974" cy="919389"/>
+            <a:chOff x="472" y="425"/>
+            <a:chExt cx="363" cy="657"/>
+          </a:xfrm>
+        </p:grpSpPr>
+        <p:sp>
+          <p:nvSpPr>
+            <p:cNvPr id="104" name="Freeform 5"/>
+            <p:cNvSpPr>
+              <a:spLocks noEditPoints="1"/>
+            </p:cNvSpPr>
+            <p:nvPr/>
+          </p:nvSpPr>
+          <p:spPr bwMode="auto">
+            <a:xfrm>
+              <a:off x="472" y="425"/>
+              <a:ext cx="335" cy="657"/>
+            </a:xfrm>
+            <a:custGeom>
+              <a:avLst/>
+              <a:gdLst>
+                <a:gd name="T0" fmla="*/ 81 w 154"/>
+                <a:gd name="T1" fmla="*/ 9 h 305"/>
+                <a:gd name="T2" fmla="*/ 48 w 154"/>
+                <a:gd name="T3" fmla="*/ 43 h 305"/>
+                <a:gd name="T4" fmla="*/ 49 w 154"/>
+                <a:gd name="T5" fmla="*/ 47 h 305"/>
+                <a:gd name="T6" fmla="*/ 30 w 154"/>
+                <a:gd name="T7" fmla="*/ 143 h 305"/>
+                <a:gd name="T8" fmla="*/ 21 w 154"/>
+                <a:gd name="T9" fmla="*/ 158 h 305"/>
+                <a:gd name="T10" fmla="*/ 88 w 154"/>
+                <a:gd name="T11" fmla="*/ 243 h 305"/>
+                <a:gd name="T12" fmla="*/ 101 w 154"/>
+                <a:gd name="T13" fmla="*/ 243 h 305"/>
+                <a:gd name="T14" fmla="*/ 91 w 154"/>
+                <a:gd name="T15" fmla="*/ 285 h 305"/>
+                <a:gd name="T16" fmla="*/ 85 w 154"/>
+                <a:gd name="T17" fmla="*/ 275 h 305"/>
+                <a:gd name="T18" fmla="*/ 81 w 154"/>
+                <a:gd name="T19" fmla="*/ 278 h 305"/>
+                <a:gd name="T20" fmla="*/ 85 w 154"/>
+                <a:gd name="T21" fmla="*/ 303 h 305"/>
+                <a:gd name="T22" fmla="*/ 110 w 154"/>
+                <a:gd name="T23" fmla="*/ 247 h 305"/>
+                <a:gd name="T24" fmla="*/ 107 w 154"/>
+                <a:gd name="T25" fmla="*/ 238 h 305"/>
+                <a:gd name="T26" fmla="*/ 85 w 154"/>
+                <a:gd name="T27" fmla="*/ 164 h 305"/>
+                <a:gd name="T28" fmla="*/ 81 w 154"/>
+                <a:gd name="T29" fmla="*/ 151 h 305"/>
+                <a:gd name="T30" fmla="*/ 80 w 154"/>
+                <a:gd name="T31" fmla="*/ 143 h 305"/>
+                <a:gd name="T32" fmla="*/ 67 w 154"/>
+                <a:gd name="T33" fmla="*/ 92 h 305"/>
+                <a:gd name="T34" fmla="*/ 85 w 154"/>
+                <a:gd name="T35" fmla="*/ 39 h 305"/>
+                <a:gd name="T36" fmla="*/ 81 w 154"/>
+                <a:gd name="T37" fmla="*/ 11 h 305"/>
+                <a:gd name="T38" fmla="*/ 103 w 154"/>
+                <a:gd name="T39" fmla="*/ 228 h 305"/>
+                <a:gd name="T40" fmla="*/ 85 w 154"/>
+                <a:gd name="T41" fmla="*/ 174 h 305"/>
+                <a:gd name="T42" fmla="*/ 76 w 154"/>
+                <a:gd name="T43" fmla="*/ 143 h 305"/>
+                <a:gd name="T44" fmla="*/ 78 w 154"/>
+                <a:gd name="T45" fmla="*/ 151 h 305"/>
+                <a:gd name="T46" fmla="*/ 45 w 154"/>
+                <a:gd name="T47" fmla="*/ 189 h 305"/>
+                <a:gd name="T48" fmla="*/ 81 w 154"/>
+                <a:gd name="T49" fmla="*/ 174 h 305"/>
+                <a:gd name="T50" fmla="*/ 85 w 154"/>
+                <a:gd name="T51" fmla="*/ 192 h 305"/>
+                <a:gd name="T52" fmla="*/ 96 w 154"/>
+                <a:gd name="T53" fmla="*/ 231 h 305"/>
+                <a:gd name="T54" fmla="*/ 81 w 154"/>
+                <a:gd name="T55" fmla="*/ 233 h 305"/>
+                <a:gd name="T56" fmla="*/ 36 w 154"/>
+                <a:gd name="T57" fmla="*/ 147 h 305"/>
+                <a:gd name="T58" fmla="*/ 38 w 154"/>
+                <a:gd name="T59" fmla="*/ 143 h 305"/>
+                <a:gd name="T60" fmla="*/ 76 w 154"/>
+                <a:gd name="T61" fmla="*/ 143 h 305"/>
+                <a:gd name="T62" fmla="*/ 75 w 154"/>
+                <a:gd name="T63" fmla="*/ 47 h 305"/>
+                <a:gd name="T64" fmla="*/ 68 w 154"/>
+                <a:gd name="T65" fmla="*/ 75 h 305"/>
+                <a:gd name="T66" fmla="*/ 57 w 154"/>
+                <a:gd name="T67" fmla="*/ 47 h 305"/>
+                <a:gd name="T68" fmla="*/ 57 w 154"/>
+                <a:gd name="T69" fmla="*/ 19 h 305"/>
+                <a:gd name="T70" fmla="*/ 76 w 154"/>
+                <a:gd name="T71" fmla="*/ 43 h 305"/>
+              </a:gdLst>
+              <a:ahLst/>
+              <a:cxnLst>
+                <a:cxn ang="0">
+                  <a:pos x="T0" y="T1"/>
+                </a:cxn>
+                <a:cxn ang="0">
+                  <a:pos x="T2" y="T3"/>
+                </a:cxn>
+                <a:cxn ang="0">
+                  <a:pos x="T4" y="T5"/>
+                </a:cxn>
+                <a:cxn ang="0">
+                  <a:pos x="T6" y="T7"/>
+                </a:cxn>
+                <a:cxn ang="0">
+                  <a:pos x="T8" y="T9"/>
+                </a:cxn>
+                <a:cxn ang="0">
+                  <a:pos x="T10" y="T11"/>
+                </a:cxn>
+                <a:cxn ang="0">
+                  <a:pos x="T12" y="T13"/>
+                </a:cxn>
+                <a:cxn ang="0">
+                  <a:pos x="T14" y="T15"/>
+                </a:cxn>
+                <a:cxn ang="0">
+                  <a:pos x="T16" y="T17"/>
+                </a:cxn>
+                <a:cxn ang="0">
+                  <a:pos x="T18" y="T19"/>
+                </a:cxn>
+                <a:cxn ang="0">
+                  <a:pos x="T20" y="T21"/>
+                </a:cxn>
+                <a:cxn ang="0">
+                  <a:pos x="T22" y="T23"/>
+                </a:cxn>
+                <a:cxn ang="0">
+                  <a:pos x="T24" y="T25"/>
+                </a:cxn>
+                <a:cxn ang="0">
+                  <a:pos x="T26" y="T27"/>
+                </a:cxn>
+                <a:cxn ang="0">
+                  <a:pos x="T28" y="T29"/>
+                </a:cxn>
+                <a:cxn ang="0">
+                  <a:pos x="T30" y="T31"/>
+                </a:cxn>
+                <a:cxn ang="0">
+                  <a:pos x="T32" y="T33"/>
+                </a:cxn>
+                <a:cxn ang="0">
+                  <a:pos x="T34" y="T35"/>
+                </a:cxn>
+                <a:cxn ang="0">
+                  <a:pos x="T36" y="T37"/>
+                </a:cxn>
+                <a:cxn ang="0">
+                  <a:pos x="T38" y="T39"/>
+                </a:cxn>
+                <a:cxn ang="0">
+                  <a:pos x="T40" y="T41"/>
+                </a:cxn>
+                <a:cxn ang="0">
+                  <a:pos x="T42" y="T43"/>
+                </a:cxn>
+                <a:cxn ang="0">
+                  <a:pos x="T44" y="T45"/>
+                </a:cxn>
+                <a:cxn ang="0">
+                  <a:pos x="T46" y="T47"/>
+                </a:cxn>
+                <a:cxn ang="0">
+                  <a:pos x="T48" y="T49"/>
+                </a:cxn>
+                <a:cxn ang="0">
+                  <a:pos x="T50" y="T51"/>
+                </a:cxn>
+                <a:cxn ang="0">
+                  <a:pos x="T52" y="T53"/>
+                </a:cxn>
+                <a:cxn ang="0">
+                  <a:pos x="T54" y="T55"/>
+                </a:cxn>
+                <a:cxn ang="0">
+                  <a:pos x="T56" y="T57"/>
+                </a:cxn>
+                <a:cxn ang="0">
+                  <a:pos x="T58" y="T59"/>
+                </a:cxn>
+                <a:cxn ang="0">
+                  <a:pos x="T60" y="T61"/>
+                </a:cxn>
+                <a:cxn ang="0">
+                  <a:pos x="T62" y="T63"/>
+                </a:cxn>
+                <a:cxn ang="0">
+                  <a:pos x="T64" y="T65"/>
+                </a:cxn>
+                <a:cxn ang="0">
+                  <a:pos x="T66" y="T67"/>
+                </a:cxn>
+                <a:cxn ang="0">
+                  <a:pos x="T68" y="T69"/>
+                </a:cxn>
+                <a:cxn ang="0">
+                  <a:pos x="T70" y="T71"/>
+                </a:cxn>
+              </a:cxnLst>
+              <a:rect l="0" t="0" r="r" b="b"/>
+              <a:pathLst>
+                <a:path w="154" h="305">
+                  <a:moveTo>
+                    <a:pt x="81" y="11"/>
+                  </a:moveTo>
+                  <a:cubicBezTo>
+                    <a:pt x="81" y="10"/>
+                    <a:pt x="81" y="10"/>
+                    <a:pt x="81" y="9"/>
+                  </a:cubicBezTo>
+                  <a:cubicBezTo>
+                    <a:pt x="78" y="2"/>
+                    <a:pt x="64" y="0"/>
+                    <a:pt x="58" y="4"/>
+                  </a:cubicBezTo>
+                  <a:cubicBezTo>
+                    <a:pt x="48" y="10"/>
+                    <a:pt x="47" y="33"/>
+                    <a:pt x="48" y="43"/>
+                  </a:cubicBezTo>
+                  <a:cubicBezTo>
+                    <a:pt x="48" y="43"/>
+                    <a:pt x="48" y="43"/>
+                    <a:pt x="48" y="43"/>
+                  </a:cubicBezTo>
+                  <a:cubicBezTo>
+                    <a:pt x="48" y="44"/>
+                    <a:pt x="48" y="46"/>
+                    <a:pt x="49" y="47"/>
+                  </a:cubicBezTo>
+                  <a:cubicBezTo>
+                    <a:pt x="51" y="63"/>
+                    <a:pt x="56" y="78"/>
+                    <a:pt x="61" y="93"/>
+                  </a:cubicBezTo>
+                  <a:cubicBezTo>
+                    <a:pt x="52" y="110"/>
+                    <a:pt x="39" y="126"/>
+                    <a:pt x="30" y="143"/>
+                  </a:cubicBezTo>
+                  <a:cubicBezTo>
+                    <a:pt x="29" y="144"/>
+                    <a:pt x="28" y="146"/>
+                    <a:pt x="27" y="147"/>
+                  </a:cubicBezTo>
+                  <a:cubicBezTo>
+                    <a:pt x="25" y="151"/>
+                    <a:pt x="23" y="154"/>
+                    <a:pt x="21" y="158"/>
+                  </a:cubicBezTo>
+                  <a:cubicBezTo>
+                    <a:pt x="0" y="205"/>
+                    <a:pt x="32" y="238"/>
+                    <a:pt x="69" y="243"/>
+                  </a:cubicBezTo>
+                  <a:cubicBezTo>
+                    <a:pt x="75" y="244"/>
+                    <a:pt x="82" y="244"/>
+                    <a:pt x="88" y="243"/>
+                  </a:cubicBezTo>
+                  <a:cubicBezTo>
+                    <a:pt x="92" y="242"/>
+                    <a:pt x="96" y="242"/>
+                    <a:pt x="100" y="240"/>
+                  </a:cubicBezTo>
+                  <a:cubicBezTo>
+                    <a:pt x="100" y="241"/>
+                    <a:pt x="100" y="242"/>
+                    <a:pt x="101" y="243"/>
+                  </a:cubicBezTo>
+                  <a:cubicBezTo>
+                    <a:pt x="101" y="244"/>
+                    <a:pt x="101" y="246"/>
+                    <a:pt x="102" y="247"/>
+                  </a:cubicBezTo>
+                  <a:cubicBezTo>
+                    <a:pt x="104" y="258"/>
+                    <a:pt x="103" y="270"/>
+                    <a:pt x="91" y="285"/>
+                  </a:cubicBezTo>
+                  <a:cubicBezTo>
+                    <a:pt x="91" y="284"/>
+                    <a:pt x="91" y="284"/>
+                    <a:pt x="91" y="284"/>
+                  </a:cubicBezTo>
+                  <a:cubicBezTo>
+                    <a:pt x="92" y="280"/>
+                    <a:pt x="89" y="276"/>
+                    <a:pt x="85" y="275"/>
+                  </a:cubicBezTo>
+                  <a:cubicBezTo>
+                    <a:pt x="84" y="275"/>
+                    <a:pt x="82" y="276"/>
+                    <a:pt x="81" y="277"/>
+                  </a:cubicBezTo>
+                  <a:cubicBezTo>
+                    <a:pt x="81" y="277"/>
+                    <a:pt x="81" y="277"/>
+                    <a:pt x="81" y="278"/>
+                  </a:cubicBezTo>
+                  <a:cubicBezTo>
+                    <a:pt x="74" y="285"/>
+                    <a:pt x="75" y="295"/>
+                    <a:pt x="81" y="300"/>
+                  </a:cubicBezTo>
+                  <a:cubicBezTo>
+                    <a:pt x="82" y="301"/>
+                    <a:pt x="84" y="302"/>
+                    <a:pt x="85" y="303"/>
+                  </a:cubicBezTo>
+                  <a:cubicBezTo>
+                    <a:pt x="88" y="304"/>
+                    <a:pt x="92" y="305"/>
+                    <a:pt x="97" y="304"/>
+                  </a:cubicBezTo>
+                  <a:cubicBezTo>
+                    <a:pt x="120" y="297"/>
+                    <a:pt x="117" y="271"/>
+                    <a:pt x="110" y="247"/>
+                  </a:cubicBezTo>
+                  <a:cubicBezTo>
+                    <a:pt x="109" y="246"/>
+                    <a:pt x="109" y="244"/>
+                    <a:pt x="109" y="243"/>
+                  </a:cubicBezTo>
+                  <a:cubicBezTo>
+                    <a:pt x="108" y="241"/>
+                    <a:pt x="107" y="239"/>
+                    <a:pt x="107" y="238"/>
+                  </a:cubicBezTo>
+                  <a:cubicBezTo>
+                    <a:pt x="117" y="233"/>
+                    <a:pt x="127" y="226"/>
+                    <a:pt x="134" y="215"/>
+                  </a:cubicBezTo>
+                  <a:cubicBezTo>
+                    <a:pt x="154" y="188"/>
+                    <a:pt x="117" y="163"/>
+                    <a:pt x="85" y="164"/>
+                  </a:cubicBezTo>
+                  <a:cubicBezTo>
+                    <a:pt x="84" y="164"/>
+                    <a:pt x="84" y="164"/>
+                    <a:pt x="83" y="164"/>
+                  </a:cubicBezTo>
+                  <a:cubicBezTo>
+                    <a:pt x="83" y="159"/>
+                    <a:pt x="82" y="155"/>
+                    <a:pt x="81" y="151"/>
+                  </a:cubicBezTo>
+                  <a:cubicBezTo>
+                    <a:pt x="81" y="149"/>
+                    <a:pt x="81" y="148"/>
+                    <a:pt x="80" y="147"/>
+                  </a:cubicBezTo>
+                  <a:cubicBezTo>
+                    <a:pt x="80" y="146"/>
+                    <a:pt x="80" y="144"/>
+                    <a:pt x="80" y="143"/>
+                  </a:cubicBezTo>
+                  <a:cubicBezTo>
+                    <a:pt x="77" y="131"/>
+                    <a:pt x="75" y="119"/>
+                    <a:pt x="72" y="108"/>
+                  </a:cubicBezTo>
+                  <a:cubicBezTo>
+                    <a:pt x="71" y="103"/>
+                    <a:pt x="69" y="97"/>
+                    <a:pt x="67" y="92"/>
+                  </a:cubicBezTo>
+                  <a:cubicBezTo>
+                    <a:pt x="73" y="81"/>
+                    <a:pt x="78" y="71"/>
+                    <a:pt x="81" y="60"/>
+                  </a:cubicBezTo>
+                  <a:cubicBezTo>
+                    <a:pt x="83" y="53"/>
+                    <a:pt x="85" y="46"/>
+                    <a:pt x="85" y="39"/>
+                  </a:cubicBezTo>
+                  <a:cubicBezTo>
+                    <a:pt x="85" y="35"/>
+                    <a:pt x="85" y="32"/>
+                    <a:pt x="85" y="29"/>
+                  </a:cubicBezTo>
+                  <a:cubicBezTo>
+                    <a:pt x="85" y="23"/>
+                    <a:pt x="83" y="17"/>
+                    <a:pt x="81" y="11"/>
+                  </a:cubicBezTo>
+                  <a:close/>
+                  <a:moveTo>
+                    <a:pt x="109" y="225"/>
+                  </a:moveTo>
+                  <a:cubicBezTo>
+                    <a:pt x="107" y="226"/>
+                    <a:pt x="105" y="228"/>
+                    <a:pt x="103" y="228"/>
+                  </a:cubicBezTo>
+                  <a:cubicBezTo>
+                    <a:pt x="101" y="222"/>
+                    <a:pt x="98" y="216"/>
+                    <a:pt x="97" y="213"/>
+                  </a:cubicBezTo>
+                  <a:cubicBezTo>
+                    <a:pt x="92" y="200"/>
+                    <a:pt x="88" y="187"/>
+                    <a:pt x="85" y="174"/>
+                  </a:cubicBezTo>
+                  <a:cubicBezTo>
+                    <a:pt x="115" y="174"/>
+                    <a:pt x="144" y="202"/>
+                    <a:pt x="109" y="225"/>
+                  </a:cubicBezTo>
+                  <a:close/>
+                  <a:moveTo>
+                    <a:pt x="76" y="143"/>
+                  </a:moveTo>
+                  <a:cubicBezTo>
+                    <a:pt x="76" y="144"/>
+                    <a:pt x="76" y="146"/>
+                    <a:pt x="77" y="147"/>
+                  </a:cubicBezTo>
+                  <a:cubicBezTo>
+                    <a:pt x="77" y="148"/>
+                    <a:pt x="77" y="150"/>
+                    <a:pt x="78" y="151"/>
+                  </a:cubicBezTo>
+                  <a:cubicBezTo>
+                    <a:pt x="78" y="155"/>
+                    <a:pt x="79" y="160"/>
+                    <a:pt x="80" y="164"/>
+                  </a:cubicBezTo>
+                  <a:cubicBezTo>
+                    <a:pt x="64" y="165"/>
+                    <a:pt x="50" y="173"/>
+                    <a:pt x="45" y="189"/>
+                  </a:cubicBezTo>
+                  <a:cubicBezTo>
+                    <a:pt x="44" y="192"/>
+                    <a:pt x="49" y="194"/>
+                    <a:pt x="51" y="191"/>
+                  </a:cubicBezTo>
+                  <a:cubicBezTo>
+                    <a:pt x="59" y="180"/>
+                    <a:pt x="70" y="175"/>
+                    <a:pt x="81" y="174"/>
+                  </a:cubicBezTo>
+                  <a:cubicBezTo>
+                    <a:pt x="81" y="174"/>
+                    <a:pt x="82" y="174"/>
+                    <a:pt x="82" y="174"/>
+                  </a:cubicBezTo>
+                  <a:cubicBezTo>
+                    <a:pt x="83" y="180"/>
+                    <a:pt x="84" y="186"/>
+                    <a:pt x="85" y="192"/>
+                  </a:cubicBezTo>
+                  <a:cubicBezTo>
+                    <a:pt x="87" y="199"/>
+                    <a:pt x="88" y="207"/>
+                    <a:pt x="91" y="214"/>
+                  </a:cubicBezTo>
+                  <a:cubicBezTo>
+                    <a:pt x="92" y="220"/>
+                    <a:pt x="94" y="226"/>
+                    <a:pt x="96" y="231"/>
+                  </a:cubicBezTo>
+                  <a:cubicBezTo>
+                    <a:pt x="93" y="232"/>
+                    <a:pt x="89" y="233"/>
+                    <a:pt x="85" y="233"/>
+                  </a:cubicBezTo>
+                  <a:cubicBezTo>
+                    <a:pt x="84" y="233"/>
+                    <a:pt x="82" y="233"/>
+                    <a:pt x="81" y="233"/>
+                  </a:cubicBezTo>
+                  <a:cubicBezTo>
+                    <a:pt x="67" y="233"/>
+                    <a:pt x="52" y="228"/>
+                    <a:pt x="41" y="223"/>
+                  </a:cubicBezTo>
+                  <a:cubicBezTo>
+                    <a:pt x="9" y="206"/>
+                    <a:pt x="24" y="170"/>
+                    <a:pt x="36" y="147"/>
+                  </a:cubicBezTo>
+                  <a:cubicBezTo>
+                    <a:pt x="36" y="146"/>
+                    <a:pt x="36" y="145"/>
+                    <a:pt x="37" y="144"/>
+                  </a:cubicBezTo>
+                  <a:cubicBezTo>
+                    <a:pt x="37" y="144"/>
+                    <a:pt x="37" y="143"/>
+                    <a:pt x="38" y="143"/>
+                  </a:cubicBezTo>
+                  <a:cubicBezTo>
+                    <a:pt x="45" y="130"/>
+                    <a:pt x="54" y="116"/>
+                    <a:pt x="63" y="100"/>
+                  </a:cubicBezTo>
+                  <a:cubicBezTo>
+                    <a:pt x="67" y="114"/>
+                    <a:pt x="72" y="129"/>
+                    <a:pt x="76" y="143"/>
+                  </a:cubicBezTo>
+                  <a:close/>
+                  <a:moveTo>
+                    <a:pt x="76" y="43"/>
+                  </a:moveTo>
+                  <a:cubicBezTo>
+                    <a:pt x="76" y="44"/>
+                    <a:pt x="75" y="46"/>
+                    <a:pt x="75" y="47"/>
+                  </a:cubicBezTo>
+                  <a:cubicBezTo>
+                    <a:pt x="75" y="47"/>
+                    <a:pt x="75" y="48"/>
+                    <a:pt x="75" y="48"/>
+                  </a:cubicBezTo>
+                  <a:cubicBezTo>
+                    <a:pt x="74" y="57"/>
+                    <a:pt x="71" y="66"/>
+                    <a:pt x="68" y="75"/>
+                  </a:cubicBezTo>
+                  <a:cubicBezTo>
+                    <a:pt x="67" y="78"/>
+                    <a:pt x="66" y="81"/>
+                    <a:pt x="65" y="83"/>
+                  </a:cubicBezTo>
+                  <a:cubicBezTo>
+                    <a:pt x="61" y="71"/>
+                    <a:pt x="58" y="59"/>
+                    <a:pt x="57" y="47"/>
+                  </a:cubicBezTo>
+                  <a:cubicBezTo>
+                    <a:pt x="57" y="46"/>
+                    <a:pt x="56" y="44"/>
+                    <a:pt x="56" y="43"/>
+                  </a:cubicBezTo>
+                  <a:cubicBezTo>
+                    <a:pt x="56" y="35"/>
+                    <a:pt x="56" y="27"/>
+                    <a:pt x="57" y="19"/>
+                  </a:cubicBezTo>
+                  <a:cubicBezTo>
+                    <a:pt x="58" y="12"/>
+                    <a:pt x="64" y="13"/>
+                    <a:pt x="77" y="23"/>
+                  </a:cubicBezTo>
+                  <a:cubicBezTo>
+                    <a:pt x="77" y="30"/>
+                    <a:pt x="77" y="36"/>
+                    <a:pt x="76" y="43"/>
+                  </a:cubicBezTo>
+                  <a:close/>
+                </a:path>
+              </a:pathLst>
+            </a:custGeom>
+            <a:solidFill>
+              <a:srgbClr val="F2F2F2"/>
+            </a:solidFill>
+            <a:ln>
+              <a:noFill/>
+            </a:ln>
+            <a:extLst>
+              <a:ext uri="{91240B29-F687-4F45-9708-019B960494DF}">
+                <a14:hiddenLine xmlns:a14="http://schemas.microsoft.com/office/drawing/2010/main" w="9525">
+                  <a:solidFill>
+                    <a:srgbClr val="000000"/>
+                  </a:solidFill>
+                  <a:round/>
+                </a14:hiddenLine>
+              </a:ext>
+            </a:extLst>
+          </p:spPr>
+          <p:txBody>
+            <a:bodyPr vert="horz" wrap="square" lIns="91440" tIns="45720" rIns="91440" bIns="45720" numCol="1" anchor="t" anchorCtr="0" compatLnSpc="1"/>
+            <a:p>
+              <a:endParaRPr lang="zh-CN" altLang="en-US"/>
+            </a:p>
+          </p:txBody>
+        </p:sp>
+        <p:sp>
+          <p:nvSpPr>
+            <p:cNvPr id="105" name="Freeform 6"/>
+            <p:cNvSpPr/>
+            <p:nvPr/>
+          </p:nvSpPr>
+          <p:spPr bwMode="auto">
+            <a:xfrm>
+              <a:off x="735" y="774"/>
+              <a:ext cx="61" cy="52"/>
+            </a:xfrm>
+            <a:custGeom>
+              <a:avLst/>
+              <a:gdLst>
+                <a:gd name="T0" fmla="*/ 25 w 28"/>
+                <a:gd name="T1" fmla="*/ 23 h 24"/>
+                <a:gd name="T2" fmla="*/ 27 w 28"/>
+                <a:gd name="T3" fmla="*/ 21 h 24"/>
+                <a:gd name="T4" fmla="*/ 3 w 28"/>
+                <a:gd name="T5" fmla="*/ 1 h 24"/>
+                <a:gd name="T6" fmla="*/ 2 w 28"/>
+                <a:gd name="T7" fmla="*/ 4 h 24"/>
+                <a:gd name="T8" fmla="*/ 25 w 28"/>
+                <a:gd name="T9" fmla="*/ 23 h 24"/>
+              </a:gdLst>
+              <a:ahLst/>
+              <a:cxnLst>
+                <a:cxn ang="0">
+                  <a:pos x="T0" y="T1"/>
+                </a:cxn>
+                <a:cxn ang="0">
+                  <a:pos x="T2" y="T3"/>
+                </a:cxn>
+                <a:cxn ang="0">
+                  <a:pos x="T4" y="T5"/>
+                </a:cxn>
+                <a:cxn ang="0">
+                  <a:pos x="T6" y="T7"/>
+                </a:cxn>
+                <a:cxn ang="0">
+                  <a:pos x="T8" y="T9"/>
+                </a:cxn>
+              </a:cxnLst>
+              <a:rect l="0" t="0" r="r" b="b"/>
+              <a:pathLst>
+                <a:path w="28" h="24">
+                  <a:moveTo>
+                    <a:pt x="25" y="23"/>
+                  </a:moveTo>
+                  <a:cubicBezTo>
+                    <a:pt x="26" y="24"/>
+                    <a:pt x="28" y="23"/>
+                    <a:pt x="27" y="21"/>
+                  </a:cubicBezTo>
+                  <a:cubicBezTo>
+                    <a:pt x="24" y="10"/>
+                    <a:pt x="13" y="4"/>
+                    <a:pt x="3" y="1"/>
+                  </a:cubicBezTo>
+                  <a:cubicBezTo>
+                    <a:pt x="1" y="0"/>
+                    <a:pt x="0" y="3"/>
+                    <a:pt x="2" y="4"/>
+                  </a:cubicBezTo>
+                  <a:cubicBezTo>
+                    <a:pt x="10" y="10"/>
+                    <a:pt x="17" y="17"/>
+                    <a:pt x="25" y="23"/>
+                  </a:cubicBezTo>
+                  <a:close/>
+                </a:path>
+              </a:pathLst>
+            </a:custGeom>
+            <a:solidFill>
+              <a:srgbClr val="F2F2F2"/>
+            </a:solidFill>
+            <a:ln>
+              <a:noFill/>
+            </a:ln>
+            <a:extLst>
+              <a:ext uri="{91240B29-F687-4F45-9708-019B960494DF}">
+                <a14:hiddenLine xmlns:a14="http://schemas.microsoft.com/office/drawing/2010/main" w="9525">
+                  <a:solidFill>
+                    <a:srgbClr val="000000"/>
+                  </a:solidFill>
+                  <a:round/>
+                </a14:hiddenLine>
+              </a:ext>
+            </a:extLst>
+          </p:spPr>
+          <p:txBody>
+            <a:bodyPr vert="horz" wrap="square" lIns="91440" tIns="45720" rIns="91440" bIns="45720" numCol="1" anchor="t" anchorCtr="0" compatLnSpc="1"/>
+            <a:p>
+              <a:endParaRPr lang="zh-CN" altLang="en-US"/>
+            </a:p>
+          </p:txBody>
+        </p:sp>
+        <p:sp>
+          <p:nvSpPr>
+            <p:cNvPr id="106" name="Freeform 7"/>
+            <p:cNvSpPr/>
+            <p:nvPr/>
+          </p:nvSpPr>
+          <p:spPr bwMode="auto">
+            <a:xfrm>
+              <a:off x="759" y="748"/>
+              <a:ext cx="76" cy="50"/>
+            </a:xfrm>
+            <a:custGeom>
+              <a:avLst/>
+              <a:gdLst>
+                <a:gd name="T0" fmla="*/ 3 w 35"/>
+                <a:gd name="T1" fmla="*/ 1 h 23"/>
+                <a:gd name="T2" fmla="*/ 3 w 35"/>
+                <a:gd name="T3" fmla="*/ 5 h 23"/>
+                <a:gd name="T4" fmla="*/ 17 w 35"/>
+                <a:gd name="T5" fmla="*/ 11 h 23"/>
+                <a:gd name="T6" fmla="*/ 31 w 35"/>
+                <a:gd name="T7" fmla="*/ 22 h 23"/>
+                <a:gd name="T8" fmla="*/ 34 w 35"/>
+                <a:gd name="T9" fmla="*/ 20 h 23"/>
+                <a:gd name="T10" fmla="*/ 3 w 35"/>
+                <a:gd name="T11" fmla="*/ 1 h 23"/>
+              </a:gdLst>
+              <a:ahLst/>
+              <a:cxnLst>
+                <a:cxn ang="0">
+                  <a:pos x="T0" y="T1"/>
+                </a:cxn>
+                <a:cxn ang="0">
+                  <a:pos x="T2" y="T3"/>
+                </a:cxn>
+                <a:cxn ang="0">
+                  <a:pos x="T4" y="T5"/>
+                </a:cxn>
+                <a:cxn ang="0">
+                  <a:pos x="T6" y="T7"/>
+                </a:cxn>
+                <a:cxn ang="0">
+                  <a:pos x="T8" y="T9"/>
+                </a:cxn>
+                <a:cxn ang="0">
+                  <a:pos x="T10" y="T11"/>
+                </a:cxn>
+              </a:cxnLst>
+              <a:rect l="0" t="0" r="r" b="b"/>
+              <a:pathLst>
+                <a:path w="35" h="23">
+                  <a:moveTo>
+                    <a:pt x="3" y="1"/>
+                  </a:moveTo>
+                  <a:cubicBezTo>
+                    <a:pt x="1" y="1"/>
+                    <a:pt x="0" y="4"/>
+                    <a:pt x="3" y="5"/>
+                  </a:cubicBezTo>
+                  <a:cubicBezTo>
+                    <a:pt x="8" y="6"/>
+                    <a:pt x="13" y="8"/>
+                    <a:pt x="17" y="11"/>
+                  </a:cubicBezTo>
+                  <a:cubicBezTo>
+                    <a:pt x="22" y="15"/>
+                    <a:pt x="26" y="19"/>
+                    <a:pt x="31" y="22"/>
+                  </a:cubicBezTo>
+                  <a:cubicBezTo>
+                    <a:pt x="33" y="23"/>
+                    <a:pt x="35" y="22"/>
+                    <a:pt x="34" y="20"/>
+                  </a:cubicBezTo>
+                  <a:cubicBezTo>
+                    <a:pt x="30" y="8"/>
+                    <a:pt x="16" y="0"/>
+                    <a:pt x="3" y="1"/>
+                  </a:cubicBezTo>
+                  <a:close/>
+                </a:path>
+              </a:pathLst>
+            </a:custGeom>
+            <a:solidFill>
+              <a:srgbClr val="F2F2F2"/>
+            </a:solidFill>
+            <a:ln>
+              <a:noFill/>
+            </a:ln>
+            <a:extLst>
+              <a:ext uri="{91240B29-F687-4F45-9708-019B960494DF}">
+                <a14:hiddenLine xmlns:a14="http://schemas.microsoft.com/office/drawing/2010/main" w="9525">
+                  <a:solidFill>
+                    <a:srgbClr val="000000"/>
+                  </a:solidFill>
+                  <a:round/>
+                </a14:hiddenLine>
+              </a:ext>
+            </a:extLst>
+          </p:spPr>
+          <p:txBody>
+            <a:bodyPr vert="horz" wrap="square" lIns="91440" tIns="45720" rIns="91440" bIns="45720" numCol="1" anchor="t" anchorCtr="0" compatLnSpc="1"/>
+            <a:p>
+              <a:endParaRPr lang="zh-CN" altLang="en-US"/>
+            </a:p>
+          </p:txBody>
+        </p:sp>
+      </p:grpSp>
+      <p:sp>
+        <p:nvSpPr>
+          <p:cNvPr id="4" name="Rectangle 47"/>
+          <p:cNvSpPr/>
+          <p:nvPr/>
+        </p:nvSpPr>
+        <p:spPr>
+          <a:xfrm>
+            <a:off x="1288212" y="759990"/>
+            <a:ext cx="4914900" cy="492125"/>
+          </a:xfrm>
+          <a:prstGeom prst="rect">
+            <a:avLst/>
+          </a:prstGeom>
+        </p:spPr>
+        <p:txBody>
+          <a:bodyPr wrap="none" lIns="0" tIns="0" rIns="0" bIns="0">
+            <a:spAutoFit/>
+          </a:bodyPr>
+          <a:p>
+            <a:pPr algn="l"/>
+            <a:r>
+              <a:rPr lang="en-US" altLang="zh-CN" sz="3200" b="1" dirty="0" smtClean="0">
+                <a:solidFill>
+                  <a:schemeClr val="bg1"/>
+                </a:solidFill>
+                <a:latin typeface="方正静蕾简体" pitchFamily="2" charset="-122"/>
+                <a:ea typeface="方正静蕾简体" pitchFamily="2" charset="-122"/>
+                <a:cs typeface="Arial" panose="020B0604020202020204" pitchFamily="34" charset="0"/>
+              </a:rPr>
+              <a:t>Content Script  </a:t>
+            </a:r>
+            <a:r>
+              <a:rPr lang="zh-CN" altLang="en-US" sz="3200" b="1" dirty="0" smtClean="0">
+                <a:solidFill>
+                  <a:schemeClr val="bg1"/>
+                </a:solidFill>
+                <a:latin typeface="方正静蕾简体" pitchFamily="2" charset="-122"/>
+                <a:ea typeface="方正静蕾简体" pitchFamily="2" charset="-122"/>
+                <a:cs typeface="Arial" panose="020B0604020202020204" pitchFamily="34" charset="0"/>
+              </a:rPr>
+              <a:t>执行环境</a:t>
+            </a:r>
+            <a:endParaRPr lang="zh-CN" altLang="en-US" sz="3200" b="1" dirty="0" smtClean="0">
+              <a:solidFill>
+                <a:schemeClr val="bg1"/>
+              </a:solidFill>
+              <a:latin typeface="方正静蕾简体" pitchFamily="2" charset="-122"/>
+              <a:ea typeface="方正静蕾简体" pitchFamily="2" charset="-122"/>
+              <a:cs typeface="Arial" panose="020B0604020202020204" pitchFamily="34" charset="0"/>
+            </a:endParaRPr>
+          </a:p>
+        </p:txBody>
+      </p:sp>
+      <p:sp>
+        <p:nvSpPr>
+          <p:cNvPr id="7" name="文本框 6"/>
+          <p:cNvSpPr txBox="1"/>
+          <p:nvPr/>
+        </p:nvSpPr>
+        <p:spPr>
+          <a:xfrm>
+            <a:off x="601980" y="2450465"/>
+            <a:ext cx="386715" cy="368300"/>
+          </a:xfrm>
+          <a:prstGeom prst="rect">
+            <a:avLst/>
+          </a:prstGeom>
+          <a:noFill/>
+        </p:spPr>
+        <p:txBody>
+          <a:bodyPr wrap="none" rtlCol="0" anchor="t">
+            <a:spAutoFit/>
+          </a:bodyPr>
+          <a:p>
+            <a:r>
+              <a:rPr lang="zh-CN" altLang="en-US">
+                <a:solidFill>
+                  <a:schemeClr val="bg1"/>
+                </a:solidFill>
+                <a:sym typeface="Wingdings" panose="05000000000000000000" charset="0"/>
+              </a:rPr>
+              <a:t></a:t>
+            </a:r>
+            <a:endParaRPr lang="zh-CN" altLang="en-US">
+              <a:solidFill>
+                <a:schemeClr val="bg1"/>
+              </a:solidFill>
+              <a:sym typeface="Wingdings" panose="05000000000000000000" charset="0"/>
+            </a:endParaRPr>
+          </a:p>
+        </p:txBody>
+      </p:sp>
+      <p:sp>
+        <p:nvSpPr>
+          <p:cNvPr id="8" name="文本框 7"/>
+          <p:cNvSpPr txBox="1"/>
+          <p:nvPr/>
+        </p:nvSpPr>
+        <p:spPr>
+          <a:xfrm>
+            <a:off x="525780" y="2373630"/>
+            <a:ext cx="7973695" cy="521970"/>
+          </a:xfrm>
+          <a:prstGeom prst="rect">
+            <a:avLst/>
+          </a:prstGeom>
+          <a:noFill/>
+        </p:spPr>
+        <p:txBody>
+          <a:bodyPr wrap="square" rtlCol="0" anchor="t">
+            <a:spAutoFit/>
+          </a:bodyPr>
+          <a:p>
+            <a:r>
+              <a:rPr lang="zh-CN" altLang="en-US" sz="2800">
+                <a:solidFill>
+                  <a:schemeClr val="bg1"/>
+                </a:solidFill>
+              </a:rPr>
+              <a:t>运行在一个单独的被隔离的环境中 </a:t>
+            </a:r>
+            <a:endParaRPr lang="zh-CN" altLang="en-US" sz="2800">
+              <a:solidFill>
+                <a:schemeClr val="bg1"/>
+              </a:solidFill>
+            </a:endParaRPr>
+          </a:p>
+        </p:txBody>
+      </p:sp>
+      <p:sp>
+        <p:nvSpPr>
+          <p:cNvPr id="5" name="文本框 4"/>
+          <p:cNvSpPr txBox="1"/>
+          <p:nvPr/>
+        </p:nvSpPr>
+        <p:spPr>
+          <a:xfrm>
+            <a:off x="601980" y="3124200"/>
+            <a:ext cx="386715" cy="368300"/>
+          </a:xfrm>
+          <a:prstGeom prst="rect">
+            <a:avLst/>
+          </a:prstGeom>
+          <a:noFill/>
+        </p:spPr>
+        <p:txBody>
+          <a:bodyPr wrap="none" rtlCol="0" anchor="t">
+            <a:spAutoFit/>
+          </a:bodyPr>
+          <a:p>
+            <a:r>
+              <a:rPr lang="zh-CN" altLang="en-US">
+                <a:solidFill>
+                  <a:schemeClr val="bg1"/>
+                </a:solidFill>
+                <a:sym typeface="Wingdings" panose="05000000000000000000" charset="0"/>
+              </a:rPr>
+              <a:t></a:t>
+            </a:r>
+            <a:endParaRPr lang="zh-CN" altLang="en-US">
+              <a:solidFill>
+                <a:schemeClr val="bg1"/>
+              </a:solidFill>
+              <a:sym typeface="Wingdings" panose="05000000000000000000" charset="0"/>
+            </a:endParaRPr>
+          </a:p>
+        </p:txBody>
+      </p:sp>
+      <p:sp>
+        <p:nvSpPr>
+          <p:cNvPr id="6" name="文本框 5"/>
+          <p:cNvSpPr txBox="1"/>
+          <p:nvPr/>
+        </p:nvSpPr>
+        <p:spPr>
+          <a:xfrm>
+            <a:off x="1101090" y="3124200"/>
+            <a:ext cx="10368280" cy="521970"/>
+          </a:xfrm>
+          <a:prstGeom prst="rect">
+            <a:avLst/>
+          </a:prstGeom>
+          <a:noFill/>
+        </p:spPr>
+        <p:txBody>
+          <a:bodyPr wrap="square" rtlCol="0" anchor="t">
+            <a:spAutoFit/>
+          </a:bodyPr>
+          <a:p>
+            <a:r>
+              <a:rPr sz="2800">
+                <a:solidFill>
+                  <a:schemeClr val="bg1"/>
+                </a:solidFill>
+              </a:rPr>
+              <a:t>只能访问和操纵页面DOM，但访问不到页面里js的变量和方法等</a:t>
+            </a:r>
+            <a:endParaRPr sz="2800">
+              <a:solidFill>
+                <a:schemeClr val="bg1"/>
+              </a:solidFill>
+            </a:endParaRPr>
+          </a:p>
+        </p:txBody>
+      </p:sp>
+      <p:sp>
+        <p:nvSpPr>
+          <p:cNvPr id="9" name="文本框 8"/>
+          <p:cNvSpPr txBox="1"/>
+          <p:nvPr/>
+        </p:nvSpPr>
+        <p:spPr>
+          <a:xfrm>
+            <a:off x="601980" y="3977640"/>
+            <a:ext cx="386715" cy="368300"/>
+          </a:xfrm>
+          <a:prstGeom prst="rect">
+            <a:avLst/>
+          </a:prstGeom>
+          <a:noFill/>
+        </p:spPr>
+        <p:txBody>
+          <a:bodyPr wrap="none" rtlCol="0" anchor="t">
+            <a:spAutoFit/>
+          </a:bodyPr>
+          <a:p>
+            <a:r>
+              <a:rPr lang="zh-CN" altLang="en-US">
+                <a:solidFill>
+                  <a:schemeClr val="bg1"/>
+                </a:solidFill>
+                <a:sym typeface="Wingdings" panose="05000000000000000000" charset="0"/>
+              </a:rPr>
+              <a:t></a:t>
+            </a:r>
+            <a:endParaRPr lang="zh-CN" altLang="en-US">
+              <a:solidFill>
+                <a:schemeClr val="bg1"/>
+              </a:solidFill>
+              <a:sym typeface="Wingdings" panose="05000000000000000000" charset="0"/>
+            </a:endParaRPr>
+          </a:p>
+        </p:txBody>
+      </p:sp>
+      <p:sp>
+        <p:nvSpPr>
+          <p:cNvPr id="10" name="文本框 9"/>
+          <p:cNvSpPr txBox="1"/>
+          <p:nvPr/>
+        </p:nvSpPr>
+        <p:spPr>
+          <a:xfrm>
+            <a:off x="1101090" y="3900805"/>
+            <a:ext cx="7973695" cy="521970"/>
+          </a:xfrm>
+          <a:prstGeom prst="rect">
+            <a:avLst/>
+          </a:prstGeom>
+          <a:noFill/>
+        </p:spPr>
+        <p:txBody>
+          <a:bodyPr wrap="square" rtlCol="0" anchor="t">
+            <a:spAutoFit/>
+          </a:bodyPr>
+          <a:p>
+            <a:r>
+              <a:rPr lang="zh-CN" altLang="en-US" sz="2800">
+                <a:solidFill>
+                  <a:schemeClr val="bg1"/>
+                </a:solidFill>
+              </a:rPr>
+              <a:t>没有权限访问当前网页脚本的变量和函数 </a:t>
+            </a:r>
+            <a:endParaRPr lang="zh-CN" altLang="en-US" sz="2800">
+              <a:solidFill>
+                <a:schemeClr val="bg1"/>
+              </a:solidFill>
+            </a:endParaRPr>
+          </a:p>
+        </p:txBody>
+      </p:sp>
+      <p:sp>
+        <p:nvSpPr>
+          <p:cNvPr id="12" name="文本框 11"/>
+          <p:cNvSpPr txBox="1"/>
+          <p:nvPr/>
+        </p:nvSpPr>
+        <p:spPr>
+          <a:xfrm>
+            <a:off x="601980" y="1791335"/>
+            <a:ext cx="386715" cy="368300"/>
+          </a:xfrm>
+          <a:prstGeom prst="rect">
+            <a:avLst/>
+          </a:prstGeom>
+          <a:noFill/>
+        </p:spPr>
+        <p:txBody>
+          <a:bodyPr wrap="none" rtlCol="0" anchor="t">
+            <a:spAutoFit/>
+          </a:bodyPr>
+          <a:p>
+            <a:r>
+              <a:rPr lang="zh-CN" altLang="en-US">
+                <a:solidFill>
+                  <a:schemeClr val="bg1"/>
+                </a:solidFill>
+                <a:sym typeface="Wingdings" panose="05000000000000000000" charset="0"/>
+              </a:rPr>
+              <a:t></a:t>
+            </a:r>
+            <a:endParaRPr lang="zh-CN" altLang="en-US">
+              <a:solidFill>
+                <a:schemeClr val="bg1"/>
+              </a:solidFill>
+              <a:sym typeface="Wingdings" panose="05000000000000000000" charset="0"/>
+            </a:endParaRPr>
+          </a:p>
+        </p:txBody>
+      </p:sp>
+      <p:sp>
+        <p:nvSpPr>
+          <p:cNvPr id="13" name="文本框 12"/>
+          <p:cNvSpPr txBox="1"/>
+          <p:nvPr/>
+        </p:nvSpPr>
+        <p:spPr>
+          <a:xfrm>
+            <a:off x="1101090" y="1714500"/>
+            <a:ext cx="10015220" cy="521970"/>
+          </a:xfrm>
+          <a:prstGeom prst="rect">
+            <a:avLst/>
+          </a:prstGeom>
+          <a:noFill/>
+        </p:spPr>
+        <p:txBody>
+          <a:bodyPr wrap="square" rtlCol="0" anchor="t">
+            <a:spAutoFit/>
+          </a:bodyPr>
+          <a:p>
+            <a:r>
+              <a:rPr lang="zh-CN" altLang="en-US" sz="2800">
+                <a:solidFill>
+                  <a:schemeClr val="bg1"/>
+                </a:solidFill>
+              </a:rPr>
+              <a:t>content_scripts属性可以指定将哪些脚本何时注入到哪些页面中</a:t>
+            </a:r>
+            <a:endParaRPr lang="zh-CN" altLang="en-US" sz="2800">
+              <a:solidFill>
+                <a:schemeClr val="bg1"/>
+              </a:solidFill>
+            </a:endParaRPr>
+          </a:p>
+        </p:txBody>
+      </p:sp>
+    </p:spTree>
+  </p:cSld>
+  <p:clrMapOvr>
+    <a:masterClrMapping/>
+  </p:clrMapOvr>
+</p:sld>
+</file>
+
+<file path=ppt/slides/slide21.xml><?xml version="1.0" encoding="utf-8"?>
+<p:sld xmlns:a="http://schemas.openxmlformats.org/drawingml/2006/main" xmlns:r="http://schemas.openxmlformats.org/officeDocument/2006/relationships" xmlns:p="http://schemas.openxmlformats.org/presentationml/2006/main">
+  <p:cSld>
+    <p:spTree>
+      <p:nvGrpSpPr>
+        <p:cNvPr id="1" name=""/>
+        <p:cNvGrpSpPr/>
+        <p:nvPr/>
+      </p:nvGrpSpPr>
+      <p:grpSpPr/>
+      <p:grpSp>
+        <p:nvGrpSpPr>
+          <p:cNvPr id="103" name="Group 4"/>
+          <p:cNvGrpSpPr>
+            <a:grpSpLocks noChangeAspect="1"/>
+          </p:cNvGrpSpPr>
+          <p:nvPr/>
+        </p:nvGrpSpPr>
+        <p:grpSpPr bwMode="auto">
+          <a:xfrm rot="891772">
+            <a:off x="521512" y="551543"/>
+            <a:ext cx="507974" cy="919389"/>
+            <a:chOff x="472" y="425"/>
+            <a:chExt cx="363" cy="657"/>
+          </a:xfrm>
+        </p:grpSpPr>
+        <p:sp>
+          <p:nvSpPr>
+            <p:cNvPr id="104" name="Freeform 5"/>
+            <p:cNvSpPr>
+              <a:spLocks noEditPoints="1"/>
+            </p:cNvSpPr>
+            <p:nvPr/>
+          </p:nvSpPr>
+          <p:spPr bwMode="auto">
+            <a:xfrm>
+              <a:off x="472" y="425"/>
+              <a:ext cx="335" cy="657"/>
+            </a:xfrm>
+            <a:custGeom>
+              <a:avLst/>
+              <a:gdLst>
+                <a:gd name="T0" fmla="*/ 81 w 154"/>
+                <a:gd name="T1" fmla="*/ 9 h 305"/>
+                <a:gd name="T2" fmla="*/ 48 w 154"/>
+                <a:gd name="T3" fmla="*/ 43 h 305"/>
+                <a:gd name="T4" fmla="*/ 49 w 154"/>
+                <a:gd name="T5" fmla="*/ 47 h 305"/>
+                <a:gd name="T6" fmla="*/ 30 w 154"/>
+                <a:gd name="T7" fmla="*/ 143 h 305"/>
+                <a:gd name="T8" fmla="*/ 21 w 154"/>
+                <a:gd name="T9" fmla="*/ 158 h 305"/>
+                <a:gd name="T10" fmla="*/ 88 w 154"/>
+                <a:gd name="T11" fmla="*/ 243 h 305"/>
+                <a:gd name="T12" fmla="*/ 101 w 154"/>
+                <a:gd name="T13" fmla="*/ 243 h 305"/>
+                <a:gd name="T14" fmla="*/ 91 w 154"/>
+                <a:gd name="T15" fmla="*/ 285 h 305"/>
+                <a:gd name="T16" fmla="*/ 85 w 154"/>
+                <a:gd name="T17" fmla="*/ 275 h 305"/>
+                <a:gd name="T18" fmla="*/ 81 w 154"/>
+                <a:gd name="T19" fmla="*/ 278 h 305"/>
+                <a:gd name="T20" fmla="*/ 85 w 154"/>
+                <a:gd name="T21" fmla="*/ 303 h 305"/>
+                <a:gd name="T22" fmla="*/ 110 w 154"/>
+                <a:gd name="T23" fmla="*/ 247 h 305"/>
+                <a:gd name="T24" fmla="*/ 107 w 154"/>
+                <a:gd name="T25" fmla="*/ 238 h 305"/>
+                <a:gd name="T26" fmla="*/ 85 w 154"/>
+                <a:gd name="T27" fmla="*/ 164 h 305"/>
+                <a:gd name="T28" fmla="*/ 81 w 154"/>
+                <a:gd name="T29" fmla="*/ 151 h 305"/>
+                <a:gd name="T30" fmla="*/ 80 w 154"/>
+                <a:gd name="T31" fmla="*/ 143 h 305"/>
+                <a:gd name="T32" fmla="*/ 67 w 154"/>
+                <a:gd name="T33" fmla="*/ 92 h 305"/>
+                <a:gd name="T34" fmla="*/ 85 w 154"/>
+                <a:gd name="T35" fmla="*/ 39 h 305"/>
+                <a:gd name="T36" fmla="*/ 81 w 154"/>
+                <a:gd name="T37" fmla="*/ 11 h 305"/>
+                <a:gd name="T38" fmla="*/ 103 w 154"/>
+                <a:gd name="T39" fmla="*/ 228 h 305"/>
+                <a:gd name="T40" fmla="*/ 85 w 154"/>
+                <a:gd name="T41" fmla="*/ 174 h 305"/>
+                <a:gd name="T42" fmla="*/ 76 w 154"/>
+                <a:gd name="T43" fmla="*/ 143 h 305"/>
+                <a:gd name="T44" fmla="*/ 78 w 154"/>
+                <a:gd name="T45" fmla="*/ 151 h 305"/>
+                <a:gd name="T46" fmla="*/ 45 w 154"/>
+                <a:gd name="T47" fmla="*/ 189 h 305"/>
+                <a:gd name="T48" fmla="*/ 81 w 154"/>
+                <a:gd name="T49" fmla="*/ 174 h 305"/>
+                <a:gd name="T50" fmla="*/ 85 w 154"/>
+                <a:gd name="T51" fmla="*/ 192 h 305"/>
+                <a:gd name="T52" fmla="*/ 96 w 154"/>
+                <a:gd name="T53" fmla="*/ 231 h 305"/>
+                <a:gd name="T54" fmla="*/ 81 w 154"/>
+                <a:gd name="T55" fmla="*/ 233 h 305"/>
+                <a:gd name="T56" fmla="*/ 36 w 154"/>
+                <a:gd name="T57" fmla="*/ 147 h 305"/>
+                <a:gd name="T58" fmla="*/ 38 w 154"/>
+                <a:gd name="T59" fmla="*/ 143 h 305"/>
+                <a:gd name="T60" fmla="*/ 76 w 154"/>
+                <a:gd name="T61" fmla="*/ 143 h 305"/>
+                <a:gd name="T62" fmla="*/ 75 w 154"/>
+                <a:gd name="T63" fmla="*/ 47 h 305"/>
+                <a:gd name="T64" fmla="*/ 68 w 154"/>
+                <a:gd name="T65" fmla="*/ 75 h 305"/>
+                <a:gd name="T66" fmla="*/ 57 w 154"/>
+                <a:gd name="T67" fmla="*/ 47 h 305"/>
+                <a:gd name="T68" fmla="*/ 57 w 154"/>
+                <a:gd name="T69" fmla="*/ 19 h 305"/>
+                <a:gd name="T70" fmla="*/ 76 w 154"/>
+                <a:gd name="T71" fmla="*/ 43 h 305"/>
+              </a:gdLst>
+              <a:ahLst/>
+              <a:cxnLst>
+                <a:cxn ang="0">
+                  <a:pos x="T0" y="T1"/>
+                </a:cxn>
+                <a:cxn ang="0">
+                  <a:pos x="T2" y="T3"/>
+                </a:cxn>
+                <a:cxn ang="0">
+                  <a:pos x="T4" y="T5"/>
+                </a:cxn>
+                <a:cxn ang="0">
+                  <a:pos x="T6" y="T7"/>
+                </a:cxn>
+                <a:cxn ang="0">
+                  <a:pos x="T8" y="T9"/>
+                </a:cxn>
+                <a:cxn ang="0">
+                  <a:pos x="T10" y="T11"/>
+                </a:cxn>
+                <a:cxn ang="0">
+                  <a:pos x="T12" y="T13"/>
+                </a:cxn>
+                <a:cxn ang="0">
+                  <a:pos x="T14" y="T15"/>
+                </a:cxn>
+                <a:cxn ang="0">
+                  <a:pos x="T16" y="T17"/>
+                </a:cxn>
+                <a:cxn ang="0">
+                  <a:pos x="T18" y="T19"/>
+                </a:cxn>
+                <a:cxn ang="0">
+                  <a:pos x="T20" y="T21"/>
+                </a:cxn>
+                <a:cxn ang="0">
+                  <a:pos x="T22" y="T23"/>
+                </a:cxn>
+                <a:cxn ang="0">
+                  <a:pos x="T24" y="T25"/>
+                </a:cxn>
+                <a:cxn ang="0">
+                  <a:pos x="T26" y="T27"/>
+                </a:cxn>
+                <a:cxn ang="0">
+                  <a:pos x="T28" y="T29"/>
+                </a:cxn>
+                <a:cxn ang="0">
+                  <a:pos x="T30" y="T31"/>
+                </a:cxn>
+                <a:cxn ang="0">
+                  <a:pos x="T32" y="T33"/>
+                </a:cxn>
+                <a:cxn ang="0">
+                  <a:pos x="T34" y="T35"/>
+                </a:cxn>
+                <a:cxn ang="0">
+                  <a:pos x="T36" y="T37"/>
+                </a:cxn>
+                <a:cxn ang="0">
+                  <a:pos x="T38" y="T39"/>
+                </a:cxn>
+                <a:cxn ang="0">
+                  <a:pos x="T40" y="T41"/>
+                </a:cxn>
+                <a:cxn ang="0">
+                  <a:pos x="T42" y="T43"/>
+                </a:cxn>
+                <a:cxn ang="0">
+                  <a:pos x="T44" y="T45"/>
+                </a:cxn>
+                <a:cxn ang="0">
+                  <a:pos x="T46" y="T47"/>
+                </a:cxn>
+                <a:cxn ang="0">
+                  <a:pos x="T48" y="T49"/>
+                </a:cxn>
+                <a:cxn ang="0">
+                  <a:pos x="T50" y="T51"/>
+                </a:cxn>
+                <a:cxn ang="0">
+                  <a:pos x="T52" y="T53"/>
+                </a:cxn>
+                <a:cxn ang="0">
+                  <a:pos x="T54" y="T55"/>
+                </a:cxn>
+                <a:cxn ang="0">
+                  <a:pos x="T56" y="T57"/>
+                </a:cxn>
+                <a:cxn ang="0">
+                  <a:pos x="T58" y="T59"/>
+                </a:cxn>
+                <a:cxn ang="0">
+                  <a:pos x="T60" y="T61"/>
+                </a:cxn>
+                <a:cxn ang="0">
+                  <a:pos x="T62" y="T63"/>
+                </a:cxn>
+                <a:cxn ang="0">
+                  <a:pos x="T64" y="T65"/>
+                </a:cxn>
+                <a:cxn ang="0">
+                  <a:pos x="T66" y="T67"/>
+                </a:cxn>
+                <a:cxn ang="0">
+                  <a:pos x="T68" y="T69"/>
+                </a:cxn>
+                <a:cxn ang="0">
+                  <a:pos x="T70" y="T71"/>
+                </a:cxn>
+              </a:cxnLst>
+              <a:rect l="0" t="0" r="r" b="b"/>
+              <a:pathLst>
+                <a:path w="154" h="305">
+                  <a:moveTo>
+                    <a:pt x="81" y="11"/>
+                  </a:moveTo>
+                  <a:cubicBezTo>
+                    <a:pt x="81" y="10"/>
+                    <a:pt x="81" y="10"/>
+                    <a:pt x="81" y="9"/>
+                  </a:cubicBezTo>
+                  <a:cubicBezTo>
+                    <a:pt x="78" y="2"/>
+                    <a:pt x="64" y="0"/>
+                    <a:pt x="58" y="4"/>
+                  </a:cubicBezTo>
+                  <a:cubicBezTo>
+                    <a:pt x="48" y="10"/>
+                    <a:pt x="47" y="33"/>
+                    <a:pt x="48" y="43"/>
+                  </a:cubicBezTo>
+                  <a:cubicBezTo>
+                    <a:pt x="48" y="43"/>
+                    <a:pt x="48" y="43"/>
+                    <a:pt x="48" y="43"/>
+                  </a:cubicBezTo>
+                  <a:cubicBezTo>
+                    <a:pt x="48" y="44"/>
+                    <a:pt x="48" y="46"/>
+                    <a:pt x="49" y="47"/>
+                  </a:cubicBezTo>
+                  <a:cubicBezTo>
+                    <a:pt x="51" y="63"/>
+                    <a:pt x="56" y="78"/>
+                    <a:pt x="61" y="93"/>
+                  </a:cubicBezTo>
+                  <a:cubicBezTo>
+                    <a:pt x="52" y="110"/>
+                    <a:pt x="39" y="126"/>
+                    <a:pt x="30" y="143"/>
+                  </a:cubicBezTo>
+                  <a:cubicBezTo>
+                    <a:pt x="29" y="144"/>
+                    <a:pt x="28" y="146"/>
+                    <a:pt x="27" y="147"/>
+                  </a:cubicBezTo>
+                  <a:cubicBezTo>
+                    <a:pt x="25" y="151"/>
+                    <a:pt x="23" y="154"/>
+                    <a:pt x="21" y="158"/>
+                  </a:cubicBezTo>
+                  <a:cubicBezTo>
+                    <a:pt x="0" y="205"/>
+                    <a:pt x="32" y="238"/>
+                    <a:pt x="69" y="243"/>
+                  </a:cubicBezTo>
+                  <a:cubicBezTo>
+                    <a:pt x="75" y="244"/>
+                    <a:pt x="82" y="244"/>
+                    <a:pt x="88" y="243"/>
+                  </a:cubicBezTo>
+                  <a:cubicBezTo>
+                    <a:pt x="92" y="242"/>
+                    <a:pt x="96" y="242"/>
+                    <a:pt x="100" y="240"/>
+                  </a:cubicBezTo>
+                  <a:cubicBezTo>
+                    <a:pt x="100" y="241"/>
+                    <a:pt x="100" y="242"/>
+                    <a:pt x="101" y="243"/>
+                  </a:cubicBezTo>
+                  <a:cubicBezTo>
+                    <a:pt x="101" y="244"/>
+                    <a:pt x="101" y="246"/>
+                    <a:pt x="102" y="247"/>
+                  </a:cubicBezTo>
+                  <a:cubicBezTo>
+                    <a:pt x="104" y="258"/>
+                    <a:pt x="103" y="270"/>
+                    <a:pt x="91" y="285"/>
+                  </a:cubicBezTo>
+                  <a:cubicBezTo>
+                    <a:pt x="91" y="284"/>
+                    <a:pt x="91" y="284"/>
+                    <a:pt x="91" y="284"/>
+                  </a:cubicBezTo>
+                  <a:cubicBezTo>
+                    <a:pt x="92" y="280"/>
+                    <a:pt x="89" y="276"/>
+                    <a:pt x="85" y="275"/>
+                  </a:cubicBezTo>
+                  <a:cubicBezTo>
+                    <a:pt x="84" y="275"/>
+                    <a:pt x="82" y="276"/>
+                    <a:pt x="81" y="277"/>
+                  </a:cubicBezTo>
+                  <a:cubicBezTo>
+                    <a:pt x="81" y="277"/>
+                    <a:pt x="81" y="277"/>
+                    <a:pt x="81" y="278"/>
+                  </a:cubicBezTo>
+                  <a:cubicBezTo>
+                    <a:pt x="74" y="285"/>
+                    <a:pt x="75" y="295"/>
+                    <a:pt x="81" y="300"/>
+                  </a:cubicBezTo>
+                  <a:cubicBezTo>
+                    <a:pt x="82" y="301"/>
+                    <a:pt x="84" y="302"/>
+                    <a:pt x="85" y="303"/>
+                  </a:cubicBezTo>
+                  <a:cubicBezTo>
+                    <a:pt x="88" y="304"/>
+                    <a:pt x="92" y="305"/>
+                    <a:pt x="97" y="304"/>
+                  </a:cubicBezTo>
+                  <a:cubicBezTo>
+                    <a:pt x="120" y="297"/>
+                    <a:pt x="117" y="271"/>
+                    <a:pt x="110" y="247"/>
+                  </a:cubicBezTo>
+                  <a:cubicBezTo>
+                    <a:pt x="109" y="246"/>
+                    <a:pt x="109" y="244"/>
+                    <a:pt x="109" y="243"/>
+                  </a:cubicBezTo>
+                  <a:cubicBezTo>
+                    <a:pt x="108" y="241"/>
+                    <a:pt x="107" y="239"/>
+                    <a:pt x="107" y="238"/>
+                  </a:cubicBezTo>
+                  <a:cubicBezTo>
+                    <a:pt x="117" y="233"/>
+                    <a:pt x="127" y="226"/>
+                    <a:pt x="134" y="215"/>
+                  </a:cubicBezTo>
+                  <a:cubicBezTo>
+                    <a:pt x="154" y="188"/>
+                    <a:pt x="117" y="163"/>
+                    <a:pt x="85" y="164"/>
+                  </a:cubicBezTo>
+                  <a:cubicBezTo>
+                    <a:pt x="84" y="164"/>
+                    <a:pt x="84" y="164"/>
+                    <a:pt x="83" y="164"/>
+                  </a:cubicBezTo>
+                  <a:cubicBezTo>
+                    <a:pt x="83" y="159"/>
+                    <a:pt x="82" y="155"/>
+                    <a:pt x="81" y="151"/>
+                  </a:cubicBezTo>
+                  <a:cubicBezTo>
+                    <a:pt x="81" y="149"/>
+                    <a:pt x="81" y="148"/>
+                    <a:pt x="80" y="147"/>
+                  </a:cubicBezTo>
+                  <a:cubicBezTo>
+                    <a:pt x="80" y="146"/>
+                    <a:pt x="80" y="144"/>
+                    <a:pt x="80" y="143"/>
+                  </a:cubicBezTo>
+                  <a:cubicBezTo>
+                    <a:pt x="77" y="131"/>
+                    <a:pt x="75" y="119"/>
+                    <a:pt x="72" y="108"/>
+                  </a:cubicBezTo>
+                  <a:cubicBezTo>
+                    <a:pt x="71" y="103"/>
+                    <a:pt x="69" y="97"/>
+                    <a:pt x="67" y="92"/>
+                  </a:cubicBezTo>
+                  <a:cubicBezTo>
+                    <a:pt x="73" y="81"/>
+                    <a:pt x="78" y="71"/>
+                    <a:pt x="81" y="60"/>
+                  </a:cubicBezTo>
+                  <a:cubicBezTo>
+                    <a:pt x="83" y="53"/>
+                    <a:pt x="85" y="46"/>
+                    <a:pt x="85" y="39"/>
+                  </a:cubicBezTo>
+                  <a:cubicBezTo>
+                    <a:pt x="85" y="35"/>
+                    <a:pt x="85" y="32"/>
+                    <a:pt x="85" y="29"/>
+                  </a:cubicBezTo>
+                  <a:cubicBezTo>
+                    <a:pt x="85" y="23"/>
+                    <a:pt x="83" y="17"/>
+                    <a:pt x="81" y="11"/>
+                  </a:cubicBezTo>
+                  <a:close/>
+                  <a:moveTo>
+                    <a:pt x="109" y="225"/>
+                  </a:moveTo>
+                  <a:cubicBezTo>
+                    <a:pt x="107" y="226"/>
+                    <a:pt x="105" y="228"/>
+                    <a:pt x="103" y="228"/>
+                  </a:cubicBezTo>
+                  <a:cubicBezTo>
+                    <a:pt x="101" y="222"/>
+                    <a:pt x="98" y="216"/>
+                    <a:pt x="97" y="213"/>
+                  </a:cubicBezTo>
+                  <a:cubicBezTo>
+                    <a:pt x="92" y="200"/>
+                    <a:pt x="88" y="187"/>
+                    <a:pt x="85" y="174"/>
+                  </a:cubicBezTo>
+                  <a:cubicBezTo>
+                    <a:pt x="115" y="174"/>
+                    <a:pt x="144" y="202"/>
+                    <a:pt x="109" y="225"/>
+                  </a:cubicBezTo>
+                  <a:close/>
+                  <a:moveTo>
+                    <a:pt x="76" y="143"/>
+                  </a:moveTo>
+                  <a:cubicBezTo>
+                    <a:pt x="76" y="144"/>
+                    <a:pt x="76" y="146"/>
+                    <a:pt x="77" y="147"/>
+                  </a:cubicBezTo>
+                  <a:cubicBezTo>
+                    <a:pt x="77" y="148"/>
+                    <a:pt x="77" y="150"/>
+                    <a:pt x="78" y="151"/>
+                  </a:cubicBezTo>
+                  <a:cubicBezTo>
+                    <a:pt x="78" y="155"/>
+                    <a:pt x="79" y="160"/>
+                    <a:pt x="80" y="164"/>
+                  </a:cubicBezTo>
+                  <a:cubicBezTo>
+                    <a:pt x="64" y="165"/>
+                    <a:pt x="50" y="173"/>
+                    <a:pt x="45" y="189"/>
+                  </a:cubicBezTo>
+                  <a:cubicBezTo>
+                    <a:pt x="44" y="192"/>
+                    <a:pt x="49" y="194"/>
+                    <a:pt x="51" y="191"/>
+                  </a:cubicBezTo>
+                  <a:cubicBezTo>
+                    <a:pt x="59" y="180"/>
+                    <a:pt x="70" y="175"/>
+                    <a:pt x="81" y="174"/>
+                  </a:cubicBezTo>
+                  <a:cubicBezTo>
+                    <a:pt x="81" y="174"/>
+                    <a:pt x="82" y="174"/>
+                    <a:pt x="82" y="174"/>
+                  </a:cubicBezTo>
+                  <a:cubicBezTo>
+                    <a:pt x="83" y="180"/>
+                    <a:pt x="84" y="186"/>
+                    <a:pt x="85" y="192"/>
+                  </a:cubicBezTo>
+                  <a:cubicBezTo>
+                    <a:pt x="87" y="199"/>
+                    <a:pt x="88" y="207"/>
+                    <a:pt x="91" y="214"/>
+                  </a:cubicBezTo>
+                  <a:cubicBezTo>
+                    <a:pt x="92" y="220"/>
+                    <a:pt x="94" y="226"/>
+                    <a:pt x="96" y="231"/>
+                  </a:cubicBezTo>
+                  <a:cubicBezTo>
+                    <a:pt x="93" y="232"/>
+                    <a:pt x="89" y="233"/>
+                    <a:pt x="85" y="233"/>
+                  </a:cubicBezTo>
+                  <a:cubicBezTo>
+                    <a:pt x="84" y="233"/>
+                    <a:pt x="82" y="233"/>
+                    <a:pt x="81" y="233"/>
+                  </a:cubicBezTo>
+                  <a:cubicBezTo>
+                    <a:pt x="67" y="233"/>
+                    <a:pt x="52" y="228"/>
+                    <a:pt x="41" y="223"/>
+                  </a:cubicBezTo>
+                  <a:cubicBezTo>
+                    <a:pt x="9" y="206"/>
+                    <a:pt x="24" y="170"/>
+                    <a:pt x="36" y="147"/>
+                  </a:cubicBezTo>
+                  <a:cubicBezTo>
+                    <a:pt x="36" y="146"/>
+                    <a:pt x="36" y="145"/>
+                    <a:pt x="37" y="144"/>
+                  </a:cubicBezTo>
+                  <a:cubicBezTo>
+                    <a:pt x="37" y="144"/>
+                    <a:pt x="37" y="143"/>
+                    <a:pt x="38" y="143"/>
+                  </a:cubicBezTo>
+                  <a:cubicBezTo>
+                    <a:pt x="45" y="130"/>
+                    <a:pt x="54" y="116"/>
+                    <a:pt x="63" y="100"/>
+                  </a:cubicBezTo>
+                  <a:cubicBezTo>
+                    <a:pt x="67" y="114"/>
+                    <a:pt x="72" y="129"/>
+                    <a:pt x="76" y="143"/>
+                  </a:cubicBezTo>
+                  <a:close/>
+                  <a:moveTo>
+                    <a:pt x="76" y="43"/>
+                  </a:moveTo>
+                  <a:cubicBezTo>
+                    <a:pt x="76" y="44"/>
+                    <a:pt x="75" y="46"/>
+                    <a:pt x="75" y="47"/>
+                  </a:cubicBezTo>
+                  <a:cubicBezTo>
+                    <a:pt x="75" y="47"/>
+                    <a:pt x="75" y="48"/>
+                    <a:pt x="75" y="48"/>
+                  </a:cubicBezTo>
+                  <a:cubicBezTo>
+                    <a:pt x="74" y="57"/>
+                    <a:pt x="71" y="66"/>
+                    <a:pt x="68" y="75"/>
+                  </a:cubicBezTo>
+                  <a:cubicBezTo>
+                    <a:pt x="67" y="78"/>
+                    <a:pt x="66" y="81"/>
+                    <a:pt x="65" y="83"/>
+                  </a:cubicBezTo>
+                  <a:cubicBezTo>
+                    <a:pt x="61" y="71"/>
+                    <a:pt x="58" y="59"/>
+                    <a:pt x="57" y="47"/>
+                  </a:cubicBezTo>
+                  <a:cubicBezTo>
+                    <a:pt x="57" y="46"/>
+                    <a:pt x="56" y="44"/>
+                    <a:pt x="56" y="43"/>
+                  </a:cubicBezTo>
+                  <a:cubicBezTo>
+                    <a:pt x="56" y="35"/>
+                    <a:pt x="56" y="27"/>
+                    <a:pt x="57" y="19"/>
+                  </a:cubicBezTo>
+                  <a:cubicBezTo>
+                    <a:pt x="58" y="12"/>
+                    <a:pt x="64" y="13"/>
+                    <a:pt x="77" y="23"/>
+                  </a:cubicBezTo>
+                  <a:cubicBezTo>
+                    <a:pt x="77" y="30"/>
+                    <a:pt x="77" y="36"/>
+                    <a:pt x="76" y="43"/>
+                  </a:cubicBezTo>
+                  <a:close/>
+                </a:path>
+              </a:pathLst>
+            </a:custGeom>
+            <a:solidFill>
+              <a:srgbClr val="F2F2F2"/>
+            </a:solidFill>
+            <a:ln>
+              <a:noFill/>
+            </a:ln>
+            <a:extLst>
+              <a:ext uri="{91240B29-F687-4F45-9708-019B960494DF}">
+                <a14:hiddenLine xmlns:a14="http://schemas.microsoft.com/office/drawing/2010/main" w="9525">
+                  <a:solidFill>
+                    <a:srgbClr val="000000"/>
+                  </a:solidFill>
+                  <a:round/>
+                </a14:hiddenLine>
+              </a:ext>
+            </a:extLst>
+          </p:spPr>
+          <p:txBody>
+            <a:bodyPr vert="horz" wrap="square" lIns="91440" tIns="45720" rIns="91440" bIns="45720" numCol="1" anchor="t" anchorCtr="0" compatLnSpc="1"/>
+            <a:p>
+              <a:endParaRPr lang="zh-CN" altLang="en-US"/>
+            </a:p>
+          </p:txBody>
+        </p:sp>
+        <p:sp>
+          <p:nvSpPr>
+            <p:cNvPr id="105" name="Freeform 6"/>
+            <p:cNvSpPr/>
+            <p:nvPr/>
+          </p:nvSpPr>
+          <p:spPr bwMode="auto">
+            <a:xfrm>
+              <a:off x="735" y="774"/>
+              <a:ext cx="61" cy="52"/>
+            </a:xfrm>
+            <a:custGeom>
+              <a:avLst/>
+              <a:gdLst>
+                <a:gd name="T0" fmla="*/ 25 w 28"/>
+                <a:gd name="T1" fmla="*/ 23 h 24"/>
+                <a:gd name="T2" fmla="*/ 27 w 28"/>
+                <a:gd name="T3" fmla="*/ 21 h 24"/>
+                <a:gd name="T4" fmla="*/ 3 w 28"/>
+                <a:gd name="T5" fmla="*/ 1 h 24"/>
+                <a:gd name="T6" fmla="*/ 2 w 28"/>
+                <a:gd name="T7" fmla="*/ 4 h 24"/>
+                <a:gd name="T8" fmla="*/ 25 w 28"/>
+                <a:gd name="T9" fmla="*/ 23 h 24"/>
+              </a:gdLst>
+              <a:ahLst/>
+              <a:cxnLst>
+                <a:cxn ang="0">
+                  <a:pos x="T0" y="T1"/>
+                </a:cxn>
+                <a:cxn ang="0">
+                  <a:pos x="T2" y="T3"/>
+                </a:cxn>
+                <a:cxn ang="0">
+                  <a:pos x="T4" y="T5"/>
+                </a:cxn>
+                <a:cxn ang="0">
+                  <a:pos x="T6" y="T7"/>
+                </a:cxn>
+                <a:cxn ang="0">
+                  <a:pos x="T8" y="T9"/>
+                </a:cxn>
+              </a:cxnLst>
+              <a:rect l="0" t="0" r="r" b="b"/>
+              <a:pathLst>
+                <a:path w="28" h="24">
+                  <a:moveTo>
+                    <a:pt x="25" y="23"/>
+                  </a:moveTo>
+                  <a:cubicBezTo>
+                    <a:pt x="26" y="24"/>
+                    <a:pt x="28" y="23"/>
+                    <a:pt x="27" y="21"/>
+                  </a:cubicBezTo>
+                  <a:cubicBezTo>
+                    <a:pt x="24" y="10"/>
+                    <a:pt x="13" y="4"/>
+                    <a:pt x="3" y="1"/>
+                  </a:cubicBezTo>
+                  <a:cubicBezTo>
+                    <a:pt x="1" y="0"/>
+                    <a:pt x="0" y="3"/>
+                    <a:pt x="2" y="4"/>
+                  </a:cubicBezTo>
+                  <a:cubicBezTo>
+                    <a:pt x="10" y="10"/>
+                    <a:pt x="17" y="17"/>
+                    <a:pt x="25" y="23"/>
+                  </a:cubicBezTo>
+                  <a:close/>
+                </a:path>
+              </a:pathLst>
+            </a:custGeom>
+            <a:solidFill>
+              <a:srgbClr val="F2F2F2"/>
+            </a:solidFill>
+            <a:ln>
+              <a:noFill/>
+            </a:ln>
+            <a:extLst>
+              <a:ext uri="{91240B29-F687-4F45-9708-019B960494DF}">
+                <a14:hiddenLine xmlns:a14="http://schemas.microsoft.com/office/drawing/2010/main" w="9525">
+                  <a:solidFill>
+                    <a:srgbClr val="000000"/>
+                  </a:solidFill>
+                  <a:round/>
+                </a14:hiddenLine>
+              </a:ext>
+            </a:extLst>
+          </p:spPr>
+          <p:txBody>
+            <a:bodyPr vert="horz" wrap="square" lIns="91440" tIns="45720" rIns="91440" bIns="45720" numCol="1" anchor="t" anchorCtr="0" compatLnSpc="1"/>
+            <a:p>
+              <a:endParaRPr lang="zh-CN" altLang="en-US"/>
+            </a:p>
+          </p:txBody>
+        </p:sp>
+        <p:sp>
+          <p:nvSpPr>
+            <p:cNvPr id="106" name="Freeform 7"/>
+            <p:cNvSpPr/>
+            <p:nvPr/>
+          </p:nvSpPr>
+          <p:spPr bwMode="auto">
+            <a:xfrm>
+              <a:off x="759" y="748"/>
+              <a:ext cx="76" cy="50"/>
+            </a:xfrm>
+            <a:custGeom>
+              <a:avLst/>
+              <a:gdLst>
+                <a:gd name="T0" fmla="*/ 3 w 35"/>
+                <a:gd name="T1" fmla="*/ 1 h 23"/>
+                <a:gd name="T2" fmla="*/ 3 w 35"/>
+                <a:gd name="T3" fmla="*/ 5 h 23"/>
+                <a:gd name="T4" fmla="*/ 17 w 35"/>
+                <a:gd name="T5" fmla="*/ 11 h 23"/>
+                <a:gd name="T6" fmla="*/ 31 w 35"/>
+                <a:gd name="T7" fmla="*/ 22 h 23"/>
+                <a:gd name="T8" fmla="*/ 34 w 35"/>
+                <a:gd name="T9" fmla="*/ 20 h 23"/>
+                <a:gd name="T10" fmla="*/ 3 w 35"/>
+                <a:gd name="T11" fmla="*/ 1 h 23"/>
+              </a:gdLst>
+              <a:ahLst/>
+              <a:cxnLst>
+                <a:cxn ang="0">
+                  <a:pos x="T0" y="T1"/>
+                </a:cxn>
+                <a:cxn ang="0">
+                  <a:pos x="T2" y="T3"/>
+                </a:cxn>
+                <a:cxn ang="0">
+                  <a:pos x="T4" y="T5"/>
+                </a:cxn>
+                <a:cxn ang="0">
+                  <a:pos x="T6" y="T7"/>
+                </a:cxn>
+                <a:cxn ang="0">
+                  <a:pos x="T8" y="T9"/>
+                </a:cxn>
+                <a:cxn ang="0">
+                  <a:pos x="T10" y="T11"/>
+                </a:cxn>
+              </a:cxnLst>
+              <a:rect l="0" t="0" r="r" b="b"/>
+              <a:pathLst>
+                <a:path w="35" h="23">
+                  <a:moveTo>
+                    <a:pt x="3" y="1"/>
+                  </a:moveTo>
+                  <a:cubicBezTo>
+                    <a:pt x="1" y="1"/>
+                    <a:pt x="0" y="4"/>
+                    <a:pt x="3" y="5"/>
+                  </a:cubicBezTo>
+                  <a:cubicBezTo>
+                    <a:pt x="8" y="6"/>
+                    <a:pt x="13" y="8"/>
+                    <a:pt x="17" y="11"/>
+                  </a:cubicBezTo>
+                  <a:cubicBezTo>
+                    <a:pt x="22" y="15"/>
+                    <a:pt x="26" y="19"/>
+                    <a:pt x="31" y="22"/>
+                  </a:cubicBezTo>
+                  <a:cubicBezTo>
+                    <a:pt x="33" y="23"/>
+                    <a:pt x="35" y="22"/>
+                    <a:pt x="34" y="20"/>
+                  </a:cubicBezTo>
+                  <a:cubicBezTo>
+                    <a:pt x="30" y="8"/>
+                    <a:pt x="16" y="0"/>
+                    <a:pt x="3" y="1"/>
+                  </a:cubicBezTo>
+                  <a:close/>
+                </a:path>
+              </a:pathLst>
+            </a:custGeom>
+            <a:solidFill>
+              <a:srgbClr val="F2F2F2"/>
+            </a:solidFill>
+            <a:ln>
+              <a:noFill/>
+            </a:ln>
+            <a:extLst>
+              <a:ext uri="{91240B29-F687-4F45-9708-019B960494DF}">
+                <a14:hiddenLine xmlns:a14="http://schemas.microsoft.com/office/drawing/2010/main" w="9525">
+                  <a:solidFill>
+                    <a:srgbClr val="000000"/>
+                  </a:solidFill>
+                  <a:round/>
+                </a14:hiddenLine>
+              </a:ext>
+            </a:extLst>
+          </p:spPr>
+          <p:txBody>
+            <a:bodyPr vert="horz" wrap="square" lIns="91440" tIns="45720" rIns="91440" bIns="45720" numCol="1" anchor="t" anchorCtr="0" compatLnSpc="1"/>
+            <a:p>
+              <a:endParaRPr lang="zh-CN" altLang="en-US"/>
+            </a:p>
+          </p:txBody>
+        </p:sp>
+      </p:grpSp>
+      <p:sp>
+        <p:nvSpPr>
+          <p:cNvPr id="4" name="Rectangle 47"/>
+          <p:cNvSpPr/>
+          <p:nvPr/>
+        </p:nvSpPr>
+        <p:spPr>
+          <a:xfrm>
+            <a:off x="1288212" y="759990"/>
+            <a:ext cx="3277870" cy="492125"/>
+          </a:xfrm>
+          <a:prstGeom prst="rect">
+            <a:avLst/>
+          </a:prstGeom>
+        </p:spPr>
+        <p:txBody>
+          <a:bodyPr wrap="none" lIns="0" tIns="0" rIns="0" bIns="0">
+            <a:spAutoFit/>
+          </a:bodyPr>
+          <a:p>
+            <a:pPr algn="l"/>
+            <a:r>
+              <a:rPr lang="en-US" sz="3200" b="1" dirty="0" smtClean="0">
+                <a:solidFill>
+                  <a:schemeClr val="bg1"/>
+                </a:solidFill>
+                <a:latin typeface="方正静蕾简体" pitchFamily="2" charset="-122"/>
+                <a:ea typeface="方正静蕾简体" pitchFamily="2" charset="-122"/>
+                <a:cs typeface="Arial" panose="020B0604020202020204" pitchFamily="34" charset="0"/>
+              </a:rPr>
+              <a:t>Page Action </a:t>
+            </a:r>
+            <a:r>
+              <a:rPr lang="zh-CN" altLang="en-US" sz="3200" b="1" dirty="0" smtClean="0">
+                <a:solidFill>
+                  <a:schemeClr val="bg1"/>
+                </a:solidFill>
+                <a:latin typeface="方正静蕾简体" pitchFamily="2" charset="-122"/>
+                <a:ea typeface="方正静蕾简体" pitchFamily="2" charset="-122"/>
+                <a:cs typeface="Arial" panose="020B0604020202020204" pitchFamily="34" charset="0"/>
+              </a:rPr>
+              <a:t>总结</a:t>
+            </a:r>
+            <a:endParaRPr lang="zh-CN" altLang="en-US" sz="3200" b="1" dirty="0" smtClean="0">
+              <a:solidFill>
+                <a:schemeClr val="bg1"/>
+              </a:solidFill>
+              <a:latin typeface="方正静蕾简体" pitchFamily="2" charset="-122"/>
+              <a:ea typeface="方正静蕾简体" pitchFamily="2" charset="-122"/>
+              <a:cs typeface="Arial" panose="020B0604020202020204" pitchFamily="34" charset="0"/>
+            </a:endParaRPr>
+          </a:p>
+        </p:txBody>
+      </p:sp>
+      <p:sp>
+        <p:nvSpPr>
+          <p:cNvPr id="9" name="文本框 8"/>
+          <p:cNvSpPr txBox="1"/>
+          <p:nvPr/>
+        </p:nvSpPr>
+        <p:spPr>
+          <a:xfrm>
+            <a:off x="789305" y="2021840"/>
+            <a:ext cx="386715" cy="368300"/>
+          </a:xfrm>
+          <a:prstGeom prst="rect">
+            <a:avLst/>
+          </a:prstGeom>
+          <a:noFill/>
+        </p:spPr>
+        <p:txBody>
+          <a:bodyPr wrap="none" rtlCol="0" anchor="t">
+            <a:spAutoFit/>
+          </a:bodyPr>
+          <a:p>
+            <a:r>
+              <a:rPr lang="zh-CN" altLang="en-US">
+                <a:solidFill>
+                  <a:schemeClr val="bg1"/>
+                </a:solidFill>
+                <a:sym typeface="Wingdings" panose="05000000000000000000" charset="0"/>
+              </a:rPr>
+              <a:t></a:t>
+            </a:r>
+            <a:endParaRPr lang="zh-CN" altLang="en-US">
+              <a:solidFill>
+                <a:schemeClr val="bg1"/>
+              </a:solidFill>
+              <a:sym typeface="Wingdings" panose="05000000000000000000" charset="0"/>
+            </a:endParaRPr>
+          </a:p>
+        </p:txBody>
+      </p:sp>
+      <p:sp>
+        <p:nvSpPr>
+          <p:cNvPr id="10" name="文本框 9"/>
+          <p:cNvSpPr txBox="1"/>
+          <p:nvPr/>
+        </p:nvSpPr>
+        <p:spPr>
+          <a:xfrm>
+            <a:off x="1288415" y="1945005"/>
+            <a:ext cx="7973695" cy="521970"/>
+          </a:xfrm>
+          <a:prstGeom prst="rect">
+            <a:avLst/>
+          </a:prstGeom>
+          <a:noFill/>
+        </p:spPr>
+        <p:txBody>
+          <a:bodyPr wrap="square" rtlCol="0" anchor="t">
+            <a:spAutoFit/>
+          </a:bodyPr>
+          <a:p>
+            <a:r>
+              <a:rPr lang="zh-CN" altLang="en-US" sz="2800">
+                <a:solidFill>
+                  <a:schemeClr val="bg1"/>
+                </a:solidFill>
+              </a:rPr>
+              <a:t>特定页面</a:t>
+            </a:r>
+            <a:endParaRPr lang="zh-CN" altLang="en-US" sz="2800">
+              <a:solidFill>
+                <a:schemeClr val="bg1"/>
+              </a:solidFill>
+            </a:endParaRPr>
+          </a:p>
+        </p:txBody>
+      </p:sp>
+      <p:sp>
+        <p:nvSpPr>
+          <p:cNvPr id="5" name="文本框 4"/>
+          <p:cNvSpPr txBox="1"/>
+          <p:nvPr/>
+        </p:nvSpPr>
+        <p:spPr>
+          <a:xfrm>
+            <a:off x="789305" y="2980690"/>
+            <a:ext cx="386715" cy="368300"/>
+          </a:xfrm>
+          <a:prstGeom prst="rect">
+            <a:avLst/>
+          </a:prstGeom>
+          <a:noFill/>
+        </p:spPr>
+        <p:txBody>
+          <a:bodyPr wrap="none" rtlCol="0" anchor="t">
+            <a:spAutoFit/>
+          </a:bodyPr>
+          <a:p>
+            <a:r>
+              <a:rPr lang="zh-CN" altLang="en-US">
+                <a:solidFill>
+                  <a:schemeClr val="bg1"/>
+                </a:solidFill>
+                <a:sym typeface="Wingdings" panose="05000000000000000000" charset="0"/>
+              </a:rPr>
+              <a:t></a:t>
+            </a:r>
+            <a:endParaRPr lang="zh-CN" altLang="en-US">
+              <a:solidFill>
+                <a:schemeClr val="bg1"/>
+              </a:solidFill>
+              <a:sym typeface="Wingdings" panose="05000000000000000000" charset="0"/>
+            </a:endParaRPr>
+          </a:p>
+        </p:txBody>
+      </p:sp>
+      <p:sp>
+        <p:nvSpPr>
+          <p:cNvPr id="6" name="文本框 5"/>
+          <p:cNvSpPr txBox="1"/>
+          <p:nvPr/>
+        </p:nvSpPr>
+        <p:spPr>
+          <a:xfrm>
+            <a:off x="1288415" y="2903855"/>
+            <a:ext cx="7973695" cy="521970"/>
+          </a:xfrm>
+          <a:prstGeom prst="rect">
+            <a:avLst/>
+          </a:prstGeom>
+          <a:noFill/>
+        </p:spPr>
+        <p:txBody>
+          <a:bodyPr wrap="square" rtlCol="0" anchor="t">
+            <a:spAutoFit/>
+          </a:bodyPr>
+          <a:p>
+            <a:r>
+              <a:rPr lang="en-US" altLang="zh-CN" sz="2800">
+                <a:solidFill>
+                  <a:schemeClr val="bg1"/>
+                </a:solidFill>
+              </a:rPr>
+              <a:t>Content Scripts</a:t>
+            </a:r>
+            <a:r>
+              <a:rPr lang="zh-CN" altLang="en-US" sz="2800">
+                <a:solidFill>
+                  <a:schemeClr val="bg1"/>
+                </a:solidFill>
+              </a:rPr>
+              <a:t> </a:t>
+            </a:r>
+            <a:endParaRPr lang="zh-CN" altLang="en-US" sz="2800">
+              <a:solidFill>
+                <a:schemeClr val="bg1"/>
+              </a:solidFill>
+            </a:endParaRPr>
+          </a:p>
+        </p:txBody>
+      </p:sp>
+      <p:sp>
+        <p:nvSpPr>
+          <p:cNvPr id="7" name="文本框 6"/>
+          <p:cNvSpPr txBox="1"/>
+          <p:nvPr/>
+        </p:nvSpPr>
+        <p:spPr>
+          <a:xfrm>
+            <a:off x="789305" y="3862705"/>
+            <a:ext cx="386715" cy="368300"/>
+          </a:xfrm>
+          <a:prstGeom prst="rect">
+            <a:avLst/>
+          </a:prstGeom>
+          <a:noFill/>
+        </p:spPr>
+        <p:txBody>
+          <a:bodyPr wrap="none" rtlCol="0" anchor="t">
+            <a:spAutoFit/>
+          </a:bodyPr>
+          <a:p>
+            <a:r>
+              <a:rPr lang="zh-CN" altLang="en-US">
+                <a:solidFill>
+                  <a:schemeClr val="bg1"/>
+                </a:solidFill>
+                <a:sym typeface="Wingdings" panose="05000000000000000000" charset="0"/>
+              </a:rPr>
+              <a:t></a:t>
+            </a:r>
+            <a:endParaRPr lang="zh-CN" altLang="en-US">
+              <a:solidFill>
+                <a:schemeClr val="bg1"/>
+              </a:solidFill>
+              <a:sym typeface="Wingdings" panose="05000000000000000000" charset="0"/>
+            </a:endParaRPr>
+          </a:p>
+        </p:txBody>
+      </p:sp>
+      <p:sp>
+        <p:nvSpPr>
+          <p:cNvPr id="8" name="文本框 7"/>
+          <p:cNvSpPr txBox="1"/>
+          <p:nvPr/>
+        </p:nvSpPr>
+        <p:spPr>
+          <a:xfrm>
+            <a:off x="1288415" y="3785870"/>
+            <a:ext cx="7973695" cy="521970"/>
+          </a:xfrm>
+          <a:prstGeom prst="rect">
+            <a:avLst/>
+          </a:prstGeom>
+          <a:noFill/>
+        </p:spPr>
+        <p:txBody>
+          <a:bodyPr wrap="square" rtlCol="0" anchor="t">
+            <a:spAutoFit/>
+          </a:bodyPr>
+          <a:p>
+            <a:r>
+              <a:rPr lang="zh-CN" altLang="en-US" sz="2800">
+                <a:solidFill>
+                  <a:schemeClr val="bg1"/>
+                </a:solidFill>
+              </a:rPr>
+              <a:t>通讯</a:t>
+            </a:r>
+            <a:endParaRPr lang="zh-CN" altLang="en-US" sz="2800">
+              <a:solidFill>
+                <a:schemeClr val="bg1"/>
+              </a:solidFill>
+            </a:endParaRPr>
+          </a:p>
+        </p:txBody>
+      </p:sp>
+      <p:sp>
+        <p:nvSpPr>
+          <p:cNvPr id="12" name="文本框 11"/>
+          <p:cNvSpPr txBox="1"/>
+          <p:nvPr/>
+        </p:nvSpPr>
+        <p:spPr>
+          <a:xfrm>
+            <a:off x="789305" y="4794885"/>
+            <a:ext cx="386715" cy="368300"/>
+          </a:xfrm>
+          <a:prstGeom prst="rect">
+            <a:avLst/>
+          </a:prstGeom>
+          <a:noFill/>
+        </p:spPr>
+        <p:txBody>
+          <a:bodyPr wrap="none" rtlCol="0" anchor="t">
+            <a:spAutoFit/>
+          </a:bodyPr>
+          <a:p>
+            <a:r>
+              <a:rPr lang="zh-CN" altLang="en-US">
+                <a:solidFill>
+                  <a:schemeClr val="bg1"/>
+                </a:solidFill>
+                <a:sym typeface="Wingdings" panose="05000000000000000000" charset="0"/>
+              </a:rPr>
+              <a:t></a:t>
+            </a:r>
+            <a:endParaRPr lang="zh-CN" altLang="en-US">
+              <a:solidFill>
+                <a:schemeClr val="bg1"/>
+              </a:solidFill>
+              <a:sym typeface="Wingdings" panose="05000000000000000000" charset="0"/>
+            </a:endParaRPr>
+          </a:p>
+        </p:txBody>
+      </p:sp>
+      <p:sp>
+        <p:nvSpPr>
+          <p:cNvPr id="13" name="文本框 12"/>
+          <p:cNvSpPr txBox="1"/>
+          <p:nvPr/>
+        </p:nvSpPr>
+        <p:spPr>
+          <a:xfrm>
+            <a:off x="1288415" y="4718050"/>
+            <a:ext cx="7973695" cy="521970"/>
+          </a:xfrm>
+          <a:prstGeom prst="rect">
+            <a:avLst/>
+          </a:prstGeom>
+          <a:noFill/>
+        </p:spPr>
+        <p:txBody>
+          <a:bodyPr wrap="square" rtlCol="0" anchor="t">
+            <a:spAutoFit/>
+          </a:bodyPr>
+          <a:p>
+            <a:r>
+              <a:rPr lang="zh-CN" altLang="en-US" sz="2800">
+                <a:solidFill>
+                  <a:schemeClr val="bg1"/>
+                </a:solidFill>
+              </a:rPr>
+              <a:t>注入 </a:t>
+            </a:r>
+            <a:r>
+              <a:rPr lang="en-US" altLang="zh-CN" sz="2800">
+                <a:solidFill>
+                  <a:schemeClr val="bg1"/>
+                </a:solidFill>
+              </a:rPr>
+              <a:t>JS </a:t>
+            </a:r>
+            <a:r>
+              <a:rPr lang="zh-CN" altLang="en-US" sz="2800">
+                <a:solidFill>
+                  <a:schemeClr val="bg1"/>
+                </a:solidFill>
+              </a:rPr>
+              <a:t>和 </a:t>
+            </a:r>
+            <a:r>
+              <a:rPr lang="en-US" altLang="zh-CN" sz="2800">
+                <a:solidFill>
+                  <a:schemeClr val="bg1"/>
+                </a:solidFill>
+              </a:rPr>
+              <a:t>CSS</a:t>
+            </a:r>
+            <a:endParaRPr lang="en-US" altLang="zh-CN" sz="2800">
               <a:solidFill>
                 <a:schemeClr val="bg1"/>
               </a:solidFill>

--- a/ppt.pptx
+++ b/ppt.pptx
@@ -15552,7 +15552,7 @@
         <p:spPr>
           <a:xfrm>
             <a:off x="7020560" y="4325620"/>
-            <a:ext cx="925195" cy="645160"/>
+            <a:ext cx="783590" cy="368300"/>
           </a:xfrm>
           <a:prstGeom prst="rect">
             <a:avLst/>
@@ -15570,22 +15570,7 @@
                   <a:schemeClr val="bg1"/>
                 </a:solidFill>
               </a:rPr>
-              <a:t>Content</a:t>
-            </a:r>
-            <a:endParaRPr lang="en-US" altLang="zh-CN">
-              <a:solidFill>
-                <a:schemeClr val="bg1"/>
-              </a:solidFill>
-            </a:endParaRPr>
-          </a:p>
-          <a:p>
-            <a:r>
-              <a:rPr lang="en-US" altLang="zh-CN">
-                <a:solidFill>
-                  <a:schemeClr val="bg1"/>
-                </a:solidFill>
-              </a:rPr>
-              <a:t>Scripts</a:t>
+              <a:t>popup</a:t>
             </a:r>
             <a:endParaRPr lang="en-US" altLang="zh-CN">
               <a:solidFill>
@@ -17892,6 +17877,14 @@
             <a:spAutoFit/>
           </a:bodyPr>
           <a:p>
+            <a:r>
+              <a:rPr lang="en-US" altLang="zh-CN" sz="2800">
+                <a:solidFill>
+                  <a:schemeClr val="bg1"/>
+                </a:solidFill>
+              </a:rPr>
+              <a:t>        </a:t>
+            </a:r>
             <a:r>
               <a:rPr lang="zh-CN" altLang="en-US" sz="2800">
                 <a:solidFill>
